--- a/docs/oboe-design-patterns.pptx
+++ b/docs/oboe-design-patterns.pptx
@@ -313,7 +313,7 @@
             <a:fld id="{1D018B56-9006-0B47-A5E8-4FDD23952970}" type="datetimeFigureOut">
               <a:rPr lang="en-US" smtClean="0"/>
               <a:pPr/>
-              <a:t>6/10/10</a:t>
+              <a:t>6/11/10</a:t>
             </a:fld>
             <a:endParaRPr lang="en-US"/>
           </a:p>
@@ -504,7 +504,7 @@
             <a:fld id="{1D018B56-9006-0B47-A5E8-4FDD23952970}" type="datetimeFigureOut">
               <a:rPr lang="en-US" smtClean="0"/>
               <a:pPr/>
-              <a:t>6/10/10</a:t>
+              <a:t>6/11/10</a:t>
             </a:fld>
             <a:endParaRPr lang="en-US"/>
           </a:p>
@@ -705,7 +705,7 @@
             <a:fld id="{1D018B56-9006-0B47-A5E8-4FDD23952970}" type="datetimeFigureOut">
               <a:rPr lang="en-US" smtClean="0"/>
               <a:pPr/>
-              <a:t>6/10/10</a:t>
+              <a:t>6/11/10</a:t>
             </a:fld>
             <a:endParaRPr lang="en-US"/>
           </a:p>
@@ -896,7 +896,7 @@
             <a:fld id="{1D018B56-9006-0B47-A5E8-4FDD23952970}" type="datetimeFigureOut">
               <a:rPr lang="en-US" smtClean="0"/>
               <a:pPr/>
-              <a:t>6/10/10</a:t>
+              <a:t>6/11/10</a:t>
             </a:fld>
             <a:endParaRPr lang="en-US"/>
           </a:p>
@@ -1163,7 +1163,7 @@
             <a:fld id="{1D018B56-9006-0B47-A5E8-4FDD23952970}" type="datetimeFigureOut">
               <a:rPr lang="en-US" smtClean="0"/>
               <a:pPr/>
-              <a:t>6/10/10</a:t>
+              <a:t>6/11/10</a:t>
             </a:fld>
             <a:endParaRPr lang="en-US"/>
           </a:p>
@@ -1472,7 +1472,7 @@
             <a:fld id="{1D018B56-9006-0B47-A5E8-4FDD23952970}" type="datetimeFigureOut">
               <a:rPr lang="en-US" smtClean="0"/>
               <a:pPr/>
-              <a:t>6/10/10</a:t>
+              <a:t>6/11/10</a:t>
             </a:fld>
             <a:endParaRPr lang="en-US"/>
           </a:p>
@@ -1915,7 +1915,7 @@
             <a:fld id="{1D018B56-9006-0B47-A5E8-4FDD23952970}" type="datetimeFigureOut">
               <a:rPr lang="en-US" smtClean="0"/>
               <a:pPr/>
-              <a:t>6/10/10</a:t>
+              <a:t>6/11/10</a:t>
             </a:fld>
             <a:endParaRPr lang="en-US"/>
           </a:p>
@@ -2054,7 +2054,7 @@
             <a:fld id="{1D018B56-9006-0B47-A5E8-4FDD23952970}" type="datetimeFigureOut">
               <a:rPr lang="en-US" smtClean="0"/>
               <a:pPr/>
-              <a:t>6/10/10</a:t>
+              <a:t>6/11/10</a:t>
             </a:fld>
             <a:endParaRPr lang="en-US"/>
           </a:p>
@@ -2170,7 +2170,7 @@
             <a:fld id="{1D018B56-9006-0B47-A5E8-4FDD23952970}" type="datetimeFigureOut">
               <a:rPr lang="en-US" smtClean="0"/>
               <a:pPr/>
-              <a:t>6/10/10</a:t>
+              <a:t>6/11/10</a:t>
             </a:fld>
             <a:endParaRPr lang="en-US"/>
           </a:p>
@@ -2468,7 +2468,7 @@
             <a:fld id="{1D018B56-9006-0B47-A5E8-4FDD23952970}" type="datetimeFigureOut">
               <a:rPr lang="en-US" smtClean="0"/>
               <a:pPr/>
-              <a:t>6/10/10</a:t>
+              <a:t>6/11/10</a:t>
             </a:fld>
             <a:endParaRPr lang="en-US"/>
           </a:p>
@@ -2742,7 +2742,7 @@
             <a:fld id="{1D018B56-9006-0B47-A5E8-4FDD23952970}" type="datetimeFigureOut">
               <a:rPr lang="en-US" smtClean="0"/>
               <a:pPr/>
-              <a:t>6/10/10</a:t>
+              <a:t>6/11/10</a:t>
             </a:fld>
             <a:endParaRPr lang="en-US"/>
           </a:p>
@@ -3311,7 +3311,7 @@
         <p:spPr>
           <a:xfrm>
             <a:off x="152400" y="6336268"/>
-            <a:ext cx="3677922" cy="369332"/>
+            <a:ext cx="3205775" cy="369332"/>
           </a:xfrm>
           <a:prstGeom prst="rect">
             <a:avLst/>
@@ -3328,7 +3328,21 @@
                 <a:latin typeface="Calibri"/>
                 <a:cs typeface="Calibri"/>
               </a:rPr>
-              <a:t>Based on OBOE v1.1 beta, June, 2010</a:t>
+              <a:t>Based on OBOE</a:t>
+            </a:r>
+            <a:r>
+              <a:rPr lang="en-US" dirty="0" smtClean="0">
+                <a:latin typeface="Calibri"/>
+                <a:cs typeface="Calibri"/>
+              </a:rPr>
+              <a:t> 1.0, </a:t>
+            </a:r>
+            <a:r>
+              <a:rPr lang="en-US" dirty="0" smtClean="0">
+                <a:latin typeface="Calibri"/>
+                <a:cs typeface="Calibri"/>
+              </a:rPr>
+              <a:t>June, 2010</a:t>
             </a:r>
             <a:endParaRPr lang="en-US" dirty="0">
               <a:latin typeface="Calibri"/>
@@ -3420,6 +3434,7 @@
               <a:rPr lang="en-US" dirty="0" smtClean="0"/>
               <a:t>Basic OBOE structure</a:t>
             </a:r>
+            <a:endParaRPr lang="en-US" dirty="0" smtClean="0"/>
           </a:p>
           <a:p>
             <a:pPr marL="514350" indent="-514350">
@@ -3431,8 +3446,9 @@
             </a:pPr>
             <a:r>
               <a:rPr lang="en-US" dirty="0" smtClean="0"/>
-              <a:t>Simple measurement types</a:t>
-            </a:r>
+              <a:t>Characteristics and Entities</a:t>
+            </a:r>
+            <a:endParaRPr lang="en-US" dirty="0" smtClean="0"/>
           </a:p>
           <a:p>
             <a:pPr marL="514350" indent="-514350">
@@ -3444,8 +3460,13 @@
             </a:pPr>
             <a:r>
               <a:rPr lang="en-US" dirty="0" smtClean="0"/>
-              <a:t>Complex measurement types</a:t>
-            </a:r>
+              <a:t>Measurement </a:t>
+            </a:r>
+            <a:r>
+              <a:rPr lang="en-US" dirty="0" smtClean="0"/>
+              <a:t>standards and units</a:t>
+            </a:r>
+            <a:endParaRPr lang="en-US" dirty="0" smtClean="0"/>
           </a:p>
           <a:p>
             <a:pPr marL="514350" indent="-514350">
@@ -3457,7 +3478,11 @@
             </a:pPr>
             <a:r>
               <a:rPr lang="en-US" dirty="0" smtClean="0"/>
-              <a:t>Measurement standards and units</a:t>
+              <a:t>Measurement </a:t>
+            </a:r>
+            <a:r>
+              <a:rPr lang="en-US" dirty="0" smtClean="0"/>
+              <a:t>types</a:t>
             </a:r>
           </a:p>
           <a:p>
@@ -3470,7 +3495,7 @@
             </a:pPr>
             <a:r>
               <a:rPr lang="en-US" dirty="0" smtClean="0"/>
-              <a:t>Characteristics</a:t>
+              <a:t>Context relationships</a:t>
             </a:r>
           </a:p>
           <a:p>
@@ -3485,6 +3510,7 @@
               <a:rPr lang="en-US" dirty="0" smtClean="0"/>
               <a:t>Individuals</a:t>
             </a:r>
+            <a:endParaRPr lang="en-US" dirty="0" smtClean="0"/>
           </a:p>
           <a:p>
             <a:pPr marL="514350" indent="-514350">
@@ -3923,7 +3949,11 @@
           <a:p>
             <a:r>
               <a:rPr lang="en-US" dirty="0" smtClean="0"/>
-              <a:t>1. Basic OBOE structure </a:t>
+              <a:t>1. Basic OBOE structure</a:t>
+            </a:r>
+            <a:r>
+              <a:rPr lang="en-US" dirty="0" smtClean="0"/>
+              <a:t> (oboe-core)</a:t>
             </a:r>
             <a:endParaRPr lang="en-US" dirty="0"/>
           </a:p>

--- a/docs/oboe-design-patterns.pptx
+++ b/docs/oboe-design-patterns.pptx
@@ -8,8 +8,10 @@
     <p:sldId id="256" r:id="rId2"/>
     <p:sldId id="257" r:id="rId3"/>
     <p:sldId id="267" r:id="rId4"/>
-    <p:sldId id="273" r:id="rId5"/>
-    <p:sldId id="260" r:id="rId6"/>
+    <p:sldId id="274" r:id="rId5"/>
+    <p:sldId id="275" r:id="rId6"/>
+    <p:sldId id="273" r:id="rId7"/>
+    <p:sldId id="260" r:id="rId8"/>
   </p:sldIdLst>
   <p:sldSz cx="9144000" cy="6858000" type="screen4x3"/>
   <p:notesSz cx="6858000" cy="9144000"/>
@@ -313,7 +315,7 @@
             <a:fld id="{1D018B56-9006-0B47-A5E8-4FDD23952970}" type="datetimeFigureOut">
               <a:rPr lang="en-US" smtClean="0"/>
               <a:pPr/>
-              <a:t>6/11/10</a:t>
+              <a:t>6/13/10</a:t>
             </a:fld>
             <a:endParaRPr lang="en-US"/>
           </a:p>
@@ -504,7 +506,7 @@
             <a:fld id="{1D018B56-9006-0B47-A5E8-4FDD23952970}" type="datetimeFigureOut">
               <a:rPr lang="en-US" smtClean="0"/>
               <a:pPr/>
-              <a:t>6/11/10</a:t>
+              <a:t>6/13/10</a:t>
             </a:fld>
             <a:endParaRPr lang="en-US"/>
           </a:p>
@@ -705,7 +707,7 @@
             <a:fld id="{1D018B56-9006-0B47-A5E8-4FDD23952970}" type="datetimeFigureOut">
               <a:rPr lang="en-US" smtClean="0"/>
               <a:pPr/>
-              <a:t>6/11/10</a:t>
+              <a:t>6/13/10</a:t>
             </a:fld>
             <a:endParaRPr lang="en-US"/>
           </a:p>
@@ -896,7 +898,7 @@
             <a:fld id="{1D018B56-9006-0B47-A5E8-4FDD23952970}" type="datetimeFigureOut">
               <a:rPr lang="en-US" smtClean="0"/>
               <a:pPr/>
-              <a:t>6/11/10</a:t>
+              <a:t>6/13/10</a:t>
             </a:fld>
             <a:endParaRPr lang="en-US"/>
           </a:p>
@@ -1163,7 +1165,7 @@
             <a:fld id="{1D018B56-9006-0B47-A5E8-4FDD23952970}" type="datetimeFigureOut">
               <a:rPr lang="en-US" smtClean="0"/>
               <a:pPr/>
-              <a:t>6/11/10</a:t>
+              <a:t>6/13/10</a:t>
             </a:fld>
             <a:endParaRPr lang="en-US"/>
           </a:p>
@@ -1472,7 +1474,7 @@
             <a:fld id="{1D018B56-9006-0B47-A5E8-4FDD23952970}" type="datetimeFigureOut">
               <a:rPr lang="en-US" smtClean="0"/>
               <a:pPr/>
-              <a:t>6/11/10</a:t>
+              <a:t>6/13/10</a:t>
             </a:fld>
             <a:endParaRPr lang="en-US"/>
           </a:p>
@@ -1915,7 +1917,7 @@
             <a:fld id="{1D018B56-9006-0B47-A5E8-4FDD23952970}" type="datetimeFigureOut">
               <a:rPr lang="en-US" smtClean="0"/>
               <a:pPr/>
-              <a:t>6/11/10</a:t>
+              <a:t>6/13/10</a:t>
             </a:fld>
             <a:endParaRPr lang="en-US"/>
           </a:p>
@@ -2054,7 +2056,7 @@
             <a:fld id="{1D018B56-9006-0B47-A5E8-4FDD23952970}" type="datetimeFigureOut">
               <a:rPr lang="en-US" smtClean="0"/>
               <a:pPr/>
-              <a:t>6/11/10</a:t>
+              <a:t>6/13/10</a:t>
             </a:fld>
             <a:endParaRPr lang="en-US"/>
           </a:p>
@@ -2170,7 +2172,7 @@
             <a:fld id="{1D018B56-9006-0B47-A5E8-4FDD23952970}" type="datetimeFigureOut">
               <a:rPr lang="en-US" smtClean="0"/>
               <a:pPr/>
-              <a:t>6/11/10</a:t>
+              <a:t>6/13/10</a:t>
             </a:fld>
             <a:endParaRPr lang="en-US"/>
           </a:p>
@@ -2468,7 +2470,7 @@
             <a:fld id="{1D018B56-9006-0B47-A5E8-4FDD23952970}" type="datetimeFigureOut">
               <a:rPr lang="en-US" smtClean="0"/>
               <a:pPr/>
-              <a:t>6/11/10</a:t>
+              <a:t>6/13/10</a:t>
             </a:fld>
             <a:endParaRPr lang="en-US"/>
           </a:p>
@@ -2742,7 +2744,7 @@
             <a:fld id="{1D018B56-9006-0B47-A5E8-4FDD23952970}" type="datetimeFigureOut">
               <a:rPr lang="en-US" smtClean="0"/>
               <a:pPr/>
-              <a:t>6/11/10</a:t>
+              <a:t>6/13/10</a:t>
             </a:fld>
             <a:endParaRPr lang="en-US"/>
           </a:p>
@@ -3230,8 +3232,8 @@
         </p:nvSpPr>
         <p:spPr>
           <a:xfrm>
-            <a:off x="609600" y="990600"/>
-            <a:ext cx="8305800" cy="2765425"/>
+            <a:off x="152400" y="990600"/>
+            <a:ext cx="8991600" cy="2765425"/>
           </a:xfrm>
         </p:spPr>
         <p:txBody>
@@ -3241,14 +3243,19 @@
             <a:pPr algn="ctr"/>
             <a:r>
               <a:rPr lang="en-US" sz="3600" dirty="0" smtClean="0"/>
-              <a:t>Design Guidelines for Defining </a:t>
-            </a:r>
-            <a:br>
+              <a:t>Design Patterns and Conventions for </a:t>
+            </a:r>
+            <a:r>
               <a:rPr lang="en-US" sz="3600" dirty="0" smtClean="0"/>
-            </a:br>
+              <a:t>Defining</a:t>
+            </a:r>
             <a:r>
               <a:rPr lang="en-US" sz="3600" dirty="0" smtClean="0"/>
-              <a:t>OBOE-Compatible Domain </a:t>
+              <a:t> OBOE</a:t>
+            </a:r>
+            <a:r>
+              <a:rPr lang="en-US" sz="3600" dirty="0" smtClean="0"/>
+              <a:t>-Compatible Domain </a:t>
             </a:r>
             <a:r>
               <a:rPr lang="en-US" sz="3600" dirty="0" err="1" smtClean="0"/>
@@ -3328,21 +3335,7 @@
                 <a:latin typeface="Calibri"/>
                 <a:cs typeface="Calibri"/>
               </a:rPr>
-              <a:t>Based on OBOE</a:t>
-            </a:r>
-            <a:r>
-              <a:rPr lang="en-US" dirty="0" smtClean="0">
-                <a:latin typeface="Calibri"/>
-                <a:cs typeface="Calibri"/>
-              </a:rPr>
-              <a:t> 1.0, </a:t>
-            </a:r>
-            <a:r>
-              <a:rPr lang="en-US" dirty="0" smtClean="0">
-                <a:latin typeface="Calibri"/>
-                <a:cs typeface="Calibri"/>
-              </a:rPr>
-              <a:t>June, 2010</a:t>
+              <a:t>Based on OBOE 1.0, June, 2010</a:t>
             </a:r>
             <a:endParaRPr lang="en-US" dirty="0">
               <a:latin typeface="Calibri"/>
@@ -3432,7 +3425,11 @@
             </a:pPr>
             <a:r>
               <a:rPr lang="en-US" dirty="0" smtClean="0"/>
-              <a:t>Basic OBOE structure</a:t>
+              <a:t>Basic </a:t>
+            </a:r>
+            <a:r>
+              <a:rPr lang="en-US" dirty="0" smtClean="0"/>
+              <a:t>OBOE structure</a:t>
             </a:r>
             <a:endParaRPr lang="en-US" dirty="0" smtClean="0"/>
           </a:p>
@@ -3446,9 +3443,8 @@
             </a:pPr>
             <a:r>
               <a:rPr lang="en-US" dirty="0" smtClean="0"/>
-              <a:t>Characteristics and Entities</a:t>
-            </a:r>
-            <a:endParaRPr lang="en-US" dirty="0" smtClean="0"/>
+              <a:t>Basic Conventions</a:t>
+            </a:r>
           </a:p>
           <a:p>
             <a:pPr marL="514350" indent="-514350">
@@ -3460,13 +3456,12 @@
             </a:pPr>
             <a:r>
               <a:rPr lang="en-US" dirty="0" smtClean="0"/>
-              <a:t>Measurement </a:t>
+              <a:t>Characteristics </a:t>
             </a:r>
             <a:r>
               <a:rPr lang="en-US" dirty="0" smtClean="0"/>
-              <a:t>standards and units</a:t>
-            </a:r>
-            <a:endParaRPr lang="en-US" dirty="0" smtClean="0"/>
+              <a:t>and Entities</a:t>
+            </a:r>
           </a:p>
           <a:p>
             <a:pPr marL="514350" indent="-514350">
@@ -3478,11 +3473,7 @@
             </a:pPr>
             <a:r>
               <a:rPr lang="en-US" dirty="0" smtClean="0"/>
-              <a:t>Measurement </a:t>
-            </a:r>
-            <a:r>
-              <a:rPr lang="en-US" dirty="0" smtClean="0"/>
-              <a:t>types</a:t>
+              <a:t>Measurement standards and units</a:t>
             </a:r>
           </a:p>
           <a:p>
@@ -3495,7 +3486,7 @@
             </a:pPr>
             <a:r>
               <a:rPr lang="en-US" dirty="0" smtClean="0"/>
-              <a:t>Context relationships</a:t>
+              <a:t>Measurement types</a:t>
             </a:r>
           </a:p>
           <a:p>
@@ -3508,9 +3499,21 @@
             </a:pPr>
             <a:r>
               <a:rPr lang="en-US" dirty="0" smtClean="0"/>
+              <a:t>Context relationships</a:t>
+            </a:r>
+          </a:p>
+          <a:p>
+            <a:pPr marL="514350" indent="-514350">
+              <a:spcAft>
+                <a:spcPts val="1200"/>
+              </a:spcAft>
+              <a:buFont typeface="+mj-lt"/>
+              <a:buAutoNum type="arabicPeriod"/>
+            </a:pPr>
+            <a:r>
+              <a:rPr lang="en-US" dirty="0" smtClean="0"/>
               <a:t>Individuals</a:t>
             </a:r>
-            <a:endParaRPr lang="en-US" dirty="0" smtClean="0"/>
           </a:p>
           <a:p>
             <a:pPr marL="514350" indent="-514350">
@@ -3887,6 +3890,55 @@
                       </p:childTnLst>
                     </p:cTn>
                   </p:par>
+                  <p:par>
+                    <p:cTn id="31" fill="hold">
+                      <p:stCondLst>
+                        <p:cond delay="indefinite"/>
+                      </p:stCondLst>
+                      <p:childTnLst>
+                        <p:par>
+                          <p:cTn id="32" fill="hold">
+                            <p:stCondLst>
+                              <p:cond delay="0"/>
+                            </p:stCondLst>
+                            <p:childTnLst>
+                              <p:par>
+                                <p:cTn id="33" presetID="1" presetClass="entr" presetSubtype="0" fill="hold" grpId="0" nodeType="clickEffect">
+                                  <p:stCondLst>
+                                    <p:cond delay="0"/>
+                                  </p:stCondLst>
+                                  <p:childTnLst>
+                                    <p:set>
+                                      <p:cBhvr>
+                                        <p:cTn id="34" dur="1" fill="hold">
+                                          <p:stCondLst>
+                                            <p:cond delay="0"/>
+                                          </p:stCondLst>
+                                        </p:cTn>
+                                        <p:tgtEl>
+                                          <p:spTgt spid="3">
+                                            <p:txEl>
+                                              <p:pRg st="7" end="7"/>
+                                            </p:txEl>
+                                          </p:spTgt>
+                                        </p:tgtEl>
+                                        <p:attrNameLst>
+                                          <p:attrName>style.visibility</p:attrName>
+                                        </p:attrNameLst>
+                                      </p:cBhvr>
+                                      <p:to>
+                                        <p:strVal val="visible"/>
+                                      </p:to>
+                                    </p:set>
+                                  </p:childTnLst>
+                                </p:cTn>
+                              </p:par>
+                            </p:childTnLst>
+                          </p:cTn>
+                        </p:par>
+                      </p:childTnLst>
+                    </p:cTn>
+                  </p:par>
                 </p:childTnLst>
               </p:cTn>
               <p:prevCondLst>
@@ -3949,11 +4001,7 @@
           <a:p>
             <a:r>
               <a:rPr lang="en-US" dirty="0" smtClean="0"/>
-              <a:t>1. Basic OBOE structure</a:t>
-            </a:r>
-            <a:r>
-              <a:rPr lang="en-US" dirty="0" smtClean="0"/>
-              <a:t> (oboe-core)</a:t>
+              <a:t>1. Basic OBOE structure (oboe-core)</a:t>
             </a:r>
             <a:endParaRPr lang="en-US" dirty="0"/>
           </a:p>
@@ -5787,6 +5835,273 @@
           <a:p>
             <a:r>
               <a:rPr lang="en-US" dirty="0" smtClean="0"/>
+              <a:t>2. Basic Conventions</a:t>
+            </a:r>
+            <a:endParaRPr lang="en-US" dirty="0"/>
+          </a:p>
+        </p:txBody>
+      </p:sp>
+      <p:sp>
+        <p:nvSpPr>
+          <p:cNvPr id="3" name="Content Placeholder 2"/>
+          <p:cNvSpPr>
+            <a:spLocks noGrp="1"/>
+          </p:cNvSpPr>
+          <p:nvPr>
+            <p:ph idx="1"/>
+          </p:nvPr>
+        </p:nvSpPr>
+        <p:spPr/>
+        <p:txBody>
+          <a:bodyPr/>
+          <a:lstStyle/>
+          <a:p>
+            <a:r>
+              <a:rPr lang="en-US" dirty="0" smtClean="0"/>
+              <a:t>The following conventions are used within the core oboe </a:t>
+            </a:r>
+            <a:r>
+              <a:rPr lang="en-US" dirty="0" err="1" smtClean="0"/>
+              <a:t>ontologies</a:t>
+            </a:r>
+            <a:r>
+              <a:rPr lang="en-US" dirty="0" smtClean="0"/>
+              <a:t>, and are suggested for oboe compatible </a:t>
+            </a:r>
+            <a:r>
+              <a:rPr lang="en-US" dirty="0" err="1" smtClean="0"/>
+              <a:t>ontologies</a:t>
+            </a:r>
+            <a:r>
+              <a:rPr lang="en-US" dirty="0" smtClean="0"/>
+              <a:t> (although not required)</a:t>
+            </a:r>
+          </a:p>
+          <a:p>
+            <a:pPr lvl="1"/>
+            <a:r>
+              <a:rPr lang="en-US" dirty="0" smtClean="0"/>
+              <a:t>Class names are capitalized (e.g., Plant, Height)</a:t>
+            </a:r>
+          </a:p>
+          <a:p>
+            <a:pPr lvl="1"/>
+            <a:r>
+              <a:rPr lang="en-US" dirty="0" smtClean="0"/>
+              <a:t>Each term in a name is capitalized (e.g., </a:t>
+            </a:r>
+            <a:r>
+              <a:rPr lang="en-US" dirty="0" err="1" smtClean="0"/>
+              <a:t>CarbonContent</a:t>
+            </a:r>
+            <a:r>
+              <a:rPr lang="en-US" dirty="0" smtClean="0"/>
+              <a:t>)</a:t>
+            </a:r>
+          </a:p>
+          <a:p>
+            <a:pPr lvl="1"/>
+            <a:r>
+              <a:rPr lang="en-US" dirty="0" smtClean="0"/>
+              <a:t>Each class has an </a:t>
+            </a:r>
+            <a:r>
+              <a:rPr lang="en-US" dirty="0" err="1" smtClean="0"/>
+              <a:t>rdfs:comment</a:t>
+            </a:r>
+            <a:r>
+              <a:rPr lang="en-US" dirty="0" smtClean="0"/>
+              <a:t> describing its meaning/scope</a:t>
+            </a:r>
+          </a:p>
+          <a:p>
+            <a:pPr lvl="1"/>
+            <a:r>
+              <a:rPr lang="en-US" dirty="0" err="1" smtClean="0"/>
+              <a:t>Ontologies</a:t>
+            </a:r>
+            <a:r>
+              <a:rPr lang="en-US" dirty="0" smtClean="0"/>
+              <a:t> have one distinguished </a:t>
+            </a:r>
+            <a:r>
+              <a:rPr lang="en-US" dirty="0" err="1" smtClean="0"/>
+              <a:t>rdfs:label</a:t>
+            </a:r>
+            <a:r>
+              <a:rPr lang="en-US" dirty="0" smtClean="0"/>
+              <a:t> (e.g., “oboe-units”)</a:t>
+            </a:r>
+          </a:p>
+          <a:p>
+            <a:pPr lvl="1"/>
+            <a:r>
+              <a:rPr lang="en-US" dirty="0" err="1" smtClean="0"/>
+              <a:t>Ontologies</a:t>
+            </a:r>
+            <a:r>
+              <a:rPr lang="en-US" dirty="0" smtClean="0"/>
+              <a:t> have an </a:t>
+            </a:r>
+            <a:r>
+              <a:rPr lang="en-US" dirty="0" err="1" smtClean="0"/>
+              <a:t>rdfs:comment</a:t>
+            </a:r>
+            <a:r>
+              <a:rPr lang="en-US" dirty="0" smtClean="0"/>
+              <a:t> describing its meaning and scope</a:t>
+            </a:r>
+          </a:p>
+          <a:p>
+            <a:pPr lvl="1"/>
+            <a:endParaRPr lang="en-US" dirty="0"/>
+          </a:p>
+        </p:txBody>
+      </p:sp>
+    </p:spTree>
+  </p:cSld>
+  <p:clrMapOvr>
+    <a:masterClrMapping/>
+  </p:clrMapOvr>
+</p:sld>
+</file>
+
+<file path=ppt/slides/slide5.xml><?xml version="1.0" encoding="utf-8"?>
+<p:sld xmlns:a="http://schemas.openxmlformats.org/drawingml/2006/main" xmlns:r="http://schemas.openxmlformats.org/officeDocument/2006/relationships" xmlns:mc="http://schemas.openxmlformats.org/markup-compatibility/2006" xmlns:mv="urn:schemas-microsoft-com:mac:vml" xmlns:p="http://schemas.openxmlformats.org/presentationml/2006/main" mc:Ignorable="mv" mc:PreserveAttributes="mv:*">
+  <p:cSld>
+    <p:spTree>
+      <p:nvGrpSpPr>
+        <p:cNvPr id="1" name=""/>
+        <p:cNvGrpSpPr/>
+        <p:nvPr/>
+      </p:nvGrpSpPr>
+      <p:grpSpPr>
+        <a:xfrm>
+          <a:off x="0" y="0"/>
+          <a:ext cx="0" cy="0"/>
+          <a:chOff x="0" y="0"/>
+          <a:chExt cx="0" cy="0"/>
+        </a:xfrm>
+      </p:grpSpPr>
+      <p:sp>
+        <p:nvSpPr>
+          <p:cNvPr id="2" name="Title 1"/>
+          <p:cNvSpPr>
+            <a:spLocks noGrp="1"/>
+          </p:cNvSpPr>
+          <p:nvPr>
+            <p:ph type="title"/>
+          </p:nvPr>
+        </p:nvSpPr>
+        <p:spPr/>
+        <p:txBody>
+          <a:bodyPr/>
+          <a:lstStyle/>
+          <a:p>
+            <a:r>
+              <a:rPr lang="en-US" dirty="0" smtClean="0"/>
+              <a:t>2. Basic Conventions</a:t>
+            </a:r>
+            <a:endParaRPr lang="en-US" dirty="0"/>
+          </a:p>
+        </p:txBody>
+      </p:sp>
+      <p:sp>
+        <p:nvSpPr>
+          <p:cNvPr id="3" name="Content Placeholder 2"/>
+          <p:cNvSpPr>
+            <a:spLocks noGrp="1"/>
+          </p:cNvSpPr>
+          <p:nvPr>
+            <p:ph idx="1"/>
+          </p:nvPr>
+        </p:nvSpPr>
+        <p:spPr/>
+        <p:txBody>
+          <a:bodyPr/>
+          <a:lstStyle/>
+          <a:p>
+            <a:r>
+              <a:rPr lang="en-US" dirty="0" smtClean="0"/>
+              <a:t>When naming entities, characteristics, and standards it is suggested they make sense in the following sentence … </a:t>
+            </a:r>
+          </a:p>
+          <a:p>
+            <a:pPr lvl="1"/>
+            <a:r>
+              <a:rPr lang="en-US" dirty="0" smtClean="0"/>
+              <a:t>The &lt;characteristic&gt; of an &lt;entity&gt; was measured </a:t>
+            </a:r>
+          </a:p>
+          <a:p>
+            <a:pPr lvl="1"/>
+            <a:r>
+              <a:rPr lang="en-US" dirty="0" smtClean="0"/>
+              <a:t>Etc. …</a:t>
+            </a:r>
+          </a:p>
+          <a:p>
+            <a:pPr lvl="1"/>
+            <a:r>
+              <a:rPr lang="en-US" dirty="0" smtClean="0"/>
+              <a:t>For example: …</a:t>
+            </a:r>
+          </a:p>
+          <a:p>
+            <a:pPr lvl="1"/>
+            <a:r>
+              <a:rPr lang="en-US" dirty="0" smtClean="0"/>
+              <a:t>Also include for context … </a:t>
+            </a:r>
+          </a:p>
+          <a:p>
+            <a:pPr lvl="1"/>
+            <a:endParaRPr lang="en-US" dirty="0"/>
+          </a:p>
+        </p:txBody>
+      </p:sp>
+    </p:spTree>
+  </p:cSld>
+  <p:clrMapOvr>
+    <a:masterClrMapping/>
+  </p:clrMapOvr>
+</p:sld>
+</file>
+
+<file path=ppt/slides/slide6.xml><?xml version="1.0" encoding="utf-8"?>
+<p:sld xmlns:a="http://schemas.openxmlformats.org/drawingml/2006/main" xmlns:r="http://schemas.openxmlformats.org/officeDocument/2006/relationships" xmlns:mc="http://schemas.openxmlformats.org/markup-compatibility/2006" xmlns:mv="urn:schemas-microsoft-com:mac:vml" xmlns:p="http://schemas.openxmlformats.org/presentationml/2006/main" mc:Ignorable="mv" mc:PreserveAttributes="mv:*">
+  <p:cSld>
+    <p:spTree>
+      <p:nvGrpSpPr>
+        <p:cNvPr id="1" name=""/>
+        <p:cNvGrpSpPr/>
+        <p:nvPr/>
+      </p:nvGrpSpPr>
+      <p:grpSpPr>
+        <a:xfrm>
+          <a:off x="0" y="0"/>
+          <a:ext cx="0" cy="0"/>
+          <a:chOff x="0" y="0"/>
+          <a:chExt cx="0" cy="0"/>
+        </a:xfrm>
+      </p:grpSpPr>
+      <p:sp>
+        <p:nvSpPr>
+          <p:cNvPr id="2" name="Title 1"/>
+          <p:cNvSpPr>
+            <a:spLocks noGrp="1"/>
+          </p:cNvSpPr>
+          <p:nvPr>
+            <p:ph type="title"/>
+          </p:nvPr>
+        </p:nvSpPr>
+        <p:spPr/>
+        <p:txBody>
+          <a:bodyPr/>
+          <a:lstStyle/>
+          <a:p>
+            <a:r>
+              <a:rPr lang="en-US" dirty="0" smtClean="0"/>
               <a:t>…</a:t>
             </a:r>
             <a:endParaRPr lang="en-US" dirty="0"/>
@@ -7218,7 +7533,7 @@
 </p:sld>
 </file>
 
-<file path=ppt/slides/slide5.xml><?xml version="1.0" encoding="utf-8"?>
+<file path=ppt/slides/slide7.xml><?xml version="1.0" encoding="utf-8"?>
 <p:sld xmlns:a="http://schemas.openxmlformats.org/drawingml/2006/main" xmlns:r="http://schemas.openxmlformats.org/officeDocument/2006/relationships" xmlns:mc="http://schemas.openxmlformats.org/markup-compatibility/2006" xmlns:mv="urn:schemas-microsoft-com:mac:vml" xmlns:p="http://schemas.openxmlformats.org/presentationml/2006/main" mc:Ignorable="mv" mc:PreserveAttributes="mv:*">
   <p:cSld>
     <p:spTree>

--- a/docs/oboe-design-patterns.pptx
+++ b/docs/oboe-design-patterns.pptx
@@ -10,8 +10,13 @@
     <p:sldId id="267" r:id="rId4"/>
     <p:sldId id="274" r:id="rId5"/>
     <p:sldId id="275" r:id="rId6"/>
-    <p:sldId id="273" r:id="rId7"/>
-    <p:sldId id="260" r:id="rId8"/>
+    <p:sldId id="276" r:id="rId7"/>
+    <p:sldId id="277" r:id="rId8"/>
+    <p:sldId id="278" r:id="rId9"/>
+    <p:sldId id="279" r:id="rId10"/>
+    <p:sldId id="280" r:id="rId11"/>
+    <p:sldId id="273" r:id="rId12"/>
+    <p:sldId id="260" r:id="rId13"/>
   </p:sldIdLst>
   <p:sldSz cx="9144000" cy="6858000" type="screen4x3"/>
   <p:notesSz cx="6858000" cy="9144000"/>
@@ -315,7 +320,7 @@
             <a:fld id="{1D018B56-9006-0B47-A5E8-4FDD23952970}" type="datetimeFigureOut">
               <a:rPr lang="en-US" smtClean="0"/>
               <a:pPr/>
-              <a:t>6/13/10</a:t>
+              <a:t>6/20/10</a:t>
             </a:fld>
             <a:endParaRPr lang="en-US"/>
           </a:p>
@@ -506,7 +511,7 @@
             <a:fld id="{1D018B56-9006-0B47-A5E8-4FDD23952970}" type="datetimeFigureOut">
               <a:rPr lang="en-US" smtClean="0"/>
               <a:pPr/>
-              <a:t>6/13/10</a:t>
+              <a:t>6/20/10</a:t>
             </a:fld>
             <a:endParaRPr lang="en-US"/>
           </a:p>
@@ -707,7 +712,7 @@
             <a:fld id="{1D018B56-9006-0B47-A5E8-4FDD23952970}" type="datetimeFigureOut">
               <a:rPr lang="en-US" smtClean="0"/>
               <a:pPr/>
-              <a:t>6/13/10</a:t>
+              <a:t>6/20/10</a:t>
             </a:fld>
             <a:endParaRPr lang="en-US"/>
           </a:p>
@@ -898,7 +903,7 @@
             <a:fld id="{1D018B56-9006-0B47-A5E8-4FDD23952970}" type="datetimeFigureOut">
               <a:rPr lang="en-US" smtClean="0"/>
               <a:pPr/>
-              <a:t>6/13/10</a:t>
+              <a:t>6/20/10</a:t>
             </a:fld>
             <a:endParaRPr lang="en-US"/>
           </a:p>
@@ -1165,7 +1170,7 @@
             <a:fld id="{1D018B56-9006-0B47-A5E8-4FDD23952970}" type="datetimeFigureOut">
               <a:rPr lang="en-US" smtClean="0"/>
               <a:pPr/>
-              <a:t>6/13/10</a:t>
+              <a:t>6/20/10</a:t>
             </a:fld>
             <a:endParaRPr lang="en-US"/>
           </a:p>
@@ -1474,7 +1479,7 @@
             <a:fld id="{1D018B56-9006-0B47-A5E8-4FDD23952970}" type="datetimeFigureOut">
               <a:rPr lang="en-US" smtClean="0"/>
               <a:pPr/>
-              <a:t>6/13/10</a:t>
+              <a:t>6/20/10</a:t>
             </a:fld>
             <a:endParaRPr lang="en-US"/>
           </a:p>
@@ -1917,7 +1922,7 @@
             <a:fld id="{1D018B56-9006-0B47-A5E8-4FDD23952970}" type="datetimeFigureOut">
               <a:rPr lang="en-US" smtClean="0"/>
               <a:pPr/>
-              <a:t>6/13/10</a:t>
+              <a:t>6/20/10</a:t>
             </a:fld>
             <a:endParaRPr lang="en-US"/>
           </a:p>
@@ -2056,7 +2061,7 @@
             <a:fld id="{1D018B56-9006-0B47-A5E8-4FDD23952970}" type="datetimeFigureOut">
               <a:rPr lang="en-US" smtClean="0"/>
               <a:pPr/>
-              <a:t>6/13/10</a:t>
+              <a:t>6/20/10</a:t>
             </a:fld>
             <a:endParaRPr lang="en-US"/>
           </a:p>
@@ -2172,7 +2177,7 @@
             <a:fld id="{1D018B56-9006-0B47-A5E8-4FDD23952970}" type="datetimeFigureOut">
               <a:rPr lang="en-US" smtClean="0"/>
               <a:pPr/>
-              <a:t>6/13/10</a:t>
+              <a:t>6/20/10</a:t>
             </a:fld>
             <a:endParaRPr lang="en-US"/>
           </a:p>
@@ -2470,7 +2475,7 @@
             <a:fld id="{1D018B56-9006-0B47-A5E8-4FDD23952970}" type="datetimeFigureOut">
               <a:rPr lang="en-US" smtClean="0"/>
               <a:pPr/>
-              <a:t>6/13/10</a:t>
+              <a:t>6/20/10</a:t>
             </a:fld>
             <a:endParaRPr lang="en-US"/>
           </a:p>
@@ -2744,7 +2749,7 @@
             <a:fld id="{1D018B56-9006-0B47-A5E8-4FDD23952970}" type="datetimeFigureOut">
               <a:rPr lang="en-US" smtClean="0"/>
               <a:pPr/>
-              <a:t>6/13/10</a:t>
+              <a:t>6/20/10</a:t>
             </a:fld>
             <a:endParaRPr lang="en-US"/>
           </a:p>
@@ -3243,19 +3248,30 @@
             <a:pPr algn="ctr"/>
             <a:r>
               <a:rPr lang="en-US" sz="3600" dirty="0" smtClean="0"/>
-              <a:t>Design Patterns and Conventions for </a:t>
+              <a:t>Patterns </a:t>
             </a:r>
             <a:r>
               <a:rPr lang="en-US" sz="3600" dirty="0" smtClean="0"/>
-              <a:t>Defining</a:t>
+              <a:t>and Conventions for Defining</a:t>
             </a:r>
             <a:r>
               <a:rPr lang="en-US" sz="3600" dirty="0" smtClean="0"/>
-              <a:t> OBOE</a:t>
-            </a:r>
-            <a:r>
+              <a:t> </a:t>
+            </a:r>
+            <a:br>
               <a:rPr lang="en-US" sz="3600" dirty="0" smtClean="0"/>
-              <a:t>-Compatible Domain </a:t>
+            </a:br>
+            <a:r>
+              <a:rPr lang="en-US" sz="3600" dirty="0" smtClean="0"/>
+              <a:t>OBOE</a:t>
+            </a:r>
+            <a:r>
+              <a:rPr lang="en-US" sz="3600" dirty="0" smtClean="0"/>
+              <a:t>-Compatible</a:t>
+            </a:r>
+            <a:r>
+              <a:rPr lang="en-US" sz="3600" dirty="0" smtClean="0"/>
+              <a:t> </a:t>
             </a:r>
             <a:r>
               <a:rPr lang="en-US" sz="3600" dirty="0" err="1" smtClean="0"/>
@@ -3355,6 +3371,2133 @@
         <p:cTn id="1" dur="indefinite" restart="never" nodeType="tmRoot"/>
       </p:par>
     </p:tnLst>
+  </p:timing>
+</p:sld>
+</file>
+
+<file path=ppt/slides/slide10.xml><?xml version="1.0" encoding="utf-8"?>
+<p:sld xmlns:a="http://schemas.openxmlformats.org/drawingml/2006/main" xmlns:r="http://schemas.openxmlformats.org/officeDocument/2006/relationships" xmlns:mc="http://schemas.openxmlformats.org/markup-compatibility/2006" xmlns:mv="urn:schemas-microsoft-com:mac:vml" xmlns:p="http://schemas.openxmlformats.org/presentationml/2006/main" mc:Ignorable="mv" mc:PreserveAttributes="mv:*">
+  <p:cSld>
+    <p:spTree>
+      <p:nvGrpSpPr>
+        <p:cNvPr id="1" name=""/>
+        <p:cNvGrpSpPr/>
+        <p:nvPr/>
+      </p:nvGrpSpPr>
+      <p:grpSpPr>
+        <a:xfrm>
+          <a:off x="0" y="0"/>
+          <a:ext cx="0" cy="0"/>
+          <a:chOff x="0" y="0"/>
+          <a:chExt cx="0" cy="0"/>
+        </a:xfrm>
+      </p:grpSpPr>
+      <p:sp>
+        <p:nvSpPr>
+          <p:cNvPr id="2" name="Title 1"/>
+          <p:cNvSpPr>
+            <a:spLocks noGrp="1"/>
+          </p:cNvSpPr>
+          <p:nvPr>
+            <p:ph type="title"/>
+          </p:nvPr>
+        </p:nvSpPr>
+        <p:spPr/>
+        <p:txBody>
+          <a:bodyPr/>
+          <a:lstStyle/>
+          <a:p>
+            <a:r>
+              <a:rPr lang="en-US" dirty="0" smtClean="0"/>
+              <a:t>4. Measurement standards </a:t>
+            </a:r>
+            <a:r>
+              <a:rPr lang="en-US" smtClean="0"/>
+              <a:t>and units</a:t>
+            </a:r>
+            <a:endParaRPr lang="en-US" dirty="0"/>
+          </a:p>
+        </p:txBody>
+      </p:sp>
+      <p:sp>
+        <p:nvSpPr>
+          <p:cNvPr id="3" name="Content Placeholder 2"/>
+          <p:cNvSpPr>
+            <a:spLocks noGrp="1"/>
+          </p:cNvSpPr>
+          <p:nvPr>
+            <p:ph idx="1"/>
+          </p:nvPr>
+        </p:nvSpPr>
+        <p:spPr/>
+        <p:txBody>
+          <a:bodyPr/>
+          <a:lstStyle/>
+          <a:p>
+            <a:endParaRPr lang="en-US"/>
+          </a:p>
+        </p:txBody>
+      </p:sp>
+    </p:spTree>
+  </p:cSld>
+  <p:clrMapOvr>
+    <a:masterClrMapping/>
+  </p:clrMapOvr>
+</p:sld>
+</file>
+
+<file path=ppt/slides/slide11.xml><?xml version="1.0" encoding="utf-8"?>
+<p:sld xmlns:a="http://schemas.openxmlformats.org/drawingml/2006/main" xmlns:r="http://schemas.openxmlformats.org/officeDocument/2006/relationships" xmlns:mc="http://schemas.openxmlformats.org/markup-compatibility/2006" xmlns:mv="urn:schemas-microsoft-com:mac:vml" xmlns:p="http://schemas.openxmlformats.org/presentationml/2006/main" mc:Ignorable="mv" mc:PreserveAttributes="mv:*">
+  <p:cSld>
+    <p:spTree>
+      <p:nvGrpSpPr>
+        <p:cNvPr id="1" name=""/>
+        <p:cNvGrpSpPr/>
+        <p:nvPr/>
+      </p:nvGrpSpPr>
+      <p:grpSpPr>
+        <a:xfrm>
+          <a:off x="0" y="0"/>
+          <a:ext cx="0" cy="0"/>
+          <a:chOff x="0" y="0"/>
+          <a:chExt cx="0" cy="0"/>
+        </a:xfrm>
+      </p:grpSpPr>
+      <p:sp>
+        <p:nvSpPr>
+          <p:cNvPr id="2" name="Title 1"/>
+          <p:cNvSpPr>
+            <a:spLocks noGrp="1"/>
+          </p:cNvSpPr>
+          <p:nvPr>
+            <p:ph type="title"/>
+          </p:nvPr>
+        </p:nvSpPr>
+        <p:spPr/>
+        <p:txBody>
+          <a:bodyPr/>
+          <a:lstStyle/>
+          <a:p>
+            <a:r>
+              <a:rPr lang="en-US" dirty="0" smtClean="0"/>
+              <a:t>…</a:t>
+            </a:r>
+            <a:endParaRPr lang="en-US" dirty="0"/>
+          </a:p>
+        </p:txBody>
+      </p:sp>
+      <p:sp>
+        <p:nvSpPr>
+          <p:cNvPr id="4" name="Rectangle 3"/>
+          <p:cNvSpPr/>
+          <p:nvPr/>
+        </p:nvSpPr>
+        <p:spPr>
+          <a:xfrm>
+            <a:off x="551169" y="1188389"/>
+            <a:ext cx="2223931" cy="401697"/>
+          </a:xfrm>
+          <a:prstGeom prst="rect">
+            <a:avLst/>
+          </a:prstGeom>
+          <a:solidFill>
+            <a:schemeClr val="bg1"/>
+          </a:solidFill>
+          <a:ln>
+            <a:solidFill>
+              <a:schemeClr val="tx1"/>
+            </a:solidFill>
+          </a:ln>
+          <a:effectLst/>
+        </p:spPr>
+        <p:style>
+          <a:lnRef idx="1">
+            <a:schemeClr val="accent1"/>
+          </a:lnRef>
+          <a:fillRef idx="3">
+            <a:schemeClr val="accent1"/>
+          </a:fillRef>
+          <a:effectRef idx="2">
+            <a:schemeClr val="accent1"/>
+          </a:effectRef>
+          <a:fontRef idx="minor">
+            <a:schemeClr val="lt1"/>
+          </a:fontRef>
+        </p:style>
+        <p:txBody>
+          <a:bodyPr rtlCol="0" anchor="ctr"/>
+          <a:lstStyle/>
+          <a:p>
+            <a:pPr algn="ctr"/>
+            <a:r>
+              <a:rPr lang="en-US" sz="1600" b="1" dirty="0" err="1" smtClean="0">
+                <a:solidFill>
+                  <a:schemeClr val="tx1"/>
+                </a:solidFill>
+              </a:rPr>
+              <a:t>MeasurementStandard</a:t>
+            </a:r>
+            <a:endParaRPr lang="en-US" sz="1600" b="1" dirty="0">
+              <a:solidFill>
+                <a:schemeClr val="tx1"/>
+              </a:solidFill>
+            </a:endParaRPr>
+          </a:p>
+        </p:txBody>
+      </p:sp>
+      <p:sp>
+        <p:nvSpPr>
+          <p:cNvPr id="5" name="Rectangle 4"/>
+          <p:cNvSpPr/>
+          <p:nvPr/>
+        </p:nvSpPr>
+        <p:spPr>
+          <a:xfrm>
+            <a:off x="551169" y="1996026"/>
+            <a:ext cx="2223931" cy="401697"/>
+          </a:xfrm>
+          <a:prstGeom prst="rect">
+            <a:avLst/>
+          </a:prstGeom>
+          <a:solidFill>
+            <a:schemeClr val="bg1"/>
+          </a:solidFill>
+          <a:ln>
+            <a:solidFill>
+              <a:schemeClr val="tx1"/>
+            </a:solidFill>
+          </a:ln>
+          <a:effectLst/>
+        </p:spPr>
+        <p:style>
+          <a:lnRef idx="1">
+            <a:schemeClr val="accent1"/>
+          </a:lnRef>
+          <a:fillRef idx="3">
+            <a:schemeClr val="accent1"/>
+          </a:fillRef>
+          <a:effectRef idx="2">
+            <a:schemeClr val="accent1"/>
+          </a:effectRef>
+          <a:fontRef idx="minor">
+            <a:schemeClr val="lt1"/>
+          </a:fontRef>
+        </p:style>
+        <p:txBody>
+          <a:bodyPr rtlCol="0" anchor="ctr"/>
+          <a:lstStyle/>
+          <a:p>
+            <a:pPr algn="ctr"/>
+            <a:r>
+              <a:rPr lang="en-US" sz="1600" b="1" dirty="0" smtClean="0">
+                <a:solidFill>
+                  <a:schemeClr val="tx1"/>
+                </a:solidFill>
+              </a:rPr>
+              <a:t>Unit</a:t>
+            </a:r>
+            <a:endParaRPr lang="en-US" sz="1600" b="1" dirty="0">
+              <a:solidFill>
+                <a:schemeClr val="tx1"/>
+              </a:solidFill>
+            </a:endParaRPr>
+          </a:p>
+        </p:txBody>
+      </p:sp>
+      <p:sp>
+        <p:nvSpPr>
+          <p:cNvPr id="6" name="Rectangle 5"/>
+          <p:cNvSpPr/>
+          <p:nvPr/>
+        </p:nvSpPr>
+        <p:spPr>
+          <a:xfrm>
+            <a:off x="1844551" y="2895499"/>
+            <a:ext cx="2223931" cy="401697"/>
+          </a:xfrm>
+          <a:prstGeom prst="rect">
+            <a:avLst/>
+          </a:prstGeom>
+          <a:solidFill>
+            <a:schemeClr val="bg1"/>
+          </a:solidFill>
+          <a:ln>
+            <a:solidFill>
+              <a:schemeClr val="tx1"/>
+            </a:solidFill>
+          </a:ln>
+          <a:effectLst/>
+        </p:spPr>
+        <p:style>
+          <a:lnRef idx="1">
+            <a:schemeClr val="accent1"/>
+          </a:lnRef>
+          <a:fillRef idx="3">
+            <a:schemeClr val="accent1"/>
+          </a:fillRef>
+          <a:effectRef idx="2">
+            <a:schemeClr val="accent1"/>
+          </a:effectRef>
+          <a:fontRef idx="minor">
+            <a:schemeClr val="lt1"/>
+          </a:fontRef>
+        </p:style>
+        <p:txBody>
+          <a:bodyPr rtlCol="0" anchor="ctr"/>
+          <a:lstStyle/>
+          <a:p>
+            <a:pPr algn="ctr"/>
+            <a:r>
+              <a:rPr lang="en-US" sz="1600" b="1" dirty="0" err="1" smtClean="0">
+                <a:solidFill>
+                  <a:schemeClr val="tx1"/>
+                </a:solidFill>
+              </a:rPr>
+              <a:t>BaseUnit</a:t>
+            </a:r>
+            <a:endParaRPr lang="en-US" sz="1600" b="1" dirty="0">
+              <a:solidFill>
+                <a:schemeClr val="tx1"/>
+              </a:solidFill>
+            </a:endParaRPr>
+          </a:p>
+        </p:txBody>
+      </p:sp>
+      <p:sp>
+        <p:nvSpPr>
+          <p:cNvPr id="7" name="Rectangle 6"/>
+          <p:cNvSpPr/>
+          <p:nvPr/>
+        </p:nvSpPr>
+        <p:spPr>
+          <a:xfrm>
+            <a:off x="1844551" y="4227431"/>
+            <a:ext cx="2223931" cy="401697"/>
+          </a:xfrm>
+          <a:prstGeom prst="rect">
+            <a:avLst/>
+          </a:prstGeom>
+          <a:solidFill>
+            <a:schemeClr val="bg1"/>
+          </a:solidFill>
+          <a:ln>
+            <a:solidFill>
+              <a:schemeClr val="tx1"/>
+            </a:solidFill>
+          </a:ln>
+          <a:effectLst/>
+        </p:spPr>
+        <p:style>
+          <a:lnRef idx="1">
+            <a:schemeClr val="accent1"/>
+          </a:lnRef>
+          <a:fillRef idx="3">
+            <a:schemeClr val="accent1"/>
+          </a:fillRef>
+          <a:effectRef idx="2">
+            <a:schemeClr val="accent1"/>
+          </a:effectRef>
+          <a:fontRef idx="minor">
+            <a:schemeClr val="lt1"/>
+          </a:fontRef>
+        </p:style>
+        <p:txBody>
+          <a:bodyPr rtlCol="0" anchor="ctr"/>
+          <a:lstStyle/>
+          <a:p>
+            <a:pPr algn="ctr"/>
+            <a:r>
+              <a:rPr lang="en-US" sz="1600" b="1" dirty="0" err="1" smtClean="0">
+                <a:solidFill>
+                  <a:schemeClr val="tx1"/>
+                </a:solidFill>
+              </a:rPr>
+              <a:t>DerivedUnit</a:t>
+            </a:r>
+            <a:endParaRPr lang="en-US" sz="1600" b="1" dirty="0">
+              <a:solidFill>
+                <a:schemeClr val="tx1"/>
+              </a:solidFill>
+            </a:endParaRPr>
+          </a:p>
+        </p:txBody>
+      </p:sp>
+      <p:sp>
+        <p:nvSpPr>
+          <p:cNvPr id="8" name="Rectangle 7"/>
+          <p:cNvSpPr/>
+          <p:nvPr/>
+        </p:nvSpPr>
+        <p:spPr>
+          <a:xfrm>
+            <a:off x="1833823" y="5533280"/>
+            <a:ext cx="2223931" cy="401697"/>
+          </a:xfrm>
+          <a:prstGeom prst="rect">
+            <a:avLst/>
+          </a:prstGeom>
+          <a:solidFill>
+            <a:schemeClr val="bg1"/>
+          </a:solidFill>
+          <a:ln>
+            <a:solidFill>
+              <a:schemeClr val="tx1"/>
+            </a:solidFill>
+          </a:ln>
+          <a:effectLst/>
+        </p:spPr>
+        <p:style>
+          <a:lnRef idx="1">
+            <a:schemeClr val="accent1"/>
+          </a:lnRef>
+          <a:fillRef idx="3">
+            <a:schemeClr val="accent1"/>
+          </a:fillRef>
+          <a:effectRef idx="2">
+            <a:schemeClr val="accent1"/>
+          </a:effectRef>
+          <a:fontRef idx="minor">
+            <a:schemeClr val="lt1"/>
+          </a:fontRef>
+        </p:style>
+        <p:txBody>
+          <a:bodyPr rtlCol="0" anchor="ctr"/>
+          <a:lstStyle/>
+          <a:p>
+            <a:pPr algn="ctr"/>
+            <a:r>
+              <a:rPr lang="en-US" sz="1600" b="1" dirty="0" err="1" smtClean="0">
+                <a:solidFill>
+                  <a:schemeClr val="tx1"/>
+                </a:solidFill>
+              </a:rPr>
+              <a:t>CompositeUnit</a:t>
+            </a:r>
+            <a:endParaRPr lang="en-US" sz="1600" b="1" dirty="0">
+              <a:solidFill>
+                <a:schemeClr val="tx1"/>
+              </a:solidFill>
+            </a:endParaRPr>
+          </a:p>
+        </p:txBody>
+      </p:sp>
+      <p:sp>
+        <p:nvSpPr>
+          <p:cNvPr id="10" name="Rectangle 9"/>
+          <p:cNvSpPr/>
+          <p:nvPr/>
+        </p:nvSpPr>
+        <p:spPr>
+          <a:xfrm>
+            <a:off x="1845475" y="4629128"/>
+            <a:ext cx="2223931" cy="334870"/>
+          </a:xfrm>
+          <a:prstGeom prst="rect">
+            <a:avLst/>
+          </a:prstGeom>
+          <a:solidFill>
+            <a:schemeClr val="bg1"/>
+          </a:solidFill>
+          <a:ln>
+            <a:solidFill>
+              <a:schemeClr val="tx1"/>
+            </a:solidFill>
+          </a:ln>
+          <a:effectLst/>
+        </p:spPr>
+        <p:style>
+          <a:lnRef idx="1">
+            <a:schemeClr val="accent1"/>
+          </a:lnRef>
+          <a:fillRef idx="3">
+            <a:schemeClr val="accent1"/>
+          </a:fillRef>
+          <a:effectRef idx="2">
+            <a:schemeClr val="accent1"/>
+          </a:effectRef>
+          <a:fontRef idx="minor">
+            <a:schemeClr val="lt1"/>
+          </a:fontRef>
+        </p:style>
+        <p:txBody>
+          <a:bodyPr rtlCol="0" anchor="ctr"/>
+          <a:lstStyle/>
+          <a:p>
+            <a:r>
+              <a:rPr lang="en-US" sz="1400" dirty="0" smtClean="0">
+                <a:solidFill>
+                  <a:schemeClr val="tx1"/>
+                </a:solidFill>
+              </a:rPr>
+              <a:t>+ </a:t>
+            </a:r>
+            <a:r>
+              <a:rPr lang="en-US" sz="1400" dirty="0" err="1" smtClean="0">
+                <a:solidFill>
+                  <a:schemeClr val="tx1"/>
+                </a:solidFill>
+              </a:rPr>
+              <a:t>hasPower</a:t>
+            </a:r>
+            <a:r>
+              <a:rPr lang="en-US" sz="1400" dirty="0" smtClean="0">
+                <a:solidFill>
+                  <a:schemeClr val="tx1"/>
+                </a:solidFill>
+              </a:rPr>
+              <a:t> = </a:t>
+            </a:r>
+            <a:r>
+              <a:rPr lang="en-US" sz="1400" dirty="0" err="1" smtClean="0">
+                <a:solidFill>
+                  <a:schemeClr val="tx1"/>
+                </a:solidFill>
+              </a:rPr>
+              <a:t>int</a:t>
+            </a:r>
+            <a:endParaRPr lang="en-US" sz="1400" dirty="0" smtClean="0">
+              <a:solidFill>
+                <a:schemeClr val="tx1"/>
+              </a:solidFill>
+            </a:endParaRPr>
+          </a:p>
+        </p:txBody>
+      </p:sp>
+      <p:sp>
+        <p:nvSpPr>
+          <p:cNvPr id="12" name="Isosceles Triangle 11"/>
+          <p:cNvSpPr/>
+          <p:nvPr/>
+        </p:nvSpPr>
+        <p:spPr>
+          <a:xfrm>
+            <a:off x="1529464" y="1590086"/>
+            <a:ext cx="267340" cy="192498"/>
+          </a:xfrm>
+          <a:prstGeom prst="triangle">
+            <a:avLst/>
+          </a:prstGeom>
+          <a:noFill/>
+          <a:ln>
+            <a:solidFill>
+              <a:srgbClr val="000000"/>
+            </a:solidFill>
+          </a:ln>
+          <a:effectLst/>
+        </p:spPr>
+        <p:style>
+          <a:lnRef idx="1">
+            <a:schemeClr val="accent1"/>
+          </a:lnRef>
+          <a:fillRef idx="3">
+            <a:schemeClr val="accent1"/>
+          </a:fillRef>
+          <a:effectRef idx="2">
+            <a:schemeClr val="accent1"/>
+          </a:effectRef>
+          <a:fontRef idx="minor">
+            <a:schemeClr val="lt1"/>
+          </a:fontRef>
+        </p:style>
+        <p:txBody>
+          <a:bodyPr rtlCol="0" anchor="ctr"/>
+          <a:lstStyle/>
+          <a:p>
+            <a:pPr algn="ctr"/>
+            <a:endParaRPr lang="en-US" sz="1600"/>
+          </a:p>
+        </p:txBody>
+      </p:sp>
+      <p:sp>
+        <p:nvSpPr>
+          <p:cNvPr id="13" name="Isosceles Triangle 12"/>
+          <p:cNvSpPr/>
+          <p:nvPr/>
+        </p:nvSpPr>
+        <p:spPr>
+          <a:xfrm>
+            <a:off x="1529464" y="2418244"/>
+            <a:ext cx="267340" cy="192498"/>
+          </a:xfrm>
+          <a:prstGeom prst="triangle">
+            <a:avLst/>
+          </a:prstGeom>
+          <a:noFill/>
+          <a:ln>
+            <a:solidFill>
+              <a:srgbClr val="000000"/>
+            </a:solidFill>
+          </a:ln>
+          <a:effectLst/>
+        </p:spPr>
+        <p:style>
+          <a:lnRef idx="1">
+            <a:schemeClr val="accent1"/>
+          </a:lnRef>
+          <a:fillRef idx="3">
+            <a:schemeClr val="accent1"/>
+          </a:fillRef>
+          <a:effectRef idx="2">
+            <a:schemeClr val="accent1"/>
+          </a:effectRef>
+          <a:fontRef idx="minor">
+            <a:schemeClr val="lt1"/>
+          </a:fontRef>
+        </p:style>
+        <p:txBody>
+          <a:bodyPr rtlCol="0" anchor="ctr"/>
+          <a:lstStyle/>
+          <a:p>
+            <a:pPr algn="ctr"/>
+            <a:endParaRPr lang="en-US" sz="1600"/>
+          </a:p>
+        </p:txBody>
+      </p:sp>
+      <p:cxnSp>
+        <p:nvCxnSpPr>
+          <p:cNvPr id="15" name="Elbow Connector 14"/>
+          <p:cNvCxnSpPr>
+            <a:stCxn id="12" idx="3"/>
+            <a:endCxn id="5" idx="0"/>
+          </p:cNvCxnSpPr>
+          <p:nvPr/>
+        </p:nvCxnSpPr>
+        <p:spPr>
+          <a:xfrm rot="16200000" flipH="1">
+            <a:off x="1556413" y="1889304"/>
+            <a:ext cx="213442" cy="1"/>
+          </a:xfrm>
+          <a:prstGeom prst="bentConnector3">
+            <a:avLst>
+              <a:gd name="adj1" fmla="val 50000"/>
+            </a:avLst>
+          </a:prstGeom>
+          <a:ln w="12700" cap="flat" cmpd="sng" algn="ctr">
+            <a:solidFill>
+              <a:srgbClr val="000000"/>
+            </a:solidFill>
+            <a:prstDash val="solid"/>
+            <a:round/>
+            <a:headEnd type="none" w="med" len="med"/>
+            <a:tailEnd type="none" w="med" len="med"/>
+          </a:ln>
+          <a:effectLst/>
+        </p:spPr>
+        <p:style>
+          <a:lnRef idx="2">
+            <a:schemeClr val="accent1"/>
+          </a:lnRef>
+          <a:fillRef idx="0">
+            <a:schemeClr val="accent1"/>
+          </a:fillRef>
+          <a:effectRef idx="1">
+            <a:schemeClr val="accent1"/>
+          </a:effectRef>
+          <a:fontRef idx="minor">
+            <a:schemeClr val="tx1"/>
+          </a:fontRef>
+        </p:style>
+      </p:cxnSp>
+      <p:cxnSp>
+        <p:nvCxnSpPr>
+          <p:cNvPr id="17" name="Elbow Connector 16"/>
+          <p:cNvCxnSpPr>
+            <a:stCxn id="6" idx="1"/>
+            <a:endCxn id="13" idx="3"/>
+          </p:cNvCxnSpPr>
+          <p:nvPr/>
+        </p:nvCxnSpPr>
+        <p:spPr>
+          <a:xfrm rot="10800000">
+            <a:off x="1663135" y="2610742"/>
+            <a:ext cx="181417" cy="485606"/>
+          </a:xfrm>
+          <a:prstGeom prst="bentConnector2">
+            <a:avLst/>
+          </a:prstGeom>
+          <a:ln w="12700" cap="flat" cmpd="sng" algn="ctr">
+            <a:solidFill>
+              <a:srgbClr val="000000"/>
+            </a:solidFill>
+            <a:prstDash val="solid"/>
+            <a:round/>
+            <a:headEnd type="none" w="med" len="med"/>
+            <a:tailEnd type="none" w="med" len="med"/>
+          </a:ln>
+          <a:effectLst/>
+        </p:spPr>
+        <p:style>
+          <a:lnRef idx="2">
+            <a:schemeClr val="accent1"/>
+          </a:lnRef>
+          <a:fillRef idx="0">
+            <a:schemeClr val="accent1"/>
+          </a:fillRef>
+          <a:effectRef idx="1">
+            <a:schemeClr val="accent1"/>
+          </a:effectRef>
+          <a:fontRef idx="minor">
+            <a:schemeClr val="tx1"/>
+          </a:fontRef>
+        </p:style>
+      </p:cxnSp>
+      <p:cxnSp>
+        <p:nvCxnSpPr>
+          <p:cNvPr id="21" name="Elbow Connector 16"/>
+          <p:cNvCxnSpPr>
+            <a:stCxn id="7" idx="1"/>
+            <a:endCxn id="13" idx="3"/>
+          </p:cNvCxnSpPr>
+          <p:nvPr/>
+        </p:nvCxnSpPr>
+        <p:spPr>
+          <a:xfrm rot="10800000">
+            <a:off x="1663135" y="2610742"/>
+            <a:ext cx="181417" cy="1817538"/>
+          </a:xfrm>
+          <a:prstGeom prst="bentConnector2">
+            <a:avLst/>
+          </a:prstGeom>
+          <a:ln w="12700" cap="flat" cmpd="sng" algn="ctr">
+            <a:solidFill>
+              <a:srgbClr val="000000"/>
+            </a:solidFill>
+            <a:prstDash val="solid"/>
+            <a:round/>
+            <a:headEnd type="none" w="med" len="med"/>
+            <a:tailEnd type="none" w="med" len="med"/>
+          </a:ln>
+          <a:effectLst/>
+        </p:spPr>
+        <p:style>
+          <a:lnRef idx="2">
+            <a:schemeClr val="accent1"/>
+          </a:lnRef>
+          <a:fillRef idx="0">
+            <a:schemeClr val="accent1"/>
+          </a:fillRef>
+          <a:effectRef idx="1">
+            <a:schemeClr val="accent1"/>
+          </a:effectRef>
+          <a:fontRef idx="minor">
+            <a:schemeClr val="tx1"/>
+          </a:fontRef>
+        </p:style>
+      </p:cxnSp>
+      <p:cxnSp>
+        <p:nvCxnSpPr>
+          <p:cNvPr id="24" name="Elbow Connector 16"/>
+          <p:cNvCxnSpPr>
+            <a:stCxn id="8" idx="1"/>
+            <a:endCxn id="13" idx="3"/>
+          </p:cNvCxnSpPr>
+          <p:nvPr/>
+        </p:nvCxnSpPr>
+        <p:spPr>
+          <a:xfrm rot="10800000">
+            <a:off x="1663135" y="2610743"/>
+            <a:ext cx="170689" cy="3123387"/>
+          </a:xfrm>
+          <a:prstGeom prst="bentConnector2">
+            <a:avLst/>
+          </a:prstGeom>
+          <a:ln w="12700" cap="flat" cmpd="sng" algn="ctr">
+            <a:solidFill>
+              <a:srgbClr val="000000"/>
+            </a:solidFill>
+            <a:prstDash val="solid"/>
+            <a:round/>
+            <a:headEnd type="none" w="med" len="med"/>
+            <a:tailEnd type="none" w="med" len="med"/>
+          </a:ln>
+          <a:effectLst/>
+        </p:spPr>
+        <p:style>
+          <a:lnRef idx="2">
+            <a:schemeClr val="accent1"/>
+          </a:lnRef>
+          <a:fillRef idx="0">
+            <a:schemeClr val="accent1"/>
+          </a:fillRef>
+          <a:effectRef idx="1">
+            <a:schemeClr val="accent1"/>
+          </a:effectRef>
+          <a:fontRef idx="minor">
+            <a:schemeClr val="tx1"/>
+          </a:fontRef>
+        </p:style>
+      </p:cxnSp>
+      <p:cxnSp>
+        <p:nvCxnSpPr>
+          <p:cNvPr id="27" name="Elbow Connector 16"/>
+          <p:cNvCxnSpPr>
+            <a:stCxn id="7" idx="0"/>
+            <a:endCxn id="6" idx="2"/>
+          </p:cNvCxnSpPr>
+          <p:nvPr/>
+        </p:nvCxnSpPr>
+        <p:spPr>
+          <a:xfrm rot="5400000" flipH="1" flipV="1">
+            <a:off x="2491400" y="3762314"/>
+            <a:ext cx="930235" cy="1588"/>
+          </a:xfrm>
+          <a:prstGeom prst="bentConnector3">
+            <a:avLst>
+              <a:gd name="adj1" fmla="val 50000"/>
+            </a:avLst>
+          </a:prstGeom>
+          <a:ln w="12700" cap="flat" cmpd="sng" algn="ctr">
+            <a:solidFill>
+              <a:srgbClr val="000000"/>
+            </a:solidFill>
+            <a:prstDash val="solid"/>
+            <a:round/>
+            <a:headEnd type="none" w="med" len="med"/>
+            <a:tailEnd type="arrow" w="lg" len="lg"/>
+          </a:ln>
+          <a:effectLst/>
+        </p:spPr>
+        <p:style>
+          <a:lnRef idx="2">
+            <a:schemeClr val="accent1"/>
+          </a:lnRef>
+          <a:fillRef idx="0">
+            <a:schemeClr val="accent1"/>
+          </a:fillRef>
+          <a:effectRef idx="1">
+            <a:schemeClr val="accent1"/>
+          </a:effectRef>
+          <a:fontRef idx="minor">
+            <a:schemeClr val="tx1"/>
+          </a:fontRef>
+        </p:style>
+      </p:cxnSp>
+      <p:sp>
+        <p:nvSpPr>
+          <p:cNvPr id="30" name="Rectangle 29"/>
+          <p:cNvSpPr/>
+          <p:nvPr/>
+        </p:nvSpPr>
+        <p:spPr>
+          <a:xfrm>
+            <a:off x="2959789" y="3454052"/>
+            <a:ext cx="1137601" cy="307777"/>
+          </a:xfrm>
+          <a:prstGeom prst="rect">
+            <a:avLst/>
+          </a:prstGeom>
+        </p:spPr>
+        <p:txBody>
+          <a:bodyPr wrap="square">
+            <a:spAutoFit/>
+          </a:bodyPr>
+          <a:lstStyle/>
+          <a:p>
+            <a:r>
+              <a:rPr lang="en-US" sz="1400" dirty="0" err="1" smtClean="0">
+                <a:solidFill>
+                  <a:schemeClr val="tx1"/>
+                </a:solidFill>
+              </a:rPr>
+              <a:t>hasUnit</a:t>
+            </a:r>
+            <a:endParaRPr lang="en-US" sz="1400" dirty="0"/>
+          </a:p>
+        </p:txBody>
+      </p:sp>
+      <p:sp>
+        <p:nvSpPr>
+          <p:cNvPr id="31" name="Rectangle 30"/>
+          <p:cNvSpPr/>
+          <p:nvPr/>
+        </p:nvSpPr>
+        <p:spPr>
+          <a:xfrm>
+            <a:off x="2505201" y="3337542"/>
+            <a:ext cx="594412" cy="307777"/>
+          </a:xfrm>
+          <a:prstGeom prst="rect">
+            <a:avLst/>
+          </a:prstGeom>
+        </p:spPr>
+        <p:txBody>
+          <a:bodyPr wrap="square">
+            <a:spAutoFit/>
+          </a:bodyPr>
+          <a:lstStyle/>
+          <a:p>
+            <a:r>
+              <a:rPr lang="en-US" sz="1400" dirty="0" smtClean="0">
+                <a:solidFill>
+                  <a:schemeClr val="tx1"/>
+                </a:solidFill>
+              </a:rPr>
+              <a:t>1..1</a:t>
+            </a:r>
+            <a:endParaRPr lang="en-US" sz="1400" dirty="0"/>
+          </a:p>
+        </p:txBody>
+      </p:sp>
+      <p:sp>
+        <p:nvSpPr>
+          <p:cNvPr id="32" name="Rectangle 31"/>
+          <p:cNvSpPr/>
+          <p:nvPr/>
+        </p:nvSpPr>
+        <p:spPr>
+          <a:xfrm>
+            <a:off x="2755255" y="4002586"/>
+            <a:ext cx="241862" cy="523220"/>
+          </a:xfrm>
+          <a:prstGeom prst="rect">
+            <a:avLst/>
+          </a:prstGeom>
+        </p:spPr>
+        <p:txBody>
+          <a:bodyPr wrap="square">
+            <a:spAutoFit/>
+          </a:bodyPr>
+          <a:lstStyle/>
+          <a:p>
+            <a:r>
+              <a:rPr lang="en-US" sz="1400" dirty="0" smtClean="0">
+                <a:solidFill>
+                  <a:schemeClr val="tx1"/>
+                </a:solidFill>
+              </a:rPr>
+              <a:t>*</a:t>
+            </a:r>
+            <a:endParaRPr lang="en-US" sz="1400" dirty="0"/>
+          </a:p>
+        </p:txBody>
+      </p:sp>
+      <p:cxnSp>
+        <p:nvCxnSpPr>
+          <p:cNvPr id="33" name="Elbow Connector 16"/>
+          <p:cNvCxnSpPr>
+            <a:stCxn id="8" idx="3"/>
+            <a:endCxn id="35" idx="4"/>
+          </p:cNvCxnSpPr>
+          <p:nvPr/>
+        </p:nvCxnSpPr>
+        <p:spPr>
+          <a:xfrm flipV="1">
+            <a:off x="4057754" y="4967682"/>
+            <a:ext cx="836097" cy="766447"/>
+          </a:xfrm>
+          <a:prstGeom prst="bentConnector2">
+            <a:avLst/>
+          </a:prstGeom>
+          <a:ln w="12700" cap="flat" cmpd="sng" algn="ctr">
+            <a:solidFill>
+              <a:srgbClr val="000000"/>
+            </a:solidFill>
+            <a:prstDash val="solid"/>
+            <a:round/>
+            <a:headEnd type="none" w="med" len="med"/>
+            <a:tailEnd type="none" w="lg" len="lg"/>
+          </a:ln>
+          <a:effectLst/>
+        </p:spPr>
+        <p:style>
+          <a:lnRef idx="2">
+            <a:schemeClr val="accent1"/>
+          </a:lnRef>
+          <a:fillRef idx="0">
+            <a:schemeClr val="accent1"/>
+          </a:fillRef>
+          <a:effectRef idx="1">
+            <a:schemeClr val="accent1"/>
+          </a:effectRef>
+          <a:fontRef idx="minor">
+            <a:schemeClr val="tx1"/>
+          </a:fontRef>
+        </p:style>
+      </p:cxnSp>
+      <p:sp>
+        <p:nvSpPr>
+          <p:cNvPr id="35" name="Oval 34"/>
+          <p:cNvSpPr/>
+          <p:nvPr/>
+        </p:nvSpPr>
+        <p:spPr>
+          <a:xfrm>
+            <a:off x="4731682" y="4629128"/>
+            <a:ext cx="324338" cy="338554"/>
+          </a:xfrm>
+          <a:prstGeom prst="ellipse">
+            <a:avLst/>
+          </a:prstGeom>
+          <a:solidFill>
+            <a:srgbClr val="FFFFFF"/>
+          </a:solidFill>
+          <a:ln>
+            <a:solidFill>
+              <a:srgbClr val="000000"/>
+            </a:solidFill>
+          </a:ln>
+          <a:effectLst/>
+        </p:spPr>
+        <p:style>
+          <a:lnRef idx="1">
+            <a:schemeClr val="accent1"/>
+          </a:lnRef>
+          <a:fillRef idx="3">
+            <a:schemeClr val="accent1"/>
+          </a:fillRef>
+          <a:effectRef idx="2">
+            <a:schemeClr val="accent1"/>
+          </a:effectRef>
+          <a:fontRef idx="minor">
+            <a:schemeClr val="lt1"/>
+          </a:fontRef>
+        </p:style>
+        <p:txBody>
+          <a:bodyPr lIns="0" rIns="0" rtlCol="0" anchor="ctr"/>
+          <a:lstStyle/>
+          <a:p>
+            <a:pPr algn="ctr"/>
+            <a:r>
+              <a:rPr lang="en-US" sz="1400" dirty="0" smtClean="0">
+                <a:solidFill>
+                  <a:srgbClr val="000000"/>
+                </a:solidFill>
+              </a:rPr>
+              <a:t>U</a:t>
+            </a:r>
+            <a:endParaRPr lang="en-US" sz="1400" dirty="0">
+              <a:solidFill>
+                <a:srgbClr val="000000"/>
+              </a:solidFill>
+            </a:endParaRPr>
+          </a:p>
+        </p:txBody>
+      </p:sp>
+      <p:cxnSp>
+        <p:nvCxnSpPr>
+          <p:cNvPr id="37" name="Elbow Connector 16"/>
+          <p:cNvCxnSpPr>
+            <a:stCxn id="35" idx="2"/>
+            <a:endCxn id="10" idx="3"/>
+          </p:cNvCxnSpPr>
+          <p:nvPr/>
+        </p:nvCxnSpPr>
+        <p:spPr>
+          <a:xfrm rot="10800000">
+            <a:off x="4069406" y="4796563"/>
+            <a:ext cx="662276" cy="1842"/>
+          </a:xfrm>
+          <a:prstGeom prst="bentConnector3">
+            <a:avLst>
+              <a:gd name="adj1" fmla="val 50000"/>
+            </a:avLst>
+          </a:prstGeom>
+          <a:ln w="12700" cap="flat" cmpd="sng" algn="ctr">
+            <a:solidFill>
+              <a:srgbClr val="000000"/>
+            </a:solidFill>
+            <a:prstDash val="solid"/>
+            <a:round/>
+            <a:headEnd type="none" w="med" len="med"/>
+            <a:tailEnd type="arrow" w="lg" len="lg"/>
+          </a:ln>
+          <a:effectLst/>
+        </p:spPr>
+        <p:style>
+          <a:lnRef idx="2">
+            <a:schemeClr val="accent1"/>
+          </a:lnRef>
+          <a:fillRef idx="0">
+            <a:schemeClr val="accent1"/>
+          </a:fillRef>
+          <a:effectRef idx="1">
+            <a:schemeClr val="accent1"/>
+          </a:effectRef>
+          <a:fontRef idx="minor">
+            <a:schemeClr val="tx1"/>
+          </a:fontRef>
+        </p:style>
+      </p:cxnSp>
+      <p:cxnSp>
+        <p:nvCxnSpPr>
+          <p:cNvPr id="40" name="Elbow Connector 16"/>
+          <p:cNvCxnSpPr>
+            <a:stCxn id="35" idx="0"/>
+            <a:endCxn id="6" idx="3"/>
+          </p:cNvCxnSpPr>
+          <p:nvPr/>
+        </p:nvCxnSpPr>
+        <p:spPr>
+          <a:xfrm rot="16200000" flipV="1">
+            <a:off x="3714777" y="3450053"/>
+            <a:ext cx="1532780" cy="825369"/>
+          </a:xfrm>
+          <a:prstGeom prst="bentConnector2">
+            <a:avLst/>
+          </a:prstGeom>
+          <a:ln w="12700" cap="flat" cmpd="sng" algn="ctr">
+            <a:solidFill>
+              <a:srgbClr val="000000"/>
+            </a:solidFill>
+            <a:prstDash val="solid"/>
+            <a:round/>
+            <a:headEnd type="none" w="med" len="med"/>
+            <a:tailEnd type="arrow" w="lg" len="lg"/>
+          </a:ln>
+          <a:effectLst/>
+        </p:spPr>
+        <p:style>
+          <a:lnRef idx="2">
+            <a:schemeClr val="accent1"/>
+          </a:lnRef>
+          <a:fillRef idx="0">
+            <a:schemeClr val="accent1"/>
+          </a:fillRef>
+          <a:effectRef idx="1">
+            <a:schemeClr val="accent1"/>
+          </a:effectRef>
+          <a:fontRef idx="minor">
+            <a:schemeClr val="tx1"/>
+          </a:fontRef>
+        </p:style>
+      </p:cxnSp>
+      <p:sp>
+        <p:nvSpPr>
+          <p:cNvPr id="43" name="Rectangle 42"/>
+          <p:cNvSpPr/>
+          <p:nvPr/>
+        </p:nvSpPr>
+        <p:spPr>
+          <a:xfrm>
+            <a:off x="4135512" y="5101518"/>
+            <a:ext cx="969381" cy="307777"/>
+          </a:xfrm>
+          <a:prstGeom prst="rect">
+            <a:avLst/>
+          </a:prstGeom>
+        </p:spPr>
+        <p:txBody>
+          <a:bodyPr wrap="square">
+            <a:spAutoFit/>
+          </a:bodyPr>
+          <a:lstStyle/>
+          <a:p>
+            <a:r>
+              <a:rPr lang="en-US" sz="1400" dirty="0" err="1" smtClean="0">
+                <a:solidFill>
+                  <a:schemeClr val="tx1"/>
+                </a:solidFill>
+              </a:rPr>
+              <a:t>hasUnit</a:t>
+            </a:r>
+            <a:endParaRPr lang="en-US" sz="1400" dirty="0"/>
+          </a:p>
+        </p:txBody>
+      </p:sp>
+      <p:sp>
+        <p:nvSpPr>
+          <p:cNvPr id="44" name="Rectangle 43"/>
+          <p:cNvSpPr/>
+          <p:nvPr/>
+        </p:nvSpPr>
+        <p:spPr>
+          <a:xfrm>
+            <a:off x="4860499" y="4894092"/>
+            <a:ext cx="569383" cy="307777"/>
+          </a:xfrm>
+          <a:prstGeom prst="rect">
+            <a:avLst/>
+          </a:prstGeom>
+        </p:spPr>
+        <p:txBody>
+          <a:bodyPr wrap="square">
+            <a:spAutoFit/>
+          </a:bodyPr>
+          <a:lstStyle/>
+          <a:p>
+            <a:r>
+              <a:rPr lang="en-US" sz="1400" dirty="0" smtClean="0">
+                <a:solidFill>
+                  <a:schemeClr val="tx1"/>
+                </a:solidFill>
+              </a:rPr>
+              <a:t>2..*</a:t>
+            </a:r>
+            <a:endParaRPr lang="en-US" sz="1400" dirty="0"/>
+          </a:p>
+        </p:txBody>
+      </p:sp>
+      <p:sp>
+        <p:nvSpPr>
+          <p:cNvPr id="45" name="Rectangle 44"/>
+          <p:cNvSpPr/>
+          <p:nvPr/>
+        </p:nvSpPr>
+        <p:spPr>
+          <a:xfrm>
+            <a:off x="4037899" y="5704569"/>
+            <a:ext cx="466892" cy="307777"/>
+          </a:xfrm>
+          <a:prstGeom prst="rect">
+            <a:avLst/>
+          </a:prstGeom>
+        </p:spPr>
+        <p:txBody>
+          <a:bodyPr wrap="square">
+            <a:spAutoFit/>
+          </a:bodyPr>
+          <a:lstStyle/>
+          <a:p>
+            <a:r>
+              <a:rPr lang="en-US" sz="1400" dirty="0" smtClean="0">
+                <a:solidFill>
+                  <a:schemeClr val="tx1"/>
+                </a:solidFill>
+              </a:rPr>
+              <a:t>*</a:t>
+            </a:r>
+            <a:endParaRPr lang="en-US" sz="1400" dirty="0"/>
+          </a:p>
+        </p:txBody>
+      </p:sp>
+      <p:sp>
+        <p:nvSpPr>
+          <p:cNvPr id="46" name="Rectangle 45"/>
+          <p:cNvSpPr/>
+          <p:nvPr/>
+        </p:nvSpPr>
+        <p:spPr>
+          <a:xfrm>
+            <a:off x="5777069" y="1173956"/>
+            <a:ext cx="2223931" cy="401697"/>
+          </a:xfrm>
+          <a:prstGeom prst="rect">
+            <a:avLst/>
+          </a:prstGeom>
+          <a:solidFill>
+            <a:schemeClr val="bg1"/>
+          </a:solidFill>
+          <a:ln>
+            <a:solidFill>
+              <a:schemeClr val="tx1"/>
+            </a:solidFill>
+          </a:ln>
+          <a:effectLst/>
+        </p:spPr>
+        <p:style>
+          <a:lnRef idx="1">
+            <a:schemeClr val="accent1"/>
+          </a:lnRef>
+          <a:fillRef idx="3">
+            <a:schemeClr val="accent1"/>
+          </a:fillRef>
+          <a:effectRef idx="2">
+            <a:schemeClr val="accent1"/>
+          </a:effectRef>
+          <a:fontRef idx="minor">
+            <a:schemeClr val="lt1"/>
+          </a:fontRef>
+        </p:style>
+        <p:txBody>
+          <a:bodyPr rtlCol="0" anchor="ctr"/>
+          <a:lstStyle/>
+          <a:p>
+            <a:pPr algn="ctr"/>
+            <a:r>
+              <a:rPr lang="en-US" sz="1600" b="1" dirty="0" smtClean="0">
+                <a:solidFill>
+                  <a:schemeClr val="tx1"/>
+                </a:solidFill>
+              </a:rPr>
+              <a:t>Characteristic</a:t>
+            </a:r>
+            <a:endParaRPr lang="en-US" sz="1600" b="1" dirty="0">
+              <a:solidFill>
+                <a:schemeClr val="tx1"/>
+              </a:solidFill>
+            </a:endParaRPr>
+          </a:p>
+        </p:txBody>
+      </p:sp>
+      <p:sp>
+        <p:nvSpPr>
+          <p:cNvPr id="47" name="Rectangle 46"/>
+          <p:cNvSpPr/>
+          <p:nvPr/>
+        </p:nvSpPr>
+        <p:spPr>
+          <a:xfrm>
+            <a:off x="5777069" y="1993244"/>
+            <a:ext cx="2223931" cy="401697"/>
+          </a:xfrm>
+          <a:prstGeom prst="rect">
+            <a:avLst/>
+          </a:prstGeom>
+          <a:solidFill>
+            <a:schemeClr val="bg1"/>
+          </a:solidFill>
+          <a:ln>
+            <a:solidFill>
+              <a:schemeClr val="tx1"/>
+            </a:solidFill>
+          </a:ln>
+          <a:effectLst/>
+        </p:spPr>
+        <p:style>
+          <a:lnRef idx="1">
+            <a:schemeClr val="accent1"/>
+          </a:lnRef>
+          <a:fillRef idx="3">
+            <a:schemeClr val="accent1"/>
+          </a:fillRef>
+          <a:effectRef idx="2">
+            <a:schemeClr val="accent1"/>
+          </a:effectRef>
+          <a:fontRef idx="minor">
+            <a:schemeClr val="lt1"/>
+          </a:fontRef>
+        </p:style>
+        <p:txBody>
+          <a:bodyPr rtlCol="0" anchor="ctr"/>
+          <a:lstStyle/>
+          <a:p>
+            <a:pPr algn="ctr"/>
+            <a:r>
+              <a:rPr lang="en-US" sz="1600" b="1" dirty="0" err="1" smtClean="0">
+                <a:solidFill>
+                  <a:schemeClr val="tx1"/>
+                </a:solidFill>
+              </a:rPr>
+              <a:t>PhysicalCharacteristic</a:t>
+            </a:r>
+            <a:endParaRPr lang="en-US" sz="1600" b="1" dirty="0">
+              <a:solidFill>
+                <a:schemeClr val="tx1"/>
+              </a:solidFill>
+            </a:endParaRPr>
+          </a:p>
+        </p:txBody>
+      </p:sp>
+      <p:sp>
+        <p:nvSpPr>
+          <p:cNvPr id="53" name="Isosceles Triangle 52"/>
+          <p:cNvSpPr/>
+          <p:nvPr/>
+        </p:nvSpPr>
+        <p:spPr>
+          <a:xfrm>
+            <a:off x="6755364" y="1575653"/>
+            <a:ext cx="267340" cy="192498"/>
+          </a:xfrm>
+          <a:prstGeom prst="triangle">
+            <a:avLst/>
+          </a:prstGeom>
+          <a:noFill/>
+          <a:ln>
+            <a:solidFill>
+              <a:srgbClr val="000000"/>
+            </a:solidFill>
+          </a:ln>
+          <a:effectLst/>
+        </p:spPr>
+        <p:style>
+          <a:lnRef idx="1">
+            <a:schemeClr val="accent1"/>
+          </a:lnRef>
+          <a:fillRef idx="3">
+            <a:schemeClr val="accent1"/>
+          </a:fillRef>
+          <a:effectRef idx="2">
+            <a:schemeClr val="accent1"/>
+          </a:effectRef>
+          <a:fontRef idx="minor">
+            <a:schemeClr val="lt1"/>
+          </a:fontRef>
+        </p:style>
+        <p:txBody>
+          <a:bodyPr rtlCol="0" anchor="ctr"/>
+          <a:lstStyle/>
+          <a:p>
+            <a:pPr algn="ctr"/>
+            <a:endParaRPr lang="en-US" sz="1600"/>
+          </a:p>
+        </p:txBody>
+      </p:sp>
+      <p:cxnSp>
+        <p:nvCxnSpPr>
+          <p:cNvPr id="55" name="Elbow Connector 54"/>
+          <p:cNvCxnSpPr>
+            <a:stCxn id="53" idx="3"/>
+            <a:endCxn id="47" idx="0"/>
+          </p:cNvCxnSpPr>
+          <p:nvPr/>
+        </p:nvCxnSpPr>
+        <p:spPr>
+          <a:xfrm rot="16200000" flipH="1">
+            <a:off x="6776488" y="1880696"/>
+            <a:ext cx="225093" cy="1"/>
+          </a:xfrm>
+          <a:prstGeom prst="bentConnector3">
+            <a:avLst>
+              <a:gd name="adj1" fmla="val 50000"/>
+            </a:avLst>
+          </a:prstGeom>
+          <a:ln w="12700" cap="flat" cmpd="sng" algn="ctr">
+            <a:solidFill>
+              <a:srgbClr val="000000"/>
+            </a:solidFill>
+            <a:prstDash val="solid"/>
+            <a:round/>
+            <a:headEnd type="none" w="med" len="med"/>
+            <a:tailEnd type="none" w="med" len="med"/>
+          </a:ln>
+          <a:effectLst/>
+        </p:spPr>
+        <p:style>
+          <a:lnRef idx="2">
+            <a:schemeClr val="accent1"/>
+          </a:lnRef>
+          <a:fillRef idx="0">
+            <a:schemeClr val="accent1"/>
+          </a:fillRef>
+          <a:effectRef idx="1">
+            <a:schemeClr val="accent1"/>
+          </a:effectRef>
+          <a:fontRef idx="minor">
+            <a:schemeClr val="tx1"/>
+          </a:fontRef>
+        </p:style>
+      </p:cxnSp>
+      <p:cxnSp>
+        <p:nvCxnSpPr>
+          <p:cNvPr id="70" name="Straight Arrow Connector 69"/>
+          <p:cNvCxnSpPr>
+            <a:stCxn id="5" idx="3"/>
+            <a:endCxn id="47" idx="1"/>
+          </p:cNvCxnSpPr>
+          <p:nvPr/>
+        </p:nvCxnSpPr>
+        <p:spPr>
+          <a:xfrm flipV="1">
+            <a:off x="2775100" y="2194093"/>
+            <a:ext cx="3001969" cy="2782"/>
+          </a:xfrm>
+          <a:prstGeom prst="straightConnector1">
+            <a:avLst/>
+          </a:prstGeom>
+          <a:ln w="31750" cap="flat" cmpd="sng" algn="ctr">
+            <a:solidFill>
+              <a:srgbClr val="FF6600"/>
+            </a:solidFill>
+            <a:prstDash val="solid"/>
+            <a:round/>
+            <a:headEnd type="none" w="med" len="med"/>
+            <a:tailEnd type="arrow" w="lg" len="lg"/>
+          </a:ln>
+        </p:spPr>
+        <p:style>
+          <a:lnRef idx="2">
+            <a:schemeClr val="accent1"/>
+          </a:lnRef>
+          <a:fillRef idx="0">
+            <a:schemeClr val="accent1"/>
+          </a:fillRef>
+          <a:effectRef idx="1">
+            <a:schemeClr val="accent1"/>
+          </a:effectRef>
+          <a:fontRef idx="minor">
+            <a:schemeClr val="tx1"/>
+          </a:fontRef>
+        </p:style>
+      </p:cxnSp>
+      <p:sp>
+        <p:nvSpPr>
+          <p:cNvPr id="71" name="Rectangle 70"/>
+          <p:cNvSpPr/>
+          <p:nvPr/>
+        </p:nvSpPr>
+        <p:spPr>
+          <a:xfrm>
+            <a:off x="2819400" y="1795046"/>
+            <a:ext cx="2813591" cy="338554"/>
+          </a:xfrm>
+          <a:prstGeom prst="rect">
+            <a:avLst/>
+          </a:prstGeom>
+        </p:spPr>
+        <p:txBody>
+          <a:bodyPr wrap="none" anchor="b">
+            <a:spAutoFit/>
+          </a:bodyPr>
+          <a:lstStyle/>
+          <a:p>
+            <a:r>
+              <a:rPr lang="en-US" sz="1600" dirty="0" err="1" smtClean="0"/>
+              <a:t>standardFor</a:t>
+            </a:r>
+            <a:r>
+              <a:rPr lang="en-US" sz="1600" dirty="0" smtClean="0"/>
+              <a:t> </a:t>
+            </a:r>
+            <a:r>
+              <a:rPr lang="en-US" sz="1600" b="1" dirty="0" err="1" smtClean="0">
+                <a:solidFill>
+                  <a:srgbClr val="0000FF"/>
+                </a:solidFill>
+              </a:rPr>
+              <a:t>o</a:t>
+            </a:r>
+            <a:r>
+              <a:rPr lang="en-US" sz="1600" dirty="0" smtClean="0"/>
+              <a:t> </a:t>
+            </a:r>
+            <a:r>
+              <a:rPr lang="en-US" sz="1600" dirty="0" err="1" smtClean="0"/>
+              <a:t>hasCharacteristic</a:t>
+            </a:r>
+            <a:endParaRPr lang="en-US" sz="1600" dirty="0"/>
+          </a:p>
+        </p:txBody>
+      </p:sp>
+      <p:sp>
+        <p:nvSpPr>
+          <p:cNvPr id="76" name="Rectangle 75"/>
+          <p:cNvSpPr/>
+          <p:nvPr/>
+        </p:nvSpPr>
+        <p:spPr>
+          <a:xfrm>
+            <a:off x="6245949" y="2604224"/>
+            <a:ext cx="2423223" cy="2062103"/>
+          </a:xfrm>
+          <a:prstGeom prst="rect">
+            <a:avLst/>
+          </a:prstGeom>
+        </p:spPr>
+        <p:txBody>
+          <a:bodyPr wrap="square">
+            <a:spAutoFit/>
+          </a:bodyPr>
+          <a:lstStyle/>
+          <a:p>
+            <a:r>
+              <a:rPr lang="en-US" sz="1600" i="1" dirty="0" smtClean="0"/>
+              <a:t>Characteristics can be used over a variety of units and standards … no restriction on structuring</a:t>
+            </a:r>
+          </a:p>
+          <a:p>
+            <a:endParaRPr lang="en-US" sz="1600" i="1" dirty="0" smtClean="0"/>
+          </a:p>
+          <a:p>
+            <a:r>
+              <a:rPr lang="en-US" sz="1600" i="1" dirty="0" smtClean="0"/>
+              <a:t>Enables many “surrogates” for a characteristic (like density …)</a:t>
+            </a:r>
+          </a:p>
+        </p:txBody>
+      </p:sp>
+    </p:spTree>
+  </p:cSld>
+  <p:clrMapOvr>
+    <a:masterClrMapping/>
+  </p:clrMapOvr>
+  <p:timing>
+    <p:tnLst>
+      <p:par>
+        <p:cTn id="1" dur="indefinite" restart="never" nodeType="tmRoot"/>
+      </p:par>
+    </p:tnLst>
+  </p:timing>
+</p:sld>
+</file>
+
+<file path=ppt/slides/slide12.xml><?xml version="1.0" encoding="utf-8"?>
+<p:sld xmlns:a="http://schemas.openxmlformats.org/drawingml/2006/main" xmlns:r="http://schemas.openxmlformats.org/officeDocument/2006/relationships" xmlns:mc="http://schemas.openxmlformats.org/markup-compatibility/2006" xmlns:mv="urn:schemas-microsoft-com:mac:vml" xmlns:p="http://schemas.openxmlformats.org/presentationml/2006/main" mc:Ignorable="mv" mc:PreserveAttributes="mv:*">
+  <p:cSld>
+    <p:spTree>
+      <p:nvGrpSpPr>
+        <p:cNvPr id="1" name=""/>
+        <p:cNvGrpSpPr/>
+        <p:nvPr/>
+      </p:nvGrpSpPr>
+      <p:grpSpPr>
+        <a:xfrm>
+          <a:off x="0" y="0"/>
+          <a:ext cx="0" cy="0"/>
+          <a:chOff x="0" y="0"/>
+          <a:chExt cx="0" cy="0"/>
+        </a:xfrm>
+      </p:grpSpPr>
+      <p:sp>
+        <p:nvSpPr>
+          <p:cNvPr id="2" name="Title 1"/>
+          <p:cNvSpPr>
+            <a:spLocks noGrp="1"/>
+          </p:cNvSpPr>
+          <p:nvPr>
+            <p:ph type="title"/>
+          </p:nvPr>
+        </p:nvSpPr>
+        <p:spPr/>
+        <p:txBody>
+          <a:bodyPr/>
+          <a:lstStyle/>
+          <a:p>
+            <a:r>
+              <a:rPr lang="en-US" dirty="0" smtClean="0"/>
+              <a:t>…</a:t>
+            </a:r>
+            <a:endParaRPr lang="en-US" dirty="0"/>
+          </a:p>
+        </p:txBody>
+      </p:sp>
+      <p:sp>
+        <p:nvSpPr>
+          <p:cNvPr id="3" name="Content Placeholder 2"/>
+          <p:cNvSpPr>
+            <a:spLocks noGrp="1"/>
+          </p:cNvSpPr>
+          <p:nvPr>
+            <p:ph idx="1"/>
+          </p:nvPr>
+        </p:nvSpPr>
+        <p:spPr>
+          <a:xfrm>
+            <a:off x="241905" y="895048"/>
+            <a:ext cx="8672285" cy="5454352"/>
+          </a:xfrm>
+        </p:spPr>
+        <p:txBody>
+          <a:bodyPr>
+            <a:normAutofit/>
+          </a:bodyPr>
+          <a:lstStyle/>
+          <a:p>
+            <a:r>
+              <a:rPr lang="en-US" dirty="0" smtClean="0"/>
+              <a:t>Modularization</a:t>
+            </a:r>
+          </a:p>
+          <a:p>
+            <a:pPr lvl="1">
+              <a:buNone/>
+            </a:pPr>
+            <a:r>
+              <a:rPr lang="en-US" i="1" u="sng" dirty="0" smtClean="0"/>
+              <a:t>oboe-core</a:t>
+            </a:r>
+            <a:r>
+              <a:rPr lang="en-US" dirty="0" smtClean="0"/>
+              <a:t>  …  the basic structures</a:t>
+            </a:r>
+          </a:p>
+          <a:p>
+            <a:pPr lvl="2">
+              <a:spcAft>
+                <a:spcPts val="600"/>
+              </a:spcAft>
+            </a:pPr>
+            <a:r>
+              <a:rPr lang="en-US" dirty="0" smtClean="0"/>
+              <a:t>Entity, Observation, Characteristic, Protocol, Standard, Measurement</a:t>
+            </a:r>
+          </a:p>
+          <a:p>
+            <a:pPr lvl="1">
+              <a:buNone/>
+            </a:pPr>
+            <a:r>
+              <a:rPr lang="en-US" i="1" u="sng" dirty="0" smtClean="0"/>
+              <a:t>oboe</a:t>
+            </a:r>
+            <a:r>
+              <a:rPr lang="en-US" dirty="0" smtClean="0"/>
+              <a:t>  …  the next level of detail </a:t>
+            </a:r>
+          </a:p>
+          <a:p>
+            <a:pPr lvl="2"/>
+            <a:r>
+              <a:rPr lang="en-US" dirty="0" smtClean="0"/>
+              <a:t>Entity (Primitive) Values</a:t>
+            </a:r>
+          </a:p>
+          <a:p>
+            <a:pPr lvl="2"/>
+            <a:r>
+              <a:rPr lang="en-US" dirty="0" smtClean="0"/>
+              <a:t>Characteristics: </a:t>
+            </a:r>
+            <a:r>
+              <a:rPr lang="en-US" dirty="0" err="1" smtClean="0"/>
+              <a:t>PhysicalCharacteristic</a:t>
+            </a:r>
+            <a:r>
+              <a:rPr lang="en-US" dirty="0" smtClean="0"/>
+              <a:t>, </a:t>
+            </a:r>
+            <a:r>
+              <a:rPr lang="en-US" dirty="0" err="1" smtClean="0"/>
+              <a:t>QualifiedCharacteristic</a:t>
+            </a:r>
+            <a:r>
+              <a:rPr lang="en-US" dirty="0" smtClean="0"/>
+              <a:t>, Name, Type</a:t>
+            </a:r>
+          </a:p>
+          <a:p>
+            <a:pPr lvl="2">
+              <a:spcAft>
+                <a:spcPts val="1200"/>
+              </a:spcAft>
+            </a:pPr>
+            <a:r>
+              <a:rPr lang="en-US" dirty="0" smtClean="0"/>
+              <a:t>Unit structure: </a:t>
+            </a:r>
+            <a:r>
+              <a:rPr lang="en-US" dirty="0" err="1" smtClean="0"/>
+              <a:t>BaseUnit</a:t>
+            </a:r>
+            <a:r>
+              <a:rPr lang="en-US" dirty="0" smtClean="0"/>
+              <a:t>, </a:t>
+            </a:r>
+            <a:r>
+              <a:rPr lang="en-US" dirty="0" err="1" smtClean="0"/>
+              <a:t>DerivedUnit</a:t>
+            </a:r>
+            <a:r>
+              <a:rPr lang="en-US" dirty="0" smtClean="0"/>
+              <a:t>, </a:t>
+            </a:r>
+            <a:r>
+              <a:rPr lang="en-US" dirty="0" err="1" smtClean="0"/>
+              <a:t>CompositeUnit</a:t>
+            </a:r>
+            <a:r>
+              <a:rPr lang="en-US" dirty="0" smtClean="0"/>
+              <a:t>, </a:t>
+            </a:r>
+            <a:r>
+              <a:rPr lang="en-US" dirty="0" err="1" smtClean="0"/>
+              <a:t>UnitConversion</a:t>
+            </a:r>
+            <a:endParaRPr lang="en-US" dirty="0" smtClean="0"/>
+          </a:p>
+          <a:p>
+            <a:pPr lvl="1">
+              <a:buNone/>
+            </a:pPr>
+            <a:r>
+              <a:rPr lang="en-US" i="1" u="sng" dirty="0" smtClean="0"/>
+              <a:t>oboe-unit</a:t>
+            </a:r>
+            <a:r>
+              <a:rPr lang="en-US" dirty="0" smtClean="0"/>
+              <a:t>  …  common units &amp; characteristics</a:t>
+            </a:r>
+          </a:p>
+          <a:p>
+            <a:pPr lvl="2"/>
+            <a:r>
+              <a:rPr lang="en-US" dirty="0" smtClean="0"/>
+              <a:t>Physical characteristics (dimensions), conversions, etc.</a:t>
+            </a:r>
+          </a:p>
+        </p:txBody>
+      </p:sp>
+    </p:spTree>
+  </p:cSld>
+  <p:clrMapOvr>
+    <a:masterClrMapping/>
+  </p:clrMapOvr>
+  <p:timing>
+    <p:tnLst>
+      <p:par>
+        <p:cTn id="1" dur="indefinite" restart="never" nodeType="tmRoot">
+          <p:childTnLst>
+            <p:seq concurrent="1" nextAc="seek">
+              <p:cTn id="2" dur="indefinite" nodeType="mainSeq">
+                <p:childTnLst>
+                  <p:par>
+                    <p:cTn id="3" fill="hold">
+                      <p:stCondLst>
+                        <p:cond delay="indefinite"/>
+                        <p:cond evt="onBegin" delay="0">
+                          <p:tn val="2"/>
+                        </p:cond>
+                      </p:stCondLst>
+                      <p:childTnLst>
+                        <p:par>
+                          <p:cTn id="4" fill="hold">
+                            <p:stCondLst>
+                              <p:cond delay="0"/>
+                            </p:stCondLst>
+                            <p:childTnLst>
+                              <p:par>
+                                <p:cTn id="5" presetID="1" presetClass="entr" presetSubtype="0" fill="hold" grpId="0" nodeType="withEffect">
+                                  <p:stCondLst>
+                                    <p:cond delay="0"/>
+                                  </p:stCondLst>
+                                  <p:childTnLst>
+                                    <p:set>
+                                      <p:cBhvr>
+                                        <p:cTn id="6" dur="1" fill="hold">
+                                          <p:stCondLst>
+                                            <p:cond delay="0"/>
+                                          </p:stCondLst>
+                                        </p:cTn>
+                                        <p:tgtEl>
+                                          <p:spTgt spid="3">
+                                            <p:txEl>
+                                              <p:pRg st="0" end="0"/>
+                                            </p:txEl>
+                                          </p:spTgt>
+                                        </p:tgtEl>
+                                        <p:attrNameLst>
+                                          <p:attrName>style.visibility</p:attrName>
+                                        </p:attrNameLst>
+                                      </p:cBhvr>
+                                      <p:to>
+                                        <p:strVal val="visible"/>
+                                      </p:to>
+                                    </p:set>
+                                  </p:childTnLst>
+                                </p:cTn>
+                              </p:par>
+                            </p:childTnLst>
+                          </p:cTn>
+                        </p:par>
+                      </p:childTnLst>
+                    </p:cTn>
+                  </p:par>
+                  <p:par>
+                    <p:cTn id="7" fill="hold">
+                      <p:stCondLst>
+                        <p:cond delay="indefinite"/>
+                      </p:stCondLst>
+                      <p:childTnLst>
+                        <p:par>
+                          <p:cTn id="8" fill="hold">
+                            <p:stCondLst>
+                              <p:cond delay="0"/>
+                            </p:stCondLst>
+                            <p:childTnLst>
+                              <p:par>
+                                <p:cTn id="9" presetID="1" presetClass="entr" presetSubtype="0" fill="hold" grpId="0" nodeType="clickEffect">
+                                  <p:stCondLst>
+                                    <p:cond delay="0"/>
+                                  </p:stCondLst>
+                                  <p:childTnLst>
+                                    <p:set>
+                                      <p:cBhvr>
+                                        <p:cTn id="10" dur="1" fill="hold">
+                                          <p:stCondLst>
+                                            <p:cond delay="0"/>
+                                          </p:stCondLst>
+                                        </p:cTn>
+                                        <p:tgtEl>
+                                          <p:spTgt spid="3">
+                                            <p:txEl>
+                                              <p:pRg st="1" end="1"/>
+                                            </p:txEl>
+                                          </p:spTgt>
+                                        </p:tgtEl>
+                                        <p:attrNameLst>
+                                          <p:attrName>style.visibility</p:attrName>
+                                        </p:attrNameLst>
+                                      </p:cBhvr>
+                                      <p:to>
+                                        <p:strVal val="visible"/>
+                                      </p:to>
+                                    </p:set>
+                                  </p:childTnLst>
+                                </p:cTn>
+                              </p:par>
+                              <p:par>
+                                <p:cTn id="11" presetID="1" presetClass="entr" presetSubtype="0" fill="hold" grpId="0" nodeType="withEffect">
+                                  <p:stCondLst>
+                                    <p:cond delay="0"/>
+                                  </p:stCondLst>
+                                  <p:childTnLst>
+                                    <p:set>
+                                      <p:cBhvr>
+                                        <p:cTn id="12" dur="1" fill="hold">
+                                          <p:stCondLst>
+                                            <p:cond delay="0"/>
+                                          </p:stCondLst>
+                                        </p:cTn>
+                                        <p:tgtEl>
+                                          <p:spTgt spid="3">
+                                            <p:txEl>
+                                              <p:pRg st="2" end="2"/>
+                                            </p:txEl>
+                                          </p:spTgt>
+                                        </p:tgtEl>
+                                        <p:attrNameLst>
+                                          <p:attrName>style.visibility</p:attrName>
+                                        </p:attrNameLst>
+                                      </p:cBhvr>
+                                      <p:to>
+                                        <p:strVal val="visible"/>
+                                      </p:to>
+                                    </p:set>
+                                  </p:childTnLst>
+                                </p:cTn>
+                              </p:par>
+                            </p:childTnLst>
+                          </p:cTn>
+                        </p:par>
+                      </p:childTnLst>
+                    </p:cTn>
+                  </p:par>
+                  <p:par>
+                    <p:cTn id="13" fill="hold">
+                      <p:stCondLst>
+                        <p:cond delay="indefinite"/>
+                      </p:stCondLst>
+                      <p:childTnLst>
+                        <p:par>
+                          <p:cTn id="14" fill="hold">
+                            <p:stCondLst>
+                              <p:cond delay="0"/>
+                            </p:stCondLst>
+                            <p:childTnLst>
+                              <p:par>
+                                <p:cTn id="15" presetID="1" presetClass="entr" presetSubtype="0" fill="hold" grpId="0" nodeType="clickEffect">
+                                  <p:stCondLst>
+                                    <p:cond delay="0"/>
+                                  </p:stCondLst>
+                                  <p:childTnLst>
+                                    <p:set>
+                                      <p:cBhvr>
+                                        <p:cTn id="16" dur="1" fill="hold">
+                                          <p:stCondLst>
+                                            <p:cond delay="0"/>
+                                          </p:stCondLst>
+                                        </p:cTn>
+                                        <p:tgtEl>
+                                          <p:spTgt spid="3">
+                                            <p:txEl>
+                                              <p:pRg st="3" end="3"/>
+                                            </p:txEl>
+                                          </p:spTgt>
+                                        </p:tgtEl>
+                                        <p:attrNameLst>
+                                          <p:attrName>style.visibility</p:attrName>
+                                        </p:attrNameLst>
+                                      </p:cBhvr>
+                                      <p:to>
+                                        <p:strVal val="visible"/>
+                                      </p:to>
+                                    </p:set>
+                                  </p:childTnLst>
+                                </p:cTn>
+                              </p:par>
+                              <p:par>
+                                <p:cTn id="17" presetID="1" presetClass="entr" presetSubtype="0" fill="hold" grpId="0" nodeType="withEffect">
+                                  <p:stCondLst>
+                                    <p:cond delay="0"/>
+                                  </p:stCondLst>
+                                  <p:childTnLst>
+                                    <p:set>
+                                      <p:cBhvr>
+                                        <p:cTn id="18" dur="1" fill="hold">
+                                          <p:stCondLst>
+                                            <p:cond delay="0"/>
+                                          </p:stCondLst>
+                                        </p:cTn>
+                                        <p:tgtEl>
+                                          <p:spTgt spid="3">
+                                            <p:txEl>
+                                              <p:pRg st="4" end="4"/>
+                                            </p:txEl>
+                                          </p:spTgt>
+                                        </p:tgtEl>
+                                        <p:attrNameLst>
+                                          <p:attrName>style.visibility</p:attrName>
+                                        </p:attrNameLst>
+                                      </p:cBhvr>
+                                      <p:to>
+                                        <p:strVal val="visible"/>
+                                      </p:to>
+                                    </p:set>
+                                  </p:childTnLst>
+                                </p:cTn>
+                              </p:par>
+                              <p:par>
+                                <p:cTn id="19" presetID="1" presetClass="entr" presetSubtype="0" fill="hold" grpId="0" nodeType="withEffect">
+                                  <p:stCondLst>
+                                    <p:cond delay="0"/>
+                                  </p:stCondLst>
+                                  <p:childTnLst>
+                                    <p:set>
+                                      <p:cBhvr>
+                                        <p:cTn id="20" dur="1" fill="hold">
+                                          <p:stCondLst>
+                                            <p:cond delay="0"/>
+                                          </p:stCondLst>
+                                        </p:cTn>
+                                        <p:tgtEl>
+                                          <p:spTgt spid="3">
+                                            <p:txEl>
+                                              <p:pRg st="5" end="5"/>
+                                            </p:txEl>
+                                          </p:spTgt>
+                                        </p:tgtEl>
+                                        <p:attrNameLst>
+                                          <p:attrName>style.visibility</p:attrName>
+                                        </p:attrNameLst>
+                                      </p:cBhvr>
+                                      <p:to>
+                                        <p:strVal val="visible"/>
+                                      </p:to>
+                                    </p:set>
+                                  </p:childTnLst>
+                                </p:cTn>
+                              </p:par>
+                              <p:par>
+                                <p:cTn id="21" presetID="1" presetClass="entr" presetSubtype="0" fill="hold" grpId="0" nodeType="withEffect">
+                                  <p:stCondLst>
+                                    <p:cond delay="0"/>
+                                  </p:stCondLst>
+                                  <p:childTnLst>
+                                    <p:set>
+                                      <p:cBhvr>
+                                        <p:cTn id="22" dur="1" fill="hold">
+                                          <p:stCondLst>
+                                            <p:cond delay="0"/>
+                                          </p:stCondLst>
+                                        </p:cTn>
+                                        <p:tgtEl>
+                                          <p:spTgt spid="3">
+                                            <p:txEl>
+                                              <p:pRg st="6" end="6"/>
+                                            </p:txEl>
+                                          </p:spTgt>
+                                        </p:tgtEl>
+                                        <p:attrNameLst>
+                                          <p:attrName>style.visibility</p:attrName>
+                                        </p:attrNameLst>
+                                      </p:cBhvr>
+                                      <p:to>
+                                        <p:strVal val="visible"/>
+                                      </p:to>
+                                    </p:set>
+                                  </p:childTnLst>
+                                </p:cTn>
+                              </p:par>
+                            </p:childTnLst>
+                          </p:cTn>
+                        </p:par>
+                      </p:childTnLst>
+                    </p:cTn>
+                  </p:par>
+                  <p:par>
+                    <p:cTn id="23" fill="hold">
+                      <p:stCondLst>
+                        <p:cond delay="indefinite"/>
+                      </p:stCondLst>
+                      <p:childTnLst>
+                        <p:par>
+                          <p:cTn id="24" fill="hold">
+                            <p:stCondLst>
+                              <p:cond delay="0"/>
+                            </p:stCondLst>
+                            <p:childTnLst>
+                              <p:par>
+                                <p:cTn id="25" presetID="1" presetClass="entr" presetSubtype="0" fill="hold" grpId="0" nodeType="clickEffect">
+                                  <p:stCondLst>
+                                    <p:cond delay="0"/>
+                                  </p:stCondLst>
+                                  <p:childTnLst>
+                                    <p:set>
+                                      <p:cBhvr>
+                                        <p:cTn id="26" dur="1" fill="hold">
+                                          <p:stCondLst>
+                                            <p:cond delay="0"/>
+                                          </p:stCondLst>
+                                        </p:cTn>
+                                        <p:tgtEl>
+                                          <p:spTgt spid="3">
+                                            <p:txEl>
+                                              <p:pRg st="7" end="7"/>
+                                            </p:txEl>
+                                          </p:spTgt>
+                                        </p:tgtEl>
+                                        <p:attrNameLst>
+                                          <p:attrName>style.visibility</p:attrName>
+                                        </p:attrNameLst>
+                                      </p:cBhvr>
+                                      <p:to>
+                                        <p:strVal val="visible"/>
+                                      </p:to>
+                                    </p:set>
+                                  </p:childTnLst>
+                                </p:cTn>
+                              </p:par>
+                              <p:par>
+                                <p:cTn id="27" presetID="1" presetClass="entr" presetSubtype="0" fill="hold" grpId="0" nodeType="withEffect">
+                                  <p:stCondLst>
+                                    <p:cond delay="0"/>
+                                  </p:stCondLst>
+                                  <p:childTnLst>
+                                    <p:set>
+                                      <p:cBhvr>
+                                        <p:cTn id="28" dur="1" fill="hold">
+                                          <p:stCondLst>
+                                            <p:cond delay="0"/>
+                                          </p:stCondLst>
+                                        </p:cTn>
+                                        <p:tgtEl>
+                                          <p:spTgt spid="3">
+                                            <p:txEl>
+                                              <p:pRg st="8" end="8"/>
+                                            </p:txEl>
+                                          </p:spTgt>
+                                        </p:tgtEl>
+                                        <p:attrNameLst>
+                                          <p:attrName>style.visibility</p:attrName>
+                                        </p:attrNameLst>
+                                      </p:cBhvr>
+                                      <p:to>
+                                        <p:strVal val="visible"/>
+                                      </p:to>
+                                    </p:set>
+                                  </p:childTnLst>
+                                </p:cTn>
+                              </p:par>
+                            </p:childTnLst>
+                          </p:cTn>
+                        </p:par>
+                      </p:childTnLst>
+                    </p:cTn>
+                  </p:par>
+                </p:childTnLst>
+              </p:cTn>
+              <p:prevCondLst>
+                <p:cond evt="onPrev" delay="0">
+                  <p:tgtEl>
+                    <p:sldTgt/>
+                  </p:tgtEl>
+                </p:cond>
+              </p:prevCondLst>
+              <p:nextCondLst>
+                <p:cond evt="onNext" delay="0">
+                  <p:tgtEl>
+                    <p:sldTgt/>
+                  </p:tgtEl>
+                </p:cond>
+              </p:nextCondLst>
+            </p:seq>
+          </p:childTnLst>
+        </p:cTn>
+      </p:par>
+    </p:tnLst>
+    <p:bldLst>
+      <p:bldP spid="3" grpId="0" build="p"/>
+    </p:bldLst>
   </p:timing>
 </p:sld>
 </file>
@@ -3425,13 +5568,8 @@
             </a:pPr>
             <a:r>
               <a:rPr lang="en-US" dirty="0" smtClean="0"/>
-              <a:t>Basic </a:t>
-            </a:r>
-            <a:r>
-              <a:rPr lang="en-US" dirty="0" smtClean="0"/>
-              <a:t>OBOE structure</a:t>
-            </a:r>
-            <a:endParaRPr lang="en-US" dirty="0" smtClean="0"/>
+              <a:t>Basic OBOE structure</a:t>
+            </a:r>
           </a:p>
           <a:p>
             <a:pPr marL="514350" indent="-514350">
@@ -3445,6 +5583,7 @@
               <a:rPr lang="en-US" dirty="0" smtClean="0"/>
               <a:t>Basic Conventions</a:t>
             </a:r>
+            <a:endParaRPr lang="en-US" dirty="0" smtClean="0"/>
           </a:p>
           <a:p>
             <a:pPr marL="514350" indent="-514350">
@@ -3456,11 +5595,7 @@
             </a:pPr>
             <a:r>
               <a:rPr lang="en-US" dirty="0" smtClean="0"/>
-              <a:t>Characteristics </a:t>
-            </a:r>
-            <a:r>
-              <a:rPr lang="en-US" dirty="0" smtClean="0"/>
-              <a:t>and Entities</a:t>
+              <a:t>Entities and Characteristics</a:t>
             </a:r>
           </a:p>
           <a:p>
@@ -4673,7 +6808,7 @@
         </p:nvSpPr>
         <p:spPr>
           <a:xfrm>
-            <a:off x="5257840" y="3807551"/>
+            <a:off x="5257840" y="3837801"/>
             <a:ext cx="1253694" cy="276999"/>
           </a:xfrm>
           <a:prstGeom prst="rect">
@@ -4947,7 +7082,7 @@
         </p:nvSpPr>
         <p:spPr>
           <a:xfrm>
-            <a:off x="5821224" y="2096039"/>
+            <a:off x="5821224" y="2153062"/>
             <a:ext cx="697877" cy="276999"/>
           </a:xfrm>
           <a:prstGeom prst="rect">
@@ -5584,7 +7719,7 @@
         </p:nvSpPr>
         <p:spPr>
           <a:xfrm>
-            <a:off x="3423692" y="4385519"/>
+            <a:off x="3352800" y="4385519"/>
             <a:ext cx="1018227" cy="276999"/>
           </a:xfrm>
           <a:prstGeom prst="rect">
@@ -5619,7 +7754,7 @@
         </p:nvSpPr>
         <p:spPr>
           <a:xfrm>
-            <a:off x="1155732" y="4373868"/>
+            <a:off x="1242869" y="4373868"/>
             <a:ext cx="966931" cy="276999"/>
           </a:xfrm>
           <a:prstGeom prst="rect">
@@ -5689,7 +7824,7 @@
         </p:nvSpPr>
         <p:spPr>
           <a:xfrm>
-            <a:off x="3917225" y="2112717"/>
+            <a:off x="3917225" y="2153062"/>
             <a:ext cx="997313" cy="276999"/>
           </a:xfrm>
           <a:prstGeom prst="rect">
@@ -5759,7 +7894,7 @@
         </p:nvSpPr>
         <p:spPr>
           <a:xfrm>
-            <a:off x="3900890" y="3806033"/>
+            <a:off x="3900890" y="3836283"/>
             <a:ext cx="1048559" cy="276999"/>
           </a:xfrm>
           <a:prstGeom prst="rect">
@@ -5856,9 +7991,19 @@
           <a:bodyPr/>
           <a:lstStyle/>
           <a:p>
-            <a:r>
-              <a:rPr lang="en-US" dirty="0" smtClean="0"/>
-              <a:t>The following conventions are used within the core oboe </a:t>
+            <a:pPr>
+              <a:spcAft>
+                <a:spcPts val="1800"/>
+              </a:spcAft>
+              <a:buNone/>
+            </a:pPr>
+            <a:r>
+              <a:rPr lang="en-US" dirty="0" smtClean="0"/>
+              <a:t>Conventions used by core </a:t>
+            </a:r>
+            <a:r>
+              <a:rPr lang="en-US" dirty="0" smtClean="0"/>
+              <a:t>oboe </a:t>
             </a:r>
             <a:r>
               <a:rPr lang="en-US" dirty="0" err="1" smtClean="0"/>
@@ -5866,7 +8011,15 @@
             </a:r>
             <a:r>
               <a:rPr lang="en-US" dirty="0" smtClean="0"/>
-              <a:t>, and are suggested for oboe compatible </a:t>
+              <a:t> (</a:t>
+            </a:r>
+            <a:r>
+              <a:rPr lang="en-US" dirty="0" smtClean="0"/>
+              <a:t>suggested </a:t>
+            </a:r>
+            <a:r>
+              <a:rPr lang="en-US" dirty="0" smtClean="0"/>
+              <a:t>for compatible </a:t>
             </a:r>
             <a:r>
               <a:rPr lang="en-US" dirty="0" err="1" smtClean="0"/>
@@ -5874,21 +8027,46 @@
             </a:r>
             <a:r>
               <a:rPr lang="en-US" dirty="0" smtClean="0"/>
-              <a:t> (although not required)</a:t>
-            </a:r>
-          </a:p>
-          <a:p>
-            <a:pPr lvl="1"/>
-            <a:r>
-              <a:rPr lang="en-US" dirty="0" smtClean="0"/>
-              <a:t>Class names are capitalized (e.g., Plant, Height)</a:t>
-            </a:r>
-          </a:p>
-          <a:p>
-            <a:pPr lvl="1"/>
-            <a:r>
-              <a:rPr lang="en-US" dirty="0" smtClean="0"/>
-              <a:t>Each term in a name is capitalized (e.g., </a:t>
+              <a:t>)</a:t>
+            </a:r>
+          </a:p>
+          <a:p>
+            <a:pPr lvl="1">
+              <a:spcAft>
+                <a:spcPts val="1800"/>
+              </a:spcAft>
+            </a:pPr>
+            <a:r>
+              <a:rPr lang="en-US" dirty="0" smtClean="0"/>
+              <a:t>Class names </a:t>
+            </a:r>
+            <a:r>
+              <a:rPr lang="en-US" dirty="0" smtClean="0"/>
+              <a:t>are c</a:t>
+            </a:r>
+            <a:r>
+              <a:rPr lang="en-US" dirty="0" smtClean="0"/>
+              <a:t>apitalized (</a:t>
+            </a:r>
+            <a:r>
+              <a:rPr lang="en-US" dirty="0" smtClean="0"/>
+              <a:t>e.g., Plant, Height)</a:t>
+            </a:r>
+            <a:endParaRPr lang="en-US" dirty="0" smtClean="0"/>
+          </a:p>
+          <a:p>
+            <a:pPr lvl="1">
+              <a:spcAft>
+                <a:spcPts val="1800"/>
+              </a:spcAft>
+            </a:pPr>
+            <a:r>
+              <a:rPr lang="en-US" dirty="0" smtClean="0"/>
+              <a:t>Terms in names are capitalized (</a:t>
+            </a:r>
+            <a:r>
+              <a:rPr lang="en-US" dirty="0" smtClean="0"/>
+              <a:t>e.g., </a:t>
             </a:r>
             <a:r>
               <a:rPr lang="en-US" dirty="0" err="1" smtClean="0"/>
@@ -5898,31 +8076,43 @@
               <a:rPr lang="en-US" dirty="0" smtClean="0"/>
               <a:t>)</a:t>
             </a:r>
-          </a:p>
-          <a:p>
-            <a:pPr lvl="1"/>
-            <a:r>
-              <a:rPr lang="en-US" dirty="0" smtClean="0"/>
-              <a:t>Each class has an </a:t>
-            </a:r>
-            <a:r>
-              <a:rPr lang="en-US" dirty="0" err="1" smtClean="0"/>
+            <a:endParaRPr lang="en-US" dirty="0" smtClean="0"/>
+          </a:p>
+          <a:p>
+            <a:pPr lvl="1">
+              <a:spcAft>
+                <a:spcPts val="1800"/>
+              </a:spcAft>
+            </a:pPr>
+            <a:r>
+              <a:rPr lang="en-US" dirty="0" smtClean="0"/>
+              <a:t>Classes have comments (using </a:t>
+            </a:r>
+            <a:r>
+              <a:rPr lang="en-US" dirty="0" err="1" smtClean="0">
+                <a:latin typeface="Courier"/>
+                <a:cs typeface="Courier"/>
+              </a:rPr>
               <a:t>rdfs:comment</a:t>
             </a:r>
             <a:r>
               <a:rPr lang="en-US" dirty="0" smtClean="0"/>
-              <a:t> describing its meaning/scope</a:t>
-            </a:r>
-          </a:p>
-          <a:p>
-            <a:pPr lvl="1"/>
+              <a:t>) </a:t>
+            </a:r>
+          </a:p>
+          <a:p>
+            <a:pPr lvl="1">
+              <a:spcAft>
+                <a:spcPts val="1800"/>
+              </a:spcAft>
+            </a:pPr>
             <a:r>
               <a:rPr lang="en-US" dirty="0" err="1" smtClean="0"/>
               <a:t>Ontologies</a:t>
             </a:r>
             <a:r>
               <a:rPr lang="en-US" dirty="0" smtClean="0"/>
-              <a:t> have one distinguished </a:t>
+              <a:t> have a single </a:t>
             </a:r>
             <a:r>
               <a:rPr lang="en-US" dirty="0" err="1" smtClean="0"/>
@@ -5930,30 +8120,46 @@
             </a:r>
             <a:r>
               <a:rPr lang="en-US" dirty="0" smtClean="0"/>
-              <a:t> (e.g., “oboe-units”)</a:t>
-            </a:r>
-          </a:p>
-          <a:p>
-            <a:pPr lvl="1"/>
+              <a:t> (</a:t>
+            </a:r>
+            <a:r>
+              <a:rPr lang="en-US" dirty="0" smtClean="0"/>
+              <a:t>e.g., “oboe-units”)</a:t>
+            </a:r>
+            <a:endParaRPr lang="en-US" dirty="0" smtClean="0"/>
+          </a:p>
+          <a:p>
+            <a:pPr lvl="1">
+              <a:spcAft>
+                <a:spcPts val="1800"/>
+              </a:spcAft>
+            </a:pPr>
             <a:r>
               <a:rPr lang="en-US" dirty="0" err="1" smtClean="0"/>
               <a:t>Ontologies</a:t>
             </a:r>
             <a:r>
               <a:rPr lang="en-US" dirty="0" smtClean="0"/>
-              <a:t> have an </a:t>
-            </a:r>
-            <a:r>
-              <a:rPr lang="en-US" dirty="0" err="1" smtClean="0"/>
+              <a:t> have a comment (using </a:t>
+            </a:r>
+            <a:r>
+              <a:rPr lang="en-US" dirty="0" err="1" smtClean="0">
+                <a:latin typeface="Courier"/>
+                <a:cs typeface="Courier"/>
+              </a:rPr>
               <a:t>rdfs:comment</a:t>
             </a:r>
             <a:r>
               <a:rPr lang="en-US" dirty="0" smtClean="0"/>
-              <a:t> describing its meaning and scope</a:t>
-            </a:r>
-          </a:p>
-          <a:p>
-            <a:pPr lvl="1"/>
+              <a:t>)</a:t>
+            </a:r>
+          </a:p>
+          <a:p>
+            <a:pPr lvl="1">
+              <a:spcAft>
+                <a:spcPts val="1800"/>
+              </a:spcAft>
+            </a:pPr>
             <a:endParaRPr lang="en-US" dirty="0"/>
           </a:p>
         </p:txBody>
@@ -5963,6 +8169,13 @@
   <p:clrMapOvr>
     <a:masterClrMapping/>
   </p:clrMapOvr>
+  <p:timing>
+    <p:tnLst>
+      <p:par>
+        <p:cTn id="1" dur="indefinite" restart="never" nodeType="tmRoot"/>
+      </p:par>
+    </p:tnLst>
+  </p:timing>
 </p:sld>
 </file>
 
@@ -6021,38 +8234,60 @@
           <a:bodyPr/>
           <a:lstStyle/>
           <a:p>
+            <a:pPr>
+              <a:buNone/>
+            </a:pPr>
             <a:r>
               <a:rPr lang="en-US" dirty="0" smtClean="0"/>
               <a:t>When naming entities, characteristics, and standards it is suggested they make sense in the following sentence … </a:t>
             </a:r>
+            <a:endParaRPr lang="en-US" dirty="0" smtClean="0"/>
           </a:p>
           <a:p>
             <a:pPr lvl="1"/>
-            <a:r>
-              <a:rPr lang="en-US" dirty="0" smtClean="0"/>
-              <a:t>The &lt;characteristic&gt; of an &lt;entity&gt; was measured </a:t>
-            </a:r>
+            <a:endParaRPr lang="en-US" dirty="0" smtClean="0"/>
           </a:p>
           <a:p>
             <a:pPr lvl="1"/>
             <a:r>
               <a:rPr lang="en-US" dirty="0" smtClean="0"/>
-              <a:t>Etc. …</a:t>
+              <a:t>The </a:t>
+            </a:r>
+            <a:r>
+              <a:rPr lang="en-US" dirty="0" smtClean="0"/>
+              <a:t>&lt;characteristic&gt; of an &lt;entity&gt; was</a:t>
+            </a:r>
+            <a:r>
+              <a:rPr lang="en-US" dirty="0" smtClean="0"/>
+              <a:t> recorded using the &lt;standard&gt; and the &lt;protocol&gt;</a:t>
             </a:r>
           </a:p>
           <a:p>
             <a:pPr lvl="1"/>
-            <a:r>
-              <a:rPr lang="en-US" dirty="0" smtClean="0"/>
-              <a:t>For example: …</a:t>
-            </a:r>
+            <a:endParaRPr lang="en-US" dirty="0" smtClean="0"/>
           </a:p>
           <a:p>
             <a:pPr lvl="1"/>
             <a:r>
               <a:rPr lang="en-US" dirty="0" smtClean="0"/>
-              <a:t>Also include for context … </a:t>
-            </a:r>
+              <a:t>The &lt;entity&gt; was recorded &lt;characteristic&gt; the &lt;entity&gt;</a:t>
+            </a:r>
+          </a:p>
+          <a:p>
+            <a:pPr lvl="1"/>
+            <a:endParaRPr lang="en-US" dirty="0" smtClean="0"/>
+          </a:p>
+          <a:p>
+            <a:pPr lvl="1"/>
+            <a:r>
+              <a:rPr lang="en-US" dirty="0" smtClean="0"/>
+              <a:t>For </a:t>
+            </a:r>
+            <a:r>
+              <a:rPr lang="en-US" dirty="0" smtClean="0"/>
+              <a:t>example: …</a:t>
+            </a:r>
+            <a:endParaRPr lang="en-US" dirty="0" smtClean="0"/>
           </a:p>
           <a:p>
             <a:pPr lvl="1"/>
@@ -6102,7 +8337,7 @@
           <a:p>
             <a:r>
               <a:rPr lang="en-US" dirty="0" smtClean="0"/>
-              <a:t>…</a:t>
+              <a:t>3. Entities and Characteristics</a:t>
             </a:r>
             <a:endParaRPr lang="en-US" dirty="0"/>
           </a:p>
@@ -6110,1410 +8345,128 @@
       </p:sp>
       <p:sp>
         <p:nvSpPr>
-          <p:cNvPr id="4" name="Rectangle 3"/>
-          <p:cNvSpPr/>
-          <p:nvPr/>
-        </p:nvSpPr>
-        <p:spPr>
-          <a:xfrm>
-            <a:off x="551169" y="1188389"/>
-            <a:ext cx="2223931" cy="401697"/>
-          </a:xfrm>
-          <a:prstGeom prst="rect">
-            <a:avLst/>
-          </a:prstGeom>
-          <a:solidFill>
-            <a:schemeClr val="bg1"/>
-          </a:solidFill>
-          <a:ln>
-            <a:solidFill>
-              <a:schemeClr val="tx1"/>
-            </a:solidFill>
-          </a:ln>
-          <a:effectLst/>
-        </p:spPr>
-        <p:style>
-          <a:lnRef idx="1">
-            <a:schemeClr val="accent1"/>
-          </a:lnRef>
-          <a:fillRef idx="3">
-            <a:schemeClr val="accent1"/>
-          </a:fillRef>
-          <a:effectRef idx="2">
-            <a:schemeClr val="accent1"/>
-          </a:effectRef>
-          <a:fontRef idx="minor">
-            <a:schemeClr val="lt1"/>
-          </a:fontRef>
-        </p:style>
-        <p:txBody>
-          <a:bodyPr rtlCol="0" anchor="ctr"/>
-          <a:lstStyle/>
-          <a:p>
-            <a:pPr algn="ctr"/>
-            <a:r>
-              <a:rPr lang="en-US" sz="1600" b="1" dirty="0" err="1" smtClean="0">
-                <a:solidFill>
-                  <a:schemeClr val="tx1"/>
-                </a:solidFill>
-              </a:rPr>
-              <a:t>MeasurementStandard</a:t>
-            </a:r>
-            <a:endParaRPr lang="en-US" sz="1600" b="1" dirty="0">
-              <a:solidFill>
-                <a:schemeClr val="tx1"/>
-              </a:solidFill>
-            </a:endParaRPr>
-          </a:p>
-        </p:txBody>
-      </p:sp>
-      <p:sp>
-        <p:nvSpPr>
-          <p:cNvPr id="5" name="Rectangle 4"/>
-          <p:cNvSpPr/>
-          <p:nvPr/>
-        </p:nvSpPr>
-        <p:spPr>
-          <a:xfrm>
-            <a:off x="551169" y="1996026"/>
-            <a:ext cx="2223931" cy="401697"/>
-          </a:xfrm>
-          <a:prstGeom prst="rect">
-            <a:avLst/>
-          </a:prstGeom>
-          <a:solidFill>
-            <a:schemeClr val="bg1"/>
-          </a:solidFill>
-          <a:ln>
-            <a:solidFill>
-              <a:schemeClr val="tx1"/>
-            </a:solidFill>
-          </a:ln>
-          <a:effectLst/>
-        </p:spPr>
-        <p:style>
-          <a:lnRef idx="1">
-            <a:schemeClr val="accent1"/>
-          </a:lnRef>
-          <a:fillRef idx="3">
-            <a:schemeClr val="accent1"/>
-          </a:fillRef>
-          <a:effectRef idx="2">
-            <a:schemeClr val="accent1"/>
-          </a:effectRef>
-          <a:fontRef idx="minor">
-            <a:schemeClr val="lt1"/>
-          </a:fontRef>
-        </p:style>
-        <p:txBody>
-          <a:bodyPr rtlCol="0" anchor="ctr"/>
-          <a:lstStyle/>
-          <a:p>
-            <a:pPr algn="ctr"/>
-            <a:r>
-              <a:rPr lang="en-US" sz="1600" b="1" dirty="0" smtClean="0">
-                <a:solidFill>
-                  <a:schemeClr val="tx1"/>
-                </a:solidFill>
-              </a:rPr>
-              <a:t>Unit</a:t>
-            </a:r>
-            <a:endParaRPr lang="en-US" sz="1600" b="1" dirty="0">
-              <a:solidFill>
-                <a:schemeClr val="tx1"/>
-              </a:solidFill>
-            </a:endParaRPr>
-          </a:p>
-        </p:txBody>
-      </p:sp>
-      <p:sp>
-        <p:nvSpPr>
-          <p:cNvPr id="6" name="Rectangle 5"/>
-          <p:cNvSpPr/>
-          <p:nvPr/>
-        </p:nvSpPr>
-        <p:spPr>
-          <a:xfrm>
-            <a:off x="1844551" y="2895499"/>
-            <a:ext cx="2223931" cy="401697"/>
-          </a:xfrm>
-          <a:prstGeom prst="rect">
-            <a:avLst/>
-          </a:prstGeom>
-          <a:solidFill>
-            <a:schemeClr val="bg1"/>
-          </a:solidFill>
-          <a:ln>
-            <a:solidFill>
-              <a:schemeClr val="tx1"/>
-            </a:solidFill>
-          </a:ln>
-          <a:effectLst/>
-        </p:spPr>
-        <p:style>
-          <a:lnRef idx="1">
-            <a:schemeClr val="accent1"/>
-          </a:lnRef>
-          <a:fillRef idx="3">
-            <a:schemeClr val="accent1"/>
-          </a:fillRef>
-          <a:effectRef idx="2">
-            <a:schemeClr val="accent1"/>
-          </a:effectRef>
-          <a:fontRef idx="minor">
-            <a:schemeClr val="lt1"/>
-          </a:fontRef>
-        </p:style>
-        <p:txBody>
-          <a:bodyPr rtlCol="0" anchor="ctr"/>
-          <a:lstStyle/>
-          <a:p>
-            <a:pPr algn="ctr"/>
-            <a:r>
-              <a:rPr lang="en-US" sz="1600" b="1" dirty="0" err="1" smtClean="0">
-                <a:solidFill>
-                  <a:schemeClr val="tx1"/>
-                </a:solidFill>
-              </a:rPr>
-              <a:t>BaseUnit</a:t>
-            </a:r>
-            <a:endParaRPr lang="en-US" sz="1600" b="1" dirty="0">
-              <a:solidFill>
-                <a:schemeClr val="tx1"/>
-              </a:solidFill>
-            </a:endParaRPr>
-          </a:p>
-        </p:txBody>
-      </p:sp>
-      <p:sp>
-        <p:nvSpPr>
-          <p:cNvPr id="7" name="Rectangle 6"/>
-          <p:cNvSpPr/>
-          <p:nvPr/>
-        </p:nvSpPr>
-        <p:spPr>
-          <a:xfrm>
-            <a:off x="1844551" y="4227431"/>
-            <a:ext cx="2223931" cy="401697"/>
-          </a:xfrm>
-          <a:prstGeom prst="rect">
-            <a:avLst/>
-          </a:prstGeom>
-          <a:solidFill>
-            <a:schemeClr val="bg1"/>
-          </a:solidFill>
-          <a:ln>
-            <a:solidFill>
-              <a:schemeClr val="tx1"/>
-            </a:solidFill>
-          </a:ln>
-          <a:effectLst/>
-        </p:spPr>
-        <p:style>
-          <a:lnRef idx="1">
-            <a:schemeClr val="accent1"/>
-          </a:lnRef>
-          <a:fillRef idx="3">
-            <a:schemeClr val="accent1"/>
-          </a:fillRef>
-          <a:effectRef idx="2">
-            <a:schemeClr val="accent1"/>
-          </a:effectRef>
-          <a:fontRef idx="minor">
-            <a:schemeClr val="lt1"/>
-          </a:fontRef>
-        </p:style>
-        <p:txBody>
-          <a:bodyPr rtlCol="0" anchor="ctr"/>
-          <a:lstStyle/>
-          <a:p>
-            <a:pPr algn="ctr"/>
-            <a:r>
-              <a:rPr lang="en-US" sz="1600" b="1" dirty="0" err="1" smtClean="0">
-                <a:solidFill>
-                  <a:schemeClr val="tx1"/>
-                </a:solidFill>
-              </a:rPr>
-              <a:t>DerivedUnit</a:t>
-            </a:r>
-            <a:endParaRPr lang="en-US" sz="1600" b="1" dirty="0">
-              <a:solidFill>
-                <a:schemeClr val="tx1"/>
-              </a:solidFill>
-            </a:endParaRPr>
-          </a:p>
-        </p:txBody>
-      </p:sp>
-      <p:sp>
-        <p:nvSpPr>
-          <p:cNvPr id="8" name="Rectangle 7"/>
-          <p:cNvSpPr/>
-          <p:nvPr/>
-        </p:nvSpPr>
-        <p:spPr>
-          <a:xfrm>
-            <a:off x="1833823" y="5533280"/>
-            <a:ext cx="2223931" cy="401697"/>
-          </a:xfrm>
-          <a:prstGeom prst="rect">
-            <a:avLst/>
-          </a:prstGeom>
-          <a:solidFill>
-            <a:schemeClr val="bg1"/>
-          </a:solidFill>
-          <a:ln>
-            <a:solidFill>
-              <a:schemeClr val="tx1"/>
-            </a:solidFill>
-          </a:ln>
-          <a:effectLst/>
-        </p:spPr>
-        <p:style>
-          <a:lnRef idx="1">
-            <a:schemeClr val="accent1"/>
-          </a:lnRef>
-          <a:fillRef idx="3">
-            <a:schemeClr val="accent1"/>
-          </a:fillRef>
-          <a:effectRef idx="2">
-            <a:schemeClr val="accent1"/>
-          </a:effectRef>
-          <a:fontRef idx="minor">
-            <a:schemeClr val="lt1"/>
-          </a:fontRef>
-        </p:style>
-        <p:txBody>
-          <a:bodyPr rtlCol="0" anchor="ctr"/>
-          <a:lstStyle/>
-          <a:p>
-            <a:pPr algn="ctr"/>
-            <a:r>
-              <a:rPr lang="en-US" sz="1600" b="1" dirty="0" err="1" smtClean="0">
-                <a:solidFill>
-                  <a:schemeClr val="tx1"/>
-                </a:solidFill>
-              </a:rPr>
-              <a:t>CompositeUnit</a:t>
-            </a:r>
-            <a:endParaRPr lang="en-US" sz="1600" b="1" dirty="0">
-              <a:solidFill>
-                <a:schemeClr val="tx1"/>
-              </a:solidFill>
-            </a:endParaRPr>
-          </a:p>
-        </p:txBody>
-      </p:sp>
-      <p:sp>
-        <p:nvSpPr>
-          <p:cNvPr id="10" name="Rectangle 9"/>
-          <p:cNvSpPr/>
-          <p:nvPr/>
-        </p:nvSpPr>
-        <p:spPr>
-          <a:xfrm>
-            <a:off x="1845475" y="4629128"/>
-            <a:ext cx="2223931" cy="334870"/>
-          </a:xfrm>
-          <a:prstGeom prst="rect">
-            <a:avLst/>
-          </a:prstGeom>
-          <a:solidFill>
-            <a:schemeClr val="bg1"/>
-          </a:solidFill>
-          <a:ln>
-            <a:solidFill>
-              <a:schemeClr val="tx1"/>
-            </a:solidFill>
-          </a:ln>
-          <a:effectLst/>
-        </p:spPr>
-        <p:style>
-          <a:lnRef idx="1">
-            <a:schemeClr val="accent1"/>
-          </a:lnRef>
-          <a:fillRef idx="3">
-            <a:schemeClr val="accent1"/>
-          </a:fillRef>
-          <a:effectRef idx="2">
-            <a:schemeClr val="accent1"/>
-          </a:effectRef>
-          <a:fontRef idx="minor">
-            <a:schemeClr val="lt1"/>
-          </a:fontRef>
-        </p:style>
-        <p:txBody>
-          <a:bodyPr rtlCol="0" anchor="ctr"/>
-          <a:lstStyle/>
-          <a:p>
-            <a:r>
-              <a:rPr lang="en-US" sz="1400" dirty="0" smtClean="0">
-                <a:solidFill>
-                  <a:schemeClr val="tx1"/>
-                </a:solidFill>
-              </a:rPr>
-              <a:t>+ </a:t>
-            </a:r>
-            <a:r>
-              <a:rPr lang="en-US" sz="1400" dirty="0" err="1" smtClean="0">
-                <a:solidFill>
-                  <a:schemeClr val="tx1"/>
-                </a:solidFill>
-              </a:rPr>
-              <a:t>hasPower</a:t>
-            </a:r>
-            <a:r>
-              <a:rPr lang="en-US" sz="1400" dirty="0" smtClean="0">
-                <a:solidFill>
-                  <a:schemeClr val="tx1"/>
-                </a:solidFill>
-              </a:rPr>
-              <a:t> = </a:t>
-            </a:r>
-            <a:r>
-              <a:rPr lang="en-US" sz="1400" dirty="0" err="1" smtClean="0">
-                <a:solidFill>
-                  <a:schemeClr val="tx1"/>
-                </a:solidFill>
-              </a:rPr>
-              <a:t>int</a:t>
-            </a:r>
-            <a:endParaRPr lang="en-US" sz="1400" dirty="0" smtClean="0">
-              <a:solidFill>
-                <a:schemeClr val="tx1"/>
-              </a:solidFill>
-            </a:endParaRPr>
-          </a:p>
-        </p:txBody>
-      </p:sp>
-      <p:sp>
-        <p:nvSpPr>
-          <p:cNvPr id="12" name="Isosceles Triangle 11"/>
-          <p:cNvSpPr/>
-          <p:nvPr/>
-        </p:nvSpPr>
-        <p:spPr>
-          <a:xfrm>
-            <a:off x="1529464" y="1590086"/>
-            <a:ext cx="267340" cy="192498"/>
-          </a:xfrm>
-          <a:prstGeom prst="triangle">
-            <a:avLst/>
-          </a:prstGeom>
-          <a:noFill/>
-          <a:ln>
-            <a:solidFill>
-              <a:srgbClr val="000000"/>
-            </a:solidFill>
-          </a:ln>
-          <a:effectLst/>
-        </p:spPr>
-        <p:style>
-          <a:lnRef idx="1">
-            <a:schemeClr val="accent1"/>
-          </a:lnRef>
-          <a:fillRef idx="3">
-            <a:schemeClr val="accent1"/>
-          </a:fillRef>
-          <a:effectRef idx="2">
-            <a:schemeClr val="accent1"/>
-          </a:effectRef>
-          <a:fontRef idx="minor">
-            <a:schemeClr val="lt1"/>
-          </a:fontRef>
-        </p:style>
-        <p:txBody>
-          <a:bodyPr rtlCol="0" anchor="ctr"/>
-          <a:lstStyle/>
-          <a:p>
-            <a:pPr algn="ctr"/>
-            <a:endParaRPr lang="en-US" sz="1600"/>
-          </a:p>
-        </p:txBody>
-      </p:sp>
-      <p:sp>
-        <p:nvSpPr>
-          <p:cNvPr id="13" name="Isosceles Triangle 12"/>
-          <p:cNvSpPr/>
-          <p:nvPr/>
-        </p:nvSpPr>
-        <p:spPr>
-          <a:xfrm>
-            <a:off x="1529464" y="2418244"/>
-            <a:ext cx="267340" cy="192498"/>
-          </a:xfrm>
-          <a:prstGeom prst="triangle">
-            <a:avLst/>
-          </a:prstGeom>
-          <a:noFill/>
-          <a:ln>
-            <a:solidFill>
-              <a:srgbClr val="000000"/>
-            </a:solidFill>
-          </a:ln>
-          <a:effectLst/>
-        </p:spPr>
-        <p:style>
-          <a:lnRef idx="1">
-            <a:schemeClr val="accent1"/>
-          </a:lnRef>
-          <a:fillRef idx="3">
-            <a:schemeClr val="accent1"/>
-          </a:fillRef>
-          <a:effectRef idx="2">
-            <a:schemeClr val="accent1"/>
-          </a:effectRef>
-          <a:fontRef idx="minor">
-            <a:schemeClr val="lt1"/>
-          </a:fontRef>
-        </p:style>
-        <p:txBody>
-          <a:bodyPr rtlCol="0" anchor="ctr"/>
-          <a:lstStyle/>
-          <a:p>
-            <a:pPr algn="ctr"/>
-            <a:endParaRPr lang="en-US" sz="1600"/>
-          </a:p>
-        </p:txBody>
-      </p:sp>
-      <p:cxnSp>
-        <p:nvCxnSpPr>
-          <p:cNvPr id="15" name="Elbow Connector 14"/>
-          <p:cNvCxnSpPr>
-            <a:stCxn id="12" idx="3"/>
-            <a:endCxn id="5" idx="0"/>
-          </p:cNvCxnSpPr>
-          <p:nvPr/>
-        </p:nvCxnSpPr>
-        <p:spPr>
-          <a:xfrm rot="16200000" flipH="1">
-            <a:off x="1556413" y="1889304"/>
-            <a:ext cx="213442" cy="1"/>
-          </a:xfrm>
-          <a:prstGeom prst="bentConnector3">
-            <a:avLst>
-              <a:gd name="adj1" fmla="val 50000"/>
-            </a:avLst>
-          </a:prstGeom>
-          <a:ln w="12700" cap="flat" cmpd="sng" algn="ctr">
-            <a:solidFill>
-              <a:srgbClr val="000000"/>
-            </a:solidFill>
-            <a:prstDash val="solid"/>
-            <a:round/>
-            <a:headEnd type="none" w="med" len="med"/>
-            <a:tailEnd type="none" w="med" len="med"/>
-          </a:ln>
-          <a:effectLst/>
-        </p:spPr>
-        <p:style>
-          <a:lnRef idx="2">
-            <a:schemeClr val="accent1"/>
-          </a:lnRef>
-          <a:fillRef idx="0">
-            <a:schemeClr val="accent1"/>
-          </a:fillRef>
-          <a:effectRef idx="1">
-            <a:schemeClr val="accent1"/>
-          </a:effectRef>
-          <a:fontRef idx="minor">
-            <a:schemeClr val="tx1"/>
-          </a:fontRef>
-        </p:style>
-      </p:cxnSp>
-      <p:cxnSp>
-        <p:nvCxnSpPr>
-          <p:cNvPr id="17" name="Elbow Connector 16"/>
-          <p:cNvCxnSpPr>
-            <a:stCxn id="6" idx="1"/>
-            <a:endCxn id="13" idx="3"/>
-          </p:cNvCxnSpPr>
-          <p:nvPr/>
-        </p:nvCxnSpPr>
-        <p:spPr>
-          <a:xfrm rot="10800000">
-            <a:off x="1663135" y="2610742"/>
-            <a:ext cx="181417" cy="485606"/>
-          </a:xfrm>
-          <a:prstGeom prst="bentConnector2">
-            <a:avLst/>
-          </a:prstGeom>
-          <a:ln w="12700" cap="flat" cmpd="sng" algn="ctr">
-            <a:solidFill>
-              <a:srgbClr val="000000"/>
-            </a:solidFill>
-            <a:prstDash val="solid"/>
-            <a:round/>
-            <a:headEnd type="none" w="med" len="med"/>
-            <a:tailEnd type="none" w="med" len="med"/>
-          </a:ln>
-          <a:effectLst/>
-        </p:spPr>
-        <p:style>
-          <a:lnRef idx="2">
-            <a:schemeClr val="accent1"/>
-          </a:lnRef>
-          <a:fillRef idx="0">
-            <a:schemeClr val="accent1"/>
-          </a:fillRef>
-          <a:effectRef idx="1">
-            <a:schemeClr val="accent1"/>
-          </a:effectRef>
-          <a:fontRef idx="minor">
-            <a:schemeClr val="tx1"/>
-          </a:fontRef>
-        </p:style>
-      </p:cxnSp>
-      <p:cxnSp>
-        <p:nvCxnSpPr>
-          <p:cNvPr id="21" name="Elbow Connector 16"/>
-          <p:cNvCxnSpPr>
-            <a:stCxn id="7" idx="1"/>
-            <a:endCxn id="13" idx="3"/>
-          </p:cNvCxnSpPr>
-          <p:nvPr/>
-        </p:nvCxnSpPr>
-        <p:spPr>
-          <a:xfrm rot="10800000">
-            <a:off x="1663135" y="2610742"/>
-            <a:ext cx="181417" cy="1817538"/>
-          </a:xfrm>
-          <a:prstGeom prst="bentConnector2">
-            <a:avLst/>
-          </a:prstGeom>
-          <a:ln w="12700" cap="flat" cmpd="sng" algn="ctr">
-            <a:solidFill>
-              <a:srgbClr val="000000"/>
-            </a:solidFill>
-            <a:prstDash val="solid"/>
-            <a:round/>
-            <a:headEnd type="none" w="med" len="med"/>
-            <a:tailEnd type="none" w="med" len="med"/>
-          </a:ln>
-          <a:effectLst/>
-        </p:spPr>
-        <p:style>
-          <a:lnRef idx="2">
-            <a:schemeClr val="accent1"/>
-          </a:lnRef>
-          <a:fillRef idx="0">
-            <a:schemeClr val="accent1"/>
-          </a:fillRef>
-          <a:effectRef idx="1">
-            <a:schemeClr val="accent1"/>
-          </a:effectRef>
-          <a:fontRef idx="minor">
-            <a:schemeClr val="tx1"/>
-          </a:fontRef>
-        </p:style>
-      </p:cxnSp>
-      <p:cxnSp>
-        <p:nvCxnSpPr>
-          <p:cNvPr id="24" name="Elbow Connector 16"/>
-          <p:cNvCxnSpPr>
-            <a:stCxn id="8" idx="1"/>
-            <a:endCxn id="13" idx="3"/>
-          </p:cNvCxnSpPr>
-          <p:nvPr/>
-        </p:nvCxnSpPr>
-        <p:spPr>
-          <a:xfrm rot="10800000">
-            <a:off x="1663135" y="2610743"/>
-            <a:ext cx="170689" cy="3123387"/>
-          </a:xfrm>
-          <a:prstGeom prst="bentConnector2">
-            <a:avLst/>
-          </a:prstGeom>
-          <a:ln w="12700" cap="flat" cmpd="sng" algn="ctr">
-            <a:solidFill>
-              <a:srgbClr val="000000"/>
-            </a:solidFill>
-            <a:prstDash val="solid"/>
-            <a:round/>
-            <a:headEnd type="none" w="med" len="med"/>
-            <a:tailEnd type="none" w="med" len="med"/>
-          </a:ln>
-          <a:effectLst/>
-        </p:spPr>
-        <p:style>
-          <a:lnRef idx="2">
-            <a:schemeClr val="accent1"/>
-          </a:lnRef>
-          <a:fillRef idx="0">
-            <a:schemeClr val="accent1"/>
-          </a:fillRef>
-          <a:effectRef idx="1">
-            <a:schemeClr val="accent1"/>
-          </a:effectRef>
-          <a:fontRef idx="minor">
-            <a:schemeClr val="tx1"/>
-          </a:fontRef>
-        </p:style>
-      </p:cxnSp>
-      <p:cxnSp>
-        <p:nvCxnSpPr>
-          <p:cNvPr id="27" name="Elbow Connector 16"/>
-          <p:cNvCxnSpPr>
-            <a:stCxn id="7" idx="0"/>
-            <a:endCxn id="6" idx="2"/>
-          </p:cNvCxnSpPr>
-          <p:nvPr/>
-        </p:nvCxnSpPr>
-        <p:spPr>
-          <a:xfrm rot="5400000" flipH="1" flipV="1">
-            <a:off x="2491400" y="3762314"/>
-            <a:ext cx="930235" cy="1588"/>
-          </a:xfrm>
-          <a:prstGeom prst="bentConnector3">
-            <a:avLst>
-              <a:gd name="adj1" fmla="val 50000"/>
-            </a:avLst>
-          </a:prstGeom>
-          <a:ln w="12700" cap="flat" cmpd="sng" algn="ctr">
-            <a:solidFill>
-              <a:srgbClr val="000000"/>
-            </a:solidFill>
-            <a:prstDash val="solid"/>
-            <a:round/>
-            <a:headEnd type="none" w="med" len="med"/>
-            <a:tailEnd type="arrow" w="lg" len="lg"/>
-          </a:ln>
-          <a:effectLst/>
-        </p:spPr>
-        <p:style>
-          <a:lnRef idx="2">
-            <a:schemeClr val="accent1"/>
-          </a:lnRef>
-          <a:fillRef idx="0">
-            <a:schemeClr val="accent1"/>
-          </a:fillRef>
-          <a:effectRef idx="1">
-            <a:schemeClr val="accent1"/>
-          </a:effectRef>
-          <a:fontRef idx="minor">
-            <a:schemeClr val="tx1"/>
-          </a:fontRef>
-        </p:style>
-      </p:cxnSp>
-      <p:sp>
-        <p:nvSpPr>
-          <p:cNvPr id="30" name="Rectangle 29"/>
-          <p:cNvSpPr/>
-          <p:nvPr/>
-        </p:nvSpPr>
-        <p:spPr>
-          <a:xfrm>
-            <a:off x="2959789" y="3454052"/>
-            <a:ext cx="1137601" cy="307777"/>
-          </a:xfrm>
-          <a:prstGeom prst="rect">
-            <a:avLst/>
-          </a:prstGeom>
-        </p:spPr>
-        <p:txBody>
-          <a:bodyPr wrap="square">
-            <a:spAutoFit/>
+          <p:cNvPr id="3" name="Content Placeholder 2"/>
+          <p:cNvSpPr>
+            <a:spLocks noGrp="1"/>
+          </p:cNvSpPr>
+          <p:nvPr>
+            <p:ph idx="1"/>
+          </p:nvPr>
+        </p:nvSpPr>
+        <p:spPr/>
+        <p:txBody>
+          <a:bodyPr>
+            <a:normAutofit/>
           </a:bodyPr>
           <a:lstStyle/>
           <a:p>
-            <a:r>
-              <a:rPr lang="en-US" sz="1400" dirty="0" err="1" smtClean="0">
-                <a:solidFill>
-                  <a:schemeClr val="tx1"/>
-                </a:solidFill>
-              </a:rPr>
-              <a:t>hasUnit</a:t>
-            </a:r>
-            <a:endParaRPr lang="en-US" sz="1400" dirty="0"/>
-          </a:p>
-        </p:txBody>
-      </p:sp>
-      <p:sp>
-        <p:nvSpPr>
-          <p:cNvPr id="31" name="Rectangle 30"/>
-          <p:cNvSpPr/>
-          <p:nvPr/>
-        </p:nvSpPr>
-        <p:spPr>
-          <a:xfrm>
-            <a:off x="2505201" y="3337542"/>
-            <a:ext cx="594412" cy="307777"/>
-          </a:xfrm>
-          <a:prstGeom prst="rect">
-            <a:avLst/>
-          </a:prstGeom>
-        </p:spPr>
-        <p:txBody>
-          <a:bodyPr wrap="square">
-            <a:spAutoFit/>
-          </a:bodyPr>
-          <a:lstStyle/>
-          <a:p>
-            <a:r>
-              <a:rPr lang="en-US" sz="1400" dirty="0" smtClean="0">
-                <a:solidFill>
-                  <a:schemeClr val="tx1"/>
-                </a:solidFill>
-              </a:rPr>
-              <a:t>1..1</a:t>
-            </a:r>
-            <a:endParaRPr lang="en-US" sz="1400" dirty="0"/>
-          </a:p>
-        </p:txBody>
-      </p:sp>
-      <p:sp>
-        <p:nvSpPr>
-          <p:cNvPr id="32" name="Rectangle 31"/>
-          <p:cNvSpPr/>
-          <p:nvPr/>
-        </p:nvSpPr>
-        <p:spPr>
-          <a:xfrm>
-            <a:off x="2755255" y="4002586"/>
-            <a:ext cx="241862" cy="523220"/>
-          </a:xfrm>
-          <a:prstGeom prst="rect">
-            <a:avLst/>
-          </a:prstGeom>
-        </p:spPr>
-        <p:txBody>
-          <a:bodyPr wrap="square">
-            <a:spAutoFit/>
-          </a:bodyPr>
-          <a:lstStyle/>
-          <a:p>
-            <a:r>
-              <a:rPr lang="en-US" sz="1400" dirty="0" smtClean="0">
-                <a:solidFill>
-                  <a:schemeClr val="tx1"/>
-                </a:solidFill>
-              </a:rPr>
-              <a:t>*</a:t>
-            </a:r>
-            <a:endParaRPr lang="en-US" sz="1400" dirty="0"/>
-          </a:p>
-        </p:txBody>
-      </p:sp>
-      <p:cxnSp>
-        <p:nvCxnSpPr>
-          <p:cNvPr id="33" name="Elbow Connector 16"/>
-          <p:cNvCxnSpPr>
-            <a:stCxn id="8" idx="3"/>
-            <a:endCxn id="35" idx="4"/>
-          </p:cNvCxnSpPr>
-          <p:nvPr/>
-        </p:nvCxnSpPr>
-        <p:spPr>
-          <a:xfrm flipV="1">
-            <a:off x="4057754" y="4967682"/>
-            <a:ext cx="836097" cy="766447"/>
-          </a:xfrm>
-          <a:prstGeom prst="bentConnector2">
-            <a:avLst/>
-          </a:prstGeom>
-          <a:ln w="12700" cap="flat" cmpd="sng" algn="ctr">
-            <a:solidFill>
-              <a:srgbClr val="000000"/>
-            </a:solidFill>
-            <a:prstDash val="solid"/>
-            <a:round/>
-            <a:headEnd type="none" w="med" len="med"/>
-            <a:tailEnd type="none" w="lg" len="lg"/>
-          </a:ln>
-          <a:effectLst/>
-        </p:spPr>
-        <p:style>
-          <a:lnRef idx="2">
-            <a:schemeClr val="accent1"/>
-          </a:lnRef>
-          <a:fillRef idx="0">
-            <a:schemeClr val="accent1"/>
-          </a:fillRef>
-          <a:effectRef idx="1">
-            <a:schemeClr val="accent1"/>
-          </a:effectRef>
-          <a:fontRef idx="minor">
-            <a:schemeClr val="tx1"/>
-          </a:fontRef>
-        </p:style>
-      </p:cxnSp>
-      <p:sp>
-        <p:nvSpPr>
-          <p:cNvPr id="35" name="Oval 34"/>
-          <p:cNvSpPr/>
-          <p:nvPr/>
-        </p:nvSpPr>
-        <p:spPr>
-          <a:xfrm>
-            <a:off x="4731682" y="4629128"/>
-            <a:ext cx="324338" cy="338554"/>
-          </a:xfrm>
-          <a:prstGeom prst="ellipse">
-            <a:avLst/>
-          </a:prstGeom>
-          <a:solidFill>
-            <a:srgbClr val="FFFFFF"/>
-          </a:solidFill>
-          <a:ln>
-            <a:solidFill>
-              <a:srgbClr val="000000"/>
-            </a:solidFill>
-          </a:ln>
-          <a:effectLst/>
-        </p:spPr>
-        <p:style>
-          <a:lnRef idx="1">
-            <a:schemeClr val="accent1"/>
-          </a:lnRef>
-          <a:fillRef idx="3">
-            <a:schemeClr val="accent1"/>
-          </a:fillRef>
-          <a:effectRef idx="2">
-            <a:schemeClr val="accent1"/>
-          </a:effectRef>
-          <a:fontRef idx="minor">
-            <a:schemeClr val="lt1"/>
-          </a:fontRef>
-        </p:style>
-        <p:txBody>
-          <a:bodyPr lIns="0" rIns="0" rtlCol="0" anchor="ctr"/>
-          <a:lstStyle/>
-          <a:p>
-            <a:pPr algn="ctr"/>
-            <a:r>
-              <a:rPr lang="en-US" sz="1400" dirty="0" smtClean="0">
-                <a:solidFill>
-                  <a:srgbClr val="000000"/>
-                </a:solidFill>
-              </a:rPr>
-              <a:t>U</a:t>
-            </a:r>
-            <a:endParaRPr lang="en-US" sz="1400" dirty="0">
-              <a:solidFill>
-                <a:srgbClr val="000000"/>
-              </a:solidFill>
-            </a:endParaRPr>
-          </a:p>
-        </p:txBody>
-      </p:sp>
-      <p:cxnSp>
-        <p:nvCxnSpPr>
-          <p:cNvPr id="37" name="Elbow Connector 16"/>
-          <p:cNvCxnSpPr>
-            <a:stCxn id="35" idx="2"/>
-            <a:endCxn id="10" idx="3"/>
-          </p:cNvCxnSpPr>
-          <p:nvPr/>
-        </p:nvCxnSpPr>
-        <p:spPr>
-          <a:xfrm rot="10800000">
-            <a:off x="4069406" y="4796563"/>
-            <a:ext cx="662276" cy="1842"/>
-          </a:xfrm>
-          <a:prstGeom prst="bentConnector3">
-            <a:avLst>
-              <a:gd name="adj1" fmla="val 50000"/>
-            </a:avLst>
-          </a:prstGeom>
-          <a:ln w="12700" cap="flat" cmpd="sng" algn="ctr">
-            <a:solidFill>
-              <a:srgbClr val="000000"/>
-            </a:solidFill>
-            <a:prstDash val="solid"/>
-            <a:round/>
-            <a:headEnd type="none" w="med" len="med"/>
-            <a:tailEnd type="arrow" w="lg" len="lg"/>
-          </a:ln>
-          <a:effectLst/>
-        </p:spPr>
-        <p:style>
-          <a:lnRef idx="2">
-            <a:schemeClr val="accent1"/>
-          </a:lnRef>
-          <a:fillRef idx="0">
-            <a:schemeClr val="accent1"/>
-          </a:fillRef>
-          <a:effectRef idx="1">
-            <a:schemeClr val="accent1"/>
-          </a:effectRef>
-          <a:fontRef idx="minor">
-            <a:schemeClr val="tx1"/>
-          </a:fontRef>
-        </p:style>
-      </p:cxnSp>
-      <p:cxnSp>
-        <p:nvCxnSpPr>
-          <p:cNvPr id="40" name="Elbow Connector 16"/>
-          <p:cNvCxnSpPr>
-            <a:stCxn id="35" idx="0"/>
-            <a:endCxn id="6" idx="3"/>
-          </p:cNvCxnSpPr>
-          <p:nvPr/>
-        </p:nvCxnSpPr>
-        <p:spPr>
-          <a:xfrm rot="16200000" flipV="1">
-            <a:off x="3714777" y="3450053"/>
-            <a:ext cx="1532780" cy="825369"/>
-          </a:xfrm>
-          <a:prstGeom prst="bentConnector2">
-            <a:avLst/>
-          </a:prstGeom>
-          <a:ln w="12700" cap="flat" cmpd="sng" algn="ctr">
-            <a:solidFill>
-              <a:srgbClr val="000000"/>
-            </a:solidFill>
-            <a:prstDash val="solid"/>
-            <a:round/>
-            <a:headEnd type="none" w="med" len="med"/>
-            <a:tailEnd type="arrow" w="lg" len="lg"/>
-          </a:ln>
-          <a:effectLst/>
-        </p:spPr>
-        <p:style>
-          <a:lnRef idx="2">
-            <a:schemeClr val="accent1"/>
-          </a:lnRef>
-          <a:fillRef idx="0">
-            <a:schemeClr val="accent1"/>
-          </a:fillRef>
-          <a:effectRef idx="1">
-            <a:schemeClr val="accent1"/>
-          </a:effectRef>
-          <a:fontRef idx="minor">
-            <a:schemeClr val="tx1"/>
-          </a:fontRef>
-        </p:style>
-      </p:cxnSp>
-      <p:sp>
-        <p:nvSpPr>
-          <p:cNvPr id="43" name="Rectangle 42"/>
-          <p:cNvSpPr/>
-          <p:nvPr/>
-        </p:nvSpPr>
-        <p:spPr>
-          <a:xfrm>
-            <a:off x="4135512" y="5101518"/>
-            <a:ext cx="969381" cy="307777"/>
-          </a:xfrm>
-          <a:prstGeom prst="rect">
-            <a:avLst/>
-          </a:prstGeom>
-        </p:spPr>
-        <p:txBody>
-          <a:bodyPr wrap="square">
-            <a:spAutoFit/>
-          </a:bodyPr>
-          <a:lstStyle/>
-          <a:p>
-            <a:r>
-              <a:rPr lang="en-US" sz="1400" dirty="0" err="1" smtClean="0">
-                <a:solidFill>
-                  <a:schemeClr val="tx1"/>
-                </a:solidFill>
-              </a:rPr>
-              <a:t>hasUnit</a:t>
-            </a:r>
-            <a:endParaRPr lang="en-US" sz="1400" dirty="0"/>
-          </a:p>
-        </p:txBody>
-      </p:sp>
-      <p:sp>
-        <p:nvSpPr>
-          <p:cNvPr id="44" name="Rectangle 43"/>
-          <p:cNvSpPr/>
-          <p:nvPr/>
-        </p:nvSpPr>
-        <p:spPr>
-          <a:xfrm>
-            <a:off x="4860499" y="4894092"/>
-            <a:ext cx="569383" cy="307777"/>
-          </a:xfrm>
-          <a:prstGeom prst="rect">
-            <a:avLst/>
-          </a:prstGeom>
-        </p:spPr>
-        <p:txBody>
-          <a:bodyPr wrap="square">
-            <a:spAutoFit/>
-          </a:bodyPr>
-          <a:lstStyle/>
-          <a:p>
-            <a:r>
-              <a:rPr lang="en-US" sz="1400" dirty="0" smtClean="0">
-                <a:solidFill>
-                  <a:schemeClr val="tx1"/>
-                </a:solidFill>
-              </a:rPr>
-              <a:t>2..*</a:t>
-            </a:r>
-            <a:endParaRPr lang="en-US" sz="1400" dirty="0"/>
-          </a:p>
-        </p:txBody>
-      </p:sp>
-      <p:sp>
-        <p:nvSpPr>
-          <p:cNvPr id="45" name="Rectangle 44"/>
-          <p:cNvSpPr/>
-          <p:nvPr/>
-        </p:nvSpPr>
-        <p:spPr>
-          <a:xfrm>
-            <a:off x="4037899" y="5704569"/>
-            <a:ext cx="466892" cy="307777"/>
-          </a:xfrm>
-          <a:prstGeom prst="rect">
-            <a:avLst/>
-          </a:prstGeom>
-        </p:spPr>
-        <p:txBody>
-          <a:bodyPr wrap="square">
-            <a:spAutoFit/>
-          </a:bodyPr>
-          <a:lstStyle/>
-          <a:p>
-            <a:r>
-              <a:rPr lang="en-US" sz="1400" dirty="0" smtClean="0">
-                <a:solidFill>
-                  <a:schemeClr val="tx1"/>
-                </a:solidFill>
-              </a:rPr>
-              <a:t>*</a:t>
-            </a:r>
-            <a:endParaRPr lang="en-US" sz="1400" dirty="0"/>
-          </a:p>
-        </p:txBody>
-      </p:sp>
-      <p:sp>
-        <p:nvSpPr>
-          <p:cNvPr id="46" name="Rectangle 45"/>
-          <p:cNvSpPr/>
-          <p:nvPr/>
-        </p:nvSpPr>
-        <p:spPr>
-          <a:xfrm>
-            <a:off x="5777069" y="1173956"/>
-            <a:ext cx="2223931" cy="401697"/>
-          </a:xfrm>
-          <a:prstGeom prst="rect">
-            <a:avLst/>
-          </a:prstGeom>
-          <a:solidFill>
-            <a:schemeClr val="bg1"/>
-          </a:solidFill>
-          <a:ln>
-            <a:solidFill>
-              <a:schemeClr val="tx1"/>
-            </a:solidFill>
-          </a:ln>
-          <a:effectLst/>
-        </p:spPr>
-        <p:style>
-          <a:lnRef idx="1">
-            <a:schemeClr val="accent1"/>
-          </a:lnRef>
-          <a:fillRef idx="3">
-            <a:schemeClr val="accent1"/>
-          </a:fillRef>
-          <a:effectRef idx="2">
-            <a:schemeClr val="accent1"/>
-          </a:effectRef>
-          <a:fontRef idx="minor">
-            <a:schemeClr val="lt1"/>
-          </a:fontRef>
-        </p:style>
-        <p:txBody>
-          <a:bodyPr rtlCol="0" anchor="ctr"/>
-          <a:lstStyle/>
-          <a:p>
-            <a:pPr algn="ctr"/>
-            <a:r>
-              <a:rPr lang="en-US" sz="1600" b="1" dirty="0" smtClean="0">
-                <a:solidFill>
-                  <a:schemeClr val="tx1"/>
-                </a:solidFill>
-              </a:rPr>
-              <a:t>Characteristic</a:t>
-            </a:r>
-            <a:endParaRPr lang="en-US" sz="1600" b="1" dirty="0">
-              <a:solidFill>
-                <a:schemeClr val="tx1"/>
-              </a:solidFill>
-            </a:endParaRPr>
-          </a:p>
-        </p:txBody>
-      </p:sp>
-      <p:sp>
-        <p:nvSpPr>
-          <p:cNvPr id="47" name="Rectangle 46"/>
-          <p:cNvSpPr/>
-          <p:nvPr/>
-        </p:nvSpPr>
-        <p:spPr>
-          <a:xfrm>
-            <a:off x="5777069" y="1993244"/>
-            <a:ext cx="2223931" cy="401697"/>
-          </a:xfrm>
-          <a:prstGeom prst="rect">
-            <a:avLst/>
-          </a:prstGeom>
-          <a:solidFill>
-            <a:schemeClr val="bg1"/>
-          </a:solidFill>
-          <a:ln>
-            <a:solidFill>
-              <a:schemeClr val="tx1"/>
-            </a:solidFill>
-          </a:ln>
-          <a:effectLst/>
-        </p:spPr>
-        <p:style>
-          <a:lnRef idx="1">
-            <a:schemeClr val="accent1"/>
-          </a:lnRef>
-          <a:fillRef idx="3">
-            <a:schemeClr val="accent1"/>
-          </a:fillRef>
-          <a:effectRef idx="2">
-            <a:schemeClr val="accent1"/>
-          </a:effectRef>
-          <a:fontRef idx="minor">
-            <a:schemeClr val="lt1"/>
-          </a:fontRef>
-        </p:style>
-        <p:txBody>
-          <a:bodyPr rtlCol="0" anchor="ctr"/>
-          <a:lstStyle/>
-          <a:p>
-            <a:pPr algn="ctr"/>
-            <a:r>
-              <a:rPr lang="en-US" sz="1600" b="1" dirty="0" err="1" smtClean="0">
-                <a:solidFill>
-                  <a:schemeClr val="tx1"/>
-                </a:solidFill>
-              </a:rPr>
-              <a:t>PhysicalCharacteristic</a:t>
-            </a:r>
-            <a:endParaRPr lang="en-US" sz="1600" b="1" dirty="0">
-              <a:solidFill>
-                <a:schemeClr val="tx1"/>
-              </a:solidFill>
-            </a:endParaRPr>
-          </a:p>
-        </p:txBody>
-      </p:sp>
-      <p:sp>
-        <p:nvSpPr>
-          <p:cNvPr id="53" name="Isosceles Triangle 52"/>
-          <p:cNvSpPr/>
-          <p:nvPr/>
-        </p:nvSpPr>
-        <p:spPr>
-          <a:xfrm>
-            <a:off x="6755364" y="1575653"/>
-            <a:ext cx="267340" cy="192498"/>
-          </a:xfrm>
-          <a:prstGeom prst="triangle">
-            <a:avLst/>
-          </a:prstGeom>
-          <a:noFill/>
-          <a:ln>
-            <a:solidFill>
-              <a:srgbClr val="000000"/>
-            </a:solidFill>
-          </a:ln>
-          <a:effectLst/>
-        </p:spPr>
-        <p:style>
-          <a:lnRef idx="1">
-            <a:schemeClr val="accent1"/>
-          </a:lnRef>
-          <a:fillRef idx="3">
-            <a:schemeClr val="accent1"/>
-          </a:fillRef>
-          <a:effectRef idx="2">
-            <a:schemeClr val="accent1"/>
-          </a:effectRef>
-          <a:fontRef idx="minor">
-            <a:schemeClr val="lt1"/>
-          </a:fontRef>
-        </p:style>
-        <p:txBody>
-          <a:bodyPr rtlCol="0" anchor="ctr"/>
-          <a:lstStyle/>
-          <a:p>
-            <a:pPr algn="ctr"/>
-            <a:endParaRPr lang="en-US" sz="1600"/>
-          </a:p>
-        </p:txBody>
-      </p:sp>
-      <p:cxnSp>
-        <p:nvCxnSpPr>
-          <p:cNvPr id="55" name="Elbow Connector 54"/>
-          <p:cNvCxnSpPr>
-            <a:stCxn id="53" idx="3"/>
-            <a:endCxn id="47" idx="0"/>
-          </p:cNvCxnSpPr>
-          <p:nvPr/>
-        </p:nvCxnSpPr>
-        <p:spPr>
-          <a:xfrm rot="16200000" flipH="1">
-            <a:off x="6776488" y="1880696"/>
-            <a:ext cx="225093" cy="1"/>
-          </a:xfrm>
-          <a:prstGeom prst="bentConnector3">
-            <a:avLst>
-              <a:gd name="adj1" fmla="val 50000"/>
-            </a:avLst>
-          </a:prstGeom>
-          <a:ln w="12700" cap="flat" cmpd="sng" algn="ctr">
-            <a:solidFill>
-              <a:srgbClr val="000000"/>
-            </a:solidFill>
-            <a:prstDash val="solid"/>
-            <a:round/>
-            <a:headEnd type="none" w="med" len="med"/>
-            <a:tailEnd type="none" w="med" len="med"/>
-          </a:ln>
-          <a:effectLst/>
-        </p:spPr>
-        <p:style>
-          <a:lnRef idx="2">
-            <a:schemeClr val="accent1"/>
-          </a:lnRef>
-          <a:fillRef idx="0">
-            <a:schemeClr val="accent1"/>
-          </a:fillRef>
-          <a:effectRef idx="1">
-            <a:schemeClr val="accent1"/>
-          </a:effectRef>
-          <a:fontRef idx="minor">
-            <a:schemeClr val="tx1"/>
-          </a:fontRef>
-        </p:style>
-      </p:cxnSp>
-      <p:cxnSp>
-        <p:nvCxnSpPr>
-          <p:cNvPr id="70" name="Straight Arrow Connector 69"/>
-          <p:cNvCxnSpPr>
-            <a:stCxn id="5" idx="3"/>
-            <a:endCxn id="47" idx="1"/>
-          </p:cNvCxnSpPr>
-          <p:nvPr/>
-        </p:nvCxnSpPr>
-        <p:spPr>
-          <a:xfrm flipV="1">
-            <a:off x="2775100" y="2194093"/>
-            <a:ext cx="3001969" cy="2782"/>
-          </a:xfrm>
-          <a:prstGeom prst="straightConnector1">
-            <a:avLst/>
-          </a:prstGeom>
-          <a:ln w="31750" cap="flat" cmpd="sng" algn="ctr">
-            <a:solidFill>
-              <a:srgbClr val="FF6600"/>
-            </a:solidFill>
-            <a:prstDash val="solid"/>
-            <a:round/>
-            <a:headEnd type="none" w="med" len="med"/>
-            <a:tailEnd type="arrow" w="lg" len="lg"/>
-          </a:ln>
-        </p:spPr>
-        <p:style>
-          <a:lnRef idx="2">
-            <a:schemeClr val="accent1"/>
-          </a:lnRef>
-          <a:fillRef idx="0">
-            <a:schemeClr val="accent1"/>
-          </a:fillRef>
-          <a:effectRef idx="1">
-            <a:schemeClr val="accent1"/>
-          </a:effectRef>
-          <a:fontRef idx="minor">
-            <a:schemeClr val="tx1"/>
-          </a:fontRef>
-        </p:style>
-      </p:cxnSp>
-      <p:sp>
-        <p:nvSpPr>
-          <p:cNvPr id="71" name="Rectangle 70"/>
-          <p:cNvSpPr/>
-          <p:nvPr/>
-        </p:nvSpPr>
-        <p:spPr>
-          <a:xfrm>
-            <a:off x="2819400" y="1795046"/>
-            <a:ext cx="2813591" cy="338554"/>
-          </a:xfrm>
-          <a:prstGeom prst="rect">
-            <a:avLst/>
-          </a:prstGeom>
-        </p:spPr>
-        <p:txBody>
-          <a:bodyPr wrap="none" anchor="b">
-            <a:spAutoFit/>
-          </a:bodyPr>
-          <a:lstStyle/>
-          <a:p>
-            <a:r>
-              <a:rPr lang="en-US" sz="1600" dirty="0" err="1" smtClean="0"/>
-              <a:t>standardFor</a:t>
-            </a:r>
-            <a:r>
-              <a:rPr lang="en-US" sz="1600" dirty="0" smtClean="0"/>
-              <a:t> </a:t>
-            </a:r>
-            <a:r>
-              <a:rPr lang="en-US" sz="1600" b="1" dirty="0" err="1" smtClean="0">
-                <a:solidFill>
-                  <a:srgbClr val="0000FF"/>
-                </a:solidFill>
-              </a:rPr>
-              <a:t>o</a:t>
-            </a:r>
-            <a:r>
-              <a:rPr lang="en-US" sz="1600" dirty="0" smtClean="0"/>
-              <a:t> </a:t>
-            </a:r>
-            <a:r>
-              <a:rPr lang="en-US" sz="1600" dirty="0" err="1" smtClean="0"/>
-              <a:t>hasCharacteristic</a:t>
-            </a:r>
-            <a:endParaRPr lang="en-US" sz="1600" dirty="0"/>
-          </a:p>
-        </p:txBody>
-      </p:sp>
-      <p:sp>
-        <p:nvSpPr>
-          <p:cNvPr id="76" name="Rectangle 75"/>
-          <p:cNvSpPr/>
-          <p:nvPr/>
-        </p:nvSpPr>
-        <p:spPr>
-          <a:xfrm>
-            <a:off x="6245949" y="2604224"/>
-            <a:ext cx="2423223" cy="2062103"/>
-          </a:xfrm>
-          <a:prstGeom prst="rect">
-            <a:avLst/>
-          </a:prstGeom>
-        </p:spPr>
-        <p:txBody>
-          <a:bodyPr wrap="square">
-            <a:spAutoFit/>
-          </a:bodyPr>
-          <a:lstStyle/>
-          <a:p>
-            <a:r>
-              <a:rPr lang="en-US" sz="1600" i="1" dirty="0" smtClean="0"/>
-              <a:t>Characteristics can be used over a variety of units and standards … no restriction on structuring</a:t>
-            </a:r>
-          </a:p>
-          <a:p>
-            <a:endParaRPr lang="en-US" sz="1600" i="1" dirty="0" smtClean="0"/>
-          </a:p>
-          <a:p>
-            <a:r>
-              <a:rPr lang="en-US" sz="1600" i="1" dirty="0" smtClean="0"/>
-              <a:t>Enables many “surrogates” for a characteristic (like density …)</a:t>
+            <a:pPr>
+              <a:spcAft>
+                <a:spcPts val="1200"/>
+              </a:spcAft>
+              <a:buNone/>
+            </a:pPr>
+            <a:r>
+              <a:rPr lang="en-US" dirty="0" smtClean="0"/>
+              <a:t>Entities represent distinct physical or conceptual </a:t>
+            </a:r>
+            <a:r>
+              <a:rPr lang="en-US" i="1" u="sng" dirty="0" smtClean="0"/>
+              <a:t>objects</a:t>
+            </a:r>
+          </a:p>
+          <a:p>
+            <a:pPr lvl="1">
+              <a:spcAft>
+                <a:spcPts val="1200"/>
+              </a:spcAft>
+            </a:pPr>
+            <a:r>
+              <a:rPr lang="en-US" dirty="0" smtClean="0"/>
+              <a:t>Examples include trees, plants, air, water, soil</a:t>
+            </a:r>
+          </a:p>
+          <a:p>
+            <a:pPr lvl="1">
+              <a:spcAft>
+                <a:spcPts val="1200"/>
+              </a:spcAft>
+            </a:pPr>
+            <a:r>
+              <a:rPr lang="en-US" dirty="0" smtClean="0"/>
+              <a:t>Entities are organized into entity classes</a:t>
+            </a:r>
+          </a:p>
+          <a:p>
+            <a:pPr lvl="1">
+              <a:spcAft>
+                <a:spcPts val="2400"/>
+              </a:spcAft>
+            </a:pPr>
+            <a:r>
+              <a:rPr lang="en-US" dirty="0" smtClean="0"/>
+              <a:t>A class denotes a set of entities (that conform to the class) </a:t>
+            </a:r>
+          </a:p>
+          <a:p>
+            <a:pPr>
+              <a:spcAft>
+                <a:spcPts val="1200"/>
+              </a:spcAft>
+              <a:buNone/>
+            </a:pPr>
+            <a:r>
+              <a:rPr lang="en-US" dirty="0" smtClean="0"/>
+              <a:t>Each observation has</a:t>
+            </a:r>
+          </a:p>
+          <a:p>
+            <a:pPr lvl="1">
+              <a:spcAft>
+                <a:spcPts val="1200"/>
+              </a:spcAft>
+            </a:pPr>
+            <a:r>
+              <a:rPr lang="en-US" dirty="0" smtClean="0"/>
+              <a:t>An observed entity</a:t>
+            </a:r>
+          </a:p>
+          <a:p>
+            <a:pPr>
+              <a:spcAft>
+                <a:spcPts val="1200"/>
+              </a:spcAft>
+              <a:buNone/>
+            </a:pPr>
+            <a:r>
+              <a:rPr lang="en-US" dirty="0" smtClean="0"/>
+              <a:t>	Together with zero or more </a:t>
+            </a:r>
+          </a:p>
+          <a:p>
+            <a:pPr lvl="1">
+              <a:spcAft>
+                <a:spcPts val="1200"/>
+              </a:spcAft>
+            </a:pPr>
+            <a:r>
+              <a:rPr lang="en-US" dirty="0" smtClean="0"/>
+              <a:t>M</a:t>
+            </a:r>
+            <a:r>
+              <a:rPr lang="en-US" dirty="0" smtClean="0"/>
+              <a:t>easurements of the entity and</a:t>
+            </a:r>
+          </a:p>
+          <a:p>
+            <a:pPr lvl="1">
+              <a:spcAft>
+                <a:spcPts val="1200"/>
+              </a:spcAft>
+            </a:pPr>
+            <a:r>
+              <a:rPr lang="en-US" dirty="0" smtClean="0"/>
+              <a:t>Contexts represented through other observations </a:t>
             </a:r>
           </a:p>
         </p:txBody>
@@ -7523,13 +8476,6 @@
   <p:clrMapOvr>
     <a:masterClrMapping/>
   </p:clrMapOvr>
-  <p:timing>
-    <p:tnLst>
-      <p:par>
-        <p:cTn id="1" dur="indefinite" restart="never" nodeType="tmRoot"/>
-      </p:par>
-    </p:tnLst>
-  </p:timing>
 </p:sld>
 </file>
 
@@ -7567,7 +8513,7 @@
           <a:p>
             <a:r>
               <a:rPr lang="en-US" dirty="0" smtClean="0"/>
-              <a:t>…</a:t>
+              <a:t>3. Entities and Characteristics</a:t>
             </a:r>
             <a:endParaRPr lang="en-US" dirty="0"/>
           </a:p>
@@ -7583,149 +8529,97 @@
             <p:ph idx="1"/>
           </p:nvPr>
         </p:nvSpPr>
-        <p:spPr>
-          <a:xfrm>
-            <a:off x="241905" y="895048"/>
-            <a:ext cx="8672285" cy="5454352"/>
-          </a:xfrm>
-        </p:spPr>
-        <p:txBody>
-          <a:bodyPr>
-            <a:normAutofit/>
-          </a:bodyPr>
-          <a:lstStyle/>
-          <a:p>
-            <a:r>
-              <a:rPr lang="en-US" dirty="0" smtClean="0"/>
-              <a:t>Modularization</a:t>
-            </a:r>
-          </a:p>
-          <a:p>
-            <a:pPr lvl="1">
+        <p:spPr/>
+        <p:txBody>
+          <a:bodyPr/>
+          <a:lstStyle/>
+          <a:p>
+            <a:pPr>
+              <a:spcAft>
+                <a:spcPts val="1200"/>
+              </a:spcAft>
               <a:buNone/>
             </a:pPr>
             <a:r>
+              <a:rPr lang="en-US" dirty="0" smtClean="0"/>
+              <a:t>Characteristics represent </a:t>
+            </a:r>
+            <a:r>
               <a:rPr lang="en-US" i="1" u="sng" dirty="0" smtClean="0"/>
-              <a:t>oboe-core</a:t>
-            </a:r>
-            <a:r>
-              <a:rPr lang="en-US" dirty="0" smtClean="0"/>
-              <a:t>  …  the basic structures</a:t>
-            </a:r>
-          </a:p>
-          <a:p>
-            <a:pPr lvl="2">
-              <a:spcAft>
-                <a:spcPts val="600"/>
-              </a:spcAft>
-            </a:pPr>
-            <a:r>
-              <a:rPr lang="en-US" dirty="0" smtClean="0"/>
-              <a:t>Entity, Observation, Characteristic, Protocol, Standard, Measurement</a:t>
+              <a:t>properties</a:t>
+            </a:r>
+            <a:r>
+              <a:rPr lang="en-US" dirty="0" smtClean="0"/>
+              <a:t> of entities</a:t>
             </a:r>
           </a:p>
           <a:p>
             <a:pPr lvl="1">
-              <a:buNone/>
-            </a:pPr>
-            <a:r>
-              <a:rPr lang="en-US" i="1" u="sng" dirty="0" smtClean="0"/>
-              <a:t>oboe</a:t>
-            </a:r>
-            <a:r>
-              <a:rPr lang="en-US" dirty="0" smtClean="0"/>
-              <a:t>  …  the next level of detail </a:t>
-            </a:r>
-          </a:p>
-          <a:p>
-            <a:pPr lvl="2"/>
-            <a:r>
-              <a:rPr lang="en-US" dirty="0" smtClean="0"/>
-              <a:t>Entity (Primitive) Values</a:t>
-            </a:r>
-          </a:p>
-          <a:p>
-            <a:pPr lvl="2"/>
-            <a:r>
-              <a:rPr lang="en-US" dirty="0" smtClean="0"/>
-              <a:t>Characteristics: </a:t>
-            </a:r>
-            <a:r>
-              <a:rPr lang="en-US" dirty="0" err="1" smtClean="0"/>
-              <a:t>PhysicalCharacteristic</a:t>
-            </a:r>
-            <a:r>
-              <a:rPr lang="en-US" dirty="0" smtClean="0"/>
-              <a:t>, </a:t>
-            </a:r>
-            <a:r>
-              <a:rPr lang="en-US" dirty="0" err="1" smtClean="0"/>
-              <a:t>QualifiedCharacteristic</a:t>
-            </a:r>
-            <a:r>
-              <a:rPr lang="en-US" dirty="0" smtClean="0"/>
-              <a:t>, Name, Type</a:t>
-            </a:r>
-          </a:p>
-          <a:p>
-            <a:pPr lvl="2">
               <a:spcAft>
                 <a:spcPts val="1200"/>
               </a:spcAft>
             </a:pPr>
             <a:r>
               <a:rPr lang="en-US" dirty="0" smtClean="0"/>
-              <a:t>Unit structure: </a:t>
-            </a:r>
-            <a:r>
-              <a:rPr lang="en-US" dirty="0" err="1" smtClean="0"/>
-              <a:t>BaseUnit</a:t>
-            </a:r>
-            <a:r>
-              <a:rPr lang="en-US" dirty="0" smtClean="0"/>
-              <a:t>, </a:t>
-            </a:r>
-            <a:r>
-              <a:rPr lang="en-US" dirty="0" err="1" smtClean="0"/>
-              <a:t>DerivedUnit</a:t>
-            </a:r>
-            <a:r>
-              <a:rPr lang="en-US" dirty="0" smtClean="0"/>
-              <a:t>, </a:t>
-            </a:r>
-            <a:r>
-              <a:rPr lang="en-US" dirty="0" err="1" smtClean="0"/>
-              <a:t>CompositeUnit</a:t>
-            </a:r>
-            <a:r>
-              <a:rPr lang="en-US" dirty="0" smtClean="0"/>
-              <a:t>, </a:t>
-            </a:r>
-            <a:r>
-              <a:rPr lang="en-US" dirty="0" err="1" smtClean="0"/>
-              <a:t>UnitConversion</a:t>
-            </a:r>
-            <a:endParaRPr lang="en-US" dirty="0" smtClean="0"/>
+              <a:t>Examples include height, mass, speed, volume, etc.</a:t>
+            </a:r>
           </a:p>
           <a:p>
             <a:pPr lvl="1">
+              <a:spcAft>
+                <a:spcPts val="1200"/>
+              </a:spcAft>
+            </a:pPr>
+            <a:r>
+              <a:rPr lang="en-US" dirty="0" smtClean="0"/>
+              <a:t>Characteristics are also organized into classes</a:t>
+            </a:r>
+          </a:p>
+          <a:p>
+            <a:pPr lvl="1">
+              <a:spcAft>
+                <a:spcPts val="1200"/>
+              </a:spcAft>
+            </a:pPr>
+            <a:r>
+              <a:rPr lang="en-US" dirty="0" smtClean="0"/>
+              <a:t>A characteristic is a particular occurrence of the characteristic type defined by the class</a:t>
+            </a:r>
+          </a:p>
+          <a:p>
+            <a:pPr lvl="1">
+              <a:spcAft>
+                <a:spcPts val="2400"/>
+              </a:spcAft>
+            </a:pPr>
+            <a:r>
+              <a:rPr lang="en-US" dirty="0" smtClean="0"/>
+              <a:t>For instance, a particular occurrence of the height characteristic (tied to some entity)</a:t>
+            </a:r>
+          </a:p>
+          <a:p>
+            <a:pPr>
+              <a:spcAft>
+                <a:spcPts val="1200"/>
+              </a:spcAft>
               <a:buNone/>
             </a:pPr>
             <a:r>
-              <a:rPr lang="en-US" i="1" u="sng" dirty="0" smtClean="0"/>
-              <a:t>oboe-unit</a:t>
-            </a:r>
-            <a:r>
-              <a:rPr lang="en-US" dirty="0" smtClean="0"/>
-              <a:t>  …  common units &amp; characteristics</a:t>
-            </a:r>
-          </a:p>
-          <a:p>
-            <a:pPr lvl="2"/>
-            <a:r>
-              <a:rPr lang="en-US" dirty="0" smtClean="0"/>
-              <a:t>Physical characteristics (dimensions), conversions, etc.</a:t>
-            </a:r>
+              <a:rPr lang="en-US" dirty="0" smtClean="0"/>
+              <a:t>A measurements assigns a value to a characteristic</a:t>
+            </a:r>
+          </a:p>
+          <a:p>
+            <a:pPr lvl="1">
+              <a:spcAft>
+                <a:spcPts val="1200"/>
+              </a:spcAft>
+            </a:pPr>
+            <a:r>
+              <a:rPr lang="en-US" dirty="0" smtClean="0"/>
+              <a:t>The recorded value of the characteristic for the observed entity</a:t>
+            </a:r>
+            <a:endParaRPr lang="en-US" dirty="0"/>
           </a:p>
         </p:txBody>
       </p:sp>
@@ -7734,393 +8628,216 @@
   <p:clrMapOvr>
     <a:masterClrMapping/>
   </p:clrMapOvr>
-  <p:timing>
-    <p:tnLst>
-      <p:par>
-        <p:cTn id="1" dur="indefinite" restart="never" nodeType="tmRoot">
-          <p:childTnLst>
-            <p:seq concurrent="1" nextAc="seek">
-              <p:cTn id="2" dur="indefinite" nodeType="mainSeq">
-                <p:childTnLst>
-                  <p:par>
-                    <p:cTn id="3" fill="hold">
-                      <p:stCondLst>
-                        <p:cond delay="indefinite"/>
-                        <p:cond evt="onBegin" delay="0">
-                          <p:tn val="2"/>
-                        </p:cond>
-                      </p:stCondLst>
-                      <p:childTnLst>
-                        <p:par>
-                          <p:cTn id="4" fill="hold">
-                            <p:stCondLst>
-                              <p:cond delay="0"/>
-                            </p:stCondLst>
-                            <p:childTnLst>
-                              <p:par>
-                                <p:cTn id="5" presetID="1" presetClass="entr" presetSubtype="0" fill="hold" grpId="0" nodeType="withEffect">
-                                  <p:stCondLst>
-                                    <p:cond delay="0"/>
-                                  </p:stCondLst>
-                                  <p:childTnLst>
-                                    <p:set>
-                                      <p:cBhvr>
-                                        <p:cTn id="6" dur="1" fill="hold">
-                                          <p:stCondLst>
-                                            <p:cond delay="0"/>
-                                          </p:stCondLst>
-                                        </p:cTn>
-                                        <p:tgtEl>
-                                          <p:spTgt spid="3">
-                                            <p:txEl>
-                                              <p:pRg st="0" end="0"/>
-                                            </p:txEl>
-                                          </p:spTgt>
-                                        </p:tgtEl>
-                                        <p:attrNameLst>
-                                          <p:attrName>style.visibility</p:attrName>
-                                        </p:attrNameLst>
-                                      </p:cBhvr>
-                                      <p:to>
-                                        <p:strVal val="visible"/>
-                                      </p:to>
-                                    </p:set>
-                                  </p:childTnLst>
-                                </p:cTn>
-                              </p:par>
-                            </p:childTnLst>
-                          </p:cTn>
-                        </p:par>
-                      </p:childTnLst>
-                    </p:cTn>
-                  </p:par>
-                  <p:par>
-                    <p:cTn id="7" fill="hold">
-                      <p:stCondLst>
-                        <p:cond delay="indefinite"/>
-                      </p:stCondLst>
-                      <p:childTnLst>
-                        <p:par>
-                          <p:cTn id="8" fill="hold">
-                            <p:stCondLst>
-                              <p:cond delay="0"/>
-                            </p:stCondLst>
-                            <p:childTnLst>
-                              <p:par>
-                                <p:cTn id="9" presetID="1" presetClass="entr" presetSubtype="0" fill="hold" grpId="0" nodeType="clickEffect">
-                                  <p:stCondLst>
-                                    <p:cond delay="0"/>
-                                  </p:stCondLst>
-                                  <p:childTnLst>
-                                    <p:set>
-                                      <p:cBhvr>
-                                        <p:cTn id="10" dur="1" fill="hold">
-                                          <p:stCondLst>
-                                            <p:cond delay="0"/>
-                                          </p:stCondLst>
-                                        </p:cTn>
-                                        <p:tgtEl>
-                                          <p:spTgt spid="3">
-                                            <p:txEl>
-                                              <p:pRg st="1" end="1"/>
-                                            </p:txEl>
-                                          </p:spTgt>
-                                        </p:tgtEl>
-                                        <p:attrNameLst>
-                                          <p:attrName>style.visibility</p:attrName>
-                                        </p:attrNameLst>
-                                      </p:cBhvr>
-                                      <p:to>
-                                        <p:strVal val="visible"/>
-                                      </p:to>
-                                    </p:set>
-                                  </p:childTnLst>
-                                </p:cTn>
-                              </p:par>
-                              <p:par>
-                                <p:cTn id="11" presetID="1" presetClass="entr" presetSubtype="0" fill="hold" grpId="0" nodeType="withEffect">
-                                  <p:stCondLst>
-                                    <p:cond delay="0"/>
-                                  </p:stCondLst>
-                                  <p:childTnLst>
-                                    <p:set>
-                                      <p:cBhvr>
-                                        <p:cTn id="12" dur="1" fill="hold">
-                                          <p:stCondLst>
-                                            <p:cond delay="0"/>
-                                          </p:stCondLst>
-                                        </p:cTn>
-                                        <p:tgtEl>
-                                          <p:spTgt spid="3">
-                                            <p:txEl>
-                                              <p:pRg st="2" end="2"/>
-                                            </p:txEl>
-                                          </p:spTgt>
-                                        </p:tgtEl>
-                                        <p:attrNameLst>
-                                          <p:attrName>style.visibility</p:attrName>
-                                        </p:attrNameLst>
-                                      </p:cBhvr>
-                                      <p:to>
-                                        <p:strVal val="visible"/>
-                                      </p:to>
-                                    </p:set>
-                                  </p:childTnLst>
-                                </p:cTn>
-                              </p:par>
-                            </p:childTnLst>
-                          </p:cTn>
-                        </p:par>
-                      </p:childTnLst>
-                    </p:cTn>
-                  </p:par>
-                  <p:par>
-                    <p:cTn id="13" fill="hold">
-                      <p:stCondLst>
-                        <p:cond delay="indefinite"/>
-                      </p:stCondLst>
-                      <p:childTnLst>
-                        <p:par>
-                          <p:cTn id="14" fill="hold">
-                            <p:stCondLst>
-                              <p:cond delay="0"/>
-                            </p:stCondLst>
-                            <p:childTnLst>
-                              <p:par>
-                                <p:cTn id="15" presetID="1" presetClass="entr" presetSubtype="0" fill="hold" grpId="0" nodeType="clickEffect">
-                                  <p:stCondLst>
-                                    <p:cond delay="0"/>
-                                  </p:stCondLst>
-                                  <p:childTnLst>
-                                    <p:set>
-                                      <p:cBhvr>
-                                        <p:cTn id="16" dur="1" fill="hold">
-                                          <p:stCondLst>
-                                            <p:cond delay="0"/>
-                                          </p:stCondLst>
-                                        </p:cTn>
-                                        <p:tgtEl>
-                                          <p:spTgt spid="3">
-                                            <p:txEl>
-                                              <p:pRg st="3" end="3"/>
-                                            </p:txEl>
-                                          </p:spTgt>
-                                        </p:tgtEl>
-                                        <p:attrNameLst>
-                                          <p:attrName>style.visibility</p:attrName>
-                                        </p:attrNameLst>
-                                      </p:cBhvr>
-                                      <p:to>
-                                        <p:strVal val="visible"/>
-                                      </p:to>
-                                    </p:set>
-                                  </p:childTnLst>
-                                </p:cTn>
-                              </p:par>
-                              <p:par>
-                                <p:cTn id="17" presetID="1" presetClass="entr" presetSubtype="0" fill="hold" grpId="0" nodeType="withEffect">
-                                  <p:stCondLst>
-                                    <p:cond delay="0"/>
-                                  </p:stCondLst>
-                                  <p:childTnLst>
-                                    <p:set>
-                                      <p:cBhvr>
-                                        <p:cTn id="18" dur="1" fill="hold">
-                                          <p:stCondLst>
-                                            <p:cond delay="0"/>
-                                          </p:stCondLst>
-                                        </p:cTn>
-                                        <p:tgtEl>
-                                          <p:spTgt spid="3">
-                                            <p:txEl>
-                                              <p:pRg st="4" end="4"/>
-                                            </p:txEl>
-                                          </p:spTgt>
-                                        </p:tgtEl>
-                                        <p:attrNameLst>
-                                          <p:attrName>style.visibility</p:attrName>
-                                        </p:attrNameLst>
-                                      </p:cBhvr>
-                                      <p:to>
-                                        <p:strVal val="visible"/>
-                                      </p:to>
-                                    </p:set>
-                                  </p:childTnLst>
-                                </p:cTn>
-                              </p:par>
-                              <p:par>
-                                <p:cTn id="19" presetID="1" presetClass="entr" presetSubtype="0" fill="hold" grpId="0" nodeType="withEffect">
-                                  <p:stCondLst>
-                                    <p:cond delay="0"/>
-                                  </p:stCondLst>
-                                  <p:childTnLst>
-                                    <p:set>
-                                      <p:cBhvr>
-                                        <p:cTn id="20" dur="1" fill="hold">
-                                          <p:stCondLst>
-                                            <p:cond delay="0"/>
-                                          </p:stCondLst>
-                                        </p:cTn>
-                                        <p:tgtEl>
-                                          <p:spTgt spid="3">
-                                            <p:txEl>
-                                              <p:pRg st="5" end="5"/>
-                                            </p:txEl>
-                                          </p:spTgt>
-                                        </p:tgtEl>
-                                        <p:attrNameLst>
-                                          <p:attrName>style.visibility</p:attrName>
-                                        </p:attrNameLst>
-                                      </p:cBhvr>
-                                      <p:to>
-                                        <p:strVal val="visible"/>
-                                      </p:to>
-                                    </p:set>
-                                  </p:childTnLst>
-                                </p:cTn>
-                              </p:par>
-                              <p:par>
-                                <p:cTn id="21" presetID="1" presetClass="entr" presetSubtype="0" fill="hold" grpId="0" nodeType="withEffect">
-                                  <p:stCondLst>
-                                    <p:cond delay="0"/>
-                                  </p:stCondLst>
-                                  <p:childTnLst>
-                                    <p:set>
-                                      <p:cBhvr>
-                                        <p:cTn id="22" dur="1" fill="hold">
-                                          <p:stCondLst>
-                                            <p:cond delay="0"/>
-                                          </p:stCondLst>
-                                        </p:cTn>
-                                        <p:tgtEl>
-                                          <p:spTgt spid="3">
-                                            <p:txEl>
-                                              <p:pRg st="6" end="6"/>
-                                            </p:txEl>
-                                          </p:spTgt>
-                                        </p:tgtEl>
-                                        <p:attrNameLst>
-                                          <p:attrName>style.visibility</p:attrName>
-                                        </p:attrNameLst>
-                                      </p:cBhvr>
-                                      <p:to>
-                                        <p:strVal val="visible"/>
-                                      </p:to>
-                                    </p:set>
-                                  </p:childTnLst>
-                                </p:cTn>
-                              </p:par>
-                            </p:childTnLst>
-                          </p:cTn>
-                        </p:par>
-                      </p:childTnLst>
-                    </p:cTn>
-                  </p:par>
-                  <p:par>
-                    <p:cTn id="23" fill="hold">
-                      <p:stCondLst>
-                        <p:cond delay="indefinite"/>
-                      </p:stCondLst>
-                      <p:childTnLst>
-                        <p:par>
-                          <p:cTn id="24" fill="hold">
-                            <p:stCondLst>
-                              <p:cond delay="0"/>
-                            </p:stCondLst>
-                            <p:childTnLst>
-                              <p:par>
-                                <p:cTn id="25" presetID="1" presetClass="entr" presetSubtype="0" fill="hold" grpId="0" nodeType="clickEffect">
-                                  <p:stCondLst>
-                                    <p:cond delay="0"/>
-                                  </p:stCondLst>
-                                  <p:childTnLst>
-                                    <p:set>
-                                      <p:cBhvr>
-                                        <p:cTn id="26" dur="1" fill="hold">
-                                          <p:stCondLst>
-                                            <p:cond delay="0"/>
-                                          </p:stCondLst>
-                                        </p:cTn>
-                                        <p:tgtEl>
-                                          <p:spTgt spid="3">
-                                            <p:txEl>
-                                              <p:pRg st="7" end="7"/>
-                                            </p:txEl>
-                                          </p:spTgt>
-                                        </p:tgtEl>
-                                        <p:attrNameLst>
-                                          <p:attrName>style.visibility</p:attrName>
-                                        </p:attrNameLst>
-                                      </p:cBhvr>
-                                      <p:to>
-                                        <p:strVal val="visible"/>
-                                      </p:to>
-                                    </p:set>
-                                  </p:childTnLst>
-                                </p:cTn>
-                              </p:par>
-                              <p:par>
-                                <p:cTn id="27" presetID="1" presetClass="entr" presetSubtype="0" fill="hold" grpId="0" nodeType="withEffect">
-                                  <p:stCondLst>
-                                    <p:cond delay="0"/>
-                                  </p:stCondLst>
-                                  <p:childTnLst>
-                                    <p:set>
-                                      <p:cBhvr>
-                                        <p:cTn id="28" dur="1" fill="hold">
-                                          <p:stCondLst>
-                                            <p:cond delay="0"/>
-                                          </p:stCondLst>
-                                        </p:cTn>
-                                        <p:tgtEl>
-                                          <p:spTgt spid="3">
-                                            <p:txEl>
-                                              <p:pRg st="8" end="8"/>
-                                            </p:txEl>
-                                          </p:spTgt>
-                                        </p:tgtEl>
-                                        <p:attrNameLst>
-                                          <p:attrName>style.visibility</p:attrName>
-                                        </p:attrNameLst>
-                                      </p:cBhvr>
-                                      <p:to>
-                                        <p:strVal val="visible"/>
-                                      </p:to>
-                                    </p:set>
-                                  </p:childTnLst>
-                                </p:cTn>
-                              </p:par>
-                            </p:childTnLst>
-                          </p:cTn>
-                        </p:par>
-                      </p:childTnLst>
-                    </p:cTn>
-                  </p:par>
-                </p:childTnLst>
-              </p:cTn>
-              <p:prevCondLst>
-                <p:cond evt="onPrev" delay="0">
-                  <p:tgtEl>
-                    <p:sldTgt/>
-                  </p:tgtEl>
-                </p:cond>
-              </p:prevCondLst>
-              <p:nextCondLst>
-                <p:cond evt="onNext" delay="0">
-                  <p:tgtEl>
-                    <p:sldTgt/>
-                  </p:tgtEl>
-                </p:cond>
-              </p:nextCondLst>
-            </p:seq>
-          </p:childTnLst>
-        </p:cTn>
-      </p:par>
-    </p:tnLst>
-    <p:bldLst>
-      <p:bldP spid="3" grpId="0" build="p"/>
-    </p:bldLst>
-  </p:timing>
+</p:sld>
+</file>
+
+<file path=ppt/slides/slide8.xml><?xml version="1.0" encoding="utf-8"?>
+<p:sld xmlns:a="http://schemas.openxmlformats.org/drawingml/2006/main" xmlns:r="http://schemas.openxmlformats.org/officeDocument/2006/relationships" xmlns:mc="http://schemas.openxmlformats.org/markup-compatibility/2006" xmlns:mv="urn:schemas-microsoft-com:mac:vml" xmlns:p="http://schemas.openxmlformats.org/presentationml/2006/main" mc:Ignorable="mv" mc:PreserveAttributes="mv:*">
+  <p:cSld>
+    <p:spTree>
+      <p:nvGrpSpPr>
+        <p:cNvPr id="1" name=""/>
+        <p:cNvGrpSpPr/>
+        <p:nvPr/>
+      </p:nvGrpSpPr>
+      <p:grpSpPr>
+        <a:xfrm>
+          <a:off x="0" y="0"/>
+          <a:ext cx="0" cy="0"/>
+          <a:chOff x="0" y="0"/>
+          <a:chExt cx="0" cy="0"/>
+        </a:xfrm>
+      </p:grpSpPr>
+      <p:sp>
+        <p:nvSpPr>
+          <p:cNvPr id="2" name="Title 1"/>
+          <p:cNvSpPr>
+            <a:spLocks noGrp="1"/>
+          </p:cNvSpPr>
+          <p:nvPr>
+            <p:ph type="title"/>
+          </p:nvPr>
+        </p:nvSpPr>
+        <p:spPr/>
+        <p:txBody>
+          <a:bodyPr/>
+          <a:lstStyle/>
+          <a:p>
+            <a:r>
+              <a:rPr lang="en-US" dirty="0" smtClean="0"/>
+              <a:t>3. Entities and Characteristics</a:t>
+            </a:r>
+            <a:endParaRPr lang="en-US" dirty="0"/>
+          </a:p>
+        </p:txBody>
+      </p:sp>
+      <p:sp>
+        <p:nvSpPr>
+          <p:cNvPr id="3" name="Content Placeholder 2"/>
+          <p:cNvSpPr>
+            <a:spLocks noGrp="1"/>
+          </p:cNvSpPr>
+          <p:nvPr>
+            <p:ph idx="1"/>
+          </p:nvPr>
+        </p:nvSpPr>
+        <p:spPr/>
+        <p:txBody>
+          <a:bodyPr/>
+          <a:lstStyle/>
+          <a:p>
+            <a:pPr>
+              <a:spcAft>
+                <a:spcPts val="1200"/>
+              </a:spcAft>
+            </a:pPr>
+            <a:r>
+              <a:rPr lang="en-US" dirty="0" smtClean="0"/>
+              <a:t>Distinguishing between entities and characteristics</a:t>
+            </a:r>
+          </a:p>
+          <a:p>
+            <a:pPr lvl="1">
+              <a:spcAft>
+                <a:spcPts val="1200"/>
+              </a:spcAft>
+            </a:pPr>
+            <a:r>
+              <a:rPr lang="en-US" dirty="0" smtClean="0"/>
+              <a:t>Characteristics are dependent on entities … </a:t>
+            </a:r>
+          </a:p>
+          <a:p>
+            <a:pPr lvl="1">
+              <a:spcAft>
+                <a:spcPts val="1200"/>
+              </a:spcAft>
+            </a:pPr>
+            <a:r>
+              <a:rPr lang="en-US" dirty="0" smtClean="0"/>
+              <a:t>A characteristic must always be combined with an entity (the object possessing the characteristic) and a value</a:t>
+            </a:r>
+            <a:endParaRPr lang="en-US" dirty="0"/>
+          </a:p>
+        </p:txBody>
+      </p:sp>
+    </p:spTree>
+  </p:cSld>
+  <p:clrMapOvr>
+    <a:masterClrMapping/>
+  </p:clrMapOvr>
+</p:sld>
+</file>
+
+<file path=ppt/slides/slide9.xml><?xml version="1.0" encoding="utf-8"?>
+<p:sld xmlns:a="http://schemas.openxmlformats.org/drawingml/2006/main" xmlns:r="http://schemas.openxmlformats.org/officeDocument/2006/relationships" xmlns:mc="http://schemas.openxmlformats.org/markup-compatibility/2006" xmlns:mv="urn:schemas-microsoft-com:mac:vml" xmlns:p="http://schemas.openxmlformats.org/presentationml/2006/main" mc:Ignorable="mv" mc:PreserveAttributes="mv:*">
+  <p:cSld>
+    <p:spTree>
+      <p:nvGrpSpPr>
+        <p:cNvPr id="1" name=""/>
+        <p:cNvGrpSpPr/>
+        <p:nvPr/>
+      </p:nvGrpSpPr>
+      <p:grpSpPr>
+        <a:xfrm>
+          <a:off x="0" y="0"/>
+          <a:ext cx="0" cy="0"/>
+          <a:chOff x="0" y="0"/>
+          <a:chExt cx="0" cy="0"/>
+        </a:xfrm>
+      </p:grpSpPr>
+      <p:sp>
+        <p:nvSpPr>
+          <p:cNvPr id="2" name="Title 1"/>
+          <p:cNvSpPr>
+            <a:spLocks noGrp="1"/>
+          </p:cNvSpPr>
+          <p:nvPr>
+            <p:ph type="title"/>
+          </p:nvPr>
+        </p:nvSpPr>
+        <p:spPr/>
+        <p:txBody>
+          <a:bodyPr/>
+          <a:lstStyle/>
+          <a:p>
+            <a:r>
+              <a:rPr lang="en-US" dirty="0" smtClean="0"/>
+              <a:t>3. Entities and Characteristics</a:t>
+            </a:r>
+            <a:endParaRPr lang="en-US" dirty="0"/>
+          </a:p>
+        </p:txBody>
+      </p:sp>
+      <p:sp>
+        <p:nvSpPr>
+          <p:cNvPr id="3" name="Content Placeholder 2"/>
+          <p:cNvSpPr>
+            <a:spLocks noGrp="1"/>
+          </p:cNvSpPr>
+          <p:nvPr>
+            <p:ph idx="1"/>
+          </p:nvPr>
+        </p:nvSpPr>
+        <p:spPr/>
+        <p:txBody>
+          <a:bodyPr/>
+          <a:lstStyle/>
+          <a:p>
+            <a:r>
+              <a:rPr lang="en-US" dirty="0" smtClean="0"/>
+              <a:t>Special types of entities</a:t>
+            </a:r>
+          </a:p>
+          <a:p>
+            <a:pPr lvl="1"/>
+            <a:r>
+              <a:rPr lang="en-US" dirty="0" smtClean="0"/>
+              <a:t>Primitive values</a:t>
+            </a:r>
+          </a:p>
+          <a:p>
+            <a:r>
+              <a:rPr lang="en-US" dirty="0" smtClean="0"/>
+              <a:t>Special types of characteristics</a:t>
+            </a:r>
+          </a:p>
+          <a:p>
+            <a:pPr lvl="1"/>
+            <a:r>
+              <a:rPr lang="en-US" dirty="0" smtClean="0"/>
+              <a:t>Physical characteristic</a:t>
+            </a:r>
+          </a:p>
+          <a:p>
+            <a:pPr lvl="1"/>
+            <a:r>
+              <a:rPr lang="en-US" dirty="0" smtClean="0"/>
+              <a:t>Qualifier</a:t>
+            </a:r>
+          </a:p>
+          <a:p>
+            <a:pPr lvl="1"/>
+            <a:r>
+              <a:rPr lang="en-US" dirty="0" smtClean="0"/>
+              <a:t>Name</a:t>
+            </a:r>
+          </a:p>
+          <a:p>
+            <a:pPr lvl="1"/>
+            <a:r>
+              <a:rPr lang="en-US" dirty="0" smtClean="0"/>
+              <a:t>Type</a:t>
+            </a:r>
+            <a:endParaRPr lang="en-US" dirty="0"/>
+          </a:p>
+        </p:txBody>
+      </p:sp>
+    </p:spTree>
+  </p:cSld>
+  <p:clrMapOvr>
+    <a:masterClrMapping/>
+  </p:clrMapOvr>
 </p:sld>
 </file>
 

--- a/docs/oboe-design-patterns.pptx
+++ b/docs/oboe-design-patterns.pptx
@@ -8,15 +8,20 @@
     <p:sldId id="256" r:id="rId2"/>
     <p:sldId id="257" r:id="rId3"/>
     <p:sldId id="267" r:id="rId4"/>
-    <p:sldId id="274" r:id="rId5"/>
-    <p:sldId id="275" r:id="rId6"/>
-    <p:sldId id="276" r:id="rId7"/>
-    <p:sldId id="277" r:id="rId8"/>
-    <p:sldId id="278" r:id="rId9"/>
-    <p:sldId id="279" r:id="rId10"/>
-    <p:sldId id="280" r:id="rId11"/>
-    <p:sldId id="273" r:id="rId12"/>
-    <p:sldId id="260" r:id="rId13"/>
+    <p:sldId id="286" r:id="rId5"/>
+    <p:sldId id="274" r:id="rId6"/>
+    <p:sldId id="275" r:id="rId7"/>
+    <p:sldId id="276" r:id="rId8"/>
+    <p:sldId id="277" r:id="rId9"/>
+    <p:sldId id="278" r:id="rId10"/>
+    <p:sldId id="279" r:id="rId11"/>
+    <p:sldId id="281" r:id="rId12"/>
+    <p:sldId id="280" r:id="rId13"/>
+    <p:sldId id="282" r:id="rId14"/>
+    <p:sldId id="283" r:id="rId15"/>
+    <p:sldId id="284" r:id="rId16"/>
+    <p:sldId id="285" r:id="rId17"/>
+    <p:sldId id="287" r:id="rId18"/>
   </p:sldIdLst>
   <p:sldSz cx="9144000" cy="6858000" type="screen4x3"/>
   <p:notesSz cx="6858000" cy="9144000"/>
@@ -3409,11 +3414,7 @@
           <a:p>
             <a:r>
               <a:rPr lang="en-US" dirty="0" smtClean="0"/>
-              <a:t>4. Measurement standards </a:t>
-            </a:r>
-            <a:r>
-              <a:rPr lang="en-US" smtClean="0"/>
-              <a:t>and units</a:t>
+              <a:t>3. Entities and Characteristics</a:t>
             </a:r>
             <a:endParaRPr lang="en-US" dirty="0"/>
           </a:p>
@@ -3431,10 +3432,47 @@
         </p:nvSpPr>
         <p:spPr/>
         <p:txBody>
-          <a:bodyPr/>
-          <a:lstStyle/>
-          <a:p>
-            <a:endParaRPr lang="en-US"/>
+          <a:bodyPr>
+            <a:normAutofit/>
+          </a:bodyPr>
+          <a:lstStyle/>
+          <a:p>
+            <a:pPr>
+              <a:spcAft>
+                <a:spcPts val="1200"/>
+              </a:spcAft>
+              <a:buNone/>
+            </a:pPr>
+            <a:r>
+              <a:rPr lang="en-US" dirty="0" smtClean="0">
+                <a:solidFill>
+                  <a:srgbClr val="800000"/>
+                </a:solidFill>
+              </a:rPr>
+              <a:t>Special types of entities</a:t>
+            </a:r>
+          </a:p>
+          <a:p>
+            <a:pPr lvl="1">
+              <a:spcAft>
+                <a:spcPts val="1200"/>
+              </a:spcAft>
+            </a:pPr>
+            <a:r>
+              <a:rPr lang="en-US" dirty="0" smtClean="0"/>
+              <a:t>Primitive values are reserved for denoting basic values</a:t>
+            </a:r>
+          </a:p>
+          <a:p>
+            <a:pPr lvl="1">
+              <a:spcAft>
+                <a:spcPts val="1200"/>
+              </a:spcAft>
+            </a:pPr>
+            <a:r>
+              <a:rPr lang="en-US" dirty="0" smtClean="0"/>
+              <a:t>Currently strings, decimals (numeric values), and Booleans</a:t>
+            </a:r>
           </a:p>
         </p:txBody>
       </p:sp>
@@ -3480,7 +3518,7 @@
           <a:p>
             <a:r>
               <a:rPr lang="en-US" dirty="0" smtClean="0"/>
-              <a:t>…</a:t>
+              <a:t>3. Entities and Characteristics</a:t>
             </a:r>
             <a:endParaRPr lang="en-US" dirty="0"/>
           </a:p>
@@ -3488,1410 +3526,227 @@
       </p:sp>
       <p:sp>
         <p:nvSpPr>
-          <p:cNvPr id="4" name="Rectangle 3"/>
-          <p:cNvSpPr/>
-          <p:nvPr/>
-        </p:nvSpPr>
-        <p:spPr>
-          <a:xfrm>
-            <a:off x="551169" y="1188389"/>
-            <a:ext cx="2223931" cy="401697"/>
-          </a:xfrm>
-          <a:prstGeom prst="rect">
-            <a:avLst/>
-          </a:prstGeom>
-          <a:solidFill>
-            <a:schemeClr val="bg1"/>
-          </a:solidFill>
-          <a:ln>
-            <a:solidFill>
-              <a:schemeClr val="tx1"/>
-            </a:solidFill>
-          </a:ln>
-          <a:effectLst/>
-        </p:spPr>
-        <p:style>
-          <a:lnRef idx="1">
-            <a:schemeClr val="accent1"/>
-          </a:lnRef>
-          <a:fillRef idx="3">
-            <a:schemeClr val="accent1"/>
-          </a:fillRef>
-          <a:effectRef idx="2">
-            <a:schemeClr val="accent1"/>
-          </a:effectRef>
-          <a:fontRef idx="minor">
-            <a:schemeClr val="lt1"/>
-          </a:fontRef>
-        </p:style>
-        <p:txBody>
-          <a:bodyPr rtlCol="0" anchor="ctr"/>
-          <a:lstStyle/>
-          <a:p>
-            <a:pPr algn="ctr"/>
-            <a:r>
-              <a:rPr lang="en-US" sz="1600" b="1" dirty="0" err="1" smtClean="0">
+          <p:cNvPr id="3" name="Content Placeholder 2"/>
+          <p:cNvSpPr>
+            <a:spLocks noGrp="1"/>
+          </p:cNvSpPr>
+          <p:nvPr>
+            <p:ph idx="1"/>
+          </p:nvPr>
+        </p:nvSpPr>
+        <p:spPr/>
+        <p:txBody>
+          <a:bodyPr>
+            <a:normAutofit fontScale="92500" lnSpcReduction="10000"/>
+          </a:bodyPr>
+          <a:lstStyle/>
+          <a:p>
+            <a:pPr>
+              <a:spcAft>
+                <a:spcPts val="600"/>
+              </a:spcAft>
+              <a:buNone/>
+            </a:pPr>
+            <a:r>
+              <a:rPr lang="en-US" dirty="0" smtClean="0">
                 <a:solidFill>
-                  <a:schemeClr val="tx1"/>
+                  <a:srgbClr val="800000"/>
                 </a:solidFill>
               </a:rPr>
-              <a:t>MeasurementStandard</a:t>
-            </a:r>
-            <a:endParaRPr lang="en-US" sz="1600" b="1" dirty="0">
+              <a:t>Types of characteristics</a:t>
+            </a:r>
+            <a:endParaRPr lang="en-US" dirty="0" smtClean="0">
               <a:solidFill>
-                <a:schemeClr val="tx1"/>
+                <a:srgbClr val="800000"/>
               </a:solidFill>
             </a:endParaRPr>
           </a:p>
-        </p:txBody>
-      </p:sp>
-      <p:sp>
-        <p:nvSpPr>
-          <p:cNvPr id="5" name="Rectangle 4"/>
-          <p:cNvSpPr/>
-          <p:nvPr/>
-        </p:nvSpPr>
-        <p:spPr>
-          <a:xfrm>
-            <a:off x="551169" y="1996026"/>
-            <a:ext cx="2223931" cy="401697"/>
-          </a:xfrm>
-          <a:prstGeom prst="rect">
-            <a:avLst/>
-          </a:prstGeom>
-          <a:solidFill>
-            <a:schemeClr val="bg1"/>
-          </a:solidFill>
-          <a:ln>
-            <a:solidFill>
-              <a:schemeClr val="tx1"/>
-            </a:solidFill>
-          </a:ln>
-          <a:effectLst/>
-        </p:spPr>
-        <p:style>
-          <a:lnRef idx="1">
-            <a:schemeClr val="accent1"/>
-          </a:lnRef>
-          <a:fillRef idx="3">
-            <a:schemeClr val="accent1"/>
-          </a:fillRef>
-          <a:effectRef idx="2">
-            <a:schemeClr val="accent1"/>
-          </a:effectRef>
-          <a:fontRef idx="minor">
-            <a:schemeClr val="lt1"/>
-          </a:fontRef>
-        </p:style>
-        <p:txBody>
-          <a:bodyPr rtlCol="0" anchor="ctr"/>
-          <a:lstStyle/>
-          <a:p>
-            <a:pPr algn="ctr"/>
-            <a:r>
-              <a:rPr lang="en-US" sz="1600" b="1" dirty="0" smtClean="0">
-                <a:solidFill>
-                  <a:schemeClr val="tx1"/>
-                </a:solidFill>
-              </a:rPr>
-              <a:t>Unit</a:t>
-            </a:r>
-            <a:endParaRPr lang="en-US" sz="1600" b="1" dirty="0">
-              <a:solidFill>
-                <a:schemeClr val="tx1"/>
-              </a:solidFill>
-            </a:endParaRPr>
-          </a:p>
-        </p:txBody>
-      </p:sp>
-      <p:sp>
-        <p:nvSpPr>
-          <p:cNvPr id="6" name="Rectangle 5"/>
-          <p:cNvSpPr/>
-          <p:nvPr/>
-        </p:nvSpPr>
-        <p:spPr>
-          <a:xfrm>
-            <a:off x="1844551" y="2895499"/>
-            <a:ext cx="2223931" cy="401697"/>
-          </a:xfrm>
-          <a:prstGeom prst="rect">
-            <a:avLst/>
-          </a:prstGeom>
-          <a:solidFill>
-            <a:schemeClr val="bg1"/>
-          </a:solidFill>
-          <a:ln>
-            <a:solidFill>
-              <a:schemeClr val="tx1"/>
-            </a:solidFill>
-          </a:ln>
-          <a:effectLst/>
-        </p:spPr>
-        <p:style>
-          <a:lnRef idx="1">
-            <a:schemeClr val="accent1"/>
-          </a:lnRef>
-          <a:fillRef idx="3">
-            <a:schemeClr val="accent1"/>
-          </a:fillRef>
-          <a:effectRef idx="2">
-            <a:schemeClr val="accent1"/>
-          </a:effectRef>
-          <a:fontRef idx="minor">
-            <a:schemeClr val="lt1"/>
-          </a:fontRef>
-        </p:style>
-        <p:txBody>
-          <a:bodyPr rtlCol="0" anchor="ctr"/>
-          <a:lstStyle/>
-          <a:p>
-            <a:pPr algn="ctr"/>
-            <a:r>
-              <a:rPr lang="en-US" sz="1600" b="1" dirty="0" err="1" smtClean="0">
-                <a:solidFill>
-                  <a:schemeClr val="tx1"/>
-                </a:solidFill>
-              </a:rPr>
-              <a:t>BaseUnit</a:t>
-            </a:r>
-            <a:endParaRPr lang="en-US" sz="1600" b="1" dirty="0">
-              <a:solidFill>
-                <a:schemeClr val="tx1"/>
-              </a:solidFill>
-            </a:endParaRPr>
-          </a:p>
-        </p:txBody>
-      </p:sp>
-      <p:sp>
-        <p:nvSpPr>
-          <p:cNvPr id="7" name="Rectangle 6"/>
-          <p:cNvSpPr/>
-          <p:nvPr/>
-        </p:nvSpPr>
-        <p:spPr>
-          <a:xfrm>
-            <a:off x="1844551" y="4227431"/>
-            <a:ext cx="2223931" cy="401697"/>
-          </a:xfrm>
-          <a:prstGeom prst="rect">
-            <a:avLst/>
-          </a:prstGeom>
-          <a:solidFill>
-            <a:schemeClr val="bg1"/>
-          </a:solidFill>
-          <a:ln>
-            <a:solidFill>
-              <a:schemeClr val="tx1"/>
-            </a:solidFill>
-          </a:ln>
-          <a:effectLst/>
-        </p:spPr>
-        <p:style>
-          <a:lnRef idx="1">
-            <a:schemeClr val="accent1"/>
-          </a:lnRef>
-          <a:fillRef idx="3">
-            <a:schemeClr val="accent1"/>
-          </a:fillRef>
-          <a:effectRef idx="2">
-            <a:schemeClr val="accent1"/>
-          </a:effectRef>
-          <a:fontRef idx="minor">
-            <a:schemeClr val="lt1"/>
-          </a:fontRef>
-        </p:style>
-        <p:txBody>
-          <a:bodyPr rtlCol="0" anchor="ctr"/>
-          <a:lstStyle/>
-          <a:p>
-            <a:pPr algn="ctr"/>
-            <a:r>
-              <a:rPr lang="en-US" sz="1600" b="1" dirty="0" err="1" smtClean="0">
-                <a:solidFill>
-                  <a:schemeClr val="tx1"/>
-                </a:solidFill>
-              </a:rPr>
-              <a:t>DerivedUnit</a:t>
-            </a:r>
-            <a:endParaRPr lang="en-US" sz="1600" b="1" dirty="0">
-              <a:solidFill>
-                <a:schemeClr val="tx1"/>
-              </a:solidFill>
-            </a:endParaRPr>
-          </a:p>
-        </p:txBody>
-      </p:sp>
-      <p:sp>
-        <p:nvSpPr>
-          <p:cNvPr id="8" name="Rectangle 7"/>
-          <p:cNvSpPr/>
-          <p:nvPr/>
-        </p:nvSpPr>
-        <p:spPr>
-          <a:xfrm>
-            <a:off x="1833823" y="5533280"/>
-            <a:ext cx="2223931" cy="401697"/>
-          </a:xfrm>
-          <a:prstGeom prst="rect">
-            <a:avLst/>
-          </a:prstGeom>
-          <a:solidFill>
-            <a:schemeClr val="bg1"/>
-          </a:solidFill>
-          <a:ln>
-            <a:solidFill>
-              <a:schemeClr val="tx1"/>
-            </a:solidFill>
-          </a:ln>
-          <a:effectLst/>
-        </p:spPr>
-        <p:style>
-          <a:lnRef idx="1">
-            <a:schemeClr val="accent1"/>
-          </a:lnRef>
-          <a:fillRef idx="3">
-            <a:schemeClr val="accent1"/>
-          </a:fillRef>
-          <a:effectRef idx="2">
-            <a:schemeClr val="accent1"/>
-          </a:effectRef>
-          <a:fontRef idx="minor">
-            <a:schemeClr val="lt1"/>
-          </a:fontRef>
-        </p:style>
-        <p:txBody>
-          <a:bodyPr rtlCol="0" anchor="ctr"/>
-          <a:lstStyle/>
-          <a:p>
-            <a:pPr algn="ctr"/>
-            <a:r>
-              <a:rPr lang="en-US" sz="1600" b="1" dirty="0" err="1" smtClean="0">
-                <a:solidFill>
-                  <a:schemeClr val="tx1"/>
-                </a:solidFill>
-              </a:rPr>
-              <a:t>CompositeUnit</a:t>
-            </a:r>
-            <a:endParaRPr lang="en-US" sz="1600" b="1" dirty="0">
-              <a:solidFill>
-                <a:schemeClr val="tx1"/>
-              </a:solidFill>
-            </a:endParaRPr>
-          </a:p>
-        </p:txBody>
-      </p:sp>
-      <p:sp>
-        <p:nvSpPr>
-          <p:cNvPr id="10" name="Rectangle 9"/>
-          <p:cNvSpPr/>
-          <p:nvPr/>
-        </p:nvSpPr>
-        <p:spPr>
-          <a:xfrm>
-            <a:off x="1845475" y="4629128"/>
-            <a:ext cx="2223931" cy="334870"/>
-          </a:xfrm>
-          <a:prstGeom prst="rect">
-            <a:avLst/>
-          </a:prstGeom>
-          <a:solidFill>
-            <a:schemeClr val="bg1"/>
-          </a:solidFill>
-          <a:ln>
-            <a:solidFill>
-              <a:schemeClr val="tx1"/>
-            </a:solidFill>
-          </a:ln>
-          <a:effectLst/>
-        </p:spPr>
-        <p:style>
-          <a:lnRef idx="1">
-            <a:schemeClr val="accent1"/>
-          </a:lnRef>
-          <a:fillRef idx="3">
-            <a:schemeClr val="accent1"/>
-          </a:fillRef>
-          <a:effectRef idx="2">
-            <a:schemeClr val="accent1"/>
-          </a:effectRef>
-          <a:fontRef idx="minor">
-            <a:schemeClr val="lt1"/>
-          </a:fontRef>
-        </p:style>
-        <p:txBody>
-          <a:bodyPr rtlCol="0" anchor="ctr"/>
-          <a:lstStyle/>
-          <a:p>
-            <a:r>
-              <a:rPr lang="en-US" sz="1400" dirty="0" smtClean="0">
-                <a:solidFill>
-                  <a:schemeClr val="tx1"/>
-                </a:solidFill>
-              </a:rPr>
-              <a:t>+ </a:t>
-            </a:r>
-            <a:r>
-              <a:rPr lang="en-US" sz="1400" dirty="0" err="1" smtClean="0">
-                <a:solidFill>
-                  <a:schemeClr val="tx1"/>
-                </a:solidFill>
-              </a:rPr>
-              <a:t>hasPower</a:t>
-            </a:r>
-            <a:r>
-              <a:rPr lang="en-US" sz="1400" dirty="0" smtClean="0">
-                <a:solidFill>
-                  <a:schemeClr val="tx1"/>
-                </a:solidFill>
-              </a:rPr>
-              <a:t> = </a:t>
-            </a:r>
-            <a:r>
-              <a:rPr lang="en-US" sz="1400" dirty="0" err="1" smtClean="0">
-                <a:solidFill>
-                  <a:schemeClr val="tx1"/>
-                </a:solidFill>
-              </a:rPr>
-              <a:t>int</a:t>
-            </a:r>
-            <a:endParaRPr lang="en-US" sz="1400" dirty="0" smtClean="0">
-              <a:solidFill>
-                <a:schemeClr val="tx1"/>
-              </a:solidFill>
-            </a:endParaRPr>
-          </a:p>
-        </p:txBody>
-      </p:sp>
-      <p:sp>
-        <p:nvSpPr>
-          <p:cNvPr id="12" name="Isosceles Triangle 11"/>
-          <p:cNvSpPr/>
-          <p:nvPr/>
-        </p:nvSpPr>
-        <p:spPr>
-          <a:xfrm>
-            <a:off x="1529464" y="1590086"/>
-            <a:ext cx="267340" cy="192498"/>
-          </a:xfrm>
-          <a:prstGeom prst="triangle">
-            <a:avLst/>
-          </a:prstGeom>
-          <a:noFill/>
-          <a:ln>
-            <a:solidFill>
-              <a:srgbClr val="000000"/>
-            </a:solidFill>
-          </a:ln>
-          <a:effectLst/>
-        </p:spPr>
-        <p:style>
-          <a:lnRef idx="1">
-            <a:schemeClr val="accent1"/>
-          </a:lnRef>
-          <a:fillRef idx="3">
-            <a:schemeClr val="accent1"/>
-          </a:fillRef>
-          <a:effectRef idx="2">
-            <a:schemeClr val="accent1"/>
-          </a:effectRef>
-          <a:fontRef idx="minor">
-            <a:schemeClr val="lt1"/>
-          </a:fontRef>
-        </p:style>
-        <p:txBody>
-          <a:bodyPr rtlCol="0" anchor="ctr"/>
-          <a:lstStyle/>
-          <a:p>
-            <a:pPr algn="ctr"/>
-            <a:endParaRPr lang="en-US" sz="1600"/>
-          </a:p>
-        </p:txBody>
-      </p:sp>
-      <p:sp>
-        <p:nvSpPr>
-          <p:cNvPr id="13" name="Isosceles Triangle 12"/>
-          <p:cNvSpPr/>
-          <p:nvPr/>
-        </p:nvSpPr>
-        <p:spPr>
-          <a:xfrm>
-            <a:off x="1529464" y="2418244"/>
-            <a:ext cx="267340" cy="192498"/>
-          </a:xfrm>
-          <a:prstGeom prst="triangle">
-            <a:avLst/>
-          </a:prstGeom>
-          <a:noFill/>
-          <a:ln>
-            <a:solidFill>
-              <a:srgbClr val="000000"/>
-            </a:solidFill>
-          </a:ln>
-          <a:effectLst/>
-        </p:spPr>
-        <p:style>
-          <a:lnRef idx="1">
-            <a:schemeClr val="accent1"/>
-          </a:lnRef>
-          <a:fillRef idx="3">
-            <a:schemeClr val="accent1"/>
-          </a:fillRef>
-          <a:effectRef idx="2">
-            <a:schemeClr val="accent1"/>
-          </a:effectRef>
-          <a:fontRef idx="minor">
-            <a:schemeClr val="lt1"/>
-          </a:fontRef>
-        </p:style>
-        <p:txBody>
-          <a:bodyPr rtlCol="0" anchor="ctr"/>
-          <a:lstStyle/>
-          <a:p>
-            <a:pPr algn="ctr"/>
-            <a:endParaRPr lang="en-US" sz="1600"/>
-          </a:p>
-        </p:txBody>
-      </p:sp>
-      <p:cxnSp>
-        <p:nvCxnSpPr>
-          <p:cNvPr id="15" name="Elbow Connector 14"/>
-          <p:cNvCxnSpPr>
-            <a:stCxn id="12" idx="3"/>
-            <a:endCxn id="5" idx="0"/>
-          </p:cNvCxnSpPr>
-          <p:nvPr/>
-        </p:nvCxnSpPr>
-        <p:spPr>
-          <a:xfrm rot="16200000" flipH="1">
-            <a:off x="1556413" y="1889304"/>
-            <a:ext cx="213442" cy="1"/>
-          </a:xfrm>
-          <a:prstGeom prst="bentConnector3">
-            <a:avLst>
-              <a:gd name="adj1" fmla="val 50000"/>
-            </a:avLst>
-          </a:prstGeom>
-          <a:ln w="12700" cap="flat" cmpd="sng" algn="ctr">
-            <a:solidFill>
-              <a:srgbClr val="000000"/>
-            </a:solidFill>
-            <a:prstDash val="solid"/>
-            <a:round/>
-            <a:headEnd type="none" w="med" len="med"/>
-            <a:tailEnd type="none" w="med" len="med"/>
-          </a:ln>
-          <a:effectLst/>
-        </p:spPr>
-        <p:style>
-          <a:lnRef idx="2">
-            <a:schemeClr val="accent1"/>
-          </a:lnRef>
-          <a:fillRef idx="0">
-            <a:schemeClr val="accent1"/>
-          </a:fillRef>
-          <a:effectRef idx="1">
-            <a:schemeClr val="accent1"/>
-          </a:effectRef>
-          <a:fontRef idx="minor">
-            <a:schemeClr val="tx1"/>
-          </a:fontRef>
-        </p:style>
-      </p:cxnSp>
-      <p:cxnSp>
-        <p:nvCxnSpPr>
-          <p:cNvPr id="17" name="Elbow Connector 16"/>
-          <p:cNvCxnSpPr>
-            <a:stCxn id="6" idx="1"/>
-            <a:endCxn id="13" idx="3"/>
-          </p:cNvCxnSpPr>
-          <p:nvPr/>
-        </p:nvCxnSpPr>
-        <p:spPr>
-          <a:xfrm rot="10800000">
-            <a:off x="1663135" y="2610742"/>
-            <a:ext cx="181417" cy="485606"/>
-          </a:xfrm>
-          <a:prstGeom prst="bentConnector2">
-            <a:avLst/>
-          </a:prstGeom>
-          <a:ln w="12700" cap="flat" cmpd="sng" algn="ctr">
-            <a:solidFill>
-              <a:srgbClr val="000000"/>
-            </a:solidFill>
-            <a:prstDash val="solid"/>
-            <a:round/>
-            <a:headEnd type="none" w="med" len="med"/>
-            <a:tailEnd type="none" w="med" len="med"/>
-          </a:ln>
-          <a:effectLst/>
-        </p:spPr>
-        <p:style>
-          <a:lnRef idx="2">
-            <a:schemeClr val="accent1"/>
-          </a:lnRef>
-          <a:fillRef idx="0">
-            <a:schemeClr val="accent1"/>
-          </a:fillRef>
-          <a:effectRef idx="1">
-            <a:schemeClr val="accent1"/>
-          </a:effectRef>
-          <a:fontRef idx="minor">
-            <a:schemeClr val="tx1"/>
-          </a:fontRef>
-        </p:style>
-      </p:cxnSp>
-      <p:cxnSp>
-        <p:nvCxnSpPr>
-          <p:cNvPr id="21" name="Elbow Connector 16"/>
-          <p:cNvCxnSpPr>
-            <a:stCxn id="7" idx="1"/>
-            <a:endCxn id="13" idx="3"/>
-          </p:cNvCxnSpPr>
-          <p:nvPr/>
-        </p:nvCxnSpPr>
-        <p:spPr>
-          <a:xfrm rot="10800000">
-            <a:off x="1663135" y="2610742"/>
-            <a:ext cx="181417" cy="1817538"/>
-          </a:xfrm>
-          <a:prstGeom prst="bentConnector2">
-            <a:avLst/>
-          </a:prstGeom>
-          <a:ln w="12700" cap="flat" cmpd="sng" algn="ctr">
-            <a:solidFill>
-              <a:srgbClr val="000000"/>
-            </a:solidFill>
-            <a:prstDash val="solid"/>
-            <a:round/>
-            <a:headEnd type="none" w="med" len="med"/>
-            <a:tailEnd type="none" w="med" len="med"/>
-          </a:ln>
-          <a:effectLst/>
-        </p:spPr>
-        <p:style>
-          <a:lnRef idx="2">
-            <a:schemeClr val="accent1"/>
-          </a:lnRef>
-          <a:fillRef idx="0">
-            <a:schemeClr val="accent1"/>
-          </a:fillRef>
-          <a:effectRef idx="1">
-            <a:schemeClr val="accent1"/>
-          </a:effectRef>
-          <a:fontRef idx="minor">
-            <a:schemeClr val="tx1"/>
-          </a:fontRef>
-        </p:style>
-      </p:cxnSp>
-      <p:cxnSp>
-        <p:nvCxnSpPr>
-          <p:cNvPr id="24" name="Elbow Connector 16"/>
-          <p:cNvCxnSpPr>
-            <a:stCxn id="8" idx="1"/>
-            <a:endCxn id="13" idx="3"/>
-          </p:cNvCxnSpPr>
-          <p:nvPr/>
-        </p:nvCxnSpPr>
-        <p:spPr>
-          <a:xfrm rot="10800000">
-            <a:off x="1663135" y="2610743"/>
-            <a:ext cx="170689" cy="3123387"/>
-          </a:xfrm>
-          <a:prstGeom prst="bentConnector2">
-            <a:avLst/>
-          </a:prstGeom>
-          <a:ln w="12700" cap="flat" cmpd="sng" algn="ctr">
-            <a:solidFill>
-              <a:srgbClr val="000000"/>
-            </a:solidFill>
-            <a:prstDash val="solid"/>
-            <a:round/>
-            <a:headEnd type="none" w="med" len="med"/>
-            <a:tailEnd type="none" w="med" len="med"/>
-          </a:ln>
-          <a:effectLst/>
-        </p:spPr>
-        <p:style>
-          <a:lnRef idx="2">
-            <a:schemeClr val="accent1"/>
-          </a:lnRef>
-          <a:fillRef idx="0">
-            <a:schemeClr val="accent1"/>
-          </a:fillRef>
-          <a:effectRef idx="1">
-            <a:schemeClr val="accent1"/>
-          </a:effectRef>
-          <a:fontRef idx="minor">
-            <a:schemeClr val="tx1"/>
-          </a:fontRef>
-        </p:style>
-      </p:cxnSp>
-      <p:cxnSp>
-        <p:nvCxnSpPr>
-          <p:cNvPr id="27" name="Elbow Connector 16"/>
-          <p:cNvCxnSpPr>
-            <a:stCxn id="7" idx="0"/>
-            <a:endCxn id="6" idx="2"/>
-          </p:cNvCxnSpPr>
-          <p:nvPr/>
-        </p:nvCxnSpPr>
-        <p:spPr>
-          <a:xfrm rot="5400000" flipH="1" flipV="1">
-            <a:off x="2491400" y="3762314"/>
-            <a:ext cx="930235" cy="1588"/>
-          </a:xfrm>
-          <a:prstGeom prst="bentConnector3">
-            <a:avLst>
-              <a:gd name="adj1" fmla="val 50000"/>
-            </a:avLst>
-          </a:prstGeom>
-          <a:ln w="12700" cap="flat" cmpd="sng" algn="ctr">
-            <a:solidFill>
-              <a:srgbClr val="000000"/>
-            </a:solidFill>
-            <a:prstDash val="solid"/>
-            <a:round/>
-            <a:headEnd type="none" w="med" len="med"/>
-            <a:tailEnd type="arrow" w="lg" len="lg"/>
-          </a:ln>
-          <a:effectLst/>
-        </p:spPr>
-        <p:style>
-          <a:lnRef idx="2">
-            <a:schemeClr val="accent1"/>
-          </a:lnRef>
-          <a:fillRef idx="0">
-            <a:schemeClr val="accent1"/>
-          </a:fillRef>
-          <a:effectRef idx="1">
-            <a:schemeClr val="accent1"/>
-          </a:effectRef>
-          <a:fontRef idx="minor">
-            <a:schemeClr val="tx1"/>
-          </a:fontRef>
-        </p:style>
-      </p:cxnSp>
-      <p:sp>
-        <p:nvSpPr>
-          <p:cNvPr id="30" name="Rectangle 29"/>
-          <p:cNvSpPr/>
-          <p:nvPr/>
-        </p:nvSpPr>
-        <p:spPr>
-          <a:xfrm>
-            <a:off x="2959789" y="3454052"/>
-            <a:ext cx="1137601" cy="307777"/>
-          </a:xfrm>
-          <a:prstGeom prst="rect">
-            <a:avLst/>
-          </a:prstGeom>
-        </p:spPr>
-        <p:txBody>
-          <a:bodyPr wrap="square">
-            <a:spAutoFit/>
-          </a:bodyPr>
-          <a:lstStyle/>
-          <a:p>
-            <a:r>
-              <a:rPr lang="en-US" sz="1400" dirty="0" err="1" smtClean="0">
-                <a:solidFill>
-                  <a:schemeClr val="tx1"/>
-                </a:solidFill>
-              </a:rPr>
-              <a:t>hasUnit</a:t>
-            </a:r>
-            <a:endParaRPr lang="en-US" sz="1400" dirty="0"/>
-          </a:p>
-        </p:txBody>
-      </p:sp>
-      <p:sp>
-        <p:nvSpPr>
-          <p:cNvPr id="31" name="Rectangle 30"/>
-          <p:cNvSpPr/>
-          <p:nvPr/>
-        </p:nvSpPr>
-        <p:spPr>
-          <a:xfrm>
-            <a:off x="2505201" y="3337542"/>
-            <a:ext cx="594412" cy="307777"/>
-          </a:xfrm>
-          <a:prstGeom prst="rect">
-            <a:avLst/>
-          </a:prstGeom>
-        </p:spPr>
-        <p:txBody>
-          <a:bodyPr wrap="square">
-            <a:spAutoFit/>
-          </a:bodyPr>
-          <a:lstStyle/>
-          <a:p>
-            <a:r>
-              <a:rPr lang="en-US" sz="1400" dirty="0" smtClean="0">
-                <a:solidFill>
-                  <a:schemeClr val="tx1"/>
-                </a:solidFill>
-              </a:rPr>
-              <a:t>1..1</a:t>
-            </a:r>
-            <a:endParaRPr lang="en-US" sz="1400" dirty="0"/>
-          </a:p>
-        </p:txBody>
-      </p:sp>
-      <p:sp>
-        <p:nvSpPr>
-          <p:cNvPr id="32" name="Rectangle 31"/>
-          <p:cNvSpPr/>
-          <p:nvPr/>
-        </p:nvSpPr>
-        <p:spPr>
-          <a:xfrm>
-            <a:off x="2755255" y="4002586"/>
-            <a:ext cx="241862" cy="523220"/>
-          </a:xfrm>
-          <a:prstGeom prst="rect">
-            <a:avLst/>
-          </a:prstGeom>
-        </p:spPr>
-        <p:txBody>
-          <a:bodyPr wrap="square">
-            <a:spAutoFit/>
-          </a:bodyPr>
-          <a:lstStyle/>
-          <a:p>
-            <a:r>
-              <a:rPr lang="en-US" sz="1400" dirty="0" smtClean="0">
-                <a:solidFill>
-                  <a:schemeClr val="tx1"/>
-                </a:solidFill>
-              </a:rPr>
-              <a:t>*</a:t>
-            </a:r>
-            <a:endParaRPr lang="en-US" sz="1400" dirty="0"/>
-          </a:p>
-        </p:txBody>
-      </p:sp>
-      <p:cxnSp>
-        <p:nvCxnSpPr>
-          <p:cNvPr id="33" name="Elbow Connector 16"/>
-          <p:cNvCxnSpPr>
-            <a:stCxn id="8" idx="3"/>
-            <a:endCxn id="35" idx="4"/>
-          </p:cNvCxnSpPr>
-          <p:nvPr/>
-        </p:nvCxnSpPr>
-        <p:spPr>
-          <a:xfrm flipV="1">
-            <a:off x="4057754" y="4967682"/>
-            <a:ext cx="836097" cy="766447"/>
-          </a:xfrm>
-          <a:prstGeom prst="bentConnector2">
-            <a:avLst/>
-          </a:prstGeom>
-          <a:ln w="12700" cap="flat" cmpd="sng" algn="ctr">
-            <a:solidFill>
-              <a:srgbClr val="000000"/>
-            </a:solidFill>
-            <a:prstDash val="solid"/>
-            <a:round/>
-            <a:headEnd type="none" w="med" len="med"/>
-            <a:tailEnd type="none" w="lg" len="lg"/>
-          </a:ln>
-          <a:effectLst/>
-        </p:spPr>
-        <p:style>
-          <a:lnRef idx="2">
-            <a:schemeClr val="accent1"/>
-          </a:lnRef>
-          <a:fillRef idx="0">
-            <a:schemeClr val="accent1"/>
-          </a:fillRef>
-          <a:effectRef idx="1">
-            <a:schemeClr val="accent1"/>
-          </a:effectRef>
-          <a:fontRef idx="minor">
-            <a:schemeClr val="tx1"/>
-          </a:fontRef>
-        </p:style>
-      </p:cxnSp>
-      <p:sp>
-        <p:nvSpPr>
-          <p:cNvPr id="35" name="Oval 34"/>
-          <p:cNvSpPr/>
-          <p:nvPr/>
-        </p:nvSpPr>
-        <p:spPr>
-          <a:xfrm>
-            <a:off x="4731682" y="4629128"/>
-            <a:ext cx="324338" cy="338554"/>
-          </a:xfrm>
-          <a:prstGeom prst="ellipse">
-            <a:avLst/>
-          </a:prstGeom>
-          <a:solidFill>
-            <a:srgbClr val="FFFFFF"/>
-          </a:solidFill>
-          <a:ln>
-            <a:solidFill>
-              <a:srgbClr val="000000"/>
-            </a:solidFill>
-          </a:ln>
-          <a:effectLst/>
-        </p:spPr>
-        <p:style>
-          <a:lnRef idx="1">
-            <a:schemeClr val="accent1"/>
-          </a:lnRef>
-          <a:fillRef idx="3">
-            <a:schemeClr val="accent1"/>
-          </a:fillRef>
-          <a:effectRef idx="2">
-            <a:schemeClr val="accent1"/>
-          </a:effectRef>
-          <a:fontRef idx="minor">
-            <a:schemeClr val="lt1"/>
-          </a:fontRef>
-        </p:style>
-        <p:txBody>
-          <a:bodyPr lIns="0" rIns="0" rtlCol="0" anchor="ctr"/>
-          <a:lstStyle/>
-          <a:p>
-            <a:pPr algn="ctr"/>
-            <a:r>
-              <a:rPr lang="en-US" sz="1400" dirty="0" smtClean="0">
-                <a:solidFill>
-                  <a:srgbClr val="000000"/>
-                </a:solidFill>
-              </a:rPr>
-              <a:t>U</a:t>
-            </a:r>
-            <a:endParaRPr lang="en-US" sz="1400" dirty="0">
-              <a:solidFill>
-                <a:srgbClr val="000000"/>
-              </a:solidFill>
-            </a:endParaRPr>
-          </a:p>
-        </p:txBody>
-      </p:sp>
-      <p:cxnSp>
-        <p:nvCxnSpPr>
-          <p:cNvPr id="37" name="Elbow Connector 16"/>
-          <p:cNvCxnSpPr>
-            <a:stCxn id="35" idx="2"/>
-            <a:endCxn id="10" idx="3"/>
-          </p:cNvCxnSpPr>
-          <p:nvPr/>
-        </p:nvCxnSpPr>
-        <p:spPr>
-          <a:xfrm rot="10800000">
-            <a:off x="4069406" y="4796563"/>
-            <a:ext cx="662276" cy="1842"/>
-          </a:xfrm>
-          <a:prstGeom prst="bentConnector3">
-            <a:avLst>
-              <a:gd name="adj1" fmla="val 50000"/>
-            </a:avLst>
-          </a:prstGeom>
-          <a:ln w="12700" cap="flat" cmpd="sng" algn="ctr">
-            <a:solidFill>
-              <a:srgbClr val="000000"/>
-            </a:solidFill>
-            <a:prstDash val="solid"/>
-            <a:round/>
-            <a:headEnd type="none" w="med" len="med"/>
-            <a:tailEnd type="arrow" w="lg" len="lg"/>
-          </a:ln>
-          <a:effectLst/>
-        </p:spPr>
-        <p:style>
-          <a:lnRef idx="2">
-            <a:schemeClr val="accent1"/>
-          </a:lnRef>
-          <a:fillRef idx="0">
-            <a:schemeClr val="accent1"/>
-          </a:fillRef>
-          <a:effectRef idx="1">
-            <a:schemeClr val="accent1"/>
-          </a:effectRef>
-          <a:fontRef idx="minor">
-            <a:schemeClr val="tx1"/>
-          </a:fontRef>
-        </p:style>
-      </p:cxnSp>
-      <p:cxnSp>
-        <p:nvCxnSpPr>
-          <p:cNvPr id="40" name="Elbow Connector 16"/>
-          <p:cNvCxnSpPr>
-            <a:stCxn id="35" idx="0"/>
-            <a:endCxn id="6" idx="3"/>
-          </p:cNvCxnSpPr>
-          <p:nvPr/>
-        </p:nvCxnSpPr>
-        <p:spPr>
-          <a:xfrm rot="16200000" flipV="1">
-            <a:off x="3714777" y="3450053"/>
-            <a:ext cx="1532780" cy="825369"/>
-          </a:xfrm>
-          <a:prstGeom prst="bentConnector2">
-            <a:avLst/>
-          </a:prstGeom>
-          <a:ln w="12700" cap="flat" cmpd="sng" algn="ctr">
-            <a:solidFill>
-              <a:srgbClr val="000000"/>
-            </a:solidFill>
-            <a:prstDash val="solid"/>
-            <a:round/>
-            <a:headEnd type="none" w="med" len="med"/>
-            <a:tailEnd type="arrow" w="lg" len="lg"/>
-          </a:ln>
-          <a:effectLst/>
-        </p:spPr>
-        <p:style>
-          <a:lnRef idx="2">
-            <a:schemeClr val="accent1"/>
-          </a:lnRef>
-          <a:fillRef idx="0">
-            <a:schemeClr val="accent1"/>
-          </a:fillRef>
-          <a:effectRef idx="1">
-            <a:schemeClr val="accent1"/>
-          </a:effectRef>
-          <a:fontRef idx="minor">
-            <a:schemeClr val="tx1"/>
-          </a:fontRef>
-        </p:style>
-      </p:cxnSp>
-      <p:sp>
-        <p:nvSpPr>
-          <p:cNvPr id="43" name="Rectangle 42"/>
-          <p:cNvSpPr/>
-          <p:nvPr/>
-        </p:nvSpPr>
-        <p:spPr>
-          <a:xfrm>
-            <a:off x="4135512" y="5101518"/>
-            <a:ext cx="969381" cy="307777"/>
-          </a:xfrm>
-          <a:prstGeom prst="rect">
-            <a:avLst/>
-          </a:prstGeom>
-        </p:spPr>
-        <p:txBody>
-          <a:bodyPr wrap="square">
-            <a:spAutoFit/>
-          </a:bodyPr>
-          <a:lstStyle/>
-          <a:p>
-            <a:r>
-              <a:rPr lang="en-US" sz="1400" dirty="0" err="1" smtClean="0">
-                <a:solidFill>
-                  <a:schemeClr val="tx1"/>
-                </a:solidFill>
-              </a:rPr>
-              <a:t>hasUnit</a:t>
-            </a:r>
-            <a:endParaRPr lang="en-US" sz="1400" dirty="0"/>
-          </a:p>
-        </p:txBody>
-      </p:sp>
-      <p:sp>
-        <p:nvSpPr>
-          <p:cNvPr id="44" name="Rectangle 43"/>
-          <p:cNvSpPr/>
-          <p:nvPr/>
-        </p:nvSpPr>
-        <p:spPr>
-          <a:xfrm>
-            <a:off x="4860499" y="4894092"/>
-            <a:ext cx="569383" cy="307777"/>
-          </a:xfrm>
-          <a:prstGeom prst="rect">
-            <a:avLst/>
-          </a:prstGeom>
-        </p:spPr>
-        <p:txBody>
-          <a:bodyPr wrap="square">
-            <a:spAutoFit/>
-          </a:bodyPr>
-          <a:lstStyle/>
-          <a:p>
-            <a:r>
-              <a:rPr lang="en-US" sz="1400" dirty="0" smtClean="0">
-                <a:solidFill>
-                  <a:schemeClr val="tx1"/>
-                </a:solidFill>
-              </a:rPr>
-              <a:t>2..*</a:t>
-            </a:r>
-            <a:endParaRPr lang="en-US" sz="1400" dirty="0"/>
-          </a:p>
-        </p:txBody>
-      </p:sp>
-      <p:sp>
-        <p:nvSpPr>
-          <p:cNvPr id="45" name="Rectangle 44"/>
-          <p:cNvSpPr/>
-          <p:nvPr/>
-        </p:nvSpPr>
-        <p:spPr>
-          <a:xfrm>
-            <a:off x="4037899" y="5704569"/>
-            <a:ext cx="466892" cy="307777"/>
-          </a:xfrm>
-          <a:prstGeom prst="rect">
-            <a:avLst/>
-          </a:prstGeom>
-        </p:spPr>
-        <p:txBody>
-          <a:bodyPr wrap="square">
-            <a:spAutoFit/>
-          </a:bodyPr>
-          <a:lstStyle/>
-          <a:p>
-            <a:r>
-              <a:rPr lang="en-US" sz="1400" dirty="0" smtClean="0">
-                <a:solidFill>
-                  <a:schemeClr val="tx1"/>
-                </a:solidFill>
-              </a:rPr>
-              <a:t>*</a:t>
-            </a:r>
-            <a:endParaRPr lang="en-US" sz="1400" dirty="0"/>
-          </a:p>
-        </p:txBody>
-      </p:sp>
-      <p:sp>
-        <p:nvSpPr>
-          <p:cNvPr id="46" name="Rectangle 45"/>
-          <p:cNvSpPr/>
-          <p:nvPr/>
-        </p:nvSpPr>
-        <p:spPr>
-          <a:xfrm>
-            <a:off x="5777069" y="1173956"/>
-            <a:ext cx="2223931" cy="401697"/>
-          </a:xfrm>
-          <a:prstGeom prst="rect">
-            <a:avLst/>
-          </a:prstGeom>
-          <a:solidFill>
-            <a:schemeClr val="bg1"/>
-          </a:solidFill>
-          <a:ln>
-            <a:solidFill>
-              <a:schemeClr val="tx1"/>
-            </a:solidFill>
-          </a:ln>
-          <a:effectLst/>
-        </p:spPr>
-        <p:style>
-          <a:lnRef idx="1">
-            <a:schemeClr val="accent1"/>
-          </a:lnRef>
-          <a:fillRef idx="3">
-            <a:schemeClr val="accent1"/>
-          </a:fillRef>
-          <a:effectRef idx="2">
-            <a:schemeClr val="accent1"/>
-          </a:effectRef>
-          <a:fontRef idx="minor">
-            <a:schemeClr val="lt1"/>
-          </a:fontRef>
-        </p:style>
-        <p:txBody>
-          <a:bodyPr rtlCol="0" anchor="ctr"/>
-          <a:lstStyle/>
-          <a:p>
-            <a:pPr algn="ctr"/>
-            <a:r>
-              <a:rPr lang="en-US" sz="1600" b="1" dirty="0" smtClean="0">
-                <a:solidFill>
-                  <a:schemeClr val="tx1"/>
-                </a:solidFill>
-              </a:rPr>
-              <a:t>Characteristic</a:t>
-            </a:r>
-            <a:endParaRPr lang="en-US" sz="1600" b="1" dirty="0">
-              <a:solidFill>
-                <a:schemeClr val="tx1"/>
-              </a:solidFill>
-            </a:endParaRPr>
-          </a:p>
-        </p:txBody>
-      </p:sp>
-      <p:sp>
-        <p:nvSpPr>
-          <p:cNvPr id="47" name="Rectangle 46"/>
-          <p:cNvSpPr/>
-          <p:nvPr/>
-        </p:nvSpPr>
-        <p:spPr>
-          <a:xfrm>
-            <a:off x="5777069" y="1993244"/>
-            <a:ext cx="2223931" cy="401697"/>
-          </a:xfrm>
-          <a:prstGeom prst="rect">
-            <a:avLst/>
-          </a:prstGeom>
-          <a:solidFill>
-            <a:schemeClr val="bg1"/>
-          </a:solidFill>
-          <a:ln>
-            <a:solidFill>
-              <a:schemeClr val="tx1"/>
-            </a:solidFill>
-          </a:ln>
-          <a:effectLst/>
-        </p:spPr>
-        <p:style>
-          <a:lnRef idx="1">
-            <a:schemeClr val="accent1"/>
-          </a:lnRef>
-          <a:fillRef idx="3">
-            <a:schemeClr val="accent1"/>
-          </a:fillRef>
-          <a:effectRef idx="2">
-            <a:schemeClr val="accent1"/>
-          </a:effectRef>
-          <a:fontRef idx="minor">
-            <a:schemeClr val="lt1"/>
-          </a:fontRef>
-        </p:style>
-        <p:txBody>
-          <a:bodyPr rtlCol="0" anchor="ctr"/>
-          <a:lstStyle/>
-          <a:p>
-            <a:pPr algn="ctr"/>
-            <a:r>
-              <a:rPr lang="en-US" sz="1600" b="1" dirty="0" err="1" smtClean="0">
-                <a:solidFill>
-                  <a:schemeClr val="tx1"/>
-                </a:solidFill>
-              </a:rPr>
+          <a:p>
+            <a:pPr>
+              <a:spcAft>
+                <a:spcPts val="600"/>
+              </a:spcAft>
+              <a:buNone/>
+            </a:pPr>
+            <a:r>
+              <a:rPr lang="en-US" dirty="0" smtClean="0">
+                <a:latin typeface="Courier"/>
+                <a:cs typeface="Courier"/>
+              </a:rPr>
+              <a:t>  </a:t>
+            </a:r>
+            <a:r>
+              <a:rPr lang="en-US" i="1" u="sng" dirty="0" err="1" smtClean="0"/>
               <a:t>PhysicalCharacteristic</a:t>
             </a:r>
-            <a:endParaRPr lang="en-US" sz="1600" b="1" dirty="0">
-              <a:solidFill>
-                <a:schemeClr val="tx1"/>
-              </a:solidFill>
-            </a:endParaRPr>
-          </a:p>
-        </p:txBody>
-      </p:sp>
-      <p:sp>
-        <p:nvSpPr>
-          <p:cNvPr id="53" name="Isosceles Triangle 52"/>
-          <p:cNvSpPr/>
-          <p:nvPr/>
-        </p:nvSpPr>
-        <p:spPr>
-          <a:xfrm>
-            <a:off x="6755364" y="1575653"/>
-            <a:ext cx="267340" cy="192498"/>
-          </a:xfrm>
-          <a:prstGeom prst="triangle">
-            <a:avLst/>
-          </a:prstGeom>
-          <a:noFill/>
-          <a:ln>
-            <a:solidFill>
-              <a:srgbClr val="000000"/>
-            </a:solidFill>
-          </a:ln>
-          <a:effectLst/>
-        </p:spPr>
-        <p:style>
-          <a:lnRef idx="1">
-            <a:schemeClr val="accent1"/>
-          </a:lnRef>
-          <a:fillRef idx="3">
-            <a:schemeClr val="accent1"/>
-          </a:fillRef>
-          <a:effectRef idx="2">
-            <a:schemeClr val="accent1"/>
-          </a:effectRef>
-          <a:fontRef idx="minor">
-            <a:schemeClr val="lt1"/>
-          </a:fontRef>
-        </p:style>
-        <p:txBody>
-          <a:bodyPr rtlCol="0" anchor="ctr"/>
-          <a:lstStyle/>
-          <a:p>
-            <a:pPr algn="ctr"/>
-            <a:endParaRPr lang="en-US" sz="1600"/>
-          </a:p>
-        </p:txBody>
-      </p:sp>
-      <p:cxnSp>
-        <p:nvCxnSpPr>
-          <p:cNvPr id="55" name="Elbow Connector 54"/>
-          <p:cNvCxnSpPr>
-            <a:stCxn id="53" idx="3"/>
-            <a:endCxn id="47" idx="0"/>
-          </p:cNvCxnSpPr>
-          <p:nvPr/>
-        </p:nvCxnSpPr>
-        <p:spPr>
-          <a:xfrm rot="16200000" flipH="1">
-            <a:off x="6776488" y="1880696"/>
-            <a:ext cx="225093" cy="1"/>
-          </a:xfrm>
-          <a:prstGeom prst="bentConnector3">
-            <a:avLst>
-              <a:gd name="adj1" fmla="val 50000"/>
-            </a:avLst>
-          </a:prstGeom>
-          <a:ln w="12700" cap="flat" cmpd="sng" algn="ctr">
-            <a:solidFill>
-              <a:srgbClr val="000000"/>
-            </a:solidFill>
-            <a:prstDash val="solid"/>
-            <a:round/>
-            <a:headEnd type="none" w="med" len="med"/>
-            <a:tailEnd type="none" w="med" len="med"/>
-          </a:ln>
-          <a:effectLst/>
-        </p:spPr>
-        <p:style>
-          <a:lnRef idx="2">
-            <a:schemeClr val="accent1"/>
-          </a:lnRef>
-          <a:fillRef idx="0">
-            <a:schemeClr val="accent1"/>
-          </a:fillRef>
-          <a:effectRef idx="1">
-            <a:schemeClr val="accent1"/>
-          </a:effectRef>
-          <a:fontRef idx="minor">
-            <a:schemeClr val="tx1"/>
-          </a:fontRef>
-        </p:style>
-      </p:cxnSp>
-      <p:cxnSp>
-        <p:nvCxnSpPr>
-          <p:cNvPr id="70" name="Straight Arrow Connector 69"/>
-          <p:cNvCxnSpPr>
-            <a:stCxn id="5" idx="3"/>
-            <a:endCxn id="47" idx="1"/>
-          </p:cNvCxnSpPr>
-          <p:nvPr/>
-        </p:nvCxnSpPr>
-        <p:spPr>
-          <a:xfrm flipV="1">
-            <a:off x="2775100" y="2194093"/>
-            <a:ext cx="3001969" cy="2782"/>
-          </a:xfrm>
-          <a:prstGeom prst="straightConnector1">
-            <a:avLst/>
-          </a:prstGeom>
-          <a:ln w="31750" cap="flat" cmpd="sng" algn="ctr">
-            <a:solidFill>
-              <a:srgbClr val="FF6600"/>
-            </a:solidFill>
-            <a:prstDash val="solid"/>
-            <a:round/>
-            <a:headEnd type="none" w="med" len="med"/>
-            <a:tailEnd type="arrow" w="lg" len="lg"/>
-          </a:ln>
-        </p:spPr>
-        <p:style>
-          <a:lnRef idx="2">
-            <a:schemeClr val="accent1"/>
-          </a:lnRef>
-          <a:fillRef idx="0">
-            <a:schemeClr val="accent1"/>
-          </a:fillRef>
-          <a:effectRef idx="1">
-            <a:schemeClr val="accent1"/>
-          </a:effectRef>
-          <a:fontRef idx="minor">
-            <a:schemeClr val="tx1"/>
-          </a:fontRef>
-        </p:style>
-      </p:cxnSp>
-      <p:sp>
-        <p:nvSpPr>
-          <p:cNvPr id="71" name="Rectangle 70"/>
-          <p:cNvSpPr/>
-          <p:nvPr/>
-        </p:nvSpPr>
-        <p:spPr>
-          <a:xfrm>
-            <a:off x="2819400" y="1795046"/>
-            <a:ext cx="2813591" cy="338554"/>
-          </a:xfrm>
-          <a:prstGeom prst="rect">
-            <a:avLst/>
-          </a:prstGeom>
-        </p:spPr>
-        <p:txBody>
-          <a:bodyPr wrap="none" anchor="b">
-            <a:spAutoFit/>
-          </a:bodyPr>
-          <a:lstStyle/>
-          <a:p>
-            <a:r>
-              <a:rPr lang="en-US" sz="1600" dirty="0" err="1" smtClean="0"/>
-              <a:t>standardFor</a:t>
-            </a:r>
-            <a:r>
-              <a:rPr lang="en-US" sz="1600" dirty="0" smtClean="0"/>
-              <a:t> </a:t>
-            </a:r>
-            <a:r>
-              <a:rPr lang="en-US" sz="1600" b="1" dirty="0" err="1" smtClean="0">
-                <a:solidFill>
-                  <a:srgbClr val="0000FF"/>
-                </a:solidFill>
-              </a:rPr>
-              <a:t>o</a:t>
-            </a:r>
-            <a:r>
-              <a:rPr lang="en-US" sz="1600" dirty="0" smtClean="0"/>
-              <a:t> </a:t>
-            </a:r>
-            <a:r>
-              <a:rPr lang="en-US" sz="1600" dirty="0" err="1" smtClean="0"/>
-              <a:t>hasCharacteristic</a:t>
-            </a:r>
-            <a:endParaRPr lang="en-US" sz="1600" dirty="0"/>
-          </a:p>
-        </p:txBody>
-      </p:sp>
-      <p:sp>
-        <p:nvSpPr>
-          <p:cNvPr id="76" name="Rectangle 75"/>
-          <p:cNvSpPr/>
-          <p:nvPr/>
-        </p:nvSpPr>
-        <p:spPr>
-          <a:xfrm>
-            <a:off x="6245949" y="2604224"/>
-            <a:ext cx="2423223" cy="2062103"/>
-          </a:xfrm>
-          <a:prstGeom prst="rect">
-            <a:avLst/>
-          </a:prstGeom>
-        </p:spPr>
-        <p:txBody>
-          <a:bodyPr wrap="square">
-            <a:spAutoFit/>
-          </a:bodyPr>
-          <a:lstStyle/>
-          <a:p>
-            <a:r>
-              <a:rPr lang="en-US" sz="1600" i="1" dirty="0" smtClean="0"/>
-              <a:t>Characteristics can be used over a variety of units and standards … no restriction on structuring</a:t>
-            </a:r>
-          </a:p>
-          <a:p>
-            <a:endParaRPr lang="en-US" sz="1600" i="1" dirty="0" smtClean="0"/>
-          </a:p>
-          <a:p>
-            <a:r>
-              <a:rPr lang="en-US" sz="1600" i="1" dirty="0" smtClean="0"/>
-              <a:t>Enables many “surrogates” for a characteristic (like density …)</a:t>
+            <a:endParaRPr lang="en-US" i="1" u="sng" dirty="0" smtClean="0"/>
+          </a:p>
+          <a:p>
+            <a:pPr lvl="1">
+              <a:spcAft>
+                <a:spcPts val="600"/>
+              </a:spcAft>
+            </a:pPr>
+            <a:r>
+              <a:rPr lang="en-US" dirty="0" smtClean="0"/>
+              <a:t>Any characteristic that is “physically” manifested </a:t>
+            </a:r>
+            <a:endParaRPr lang="en-US" dirty="0" smtClean="0"/>
+          </a:p>
+          <a:p>
+            <a:pPr>
+              <a:spcAft>
+                <a:spcPts val="600"/>
+              </a:spcAft>
+              <a:buNone/>
+            </a:pPr>
+            <a:r>
+              <a:rPr lang="en-US" dirty="0" smtClean="0">
+                <a:latin typeface="Courier"/>
+                <a:cs typeface="Courier"/>
+              </a:rPr>
+              <a:t>  </a:t>
+            </a:r>
+            <a:r>
+              <a:rPr lang="en-US" i="1" u="sng" dirty="0" smtClean="0"/>
+              <a:t>Qualifier</a:t>
+            </a:r>
+            <a:endParaRPr lang="en-US" i="1" u="sng" dirty="0" smtClean="0"/>
+          </a:p>
+          <a:p>
+            <a:pPr lvl="1">
+              <a:spcAft>
+                <a:spcPts val="600"/>
+              </a:spcAft>
+            </a:pPr>
+            <a:r>
+              <a:rPr lang="en-US" dirty="0" smtClean="0"/>
+              <a:t>A term used to modify the meaning of a physical characteristic, without changing its measurement standard</a:t>
+            </a:r>
+          </a:p>
+          <a:p>
+            <a:pPr lvl="1">
+              <a:spcAft>
+                <a:spcPts val="600"/>
+              </a:spcAft>
+            </a:pPr>
+            <a:r>
+              <a:rPr lang="en-US" dirty="0" smtClean="0"/>
+              <a:t>Examples include aggregates such as average, minimum, etc.</a:t>
+            </a:r>
+            <a:endParaRPr lang="en-US" dirty="0" smtClean="0"/>
+          </a:p>
+          <a:p>
+            <a:pPr>
+              <a:spcAft>
+                <a:spcPts val="600"/>
+              </a:spcAft>
+              <a:buNone/>
+            </a:pPr>
+            <a:r>
+              <a:rPr lang="en-US" dirty="0" smtClean="0">
+                <a:latin typeface="Courier"/>
+                <a:cs typeface="Courier"/>
+              </a:rPr>
+              <a:t>  </a:t>
+            </a:r>
+            <a:r>
+              <a:rPr lang="en-US" i="1" u="sng" dirty="0" smtClean="0"/>
+              <a:t>Name</a:t>
+            </a:r>
+            <a:endParaRPr lang="en-US" i="1" u="sng" dirty="0" smtClean="0"/>
+          </a:p>
+          <a:p>
+            <a:pPr lvl="1">
+              <a:spcAft>
+                <a:spcPts val="600"/>
+              </a:spcAft>
+            </a:pPr>
+            <a:r>
+              <a:rPr lang="en-US" dirty="0" smtClean="0"/>
+              <a:t>The globally or locally unique name assigned to the entity</a:t>
+            </a:r>
+          </a:p>
+          <a:p>
+            <a:pPr lvl="1">
+              <a:spcAft>
+                <a:spcPts val="600"/>
+              </a:spcAft>
+            </a:pPr>
+            <a:r>
+              <a:rPr lang="en-US" dirty="0" smtClean="0"/>
+              <a:t>For example,</a:t>
+            </a:r>
+            <a:r>
+              <a:rPr lang="en-US" dirty="0" smtClean="0"/>
+              <a:t> Plot </a:t>
+            </a:r>
+            <a:r>
+              <a:rPr lang="en-US" dirty="0" smtClean="0">
+                <a:latin typeface="Courier"/>
+                <a:cs typeface="Courier"/>
+              </a:rPr>
+              <a:t>“A”</a:t>
+            </a:r>
+            <a:r>
+              <a:rPr lang="en-US" dirty="0" smtClean="0"/>
+              <a:t>,</a:t>
+            </a:r>
+            <a:r>
+              <a:rPr lang="en-US" dirty="0" smtClean="0"/>
+              <a:t> Tree </a:t>
+            </a:r>
+            <a:r>
+              <a:rPr lang="en-US" dirty="0" smtClean="0"/>
+              <a:t>id </a:t>
+            </a:r>
+            <a:r>
+              <a:rPr lang="en-US" dirty="0" smtClean="0">
+                <a:latin typeface="Courier"/>
+                <a:cs typeface="Courier"/>
+              </a:rPr>
+              <a:t>“555”</a:t>
+            </a:r>
+            <a:r>
+              <a:rPr lang="en-US" dirty="0" smtClean="0"/>
+              <a:t>, Site </a:t>
+            </a:r>
+            <a:r>
+              <a:rPr lang="en-US" dirty="0" smtClean="0">
+                <a:latin typeface="Courier"/>
+                <a:cs typeface="Courier"/>
+              </a:rPr>
+              <a:t>“1”</a:t>
+            </a:r>
+          </a:p>
+          <a:p>
+            <a:pPr>
+              <a:spcAft>
+                <a:spcPts val="600"/>
+              </a:spcAft>
+              <a:buNone/>
+            </a:pPr>
+            <a:r>
+              <a:rPr lang="en-US" dirty="0" smtClean="0">
+                <a:latin typeface="Courier"/>
+                <a:cs typeface="Courier"/>
+              </a:rPr>
+              <a:t>  </a:t>
+            </a:r>
+            <a:r>
+              <a:rPr lang="en-US" i="1" u="sng" dirty="0" smtClean="0"/>
+              <a:t>Type</a:t>
+            </a:r>
+          </a:p>
+          <a:p>
+            <a:pPr lvl="1">
+              <a:spcAft>
+                <a:spcPts val="600"/>
+              </a:spcAft>
+            </a:pPr>
+            <a:r>
+              <a:rPr lang="en-US" dirty="0" smtClean="0"/>
+              <a:t>A characteristic asserting the entity class the entity is a member of</a:t>
             </a:r>
           </a:p>
         </p:txBody>
@@ -4901,13 +3756,6 @@
   <p:clrMapOvr>
     <a:masterClrMapping/>
   </p:clrMapOvr>
-  <p:timing>
-    <p:tnLst>
-      <p:par>
-        <p:cTn id="1" dur="indefinite" restart="never" nodeType="tmRoot"/>
-      </p:par>
-    </p:tnLst>
-  </p:timing>
 </p:sld>
 </file>
 
@@ -4945,7 +3793,7 @@
           <a:p>
             <a:r>
               <a:rPr lang="en-US" dirty="0" smtClean="0"/>
-              <a:t>…</a:t>
+              <a:t>4. Measurement standards and units</a:t>
             </a:r>
             <a:endParaRPr lang="en-US" dirty="0"/>
           </a:p>
@@ -4961,149 +3809,3009 @@
             <p:ph idx="1"/>
           </p:nvPr>
         </p:nvSpPr>
-        <p:spPr>
-          <a:xfrm>
-            <a:off x="241905" y="895048"/>
-            <a:ext cx="8672285" cy="5454352"/>
-          </a:xfrm>
-        </p:spPr>
+        <p:spPr/>
         <p:txBody>
           <a:bodyPr>
             <a:normAutofit/>
           </a:bodyPr>
           <a:lstStyle/>
           <a:p>
-            <a:r>
-              <a:rPr lang="en-US" dirty="0" smtClean="0"/>
-              <a:t>Modularization</a:t>
-            </a:r>
-          </a:p>
-          <a:p>
-            <a:pPr lvl="1">
+            <a:pPr>
+              <a:spcAft>
+                <a:spcPts val="1200"/>
+              </a:spcAft>
               <a:buNone/>
             </a:pPr>
             <a:r>
-              <a:rPr lang="en-US" i="1" u="sng" dirty="0" smtClean="0"/>
-              <a:t>oboe-core</a:t>
-            </a:r>
+              <a:rPr lang="en-US" dirty="0" smtClean="0">
+                <a:solidFill>
+                  <a:srgbClr val="800000"/>
+                </a:solidFill>
+              </a:rPr>
+              <a:t>Measurement standards</a:t>
+            </a:r>
+          </a:p>
+          <a:p>
+            <a:pPr lvl="1">
+              <a:spcAft>
+                <a:spcPts val="1200"/>
+              </a:spcAft>
+            </a:pPr>
             <a:r>
               <a:rPr lang="en-US" dirty="0" smtClean="0"/>
-              <a:t>  …  the basic structures</a:t>
-            </a:r>
-          </a:p>
-          <a:p>
-            <a:pPr lvl="2">
+              <a:t>Represent nominal, ordinal, interval, and ratio scales</a:t>
+            </a:r>
+          </a:p>
+          <a:p>
+            <a:pPr lvl="1">
+              <a:spcAft>
+                <a:spcPts val="1200"/>
+              </a:spcAft>
+            </a:pPr>
+            <a:r>
+              <a:rPr lang="en-US" dirty="0" smtClean="0"/>
+              <a:t>Units are a special type of standard (ratio scales)</a:t>
+            </a:r>
+          </a:p>
+          <a:p>
+            <a:pPr lvl="1">
+              <a:spcAft>
+                <a:spcPts val="1200"/>
+              </a:spcAft>
+            </a:pPr>
+            <a:r>
+              <a:rPr lang="en-US" dirty="0" smtClean="0"/>
+              <a:t>Indexes are another special type of standard (e.g., pH)</a:t>
+            </a:r>
+          </a:p>
+        </p:txBody>
+      </p:sp>
+    </p:spTree>
+  </p:cSld>
+  <p:clrMapOvr>
+    <a:masterClrMapping/>
+  </p:clrMapOvr>
+</p:sld>
+</file>
+
+<file path=ppt/slides/slide13.xml><?xml version="1.0" encoding="utf-8"?>
+<p:sld xmlns:a="http://schemas.openxmlformats.org/drawingml/2006/main" xmlns:r="http://schemas.openxmlformats.org/officeDocument/2006/relationships" xmlns:mc="http://schemas.openxmlformats.org/markup-compatibility/2006" xmlns:mv="urn:schemas-microsoft-com:mac:vml" xmlns:p="http://schemas.openxmlformats.org/presentationml/2006/main" mc:Ignorable="mv" mc:PreserveAttributes="mv:*">
+  <p:cSld>
+    <p:spTree>
+      <p:nvGrpSpPr>
+        <p:cNvPr id="1" name=""/>
+        <p:cNvGrpSpPr/>
+        <p:nvPr/>
+      </p:nvGrpSpPr>
+      <p:grpSpPr>
+        <a:xfrm>
+          <a:off x="0" y="0"/>
+          <a:ext cx="0" cy="0"/>
+          <a:chOff x="0" y="0"/>
+          <a:chExt cx="0" cy="0"/>
+        </a:xfrm>
+      </p:grpSpPr>
+      <p:sp>
+        <p:nvSpPr>
+          <p:cNvPr id="2" name="Title 1"/>
+          <p:cNvSpPr>
+            <a:spLocks noGrp="1"/>
+          </p:cNvSpPr>
+          <p:nvPr>
+            <p:ph type="title"/>
+          </p:nvPr>
+        </p:nvSpPr>
+        <p:spPr/>
+        <p:txBody>
+          <a:bodyPr/>
+          <a:lstStyle/>
+          <a:p>
+            <a:r>
+              <a:rPr lang="en-US" dirty="0" smtClean="0"/>
+              <a:t>4. Measurement standards and units</a:t>
+            </a:r>
+            <a:endParaRPr lang="en-US" dirty="0"/>
+          </a:p>
+        </p:txBody>
+      </p:sp>
+      <p:sp>
+        <p:nvSpPr>
+          <p:cNvPr id="3" name="Content Placeholder 2"/>
+          <p:cNvSpPr>
+            <a:spLocks noGrp="1"/>
+          </p:cNvSpPr>
+          <p:nvPr>
+            <p:ph idx="1"/>
+          </p:nvPr>
+        </p:nvSpPr>
+        <p:spPr/>
+        <p:txBody>
+          <a:bodyPr>
+            <a:normAutofit/>
+          </a:bodyPr>
+          <a:lstStyle/>
+          <a:p>
+            <a:pPr>
+              <a:spcAft>
+                <a:spcPts val="1200"/>
+              </a:spcAft>
+              <a:buNone/>
+            </a:pPr>
+            <a:r>
+              <a:rPr lang="en-US" dirty="0" smtClean="0">
+                <a:solidFill>
+                  <a:srgbClr val="800000"/>
+                </a:solidFill>
+              </a:rPr>
+              <a:t>Units are divided into three </a:t>
+            </a:r>
+            <a:r>
+              <a:rPr lang="en-US" dirty="0" smtClean="0">
+                <a:solidFill>
+                  <a:srgbClr val="800000"/>
+                </a:solidFill>
+              </a:rPr>
+              <a:t>subclasses</a:t>
+            </a:r>
+          </a:p>
+          <a:p>
+            <a:pPr>
+              <a:spcAft>
+                <a:spcPts val="600"/>
+              </a:spcAft>
+              <a:buNone/>
+            </a:pPr>
+            <a:r>
+              <a:rPr lang="en-US" i="1" u="sng" dirty="0" err="1" smtClean="0"/>
+              <a:t>BaseUnit</a:t>
+            </a:r>
+            <a:endParaRPr lang="en-US" i="1" u="sng" dirty="0" smtClean="0"/>
+          </a:p>
+          <a:p>
+            <a:pPr lvl="1">
               <a:spcAft>
                 <a:spcPts val="600"/>
               </a:spcAft>
             </a:pPr>
             <a:r>
               <a:rPr lang="en-US" dirty="0" smtClean="0"/>
-              <a:t>Entity, Observation, Characteristic, Protocol, Standard, Measurement</a:t>
-            </a:r>
+              <a:t>Fundamental units, that is, not </a:t>
+            </a:r>
+            <a:r>
+              <a:rPr lang="en-US" dirty="0" smtClean="0"/>
+              <a:t>composed of other units </a:t>
+            </a:r>
+            <a:r>
+              <a:rPr lang="en-US" dirty="0" smtClean="0"/>
+              <a:t>(through </a:t>
+            </a:r>
+            <a:r>
+              <a:rPr lang="en-US" dirty="0" smtClean="0"/>
+              <a:t>products of powers of other units)</a:t>
+            </a:r>
+            <a:endParaRPr lang="en-US" dirty="0" smtClean="0"/>
           </a:p>
           <a:p>
             <a:pPr lvl="1">
+              <a:spcAft>
+                <a:spcPts val="1800"/>
+              </a:spcAft>
+            </a:pPr>
+            <a:r>
+              <a:rPr lang="en-US" dirty="0" smtClean="0"/>
+              <a:t>The 7 SI </a:t>
+            </a:r>
+            <a:r>
+              <a:rPr lang="en-US" dirty="0" smtClean="0"/>
+              <a:t>fundamental units are examples of base </a:t>
+            </a:r>
+            <a:r>
+              <a:rPr lang="en-US" dirty="0" smtClean="0"/>
+              <a:t>units</a:t>
+            </a:r>
+          </a:p>
+          <a:p>
+            <a:pPr>
+              <a:spcAft>
+                <a:spcPts val="600"/>
+              </a:spcAft>
               <a:buNone/>
             </a:pPr>
             <a:r>
-              <a:rPr lang="en-US" i="1" u="sng" dirty="0" smtClean="0"/>
-              <a:t>oboe</a:t>
-            </a:r>
+              <a:rPr lang="en-US" i="1" u="sng" dirty="0" err="1" smtClean="0"/>
+              <a:t>DerivedUnit</a:t>
+            </a:r>
+            <a:endParaRPr lang="en-US" i="1" u="sng" dirty="0" smtClean="0"/>
+          </a:p>
+          <a:p>
+            <a:pPr lvl="1">
+              <a:spcAft>
+                <a:spcPts val="1800"/>
+              </a:spcAft>
+            </a:pPr>
             <a:r>
               <a:rPr lang="en-US" dirty="0" smtClean="0"/>
-              <a:t>  …  the next level of detail </a:t>
-            </a:r>
-          </a:p>
-          <a:p>
-            <a:pPr lvl="2"/>
+              <a:t>A </a:t>
+            </a:r>
             <a:r>
               <a:rPr lang="en-US" dirty="0" smtClean="0"/>
-              <a:t>Entity (Primitive) Values</a:t>
-            </a:r>
-          </a:p>
-          <a:p>
-            <a:pPr lvl="2"/>
+              <a:t>base unit raised to a </a:t>
+            </a:r>
             <a:r>
               <a:rPr lang="en-US" dirty="0" smtClean="0"/>
-              <a:t>Characteristics: </a:t>
-            </a:r>
-            <a:r>
-              <a:rPr lang="en-US" dirty="0" err="1" smtClean="0"/>
-              <a:t>PhysicalCharacteristic</a:t>
-            </a:r>
+              <a:t>power</a:t>
+            </a:r>
+          </a:p>
+          <a:p>
+            <a:pPr>
+              <a:spcAft>
+                <a:spcPts val="600"/>
+              </a:spcAft>
+              <a:buNone/>
+            </a:pPr>
+            <a:r>
+              <a:rPr lang="en-US" i="1" u="sng" dirty="0" err="1" smtClean="0"/>
+              <a:t>CompositeUnit</a:t>
+            </a:r>
+            <a:endParaRPr lang="en-US" i="1" u="sng" dirty="0" smtClean="0"/>
+          </a:p>
+          <a:p>
+            <a:pPr lvl="1">
+              <a:spcAft>
+                <a:spcPts val="600"/>
+              </a:spcAft>
+            </a:pPr>
             <a:r>
               <a:rPr lang="en-US" dirty="0" smtClean="0"/>
-              <a:t>, </a:t>
-            </a:r>
-            <a:r>
-              <a:rPr lang="en-US" dirty="0" err="1" smtClean="0"/>
-              <a:t>QualifiedCharacteristic</a:t>
+              <a:t>The </a:t>
             </a:r>
             <a:r>
               <a:rPr lang="en-US" dirty="0" smtClean="0"/>
-              <a:t>, Name, Type</a:t>
-            </a:r>
-          </a:p>
-          <a:p>
-            <a:pPr lvl="2">
+              <a:t>product of 2 or more base or derived units</a:t>
+            </a:r>
+          </a:p>
+        </p:txBody>
+      </p:sp>
+    </p:spTree>
+  </p:cSld>
+  <p:clrMapOvr>
+    <a:masterClrMapping/>
+  </p:clrMapOvr>
+</p:sld>
+</file>
+
+<file path=ppt/slides/slide14.xml><?xml version="1.0" encoding="utf-8"?>
+<p:sld xmlns:a="http://schemas.openxmlformats.org/drawingml/2006/main" xmlns:r="http://schemas.openxmlformats.org/officeDocument/2006/relationships" xmlns:mc="http://schemas.openxmlformats.org/markup-compatibility/2006" xmlns:mv="urn:schemas-microsoft-com:mac:vml" xmlns:p="http://schemas.openxmlformats.org/presentationml/2006/main" mc:Ignorable="mv" mc:PreserveAttributes="mv:*">
+  <p:cSld>
+    <p:spTree>
+      <p:nvGrpSpPr>
+        <p:cNvPr id="1" name=""/>
+        <p:cNvGrpSpPr/>
+        <p:nvPr/>
+      </p:nvGrpSpPr>
+      <p:grpSpPr>
+        <a:xfrm>
+          <a:off x="0" y="0"/>
+          <a:ext cx="0" cy="0"/>
+          <a:chOff x="0" y="0"/>
+          <a:chExt cx="0" cy="0"/>
+        </a:xfrm>
+      </p:grpSpPr>
+      <p:sp>
+        <p:nvSpPr>
+          <p:cNvPr id="2" name="Title 1"/>
+          <p:cNvSpPr>
+            <a:spLocks noGrp="1"/>
+          </p:cNvSpPr>
+          <p:nvPr>
+            <p:ph type="title"/>
+          </p:nvPr>
+        </p:nvSpPr>
+        <p:spPr/>
+        <p:txBody>
+          <a:bodyPr/>
+          <a:lstStyle/>
+          <a:p>
+            <a:r>
+              <a:rPr lang="en-US" dirty="0" smtClean="0"/>
+              <a:t>4. Measurement standards and units</a:t>
+            </a:r>
+            <a:endParaRPr lang="en-US" dirty="0"/>
+          </a:p>
+        </p:txBody>
+      </p:sp>
+      <p:sp>
+        <p:nvSpPr>
+          <p:cNvPr id="3" name="Content Placeholder 2"/>
+          <p:cNvSpPr>
+            <a:spLocks noGrp="1"/>
+          </p:cNvSpPr>
+          <p:nvPr>
+            <p:ph idx="1"/>
+          </p:nvPr>
+        </p:nvSpPr>
+        <p:spPr/>
+        <p:txBody>
+          <a:bodyPr>
+            <a:normAutofit/>
+          </a:bodyPr>
+          <a:lstStyle/>
+          <a:p>
+            <a:pPr>
+              <a:spcAft>
+                <a:spcPts val="1200"/>
+              </a:spcAft>
+              <a:buNone/>
+            </a:pPr>
+            <a:r>
+              <a:rPr lang="en-US" dirty="0" smtClean="0">
+                <a:solidFill>
+                  <a:srgbClr val="800000"/>
+                </a:solidFill>
+              </a:rPr>
+              <a:t>Units are divided into three </a:t>
+            </a:r>
+            <a:r>
+              <a:rPr lang="en-US" dirty="0" smtClean="0">
+                <a:solidFill>
+                  <a:srgbClr val="800000"/>
+                </a:solidFill>
+              </a:rPr>
+              <a:t>subclasses</a:t>
+            </a:r>
+          </a:p>
+        </p:txBody>
+      </p:sp>
+      <p:sp>
+        <p:nvSpPr>
+          <p:cNvPr id="4" name="Rectangle 3"/>
+          <p:cNvSpPr/>
+          <p:nvPr/>
+        </p:nvSpPr>
+        <p:spPr>
+          <a:xfrm>
+            <a:off x="1389876" y="1730734"/>
+            <a:ext cx="2223931" cy="401697"/>
+          </a:xfrm>
+          <a:prstGeom prst="rect">
+            <a:avLst/>
+          </a:prstGeom>
+          <a:solidFill>
+            <a:schemeClr val="bg1"/>
+          </a:solidFill>
+          <a:ln>
+            <a:solidFill>
+              <a:schemeClr val="tx1"/>
+            </a:solidFill>
+          </a:ln>
+          <a:effectLst/>
+        </p:spPr>
+        <p:style>
+          <a:lnRef idx="1">
+            <a:schemeClr val="accent1"/>
+          </a:lnRef>
+          <a:fillRef idx="3">
+            <a:schemeClr val="accent1"/>
+          </a:fillRef>
+          <a:effectRef idx="2">
+            <a:schemeClr val="accent1"/>
+          </a:effectRef>
+          <a:fontRef idx="minor">
+            <a:schemeClr val="lt1"/>
+          </a:fontRef>
+        </p:style>
+        <p:txBody>
+          <a:bodyPr rtlCol="0" anchor="ctr"/>
+          <a:lstStyle/>
+          <a:p>
+            <a:pPr algn="ctr"/>
+            <a:r>
+              <a:rPr lang="en-US" sz="1600" b="1" dirty="0" err="1" smtClean="0">
+                <a:solidFill>
+                  <a:schemeClr val="tx1"/>
+                </a:solidFill>
+              </a:rPr>
+              <a:t>MeasurementStandard</a:t>
+            </a:r>
+            <a:endParaRPr lang="en-US" sz="1600" b="1" dirty="0">
+              <a:solidFill>
+                <a:schemeClr val="tx1"/>
+              </a:solidFill>
+            </a:endParaRPr>
+          </a:p>
+        </p:txBody>
+      </p:sp>
+      <p:sp>
+        <p:nvSpPr>
+          <p:cNvPr id="5" name="Rectangle 4"/>
+          <p:cNvSpPr/>
+          <p:nvPr/>
+        </p:nvSpPr>
+        <p:spPr>
+          <a:xfrm>
+            <a:off x="1389876" y="2538371"/>
+            <a:ext cx="2223931" cy="401697"/>
+          </a:xfrm>
+          <a:prstGeom prst="rect">
+            <a:avLst/>
+          </a:prstGeom>
+          <a:solidFill>
+            <a:schemeClr val="bg1"/>
+          </a:solidFill>
+          <a:ln>
+            <a:solidFill>
+              <a:schemeClr val="tx1"/>
+            </a:solidFill>
+          </a:ln>
+          <a:effectLst/>
+        </p:spPr>
+        <p:style>
+          <a:lnRef idx="1">
+            <a:schemeClr val="accent1"/>
+          </a:lnRef>
+          <a:fillRef idx="3">
+            <a:schemeClr val="accent1"/>
+          </a:fillRef>
+          <a:effectRef idx="2">
+            <a:schemeClr val="accent1"/>
+          </a:effectRef>
+          <a:fontRef idx="minor">
+            <a:schemeClr val="lt1"/>
+          </a:fontRef>
+        </p:style>
+        <p:txBody>
+          <a:bodyPr rtlCol="0" anchor="ctr"/>
+          <a:lstStyle/>
+          <a:p>
+            <a:pPr algn="ctr"/>
+            <a:r>
+              <a:rPr lang="en-US" sz="1600" b="1" dirty="0" smtClean="0">
+                <a:solidFill>
+                  <a:schemeClr val="tx1"/>
+                </a:solidFill>
+              </a:rPr>
+              <a:t>Unit</a:t>
+            </a:r>
+            <a:endParaRPr lang="en-US" sz="1600" b="1" dirty="0">
+              <a:solidFill>
+                <a:schemeClr val="tx1"/>
+              </a:solidFill>
+            </a:endParaRPr>
+          </a:p>
+        </p:txBody>
+      </p:sp>
+      <p:sp>
+        <p:nvSpPr>
+          <p:cNvPr id="6" name="Rectangle 5"/>
+          <p:cNvSpPr/>
+          <p:nvPr/>
+        </p:nvSpPr>
+        <p:spPr>
+          <a:xfrm>
+            <a:off x="2759458" y="3437844"/>
+            <a:ext cx="2223931" cy="401697"/>
+          </a:xfrm>
+          <a:prstGeom prst="rect">
+            <a:avLst/>
+          </a:prstGeom>
+          <a:solidFill>
+            <a:schemeClr val="bg1"/>
+          </a:solidFill>
+          <a:ln>
+            <a:solidFill>
+              <a:schemeClr val="tx1"/>
+            </a:solidFill>
+          </a:ln>
+          <a:effectLst/>
+        </p:spPr>
+        <p:style>
+          <a:lnRef idx="1">
+            <a:schemeClr val="accent1"/>
+          </a:lnRef>
+          <a:fillRef idx="3">
+            <a:schemeClr val="accent1"/>
+          </a:fillRef>
+          <a:effectRef idx="2">
+            <a:schemeClr val="accent1"/>
+          </a:effectRef>
+          <a:fontRef idx="minor">
+            <a:schemeClr val="lt1"/>
+          </a:fontRef>
+        </p:style>
+        <p:txBody>
+          <a:bodyPr rtlCol="0" anchor="ctr"/>
+          <a:lstStyle/>
+          <a:p>
+            <a:pPr algn="ctr"/>
+            <a:r>
+              <a:rPr lang="en-US" sz="1600" b="1" dirty="0" err="1" smtClean="0">
+                <a:solidFill>
+                  <a:schemeClr val="tx1"/>
+                </a:solidFill>
+              </a:rPr>
+              <a:t>BaseUnit</a:t>
+            </a:r>
+            <a:endParaRPr lang="en-US" sz="1600" b="1" dirty="0">
+              <a:solidFill>
+                <a:schemeClr val="tx1"/>
+              </a:solidFill>
+            </a:endParaRPr>
+          </a:p>
+        </p:txBody>
+      </p:sp>
+      <p:sp>
+        <p:nvSpPr>
+          <p:cNvPr id="7" name="Rectangle 6"/>
+          <p:cNvSpPr/>
+          <p:nvPr/>
+        </p:nvSpPr>
+        <p:spPr>
+          <a:xfrm>
+            <a:off x="2759458" y="4546379"/>
+            <a:ext cx="2223931" cy="401697"/>
+          </a:xfrm>
+          <a:prstGeom prst="rect">
+            <a:avLst/>
+          </a:prstGeom>
+          <a:solidFill>
+            <a:schemeClr val="bg1"/>
+          </a:solidFill>
+          <a:ln>
+            <a:solidFill>
+              <a:schemeClr val="tx1"/>
+            </a:solidFill>
+          </a:ln>
+          <a:effectLst/>
+        </p:spPr>
+        <p:style>
+          <a:lnRef idx="1">
+            <a:schemeClr val="accent1"/>
+          </a:lnRef>
+          <a:fillRef idx="3">
+            <a:schemeClr val="accent1"/>
+          </a:fillRef>
+          <a:effectRef idx="2">
+            <a:schemeClr val="accent1"/>
+          </a:effectRef>
+          <a:fontRef idx="minor">
+            <a:schemeClr val="lt1"/>
+          </a:fontRef>
+        </p:style>
+        <p:txBody>
+          <a:bodyPr rtlCol="0" anchor="ctr"/>
+          <a:lstStyle/>
+          <a:p>
+            <a:pPr algn="ctr"/>
+            <a:r>
+              <a:rPr lang="en-US" sz="1600" b="1" dirty="0" err="1" smtClean="0">
+                <a:solidFill>
+                  <a:schemeClr val="tx1"/>
+                </a:solidFill>
+              </a:rPr>
+              <a:t>DerivedUnit</a:t>
+            </a:r>
+            <a:endParaRPr lang="en-US" sz="1600" b="1" dirty="0">
+              <a:solidFill>
+                <a:schemeClr val="tx1"/>
+              </a:solidFill>
+            </a:endParaRPr>
+          </a:p>
+        </p:txBody>
+      </p:sp>
+      <p:sp>
+        <p:nvSpPr>
+          <p:cNvPr id="8" name="Rectangle 7"/>
+          <p:cNvSpPr/>
+          <p:nvPr/>
+        </p:nvSpPr>
+        <p:spPr>
+          <a:xfrm>
+            <a:off x="2748730" y="5693134"/>
+            <a:ext cx="2223931" cy="401697"/>
+          </a:xfrm>
+          <a:prstGeom prst="rect">
+            <a:avLst/>
+          </a:prstGeom>
+          <a:solidFill>
+            <a:schemeClr val="bg1"/>
+          </a:solidFill>
+          <a:ln>
+            <a:solidFill>
+              <a:schemeClr val="tx1"/>
+            </a:solidFill>
+          </a:ln>
+          <a:effectLst/>
+        </p:spPr>
+        <p:style>
+          <a:lnRef idx="1">
+            <a:schemeClr val="accent1"/>
+          </a:lnRef>
+          <a:fillRef idx="3">
+            <a:schemeClr val="accent1"/>
+          </a:fillRef>
+          <a:effectRef idx="2">
+            <a:schemeClr val="accent1"/>
+          </a:effectRef>
+          <a:fontRef idx="minor">
+            <a:schemeClr val="lt1"/>
+          </a:fontRef>
+        </p:style>
+        <p:txBody>
+          <a:bodyPr rtlCol="0" anchor="ctr"/>
+          <a:lstStyle/>
+          <a:p>
+            <a:pPr algn="ctr"/>
+            <a:r>
+              <a:rPr lang="en-US" sz="1600" b="1" dirty="0" err="1" smtClean="0">
+                <a:solidFill>
+                  <a:schemeClr val="tx1"/>
+                </a:solidFill>
+              </a:rPr>
+              <a:t>CompositeUnit</a:t>
+            </a:r>
+            <a:endParaRPr lang="en-US" sz="1600" b="1" dirty="0">
+              <a:solidFill>
+                <a:schemeClr val="tx1"/>
+              </a:solidFill>
+            </a:endParaRPr>
+          </a:p>
+        </p:txBody>
+      </p:sp>
+      <p:sp>
+        <p:nvSpPr>
+          <p:cNvPr id="9" name="Rectangle 8"/>
+          <p:cNvSpPr/>
+          <p:nvPr/>
+        </p:nvSpPr>
+        <p:spPr>
+          <a:xfrm>
+            <a:off x="2760382" y="4948076"/>
+            <a:ext cx="2223931" cy="334870"/>
+          </a:xfrm>
+          <a:prstGeom prst="rect">
+            <a:avLst/>
+          </a:prstGeom>
+          <a:solidFill>
+            <a:schemeClr val="bg1"/>
+          </a:solidFill>
+          <a:ln>
+            <a:solidFill>
+              <a:schemeClr val="tx1"/>
+            </a:solidFill>
+          </a:ln>
+          <a:effectLst/>
+        </p:spPr>
+        <p:style>
+          <a:lnRef idx="1">
+            <a:schemeClr val="accent1"/>
+          </a:lnRef>
+          <a:fillRef idx="3">
+            <a:schemeClr val="accent1"/>
+          </a:fillRef>
+          <a:effectRef idx="2">
+            <a:schemeClr val="accent1"/>
+          </a:effectRef>
+          <a:fontRef idx="minor">
+            <a:schemeClr val="lt1"/>
+          </a:fontRef>
+        </p:style>
+        <p:txBody>
+          <a:bodyPr rtlCol="0" anchor="ctr"/>
+          <a:lstStyle/>
+          <a:p>
+            <a:r>
+              <a:rPr lang="en-US" sz="1400" dirty="0" smtClean="0">
+                <a:solidFill>
+                  <a:schemeClr val="tx1"/>
+                </a:solidFill>
+              </a:rPr>
+              <a:t>+ </a:t>
+            </a:r>
+            <a:r>
+              <a:rPr lang="en-US" sz="1400" dirty="0" err="1" smtClean="0">
+                <a:solidFill>
+                  <a:schemeClr val="tx1"/>
+                </a:solidFill>
+              </a:rPr>
+              <a:t>hasPower</a:t>
+            </a:r>
+            <a:r>
+              <a:rPr lang="en-US" sz="1400" dirty="0" smtClean="0">
+                <a:solidFill>
+                  <a:schemeClr val="tx1"/>
+                </a:solidFill>
+              </a:rPr>
+              <a:t> = </a:t>
+            </a:r>
+            <a:r>
+              <a:rPr lang="en-US" sz="1400" dirty="0" err="1" smtClean="0">
+                <a:solidFill>
+                  <a:schemeClr val="tx1"/>
+                </a:solidFill>
+              </a:rPr>
+              <a:t>int</a:t>
+            </a:r>
+            <a:endParaRPr lang="en-US" sz="1400" dirty="0" smtClean="0">
+              <a:solidFill>
+                <a:schemeClr val="tx1"/>
+              </a:solidFill>
+            </a:endParaRPr>
+          </a:p>
+        </p:txBody>
+      </p:sp>
+      <p:sp>
+        <p:nvSpPr>
+          <p:cNvPr id="10" name="Isosceles Triangle 9"/>
+          <p:cNvSpPr/>
+          <p:nvPr/>
+        </p:nvSpPr>
+        <p:spPr>
+          <a:xfrm>
+            <a:off x="2368171" y="2132431"/>
+            <a:ext cx="267340" cy="192498"/>
+          </a:xfrm>
+          <a:prstGeom prst="triangle">
+            <a:avLst/>
+          </a:prstGeom>
+          <a:noFill/>
+          <a:ln>
+            <a:solidFill>
+              <a:srgbClr val="000000"/>
+            </a:solidFill>
+          </a:ln>
+          <a:effectLst/>
+        </p:spPr>
+        <p:style>
+          <a:lnRef idx="1">
+            <a:schemeClr val="accent1"/>
+          </a:lnRef>
+          <a:fillRef idx="3">
+            <a:schemeClr val="accent1"/>
+          </a:fillRef>
+          <a:effectRef idx="2">
+            <a:schemeClr val="accent1"/>
+          </a:effectRef>
+          <a:fontRef idx="minor">
+            <a:schemeClr val="lt1"/>
+          </a:fontRef>
+        </p:style>
+        <p:txBody>
+          <a:bodyPr rtlCol="0" anchor="ctr"/>
+          <a:lstStyle/>
+          <a:p>
+            <a:pPr algn="ctr"/>
+            <a:endParaRPr lang="en-US" sz="1600"/>
+          </a:p>
+        </p:txBody>
+      </p:sp>
+      <p:sp>
+        <p:nvSpPr>
+          <p:cNvPr id="11" name="Isosceles Triangle 10"/>
+          <p:cNvSpPr/>
+          <p:nvPr/>
+        </p:nvSpPr>
+        <p:spPr>
+          <a:xfrm>
+            <a:off x="2368171" y="2960589"/>
+            <a:ext cx="267340" cy="192498"/>
+          </a:xfrm>
+          <a:prstGeom prst="triangle">
+            <a:avLst/>
+          </a:prstGeom>
+          <a:noFill/>
+          <a:ln>
+            <a:solidFill>
+              <a:srgbClr val="000000"/>
+            </a:solidFill>
+          </a:ln>
+          <a:effectLst/>
+        </p:spPr>
+        <p:style>
+          <a:lnRef idx="1">
+            <a:schemeClr val="accent1"/>
+          </a:lnRef>
+          <a:fillRef idx="3">
+            <a:schemeClr val="accent1"/>
+          </a:fillRef>
+          <a:effectRef idx="2">
+            <a:schemeClr val="accent1"/>
+          </a:effectRef>
+          <a:fontRef idx="minor">
+            <a:schemeClr val="lt1"/>
+          </a:fontRef>
+        </p:style>
+        <p:txBody>
+          <a:bodyPr rtlCol="0" anchor="ctr"/>
+          <a:lstStyle/>
+          <a:p>
+            <a:pPr algn="ctr"/>
+            <a:endParaRPr lang="en-US" sz="1600"/>
+          </a:p>
+        </p:txBody>
+      </p:sp>
+      <p:cxnSp>
+        <p:nvCxnSpPr>
+          <p:cNvPr id="12" name="Elbow Connector 11"/>
+          <p:cNvCxnSpPr>
+            <a:stCxn id="10" idx="3"/>
+            <a:endCxn id="5" idx="0"/>
+          </p:cNvCxnSpPr>
+          <p:nvPr/>
+        </p:nvCxnSpPr>
+        <p:spPr>
+          <a:xfrm rot="16200000" flipH="1">
+            <a:off x="2395120" y="2431649"/>
+            <a:ext cx="213442" cy="1"/>
+          </a:xfrm>
+          <a:prstGeom prst="bentConnector3">
+            <a:avLst>
+              <a:gd name="adj1" fmla="val 50000"/>
+            </a:avLst>
+          </a:prstGeom>
+          <a:ln w="12700" cap="flat" cmpd="sng" algn="ctr">
+            <a:solidFill>
+              <a:srgbClr val="000000"/>
+            </a:solidFill>
+            <a:prstDash val="solid"/>
+            <a:round/>
+            <a:headEnd type="none" w="med" len="med"/>
+            <a:tailEnd type="none" w="med" len="med"/>
+          </a:ln>
+          <a:effectLst/>
+        </p:spPr>
+        <p:style>
+          <a:lnRef idx="2">
+            <a:schemeClr val="accent1"/>
+          </a:lnRef>
+          <a:fillRef idx="0">
+            <a:schemeClr val="accent1"/>
+          </a:fillRef>
+          <a:effectRef idx="1">
+            <a:schemeClr val="accent1"/>
+          </a:effectRef>
+          <a:fontRef idx="minor">
+            <a:schemeClr val="tx1"/>
+          </a:fontRef>
+        </p:style>
+      </p:cxnSp>
+      <p:cxnSp>
+        <p:nvCxnSpPr>
+          <p:cNvPr id="13" name="Elbow Connector 16"/>
+          <p:cNvCxnSpPr>
+            <a:stCxn id="6" idx="1"/>
+            <a:endCxn id="11" idx="3"/>
+          </p:cNvCxnSpPr>
+          <p:nvPr/>
+        </p:nvCxnSpPr>
+        <p:spPr>
+          <a:xfrm rot="10800000">
+            <a:off x="2501842" y="3153087"/>
+            <a:ext cx="257617" cy="485606"/>
+          </a:xfrm>
+          <a:prstGeom prst="bentConnector2">
+            <a:avLst/>
+          </a:prstGeom>
+          <a:ln w="12700" cap="flat" cmpd="sng" algn="ctr">
+            <a:solidFill>
+              <a:srgbClr val="000000"/>
+            </a:solidFill>
+            <a:prstDash val="solid"/>
+            <a:round/>
+            <a:headEnd type="none" w="med" len="med"/>
+            <a:tailEnd type="none" w="med" len="med"/>
+          </a:ln>
+          <a:effectLst/>
+        </p:spPr>
+        <p:style>
+          <a:lnRef idx="2">
+            <a:schemeClr val="accent1"/>
+          </a:lnRef>
+          <a:fillRef idx="0">
+            <a:schemeClr val="accent1"/>
+          </a:fillRef>
+          <a:effectRef idx="1">
+            <a:schemeClr val="accent1"/>
+          </a:effectRef>
+          <a:fontRef idx="minor">
+            <a:schemeClr val="tx1"/>
+          </a:fontRef>
+        </p:style>
+      </p:cxnSp>
+      <p:cxnSp>
+        <p:nvCxnSpPr>
+          <p:cNvPr id="14" name="Elbow Connector 16"/>
+          <p:cNvCxnSpPr>
+            <a:stCxn id="7" idx="1"/>
+            <a:endCxn id="11" idx="3"/>
+          </p:cNvCxnSpPr>
+          <p:nvPr/>
+        </p:nvCxnSpPr>
+        <p:spPr>
+          <a:xfrm rot="10800000">
+            <a:off x="2501842" y="3153088"/>
+            <a:ext cx="257617" cy="1594141"/>
+          </a:xfrm>
+          <a:prstGeom prst="bentConnector2">
+            <a:avLst/>
+          </a:prstGeom>
+          <a:ln w="12700" cap="flat" cmpd="sng" algn="ctr">
+            <a:solidFill>
+              <a:srgbClr val="000000"/>
+            </a:solidFill>
+            <a:prstDash val="solid"/>
+            <a:round/>
+            <a:headEnd type="none" w="med" len="med"/>
+            <a:tailEnd type="none" w="med" len="med"/>
+          </a:ln>
+          <a:effectLst/>
+        </p:spPr>
+        <p:style>
+          <a:lnRef idx="2">
+            <a:schemeClr val="accent1"/>
+          </a:lnRef>
+          <a:fillRef idx="0">
+            <a:schemeClr val="accent1"/>
+          </a:fillRef>
+          <a:effectRef idx="1">
+            <a:schemeClr val="accent1"/>
+          </a:effectRef>
+          <a:fontRef idx="minor">
+            <a:schemeClr val="tx1"/>
+          </a:fontRef>
+        </p:style>
+      </p:cxnSp>
+      <p:cxnSp>
+        <p:nvCxnSpPr>
+          <p:cNvPr id="15" name="Elbow Connector 16"/>
+          <p:cNvCxnSpPr>
+            <a:stCxn id="8" idx="1"/>
+            <a:endCxn id="11" idx="3"/>
+          </p:cNvCxnSpPr>
+          <p:nvPr/>
+        </p:nvCxnSpPr>
+        <p:spPr>
+          <a:xfrm rot="10800000">
+            <a:off x="2501842" y="3153087"/>
+            <a:ext cx="246889" cy="2740896"/>
+          </a:xfrm>
+          <a:prstGeom prst="bentConnector2">
+            <a:avLst/>
+          </a:prstGeom>
+          <a:ln w="12700" cap="flat" cmpd="sng" algn="ctr">
+            <a:solidFill>
+              <a:srgbClr val="000000"/>
+            </a:solidFill>
+            <a:prstDash val="solid"/>
+            <a:round/>
+            <a:headEnd type="none" w="med" len="med"/>
+            <a:tailEnd type="none" w="med" len="med"/>
+          </a:ln>
+          <a:effectLst/>
+        </p:spPr>
+        <p:style>
+          <a:lnRef idx="2">
+            <a:schemeClr val="accent1"/>
+          </a:lnRef>
+          <a:fillRef idx="0">
+            <a:schemeClr val="accent1"/>
+          </a:fillRef>
+          <a:effectRef idx="1">
+            <a:schemeClr val="accent1"/>
+          </a:effectRef>
+          <a:fontRef idx="minor">
+            <a:schemeClr val="tx1"/>
+          </a:fontRef>
+        </p:style>
+      </p:cxnSp>
+      <p:cxnSp>
+        <p:nvCxnSpPr>
+          <p:cNvPr id="16" name="Elbow Connector 16"/>
+          <p:cNvCxnSpPr>
+            <a:stCxn id="7" idx="0"/>
+            <a:endCxn id="6" idx="2"/>
+          </p:cNvCxnSpPr>
+          <p:nvPr/>
+        </p:nvCxnSpPr>
+        <p:spPr>
+          <a:xfrm rot="5400000" flipH="1" flipV="1">
+            <a:off x="3518005" y="4192960"/>
+            <a:ext cx="706838" cy="1588"/>
+          </a:xfrm>
+          <a:prstGeom prst="bentConnector3">
+            <a:avLst>
+              <a:gd name="adj1" fmla="val 50000"/>
+            </a:avLst>
+          </a:prstGeom>
+          <a:ln w="12700" cap="flat" cmpd="sng" algn="ctr">
+            <a:solidFill>
+              <a:srgbClr val="000000"/>
+            </a:solidFill>
+            <a:prstDash val="solid"/>
+            <a:round/>
+            <a:headEnd type="none" w="med" len="med"/>
+            <a:tailEnd type="arrow" w="lg" len="lg"/>
+          </a:ln>
+          <a:effectLst/>
+        </p:spPr>
+        <p:style>
+          <a:lnRef idx="2">
+            <a:schemeClr val="accent1"/>
+          </a:lnRef>
+          <a:fillRef idx="0">
+            <a:schemeClr val="accent1"/>
+          </a:fillRef>
+          <a:effectRef idx="1">
+            <a:schemeClr val="accent1"/>
+          </a:effectRef>
+          <a:fontRef idx="minor">
+            <a:schemeClr val="tx1"/>
+          </a:fontRef>
+        </p:style>
+      </p:cxnSp>
+      <p:sp>
+        <p:nvSpPr>
+          <p:cNvPr id="17" name="Rectangle 16"/>
+          <p:cNvSpPr/>
+          <p:nvPr/>
+        </p:nvSpPr>
+        <p:spPr>
+          <a:xfrm>
+            <a:off x="3874696" y="3996397"/>
+            <a:ext cx="1137601" cy="307777"/>
+          </a:xfrm>
+          <a:prstGeom prst="rect">
+            <a:avLst/>
+          </a:prstGeom>
+        </p:spPr>
+        <p:txBody>
+          <a:bodyPr wrap="square">
+            <a:spAutoFit/>
+          </a:bodyPr>
+          <a:lstStyle/>
+          <a:p>
+            <a:r>
+              <a:rPr lang="en-US" sz="1400" dirty="0" err="1" smtClean="0">
+                <a:solidFill>
+                  <a:schemeClr val="tx1"/>
+                </a:solidFill>
+              </a:rPr>
+              <a:t>hasUnit</a:t>
+            </a:r>
+            <a:endParaRPr lang="en-US" sz="1400" dirty="0"/>
+          </a:p>
+        </p:txBody>
+      </p:sp>
+      <p:sp>
+        <p:nvSpPr>
+          <p:cNvPr id="18" name="Rectangle 17"/>
+          <p:cNvSpPr/>
+          <p:nvPr/>
+        </p:nvSpPr>
+        <p:spPr>
+          <a:xfrm>
+            <a:off x="3420108" y="3879887"/>
+            <a:ext cx="594412" cy="307777"/>
+          </a:xfrm>
+          <a:prstGeom prst="rect">
+            <a:avLst/>
+          </a:prstGeom>
+        </p:spPr>
+        <p:txBody>
+          <a:bodyPr wrap="square">
+            <a:spAutoFit/>
+          </a:bodyPr>
+          <a:lstStyle/>
+          <a:p>
+            <a:r>
+              <a:rPr lang="en-US" sz="1400" dirty="0" smtClean="0">
+                <a:solidFill>
+                  <a:schemeClr val="tx1"/>
+                </a:solidFill>
+              </a:rPr>
+              <a:t>1..1</a:t>
+            </a:r>
+            <a:endParaRPr lang="en-US" sz="1400" dirty="0"/>
+          </a:p>
+        </p:txBody>
+      </p:sp>
+      <p:sp>
+        <p:nvSpPr>
+          <p:cNvPr id="19" name="Rectangle 18"/>
+          <p:cNvSpPr/>
+          <p:nvPr/>
+        </p:nvSpPr>
+        <p:spPr>
+          <a:xfrm>
+            <a:off x="3670162" y="4321534"/>
+            <a:ext cx="241862" cy="523220"/>
+          </a:xfrm>
+          <a:prstGeom prst="rect">
+            <a:avLst/>
+          </a:prstGeom>
+        </p:spPr>
+        <p:txBody>
+          <a:bodyPr wrap="square">
+            <a:spAutoFit/>
+          </a:bodyPr>
+          <a:lstStyle/>
+          <a:p>
+            <a:r>
+              <a:rPr lang="en-US" sz="1400" dirty="0" smtClean="0">
+                <a:solidFill>
+                  <a:schemeClr val="tx1"/>
+                </a:solidFill>
+              </a:rPr>
+              <a:t>*</a:t>
+            </a:r>
+            <a:endParaRPr lang="en-US" sz="1400" dirty="0"/>
+          </a:p>
+        </p:txBody>
+      </p:sp>
+      <p:cxnSp>
+        <p:nvCxnSpPr>
+          <p:cNvPr id="20" name="Elbow Connector 16"/>
+          <p:cNvCxnSpPr>
+            <a:stCxn id="8" idx="3"/>
+            <a:endCxn id="21" idx="4"/>
+          </p:cNvCxnSpPr>
+          <p:nvPr/>
+        </p:nvCxnSpPr>
+        <p:spPr>
+          <a:xfrm flipV="1">
+            <a:off x="4972661" y="5286630"/>
+            <a:ext cx="836097" cy="607353"/>
+          </a:xfrm>
+          <a:prstGeom prst="bentConnector2">
+            <a:avLst/>
+          </a:prstGeom>
+          <a:ln w="12700" cap="flat" cmpd="sng" algn="ctr">
+            <a:solidFill>
+              <a:srgbClr val="000000"/>
+            </a:solidFill>
+            <a:prstDash val="solid"/>
+            <a:round/>
+            <a:headEnd type="none" w="med" len="med"/>
+            <a:tailEnd type="none" w="lg" len="lg"/>
+          </a:ln>
+          <a:effectLst/>
+        </p:spPr>
+        <p:style>
+          <a:lnRef idx="2">
+            <a:schemeClr val="accent1"/>
+          </a:lnRef>
+          <a:fillRef idx="0">
+            <a:schemeClr val="accent1"/>
+          </a:fillRef>
+          <a:effectRef idx="1">
+            <a:schemeClr val="accent1"/>
+          </a:effectRef>
+          <a:fontRef idx="minor">
+            <a:schemeClr val="tx1"/>
+          </a:fontRef>
+        </p:style>
+      </p:cxnSp>
+      <p:sp>
+        <p:nvSpPr>
+          <p:cNvPr id="21" name="Oval 20"/>
+          <p:cNvSpPr/>
+          <p:nvPr/>
+        </p:nvSpPr>
+        <p:spPr>
+          <a:xfrm>
+            <a:off x="5646589" y="4948076"/>
+            <a:ext cx="324338" cy="338554"/>
+          </a:xfrm>
+          <a:prstGeom prst="ellipse">
+            <a:avLst/>
+          </a:prstGeom>
+          <a:solidFill>
+            <a:srgbClr val="FFFFFF"/>
+          </a:solidFill>
+          <a:ln>
+            <a:solidFill>
+              <a:srgbClr val="000000"/>
+            </a:solidFill>
+          </a:ln>
+          <a:effectLst/>
+        </p:spPr>
+        <p:style>
+          <a:lnRef idx="1">
+            <a:schemeClr val="accent1"/>
+          </a:lnRef>
+          <a:fillRef idx="3">
+            <a:schemeClr val="accent1"/>
+          </a:fillRef>
+          <a:effectRef idx="2">
+            <a:schemeClr val="accent1"/>
+          </a:effectRef>
+          <a:fontRef idx="minor">
+            <a:schemeClr val="lt1"/>
+          </a:fontRef>
+        </p:style>
+        <p:txBody>
+          <a:bodyPr lIns="0" rIns="0" rtlCol="0" anchor="ctr"/>
+          <a:lstStyle/>
+          <a:p>
+            <a:pPr algn="ctr"/>
+            <a:r>
+              <a:rPr lang="en-US" sz="1400" dirty="0" smtClean="0">
+                <a:solidFill>
+                  <a:srgbClr val="000000"/>
+                </a:solidFill>
+              </a:rPr>
+              <a:t>U</a:t>
+            </a:r>
+            <a:endParaRPr lang="en-US" sz="1400" dirty="0">
+              <a:solidFill>
+                <a:srgbClr val="000000"/>
+              </a:solidFill>
+            </a:endParaRPr>
+          </a:p>
+        </p:txBody>
+      </p:sp>
+      <p:cxnSp>
+        <p:nvCxnSpPr>
+          <p:cNvPr id="22" name="Elbow Connector 16"/>
+          <p:cNvCxnSpPr>
+            <a:stCxn id="21" idx="2"/>
+            <a:endCxn id="9" idx="3"/>
+          </p:cNvCxnSpPr>
+          <p:nvPr/>
+        </p:nvCxnSpPr>
+        <p:spPr>
+          <a:xfrm rot="10800000">
+            <a:off x="4984313" y="5115511"/>
+            <a:ext cx="662276" cy="1842"/>
+          </a:xfrm>
+          <a:prstGeom prst="bentConnector3">
+            <a:avLst>
+              <a:gd name="adj1" fmla="val 50000"/>
+            </a:avLst>
+          </a:prstGeom>
+          <a:ln w="12700" cap="flat" cmpd="sng" algn="ctr">
+            <a:solidFill>
+              <a:srgbClr val="000000"/>
+            </a:solidFill>
+            <a:prstDash val="solid"/>
+            <a:round/>
+            <a:headEnd type="none" w="med" len="med"/>
+            <a:tailEnd type="arrow" w="lg" len="lg"/>
+          </a:ln>
+          <a:effectLst/>
+        </p:spPr>
+        <p:style>
+          <a:lnRef idx="2">
+            <a:schemeClr val="accent1"/>
+          </a:lnRef>
+          <a:fillRef idx="0">
+            <a:schemeClr val="accent1"/>
+          </a:fillRef>
+          <a:effectRef idx="1">
+            <a:schemeClr val="accent1"/>
+          </a:effectRef>
+          <a:fontRef idx="minor">
+            <a:schemeClr val="tx1"/>
+          </a:fontRef>
+        </p:style>
+      </p:cxnSp>
+      <p:cxnSp>
+        <p:nvCxnSpPr>
+          <p:cNvPr id="23" name="Elbow Connector 16"/>
+          <p:cNvCxnSpPr>
+            <a:stCxn id="21" idx="0"/>
+            <a:endCxn id="6" idx="3"/>
+          </p:cNvCxnSpPr>
+          <p:nvPr/>
+        </p:nvCxnSpPr>
+        <p:spPr>
+          <a:xfrm rot="16200000" flipV="1">
+            <a:off x="4741383" y="3880700"/>
+            <a:ext cx="1309383" cy="825369"/>
+          </a:xfrm>
+          <a:prstGeom prst="bentConnector2">
+            <a:avLst/>
+          </a:prstGeom>
+          <a:ln w="12700" cap="flat" cmpd="sng" algn="ctr">
+            <a:solidFill>
+              <a:srgbClr val="000000"/>
+            </a:solidFill>
+            <a:prstDash val="solid"/>
+            <a:round/>
+            <a:headEnd type="none" w="med" len="med"/>
+            <a:tailEnd type="arrow" w="lg" len="lg"/>
+          </a:ln>
+          <a:effectLst/>
+        </p:spPr>
+        <p:style>
+          <a:lnRef idx="2">
+            <a:schemeClr val="accent1"/>
+          </a:lnRef>
+          <a:fillRef idx="0">
+            <a:schemeClr val="accent1"/>
+          </a:fillRef>
+          <a:effectRef idx="1">
+            <a:schemeClr val="accent1"/>
+          </a:effectRef>
+          <a:fontRef idx="minor">
+            <a:schemeClr val="tx1"/>
+          </a:fontRef>
+        </p:style>
+      </p:cxnSp>
+      <p:sp>
+        <p:nvSpPr>
+          <p:cNvPr id="24" name="Rectangle 23"/>
+          <p:cNvSpPr/>
+          <p:nvPr/>
+        </p:nvSpPr>
+        <p:spPr>
+          <a:xfrm>
+            <a:off x="5050419" y="5420466"/>
+            <a:ext cx="969381" cy="307777"/>
+          </a:xfrm>
+          <a:prstGeom prst="rect">
+            <a:avLst/>
+          </a:prstGeom>
+        </p:spPr>
+        <p:txBody>
+          <a:bodyPr wrap="square">
+            <a:spAutoFit/>
+          </a:bodyPr>
+          <a:lstStyle/>
+          <a:p>
+            <a:r>
+              <a:rPr lang="en-US" sz="1400" dirty="0" err="1" smtClean="0">
+                <a:solidFill>
+                  <a:schemeClr val="tx1"/>
+                </a:solidFill>
+              </a:rPr>
+              <a:t>hasUnit</a:t>
+            </a:r>
+            <a:endParaRPr lang="en-US" sz="1400" dirty="0"/>
+          </a:p>
+        </p:txBody>
+      </p:sp>
+      <p:sp>
+        <p:nvSpPr>
+          <p:cNvPr id="25" name="Rectangle 24"/>
+          <p:cNvSpPr/>
+          <p:nvPr/>
+        </p:nvSpPr>
+        <p:spPr>
+          <a:xfrm>
+            <a:off x="4952806" y="5864423"/>
+            <a:ext cx="466892" cy="307777"/>
+          </a:xfrm>
+          <a:prstGeom prst="rect">
+            <a:avLst/>
+          </a:prstGeom>
+        </p:spPr>
+        <p:txBody>
+          <a:bodyPr wrap="square">
+            <a:spAutoFit/>
+          </a:bodyPr>
+          <a:lstStyle/>
+          <a:p>
+            <a:r>
+              <a:rPr lang="en-US" sz="1400" dirty="0" smtClean="0">
+                <a:solidFill>
+                  <a:schemeClr val="tx1"/>
+                </a:solidFill>
+              </a:rPr>
+              <a:t>*</a:t>
+            </a:r>
+            <a:endParaRPr lang="en-US" sz="1400" dirty="0"/>
+          </a:p>
+        </p:txBody>
+      </p:sp>
+    </p:spTree>
+  </p:cSld>
+  <p:clrMapOvr>
+    <a:masterClrMapping/>
+  </p:clrMapOvr>
+</p:sld>
+</file>
+
+<file path=ppt/slides/slide15.xml><?xml version="1.0" encoding="utf-8"?>
+<p:sld xmlns:a="http://schemas.openxmlformats.org/drawingml/2006/main" xmlns:r="http://schemas.openxmlformats.org/officeDocument/2006/relationships" xmlns:mc="http://schemas.openxmlformats.org/markup-compatibility/2006" xmlns:mv="urn:schemas-microsoft-com:mac:vml" xmlns:p="http://schemas.openxmlformats.org/presentationml/2006/main" mc:Ignorable="mv" mc:PreserveAttributes="mv:*">
+  <p:cSld>
+    <p:spTree>
+      <p:nvGrpSpPr>
+        <p:cNvPr id="1" name=""/>
+        <p:cNvGrpSpPr/>
+        <p:nvPr/>
+      </p:nvGrpSpPr>
+      <p:grpSpPr>
+        <a:xfrm>
+          <a:off x="0" y="0"/>
+          <a:ext cx="0" cy="0"/>
+          <a:chOff x="0" y="0"/>
+          <a:chExt cx="0" cy="0"/>
+        </a:xfrm>
+      </p:grpSpPr>
+      <p:sp>
+        <p:nvSpPr>
+          <p:cNvPr id="2" name="Title 1"/>
+          <p:cNvSpPr>
+            <a:spLocks noGrp="1"/>
+          </p:cNvSpPr>
+          <p:nvPr>
+            <p:ph type="title"/>
+          </p:nvPr>
+        </p:nvSpPr>
+        <p:spPr/>
+        <p:txBody>
+          <a:bodyPr/>
+          <a:lstStyle/>
+          <a:p>
+            <a:r>
+              <a:rPr lang="en-US" dirty="0" smtClean="0"/>
+              <a:t>4. Measurement standards and units</a:t>
+            </a:r>
+            <a:endParaRPr lang="en-US" dirty="0"/>
+          </a:p>
+        </p:txBody>
+      </p:sp>
+      <p:sp>
+        <p:nvSpPr>
+          <p:cNvPr id="3" name="Content Placeholder 2"/>
+          <p:cNvSpPr>
+            <a:spLocks noGrp="1"/>
+          </p:cNvSpPr>
+          <p:nvPr>
+            <p:ph idx="1"/>
+          </p:nvPr>
+        </p:nvSpPr>
+        <p:spPr/>
+        <p:txBody>
+          <a:bodyPr>
+            <a:normAutofit/>
+          </a:bodyPr>
+          <a:lstStyle/>
+          <a:p>
+            <a:pPr>
+              <a:spcAft>
+                <a:spcPts val="1200"/>
+              </a:spcAft>
+              <a:buNone/>
+            </a:pPr>
+            <a:r>
+              <a:rPr lang="en-US" dirty="0" smtClean="0">
+                <a:solidFill>
+                  <a:srgbClr val="800000"/>
+                </a:solidFill>
+              </a:rPr>
+              <a:t>Standards (including units) typically restrict the characteristics of measurements</a:t>
+            </a:r>
+          </a:p>
+        </p:txBody>
+      </p:sp>
+      <p:sp>
+        <p:nvSpPr>
+          <p:cNvPr id="4" name="Rectangle 3"/>
+          <p:cNvSpPr/>
+          <p:nvPr/>
+        </p:nvSpPr>
+        <p:spPr>
+          <a:xfrm>
+            <a:off x="152400" y="2187934"/>
+            <a:ext cx="2223931" cy="401697"/>
+          </a:xfrm>
+          <a:prstGeom prst="rect">
+            <a:avLst/>
+          </a:prstGeom>
+          <a:solidFill>
+            <a:schemeClr val="bg1"/>
+          </a:solidFill>
+          <a:ln>
+            <a:solidFill>
+              <a:schemeClr val="tx1"/>
+            </a:solidFill>
+          </a:ln>
+          <a:effectLst/>
+        </p:spPr>
+        <p:style>
+          <a:lnRef idx="1">
+            <a:schemeClr val="accent1"/>
+          </a:lnRef>
+          <a:fillRef idx="3">
+            <a:schemeClr val="accent1"/>
+          </a:fillRef>
+          <a:effectRef idx="2">
+            <a:schemeClr val="accent1"/>
+          </a:effectRef>
+          <a:fontRef idx="minor">
+            <a:schemeClr val="lt1"/>
+          </a:fontRef>
+        </p:style>
+        <p:txBody>
+          <a:bodyPr rtlCol="0" anchor="ctr"/>
+          <a:lstStyle/>
+          <a:p>
+            <a:pPr algn="ctr"/>
+            <a:r>
+              <a:rPr lang="en-US" sz="1600" b="1" dirty="0" err="1" smtClean="0">
+                <a:solidFill>
+                  <a:schemeClr val="tx1"/>
+                </a:solidFill>
+              </a:rPr>
+              <a:t>MeasurementStandard</a:t>
+            </a:r>
+            <a:endParaRPr lang="en-US" sz="1600" b="1" dirty="0">
+              <a:solidFill>
+                <a:schemeClr val="tx1"/>
+              </a:solidFill>
+            </a:endParaRPr>
+          </a:p>
+        </p:txBody>
+      </p:sp>
+      <p:sp>
+        <p:nvSpPr>
+          <p:cNvPr id="5" name="Rectangle 4"/>
+          <p:cNvSpPr/>
+          <p:nvPr/>
+        </p:nvSpPr>
+        <p:spPr>
+          <a:xfrm>
+            <a:off x="152400" y="2995571"/>
+            <a:ext cx="2223931" cy="401697"/>
+          </a:xfrm>
+          <a:prstGeom prst="rect">
+            <a:avLst/>
+          </a:prstGeom>
+          <a:solidFill>
+            <a:schemeClr val="bg1"/>
+          </a:solidFill>
+          <a:ln>
+            <a:solidFill>
+              <a:schemeClr val="tx1"/>
+            </a:solidFill>
+          </a:ln>
+          <a:effectLst/>
+        </p:spPr>
+        <p:style>
+          <a:lnRef idx="1">
+            <a:schemeClr val="accent1"/>
+          </a:lnRef>
+          <a:fillRef idx="3">
+            <a:schemeClr val="accent1"/>
+          </a:fillRef>
+          <a:effectRef idx="2">
+            <a:schemeClr val="accent1"/>
+          </a:effectRef>
+          <a:fontRef idx="minor">
+            <a:schemeClr val="lt1"/>
+          </a:fontRef>
+        </p:style>
+        <p:txBody>
+          <a:bodyPr rtlCol="0" anchor="ctr"/>
+          <a:lstStyle/>
+          <a:p>
+            <a:pPr algn="ctr"/>
+            <a:r>
+              <a:rPr lang="en-US" sz="1600" b="1" dirty="0" smtClean="0">
+                <a:solidFill>
+                  <a:schemeClr val="tx1"/>
+                </a:solidFill>
+              </a:rPr>
+              <a:t>Unit</a:t>
+            </a:r>
+            <a:endParaRPr lang="en-US" sz="1600" b="1" dirty="0">
+              <a:solidFill>
+                <a:schemeClr val="tx1"/>
+              </a:solidFill>
+            </a:endParaRPr>
+          </a:p>
+        </p:txBody>
+      </p:sp>
+      <p:sp>
+        <p:nvSpPr>
+          <p:cNvPr id="6" name="Rectangle 5"/>
+          <p:cNvSpPr/>
+          <p:nvPr/>
+        </p:nvSpPr>
+        <p:spPr>
+          <a:xfrm>
+            <a:off x="1521982" y="3895044"/>
+            <a:ext cx="2223931" cy="401697"/>
+          </a:xfrm>
+          <a:prstGeom prst="rect">
+            <a:avLst/>
+          </a:prstGeom>
+          <a:solidFill>
+            <a:schemeClr val="bg1"/>
+          </a:solidFill>
+          <a:ln>
+            <a:solidFill>
+              <a:schemeClr val="tx1"/>
+            </a:solidFill>
+          </a:ln>
+          <a:effectLst/>
+        </p:spPr>
+        <p:style>
+          <a:lnRef idx="1">
+            <a:schemeClr val="accent1"/>
+          </a:lnRef>
+          <a:fillRef idx="3">
+            <a:schemeClr val="accent1"/>
+          </a:fillRef>
+          <a:effectRef idx="2">
+            <a:schemeClr val="accent1"/>
+          </a:effectRef>
+          <a:fontRef idx="minor">
+            <a:schemeClr val="lt1"/>
+          </a:fontRef>
+        </p:style>
+        <p:txBody>
+          <a:bodyPr rtlCol="0" anchor="ctr"/>
+          <a:lstStyle/>
+          <a:p>
+            <a:pPr algn="ctr"/>
+            <a:r>
+              <a:rPr lang="en-US" sz="1600" b="1" dirty="0" err="1" smtClean="0">
+                <a:solidFill>
+                  <a:schemeClr val="tx1"/>
+                </a:solidFill>
+              </a:rPr>
+              <a:t>BaseUnit</a:t>
+            </a:r>
+            <a:endParaRPr lang="en-US" sz="1600" b="1" dirty="0">
+              <a:solidFill>
+                <a:schemeClr val="tx1"/>
+              </a:solidFill>
+            </a:endParaRPr>
+          </a:p>
+        </p:txBody>
+      </p:sp>
+      <p:sp>
+        <p:nvSpPr>
+          <p:cNvPr id="7" name="Rectangle 6"/>
+          <p:cNvSpPr/>
+          <p:nvPr/>
+        </p:nvSpPr>
+        <p:spPr>
+          <a:xfrm>
+            <a:off x="1521982" y="4851179"/>
+            <a:ext cx="2223931" cy="401697"/>
+          </a:xfrm>
+          <a:prstGeom prst="rect">
+            <a:avLst/>
+          </a:prstGeom>
+          <a:solidFill>
+            <a:schemeClr val="bg1"/>
+          </a:solidFill>
+          <a:ln>
+            <a:solidFill>
+              <a:schemeClr val="tx1"/>
+            </a:solidFill>
+          </a:ln>
+          <a:effectLst/>
+        </p:spPr>
+        <p:style>
+          <a:lnRef idx="1">
+            <a:schemeClr val="accent1"/>
+          </a:lnRef>
+          <a:fillRef idx="3">
+            <a:schemeClr val="accent1"/>
+          </a:fillRef>
+          <a:effectRef idx="2">
+            <a:schemeClr val="accent1"/>
+          </a:effectRef>
+          <a:fontRef idx="minor">
+            <a:schemeClr val="lt1"/>
+          </a:fontRef>
+        </p:style>
+        <p:txBody>
+          <a:bodyPr rtlCol="0" anchor="ctr"/>
+          <a:lstStyle/>
+          <a:p>
+            <a:pPr algn="ctr"/>
+            <a:r>
+              <a:rPr lang="en-US" sz="1600" b="1" dirty="0" err="1" smtClean="0">
+                <a:solidFill>
+                  <a:schemeClr val="tx1"/>
+                </a:solidFill>
+              </a:rPr>
+              <a:t>DerivedUnit</a:t>
+            </a:r>
+            <a:endParaRPr lang="en-US" sz="1600" b="1" dirty="0">
+              <a:solidFill>
+                <a:schemeClr val="tx1"/>
+              </a:solidFill>
+            </a:endParaRPr>
+          </a:p>
+        </p:txBody>
+      </p:sp>
+      <p:sp>
+        <p:nvSpPr>
+          <p:cNvPr id="8" name="Rectangle 7"/>
+          <p:cNvSpPr/>
+          <p:nvPr/>
+        </p:nvSpPr>
+        <p:spPr>
+          <a:xfrm>
+            <a:off x="1511254" y="5845534"/>
+            <a:ext cx="2223931" cy="401697"/>
+          </a:xfrm>
+          <a:prstGeom prst="rect">
+            <a:avLst/>
+          </a:prstGeom>
+          <a:solidFill>
+            <a:schemeClr val="bg1"/>
+          </a:solidFill>
+          <a:ln>
+            <a:solidFill>
+              <a:schemeClr val="tx1"/>
+            </a:solidFill>
+          </a:ln>
+          <a:effectLst/>
+        </p:spPr>
+        <p:style>
+          <a:lnRef idx="1">
+            <a:schemeClr val="accent1"/>
+          </a:lnRef>
+          <a:fillRef idx="3">
+            <a:schemeClr val="accent1"/>
+          </a:fillRef>
+          <a:effectRef idx="2">
+            <a:schemeClr val="accent1"/>
+          </a:effectRef>
+          <a:fontRef idx="minor">
+            <a:schemeClr val="lt1"/>
+          </a:fontRef>
+        </p:style>
+        <p:txBody>
+          <a:bodyPr rtlCol="0" anchor="ctr"/>
+          <a:lstStyle/>
+          <a:p>
+            <a:pPr algn="ctr"/>
+            <a:r>
+              <a:rPr lang="en-US" sz="1600" b="1" dirty="0" err="1" smtClean="0">
+                <a:solidFill>
+                  <a:schemeClr val="tx1"/>
+                </a:solidFill>
+              </a:rPr>
+              <a:t>CompositeUnit</a:t>
+            </a:r>
+            <a:endParaRPr lang="en-US" sz="1600" b="1" dirty="0">
+              <a:solidFill>
+                <a:schemeClr val="tx1"/>
+              </a:solidFill>
+            </a:endParaRPr>
+          </a:p>
+        </p:txBody>
+      </p:sp>
+      <p:sp>
+        <p:nvSpPr>
+          <p:cNvPr id="9" name="Rectangle 8"/>
+          <p:cNvSpPr/>
+          <p:nvPr/>
+        </p:nvSpPr>
+        <p:spPr>
+          <a:xfrm>
+            <a:off x="1522906" y="5252876"/>
+            <a:ext cx="2223931" cy="334870"/>
+          </a:xfrm>
+          <a:prstGeom prst="rect">
+            <a:avLst/>
+          </a:prstGeom>
+          <a:solidFill>
+            <a:schemeClr val="bg1"/>
+          </a:solidFill>
+          <a:ln>
+            <a:solidFill>
+              <a:schemeClr val="tx1"/>
+            </a:solidFill>
+          </a:ln>
+          <a:effectLst/>
+        </p:spPr>
+        <p:style>
+          <a:lnRef idx="1">
+            <a:schemeClr val="accent1"/>
+          </a:lnRef>
+          <a:fillRef idx="3">
+            <a:schemeClr val="accent1"/>
+          </a:fillRef>
+          <a:effectRef idx="2">
+            <a:schemeClr val="accent1"/>
+          </a:effectRef>
+          <a:fontRef idx="minor">
+            <a:schemeClr val="lt1"/>
+          </a:fontRef>
+        </p:style>
+        <p:txBody>
+          <a:bodyPr rtlCol="0" anchor="ctr"/>
+          <a:lstStyle/>
+          <a:p>
+            <a:r>
+              <a:rPr lang="en-US" sz="1400" dirty="0" smtClean="0">
+                <a:solidFill>
+                  <a:schemeClr val="tx1"/>
+                </a:solidFill>
+              </a:rPr>
+              <a:t>+ </a:t>
+            </a:r>
+            <a:r>
+              <a:rPr lang="en-US" sz="1400" dirty="0" err="1" smtClean="0">
+                <a:solidFill>
+                  <a:schemeClr val="tx1"/>
+                </a:solidFill>
+              </a:rPr>
+              <a:t>hasPower</a:t>
+            </a:r>
+            <a:r>
+              <a:rPr lang="en-US" sz="1400" dirty="0" smtClean="0">
+                <a:solidFill>
+                  <a:schemeClr val="tx1"/>
+                </a:solidFill>
+              </a:rPr>
+              <a:t> = </a:t>
+            </a:r>
+            <a:r>
+              <a:rPr lang="en-US" sz="1400" dirty="0" err="1" smtClean="0">
+                <a:solidFill>
+                  <a:schemeClr val="tx1"/>
+                </a:solidFill>
+              </a:rPr>
+              <a:t>int</a:t>
+            </a:r>
+            <a:endParaRPr lang="en-US" sz="1400" dirty="0" smtClean="0">
+              <a:solidFill>
+                <a:schemeClr val="tx1"/>
+              </a:solidFill>
+            </a:endParaRPr>
+          </a:p>
+        </p:txBody>
+      </p:sp>
+      <p:sp>
+        <p:nvSpPr>
+          <p:cNvPr id="10" name="Isosceles Triangle 9"/>
+          <p:cNvSpPr/>
+          <p:nvPr/>
+        </p:nvSpPr>
+        <p:spPr>
+          <a:xfrm>
+            <a:off x="1130695" y="2589631"/>
+            <a:ext cx="267340" cy="192498"/>
+          </a:xfrm>
+          <a:prstGeom prst="triangle">
+            <a:avLst/>
+          </a:prstGeom>
+          <a:noFill/>
+          <a:ln>
+            <a:solidFill>
+              <a:srgbClr val="000000"/>
+            </a:solidFill>
+          </a:ln>
+          <a:effectLst/>
+        </p:spPr>
+        <p:style>
+          <a:lnRef idx="1">
+            <a:schemeClr val="accent1"/>
+          </a:lnRef>
+          <a:fillRef idx="3">
+            <a:schemeClr val="accent1"/>
+          </a:fillRef>
+          <a:effectRef idx="2">
+            <a:schemeClr val="accent1"/>
+          </a:effectRef>
+          <a:fontRef idx="minor">
+            <a:schemeClr val="lt1"/>
+          </a:fontRef>
+        </p:style>
+        <p:txBody>
+          <a:bodyPr rtlCol="0" anchor="ctr"/>
+          <a:lstStyle/>
+          <a:p>
+            <a:pPr algn="ctr"/>
+            <a:endParaRPr lang="en-US" sz="1600"/>
+          </a:p>
+        </p:txBody>
+      </p:sp>
+      <p:sp>
+        <p:nvSpPr>
+          <p:cNvPr id="11" name="Isosceles Triangle 10"/>
+          <p:cNvSpPr/>
+          <p:nvPr/>
+        </p:nvSpPr>
+        <p:spPr>
+          <a:xfrm>
+            <a:off x="1130695" y="3417789"/>
+            <a:ext cx="267340" cy="192498"/>
+          </a:xfrm>
+          <a:prstGeom prst="triangle">
+            <a:avLst/>
+          </a:prstGeom>
+          <a:noFill/>
+          <a:ln>
+            <a:solidFill>
+              <a:srgbClr val="000000"/>
+            </a:solidFill>
+          </a:ln>
+          <a:effectLst/>
+        </p:spPr>
+        <p:style>
+          <a:lnRef idx="1">
+            <a:schemeClr val="accent1"/>
+          </a:lnRef>
+          <a:fillRef idx="3">
+            <a:schemeClr val="accent1"/>
+          </a:fillRef>
+          <a:effectRef idx="2">
+            <a:schemeClr val="accent1"/>
+          </a:effectRef>
+          <a:fontRef idx="minor">
+            <a:schemeClr val="lt1"/>
+          </a:fontRef>
+        </p:style>
+        <p:txBody>
+          <a:bodyPr rtlCol="0" anchor="ctr"/>
+          <a:lstStyle/>
+          <a:p>
+            <a:pPr algn="ctr"/>
+            <a:endParaRPr lang="en-US" sz="1600"/>
+          </a:p>
+        </p:txBody>
+      </p:sp>
+      <p:cxnSp>
+        <p:nvCxnSpPr>
+          <p:cNvPr id="12" name="Elbow Connector 11"/>
+          <p:cNvCxnSpPr>
+            <a:stCxn id="10" idx="3"/>
+            <a:endCxn id="5" idx="0"/>
+          </p:cNvCxnSpPr>
+          <p:nvPr/>
+        </p:nvCxnSpPr>
+        <p:spPr>
+          <a:xfrm rot="16200000" flipH="1">
+            <a:off x="1157644" y="2888849"/>
+            <a:ext cx="213442" cy="1"/>
+          </a:xfrm>
+          <a:prstGeom prst="bentConnector3">
+            <a:avLst>
+              <a:gd name="adj1" fmla="val 50000"/>
+            </a:avLst>
+          </a:prstGeom>
+          <a:ln w="12700" cap="flat" cmpd="sng" algn="ctr">
+            <a:solidFill>
+              <a:srgbClr val="000000"/>
+            </a:solidFill>
+            <a:prstDash val="solid"/>
+            <a:round/>
+            <a:headEnd type="none" w="med" len="med"/>
+            <a:tailEnd type="none" w="med" len="med"/>
+          </a:ln>
+          <a:effectLst/>
+        </p:spPr>
+        <p:style>
+          <a:lnRef idx="2">
+            <a:schemeClr val="accent1"/>
+          </a:lnRef>
+          <a:fillRef idx="0">
+            <a:schemeClr val="accent1"/>
+          </a:fillRef>
+          <a:effectRef idx="1">
+            <a:schemeClr val="accent1"/>
+          </a:effectRef>
+          <a:fontRef idx="minor">
+            <a:schemeClr val="tx1"/>
+          </a:fontRef>
+        </p:style>
+      </p:cxnSp>
+      <p:cxnSp>
+        <p:nvCxnSpPr>
+          <p:cNvPr id="13" name="Elbow Connector 16"/>
+          <p:cNvCxnSpPr>
+            <a:stCxn id="6" idx="1"/>
+            <a:endCxn id="11" idx="3"/>
+          </p:cNvCxnSpPr>
+          <p:nvPr/>
+        </p:nvCxnSpPr>
+        <p:spPr>
+          <a:xfrm rot="10800000">
+            <a:off x="1264366" y="3610287"/>
+            <a:ext cx="257617" cy="485606"/>
+          </a:xfrm>
+          <a:prstGeom prst="bentConnector2">
+            <a:avLst/>
+          </a:prstGeom>
+          <a:ln w="12700" cap="flat" cmpd="sng" algn="ctr">
+            <a:solidFill>
+              <a:srgbClr val="000000"/>
+            </a:solidFill>
+            <a:prstDash val="solid"/>
+            <a:round/>
+            <a:headEnd type="none" w="med" len="med"/>
+            <a:tailEnd type="none" w="med" len="med"/>
+          </a:ln>
+          <a:effectLst/>
+        </p:spPr>
+        <p:style>
+          <a:lnRef idx="2">
+            <a:schemeClr val="accent1"/>
+          </a:lnRef>
+          <a:fillRef idx="0">
+            <a:schemeClr val="accent1"/>
+          </a:fillRef>
+          <a:effectRef idx="1">
+            <a:schemeClr val="accent1"/>
+          </a:effectRef>
+          <a:fontRef idx="minor">
+            <a:schemeClr val="tx1"/>
+          </a:fontRef>
+        </p:style>
+      </p:cxnSp>
+      <p:cxnSp>
+        <p:nvCxnSpPr>
+          <p:cNvPr id="14" name="Elbow Connector 16"/>
+          <p:cNvCxnSpPr>
+            <a:stCxn id="7" idx="1"/>
+            <a:endCxn id="11" idx="3"/>
+          </p:cNvCxnSpPr>
+          <p:nvPr/>
+        </p:nvCxnSpPr>
+        <p:spPr>
+          <a:xfrm rot="10800000">
+            <a:off x="1264366" y="3610288"/>
+            <a:ext cx="257617" cy="1441741"/>
+          </a:xfrm>
+          <a:prstGeom prst="bentConnector2">
+            <a:avLst/>
+          </a:prstGeom>
+          <a:ln w="12700" cap="flat" cmpd="sng" algn="ctr">
+            <a:solidFill>
+              <a:srgbClr val="000000"/>
+            </a:solidFill>
+            <a:prstDash val="solid"/>
+            <a:round/>
+            <a:headEnd type="none" w="med" len="med"/>
+            <a:tailEnd type="none" w="med" len="med"/>
+          </a:ln>
+          <a:effectLst/>
+        </p:spPr>
+        <p:style>
+          <a:lnRef idx="2">
+            <a:schemeClr val="accent1"/>
+          </a:lnRef>
+          <a:fillRef idx="0">
+            <a:schemeClr val="accent1"/>
+          </a:fillRef>
+          <a:effectRef idx="1">
+            <a:schemeClr val="accent1"/>
+          </a:effectRef>
+          <a:fontRef idx="minor">
+            <a:schemeClr val="tx1"/>
+          </a:fontRef>
+        </p:style>
+      </p:cxnSp>
+      <p:cxnSp>
+        <p:nvCxnSpPr>
+          <p:cNvPr id="15" name="Elbow Connector 16"/>
+          <p:cNvCxnSpPr>
+            <a:stCxn id="8" idx="1"/>
+            <a:endCxn id="11" idx="3"/>
+          </p:cNvCxnSpPr>
+          <p:nvPr/>
+        </p:nvCxnSpPr>
+        <p:spPr>
+          <a:xfrm rot="10800000">
+            <a:off x="1264366" y="3610287"/>
+            <a:ext cx="246889" cy="2436096"/>
+          </a:xfrm>
+          <a:prstGeom prst="bentConnector2">
+            <a:avLst/>
+          </a:prstGeom>
+          <a:ln w="12700" cap="flat" cmpd="sng" algn="ctr">
+            <a:solidFill>
+              <a:srgbClr val="000000"/>
+            </a:solidFill>
+            <a:prstDash val="solid"/>
+            <a:round/>
+            <a:headEnd type="none" w="med" len="med"/>
+            <a:tailEnd type="none" w="med" len="med"/>
+          </a:ln>
+          <a:effectLst/>
+        </p:spPr>
+        <p:style>
+          <a:lnRef idx="2">
+            <a:schemeClr val="accent1"/>
+          </a:lnRef>
+          <a:fillRef idx="0">
+            <a:schemeClr val="accent1"/>
+          </a:fillRef>
+          <a:effectRef idx="1">
+            <a:schemeClr val="accent1"/>
+          </a:effectRef>
+          <a:fontRef idx="minor">
+            <a:schemeClr val="tx1"/>
+          </a:fontRef>
+        </p:style>
+      </p:cxnSp>
+      <p:cxnSp>
+        <p:nvCxnSpPr>
+          <p:cNvPr id="16" name="Elbow Connector 16"/>
+          <p:cNvCxnSpPr>
+            <a:stCxn id="7" idx="0"/>
+            <a:endCxn id="6" idx="2"/>
+          </p:cNvCxnSpPr>
+          <p:nvPr/>
+        </p:nvCxnSpPr>
+        <p:spPr>
+          <a:xfrm rot="5400000" flipH="1" flipV="1">
+            <a:off x="2356729" y="4573960"/>
+            <a:ext cx="554438" cy="1588"/>
+          </a:xfrm>
+          <a:prstGeom prst="bentConnector3">
+            <a:avLst>
+              <a:gd name="adj1" fmla="val 50000"/>
+            </a:avLst>
+          </a:prstGeom>
+          <a:ln w="12700" cap="flat" cmpd="sng" algn="ctr">
+            <a:solidFill>
+              <a:srgbClr val="000000"/>
+            </a:solidFill>
+            <a:prstDash val="solid"/>
+            <a:round/>
+            <a:headEnd type="none" w="med" len="med"/>
+            <a:tailEnd type="arrow" w="lg" len="lg"/>
+          </a:ln>
+          <a:effectLst/>
+        </p:spPr>
+        <p:style>
+          <a:lnRef idx="2">
+            <a:schemeClr val="accent1"/>
+          </a:lnRef>
+          <a:fillRef idx="0">
+            <a:schemeClr val="accent1"/>
+          </a:fillRef>
+          <a:effectRef idx="1">
+            <a:schemeClr val="accent1"/>
+          </a:effectRef>
+          <a:fontRef idx="minor">
+            <a:schemeClr val="tx1"/>
+          </a:fontRef>
+        </p:style>
+      </p:cxnSp>
+      <p:sp>
+        <p:nvSpPr>
+          <p:cNvPr id="17" name="Rectangle 16"/>
+          <p:cNvSpPr/>
+          <p:nvPr/>
+        </p:nvSpPr>
+        <p:spPr>
+          <a:xfrm>
+            <a:off x="2637220" y="4321534"/>
+            <a:ext cx="1137601" cy="307777"/>
+          </a:xfrm>
+          <a:prstGeom prst="rect">
+            <a:avLst/>
+          </a:prstGeom>
+        </p:spPr>
+        <p:txBody>
+          <a:bodyPr wrap="square">
+            <a:spAutoFit/>
+          </a:bodyPr>
+          <a:lstStyle/>
+          <a:p>
+            <a:r>
+              <a:rPr lang="en-US" sz="1400" dirty="0" err="1" smtClean="0">
+                <a:solidFill>
+                  <a:schemeClr val="tx1"/>
+                </a:solidFill>
+              </a:rPr>
+              <a:t>hasUnit</a:t>
+            </a:r>
+            <a:endParaRPr lang="en-US" sz="1400" dirty="0"/>
+          </a:p>
+        </p:txBody>
+      </p:sp>
+      <p:sp>
+        <p:nvSpPr>
+          <p:cNvPr id="18" name="Rectangle 17"/>
+          <p:cNvSpPr/>
+          <p:nvPr/>
+        </p:nvSpPr>
+        <p:spPr>
+          <a:xfrm>
+            <a:off x="2182632" y="4337087"/>
+            <a:ext cx="594412" cy="307777"/>
+          </a:xfrm>
+          <a:prstGeom prst="rect">
+            <a:avLst/>
+          </a:prstGeom>
+        </p:spPr>
+        <p:txBody>
+          <a:bodyPr wrap="square">
+            <a:spAutoFit/>
+          </a:bodyPr>
+          <a:lstStyle/>
+          <a:p>
+            <a:r>
+              <a:rPr lang="en-US" sz="1400" dirty="0" smtClean="0">
+                <a:solidFill>
+                  <a:schemeClr val="tx1"/>
+                </a:solidFill>
+              </a:rPr>
+              <a:t>1..1</a:t>
+            </a:r>
+            <a:endParaRPr lang="en-US" sz="1400" dirty="0"/>
+          </a:p>
+        </p:txBody>
+      </p:sp>
+      <p:sp>
+        <p:nvSpPr>
+          <p:cNvPr id="19" name="Rectangle 18"/>
+          <p:cNvSpPr/>
+          <p:nvPr/>
+        </p:nvSpPr>
+        <p:spPr>
+          <a:xfrm>
+            <a:off x="2432686" y="4626334"/>
+            <a:ext cx="241862" cy="523220"/>
+          </a:xfrm>
+          <a:prstGeom prst="rect">
+            <a:avLst/>
+          </a:prstGeom>
+        </p:spPr>
+        <p:txBody>
+          <a:bodyPr wrap="square">
+            <a:spAutoFit/>
+          </a:bodyPr>
+          <a:lstStyle/>
+          <a:p>
+            <a:r>
+              <a:rPr lang="en-US" sz="1400" dirty="0" smtClean="0">
+                <a:solidFill>
+                  <a:schemeClr val="tx1"/>
+                </a:solidFill>
+              </a:rPr>
+              <a:t>*</a:t>
+            </a:r>
+            <a:endParaRPr lang="en-US" sz="1400" dirty="0"/>
+          </a:p>
+        </p:txBody>
+      </p:sp>
+      <p:cxnSp>
+        <p:nvCxnSpPr>
+          <p:cNvPr id="20" name="Elbow Connector 16"/>
+          <p:cNvCxnSpPr>
+            <a:stCxn id="8" idx="3"/>
+            <a:endCxn id="21" idx="4"/>
+          </p:cNvCxnSpPr>
+          <p:nvPr/>
+        </p:nvCxnSpPr>
+        <p:spPr>
+          <a:xfrm flipV="1">
+            <a:off x="3735185" y="5591430"/>
+            <a:ext cx="683697" cy="454953"/>
+          </a:xfrm>
+          <a:prstGeom prst="bentConnector2">
+            <a:avLst/>
+          </a:prstGeom>
+          <a:ln w="12700" cap="flat" cmpd="sng" algn="ctr">
+            <a:solidFill>
+              <a:srgbClr val="000000"/>
+            </a:solidFill>
+            <a:prstDash val="solid"/>
+            <a:round/>
+            <a:headEnd type="none" w="med" len="med"/>
+            <a:tailEnd type="none" w="lg" len="lg"/>
+          </a:ln>
+          <a:effectLst/>
+        </p:spPr>
+        <p:style>
+          <a:lnRef idx="2">
+            <a:schemeClr val="accent1"/>
+          </a:lnRef>
+          <a:fillRef idx="0">
+            <a:schemeClr val="accent1"/>
+          </a:fillRef>
+          <a:effectRef idx="1">
+            <a:schemeClr val="accent1"/>
+          </a:effectRef>
+          <a:fontRef idx="minor">
+            <a:schemeClr val="tx1"/>
+          </a:fontRef>
+        </p:style>
+      </p:cxnSp>
+      <p:sp>
+        <p:nvSpPr>
+          <p:cNvPr id="21" name="Oval 20"/>
+          <p:cNvSpPr/>
+          <p:nvPr/>
+        </p:nvSpPr>
+        <p:spPr>
+          <a:xfrm>
+            <a:off x="4256713" y="5252876"/>
+            <a:ext cx="324338" cy="338554"/>
+          </a:xfrm>
+          <a:prstGeom prst="ellipse">
+            <a:avLst/>
+          </a:prstGeom>
+          <a:solidFill>
+            <a:srgbClr val="FFFFFF"/>
+          </a:solidFill>
+          <a:ln>
+            <a:solidFill>
+              <a:srgbClr val="000000"/>
+            </a:solidFill>
+          </a:ln>
+          <a:effectLst/>
+        </p:spPr>
+        <p:style>
+          <a:lnRef idx="1">
+            <a:schemeClr val="accent1"/>
+          </a:lnRef>
+          <a:fillRef idx="3">
+            <a:schemeClr val="accent1"/>
+          </a:fillRef>
+          <a:effectRef idx="2">
+            <a:schemeClr val="accent1"/>
+          </a:effectRef>
+          <a:fontRef idx="minor">
+            <a:schemeClr val="lt1"/>
+          </a:fontRef>
+        </p:style>
+        <p:txBody>
+          <a:bodyPr lIns="0" rIns="0" rtlCol="0" anchor="ctr"/>
+          <a:lstStyle/>
+          <a:p>
+            <a:pPr algn="ctr"/>
+            <a:r>
+              <a:rPr lang="en-US" sz="1400" dirty="0" smtClean="0">
+                <a:solidFill>
+                  <a:srgbClr val="000000"/>
+                </a:solidFill>
+              </a:rPr>
+              <a:t>U</a:t>
+            </a:r>
+            <a:endParaRPr lang="en-US" sz="1400" dirty="0">
+              <a:solidFill>
+                <a:srgbClr val="000000"/>
+              </a:solidFill>
+            </a:endParaRPr>
+          </a:p>
+        </p:txBody>
+      </p:sp>
+      <p:cxnSp>
+        <p:nvCxnSpPr>
+          <p:cNvPr id="22" name="Elbow Connector 16"/>
+          <p:cNvCxnSpPr>
+            <a:stCxn id="21" idx="2"/>
+            <a:endCxn id="9" idx="3"/>
+          </p:cNvCxnSpPr>
+          <p:nvPr/>
+        </p:nvCxnSpPr>
+        <p:spPr>
+          <a:xfrm rot="10800000">
+            <a:off x="3746837" y="5420311"/>
+            <a:ext cx="509876" cy="1842"/>
+          </a:xfrm>
+          <a:prstGeom prst="bentConnector3">
+            <a:avLst>
+              <a:gd name="adj1" fmla="val 50000"/>
+            </a:avLst>
+          </a:prstGeom>
+          <a:ln w="12700" cap="flat" cmpd="sng" algn="ctr">
+            <a:solidFill>
+              <a:srgbClr val="000000"/>
+            </a:solidFill>
+            <a:prstDash val="solid"/>
+            <a:round/>
+            <a:headEnd type="none" w="med" len="med"/>
+            <a:tailEnd type="arrow" w="lg" len="lg"/>
+          </a:ln>
+          <a:effectLst/>
+        </p:spPr>
+        <p:style>
+          <a:lnRef idx="2">
+            <a:schemeClr val="accent1"/>
+          </a:lnRef>
+          <a:fillRef idx="0">
+            <a:schemeClr val="accent1"/>
+          </a:fillRef>
+          <a:effectRef idx="1">
+            <a:schemeClr val="accent1"/>
+          </a:effectRef>
+          <a:fontRef idx="minor">
+            <a:schemeClr val="tx1"/>
+          </a:fontRef>
+        </p:style>
+      </p:cxnSp>
+      <p:cxnSp>
+        <p:nvCxnSpPr>
+          <p:cNvPr id="23" name="Elbow Connector 16"/>
+          <p:cNvCxnSpPr>
+            <a:stCxn id="21" idx="0"/>
+            <a:endCxn id="6" idx="3"/>
+          </p:cNvCxnSpPr>
+          <p:nvPr/>
+        </p:nvCxnSpPr>
+        <p:spPr>
+          <a:xfrm rot="16200000" flipV="1">
+            <a:off x="3503907" y="4337900"/>
+            <a:ext cx="1156983" cy="672969"/>
+          </a:xfrm>
+          <a:prstGeom prst="bentConnector2">
+            <a:avLst/>
+          </a:prstGeom>
+          <a:ln w="12700" cap="flat" cmpd="sng" algn="ctr">
+            <a:solidFill>
+              <a:srgbClr val="000000"/>
+            </a:solidFill>
+            <a:prstDash val="solid"/>
+            <a:round/>
+            <a:headEnd type="none" w="med" len="med"/>
+            <a:tailEnd type="arrow" w="lg" len="lg"/>
+          </a:ln>
+          <a:effectLst/>
+        </p:spPr>
+        <p:style>
+          <a:lnRef idx="2">
+            <a:schemeClr val="accent1"/>
+          </a:lnRef>
+          <a:fillRef idx="0">
+            <a:schemeClr val="accent1"/>
+          </a:fillRef>
+          <a:effectRef idx="1">
+            <a:schemeClr val="accent1"/>
+          </a:effectRef>
+          <a:fontRef idx="minor">
+            <a:schemeClr val="tx1"/>
+          </a:fontRef>
+        </p:style>
+      </p:cxnSp>
+      <p:sp>
+        <p:nvSpPr>
+          <p:cNvPr id="24" name="Rectangle 23"/>
+          <p:cNvSpPr/>
+          <p:nvPr/>
+        </p:nvSpPr>
+        <p:spPr>
+          <a:xfrm>
+            <a:off x="3733800" y="5616934"/>
+            <a:ext cx="969381" cy="307777"/>
+          </a:xfrm>
+          <a:prstGeom prst="rect">
+            <a:avLst/>
+          </a:prstGeom>
+        </p:spPr>
+        <p:txBody>
+          <a:bodyPr wrap="square">
+            <a:spAutoFit/>
+          </a:bodyPr>
+          <a:lstStyle/>
+          <a:p>
+            <a:r>
+              <a:rPr lang="en-US" sz="1400" dirty="0" err="1" smtClean="0">
+                <a:solidFill>
+                  <a:schemeClr val="tx1"/>
+                </a:solidFill>
+              </a:rPr>
+              <a:t>hasUnit</a:t>
+            </a:r>
+            <a:endParaRPr lang="en-US" sz="1400" dirty="0"/>
+          </a:p>
+        </p:txBody>
+      </p:sp>
+      <p:sp>
+        <p:nvSpPr>
+          <p:cNvPr id="25" name="Rectangle 24"/>
+          <p:cNvSpPr/>
+          <p:nvPr/>
+        </p:nvSpPr>
+        <p:spPr>
+          <a:xfrm>
+            <a:off x="3715330" y="6016823"/>
+            <a:ext cx="466892" cy="307777"/>
+          </a:xfrm>
+          <a:prstGeom prst="rect">
+            <a:avLst/>
+          </a:prstGeom>
+        </p:spPr>
+        <p:txBody>
+          <a:bodyPr wrap="square">
+            <a:spAutoFit/>
+          </a:bodyPr>
+          <a:lstStyle/>
+          <a:p>
+            <a:r>
+              <a:rPr lang="en-US" sz="1400" dirty="0" smtClean="0">
+                <a:solidFill>
+                  <a:schemeClr val="tx1"/>
+                </a:solidFill>
+              </a:rPr>
+              <a:t>*</a:t>
+            </a:r>
+            <a:endParaRPr lang="en-US" sz="1400" dirty="0"/>
+          </a:p>
+        </p:txBody>
+      </p:sp>
+      <p:sp>
+        <p:nvSpPr>
+          <p:cNvPr id="26" name="Rectangle 25"/>
+          <p:cNvSpPr/>
+          <p:nvPr/>
+        </p:nvSpPr>
+        <p:spPr>
+          <a:xfrm>
+            <a:off x="6921279" y="2187934"/>
+            <a:ext cx="2070321" cy="401697"/>
+          </a:xfrm>
+          <a:prstGeom prst="rect">
+            <a:avLst/>
+          </a:prstGeom>
+          <a:solidFill>
+            <a:schemeClr val="bg1"/>
+          </a:solidFill>
+          <a:ln>
+            <a:solidFill>
+              <a:schemeClr val="tx1"/>
+            </a:solidFill>
+          </a:ln>
+          <a:effectLst/>
+        </p:spPr>
+        <p:style>
+          <a:lnRef idx="1">
+            <a:schemeClr val="accent1"/>
+          </a:lnRef>
+          <a:fillRef idx="3">
+            <a:schemeClr val="accent1"/>
+          </a:fillRef>
+          <a:effectRef idx="2">
+            <a:schemeClr val="accent1"/>
+          </a:effectRef>
+          <a:fontRef idx="minor">
+            <a:schemeClr val="lt1"/>
+          </a:fontRef>
+        </p:style>
+        <p:txBody>
+          <a:bodyPr rtlCol="0" anchor="ctr"/>
+          <a:lstStyle/>
+          <a:p>
+            <a:pPr algn="ctr"/>
+            <a:r>
+              <a:rPr lang="en-US" sz="1600" b="1" dirty="0" smtClean="0">
+                <a:solidFill>
+                  <a:schemeClr val="tx1"/>
+                </a:solidFill>
+              </a:rPr>
+              <a:t>Characteristic</a:t>
+            </a:r>
+            <a:endParaRPr lang="en-US" sz="1600" b="1" dirty="0">
+              <a:solidFill>
+                <a:schemeClr val="tx1"/>
+              </a:solidFill>
+            </a:endParaRPr>
+          </a:p>
+        </p:txBody>
+      </p:sp>
+      <p:sp>
+        <p:nvSpPr>
+          <p:cNvPr id="27" name="Rectangle 26"/>
+          <p:cNvSpPr/>
+          <p:nvPr/>
+        </p:nvSpPr>
+        <p:spPr>
+          <a:xfrm>
+            <a:off x="3470894" y="2187934"/>
+            <a:ext cx="2091706" cy="401697"/>
+          </a:xfrm>
+          <a:prstGeom prst="rect">
+            <a:avLst/>
+          </a:prstGeom>
+          <a:solidFill>
+            <a:schemeClr val="bg1"/>
+          </a:solidFill>
+          <a:ln>
+            <a:solidFill>
+              <a:schemeClr val="tx1"/>
+            </a:solidFill>
+          </a:ln>
+          <a:effectLst/>
+        </p:spPr>
+        <p:style>
+          <a:lnRef idx="1">
+            <a:schemeClr val="accent1"/>
+          </a:lnRef>
+          <a:fillRef idx="3">
+            <a:schemeClr val="accent1"/>
+          </a:fillRef>
+          <a:effectRef idx="2">
+            <a:schemeClr val="accent1"/>
+          </a:effectRef>
+          <a:fontRef idx="minor">
+            <a:schemeClr val="lt1"/>
+          </a:fontRef>
+        </p:style>
+        <p:txBody>
+          <a:bodyPr rtlCol="0" anchor="ctr"/>
+          <a:lstStyle/>
+          <a:p>
+            <a:pPr algn="ctr"/>
+            <a:r>
+              <a:rPr lang="en-US" sz="1400" b="1" dirty="0" smtClean="0">
+                <a:solidFill>
+                  <a:schemeClr val="tx1"/>
+                </a:solidFill>
+                <a:latin typeface="Arial"/>
+                <a:cs typeface="Arial"/>
+              </a:rPr>
+              <a:t>Measurement</a:t>
+            </a:r>
+            <a:endParaRPr lang="en-US" sz="1400" b="1" dirty="0">
+              <a:solidFill>
+                <a:schemeClr val="tx1"/>
+              </a:solidFill>
+              <a:latin typeface="Arial"/>
+              <a:cs typeface="Arial"/>
+            </a:endParaRPr>
+          </a:p>
+        </p:txBody>
+      </p:sp>
+      <p:cxnSp>
+        <p:nvCxnSpPr>
+          <p:cNvPr id="28" name="Elbow Connector 16"/>
+          <p:cNvCxnSpPr>
+            <a:stCxn id="4" idx="3"/>
+            <a:endCxn id="27" idx="1"/>
+          </p:cNvCxnSpPr>
+          <p:nvPr/>
+        </p:nvCxnSpPr>
+        <p:spPr>
+          <a:xfrm>
+            <a:off x="2376331" y="2388783"/>
+            <a:ext cx="1094563" cy="1588"/>
+          </a:xfrm>
+          <a:prstGeom prst="bentConnector3">
+            <a:avLst>
+              <a:gd name="adj1" fmla="val 50000"/>
+            </a:avLst>
+          </a:prstGeom>
+          <a:ln w="12700" cap="flat" cmpd="sng" algn="ctr">
+            <a:solidFill>
+              <a:srgbClr val="000000"/>
+            </a:solidFill>
+            <a:prstDash val="solid"/>
+            <a:round/>
+            <a:headEnd type="none" w="med" len="med"/>
+            <a:tailEnd type="none" w="lg" len="lg"/>
+          </a:ln>
+          <a:effectLst/>
+        </p:spPr>
+        <p:style>
+          <a:lnRef idx="2">
+            <a:schemeClr val="accent1"/>
+          </a:lnRef>
+          <a:fillRef idx="0">
+            <a:schemeClr val="accent1"/>
+          </a:fillRef>
+          <a:effectRef idx="1">
+            <a:schemeClr val="accent1"/>
+          </a:effectRef>
+          <a:fontRef idx="minor">
+            <a:schemeClr val="tx1"/>
+          </a:fontRef>
+        </p:style>
+      </p:cxnSp>
+      <p:cxnSp>
+        <p:nvCxnSpPr>
+          <p:cNvPr id="31" name="Elbow Connector 16"/>
+          <p:cNvCxnSpPr>
+            <a:stCxn id="27" idx="3"/>
+            <a:endCxn id="26" idx="1"/>
+          </p:cNvCxnSpPr>
+          <p:nvPr/>
+        </p:nvCxnSpPr>
+        <p:spPr>
+          <a:xfrm>
+            <a:off x="5562600" y="2388783"/>
+            <a:ext cx="1358679" cy="1588"/>
+          </a:xfrm>
+          <a:prstGeom prst="bentConnector3">
+            <a:avLst>
+              <a:gd name="adj1" fmla="val 50000"/>
+            </a:avLst>
+          </a:prstGeom>
+          <a:ln w="12700" cap="flat" cmpd="sng" algn="ctr">
+            <a:solidFill>
+              <a:srgbClr val="000000"/>
+            </a:solidFill>
+            <a:prstDash val="solid"/>
+            <a:round/>
+            <a:headEnd type="none" w="med" len="med"/>
+            <a:tailEnd type="none" w="lg" len="lg"/>
+          </a:ln>
+          <a:effectLst/>
+        </p:spPr>
+        <p:style>
+          <a:lnRef idx="2">
+            <a:schemeClr val="accent1"/>
+          </a:lnRef>
+          <a:fillRef idx="0">
+            <a:schemeClr val="accent1"/>
+          </a:fillRef>
+          <a:effectRef idx="1">
+            <a:schemeClr val="accent1"/>
+          </a:effectRef>
+          <a:fontRef idx="minor">
+            <a:schemeClr val="tx1"/>
+          </a:fontRef>
+        </p:style>
+      </p:cxnSp>
+      <p:sp>
+        <p:nvSpPr>
+          <p:cNvPr id="35" name="Rectangle 34"/>
+          <p:cNvSpPr/>
+          <p:nvPr/>
+        </p:nvSpPr>
+        <p:spPr>
+          <a:xfrm>
+            <a:off x="2338896" y="2362200"/>
+            <a:ext cx="1209436" cy="276999"/>
+          </a:xfrm>
+          <a:prstGeom prst="rect">
+            <a:avLst/>
+          </a:prstGeom>
+        </p:spPr>
+        <p:txBody>
+          <a:bodyPr wrap="none">
+            <a:spAutoFit/>
+          </a:bodyPr>
+          <a:lstStyle/>
+          <a:p>
+            <a:r>
+              <a:rPr lang="en-US" sz="1200" dirty="0" err="1" smtClean="0">
+                <a:latin typeface="Arial"/>
+                <a:cs typeface="Arial"/>
+              </a:rPr>
+              <a:t>standardFor</a:t>
+            </a:r>
+            <a:r>
+              <a:rPr lang="en-US" sz="1200" dirty="0" smtClean="0">
+                <a:latin typeface="Arial"/>
+                <a:cs typeface="Arial"/>
+              </a:rPr>
+              <a:t> ►</a:t>
+            </a:r>
+            <a:endParaRPr lang="en-US" sz="1200" dirty="0">
+              <a:latin typeface="Arial"/>
+              <a:cs typeface="Arial"/>
+            </a:endParaRPr>
+          </a:p>
+        </p:txBody>
+      </p:sp>
+      <p:sp>
+        <p:nvSpPr>
+          <p:cNvPr id="36" name="Rectangle 35"/>
+          <p:cNvSpPr/>
+          <p:nvPr/>
+        </p:nvSpPr>
+        <p:spPr>
+          <a:xfrm>
+            <a:off x="5562600" y="2362200"/>
+            <a:ext cx="1448759" cy="276999"/>
+          </a:xfrm>
+          <a:prstGeom prst="rect">
+            <a:avLst/>
+          </a:prstGeom>
+        </p:spPr>
+        <p:txBody>
+          <a:bodyPr wrap="none">
+            <a:spAutoFit/>
+          </a:bodyPr>
+          <a:lstStyle/>
+          <a:p>
+            <a:r>
+              <a:rPr lang="en-US" sz="1200" dirty="0" err="1" smtClean="0">
+                <a:latin typeface="Arial"/>
+                <a:cs typeface="Arial"/>
+              </a:rPr>
+              <a:t>ofCharacteristic</a:t>
+            </a:r>
+            <a:r>
+              <a:rPr lang="en-US" sz="1200" dirty="0" smtClean="0">
+                <a:latin typeface="Arial"/>
+                <a:cs typeface="Arial"/>
+              </a:rPr>
+              <a:t> ►</a:t>
+            </a:r>
+            <a:endParaRPr lang="en-US" sz="1200" dirty="0">
+              <a:latin typeface="Arial"/>
+              <a:cs typeface="Arial"/>
+            </a:endParaRPr>
+          </a:p>
+        </p:txBody>
+      </p:sp>
+      <p:sp>
+        <p:nvSpPr>
+          <p:cNvPr id="39" name="Rectangle 38"/>
+          <p:cNvSpPr/>
+          <p:nvPr/>
+        </p:nvSpPr>
+        <p:spPr>
+          <a:xfrm>
+            <a:off x="4280475" y="3048000"/>
+            <a:ext cx="4787325" cy="1692771"/>
+          </a:xfrm>
+          <a:prstGeom prst="rect">
+            <a:avLst/>
+          </a:prstGeom>
+        </p:spPr>
+        <p:txBody>
+          <a:bodyPr wrap="none">
+            <a:spAutoFit/>
+          </a:bodyPr>
+          <a:lstStyle/>
+          <a:p>
+            <a:pPr>
               <a:spcAft>
                 <a:spcPts val="1200"/>
               </a:spcAft>
             </a:pPr>
             <a:r>
-              <a:rPr lang="en-US" dirty="0" smtClean="0"/>
-              <a:t>Unit structure: </a:t>
-            </a:r>
-            <a:r>
-              <a:rPr lang="en-US" dirty="0" err="1" smtClean="0"/>
+              <a:rPr lang="en-US" sz="2000" i="1" u="sng" dirty="0" smtClean="0"/>
+              <a:t>For example (in Manchester OWL syntax):</a:t>
+            </a:r>
+          </a:p>
+          <a:p>
+            <a:r>
+              <a:rPr lang="en-US" sz="2000" dirty="0" smtClean="0"/>
+              <a:t>   </a:t>
+            </a:r>
+            <a:r>
+              <a:rPr lang="en-US" dirty="0" smtClean="0">
+                <a:latin typeface="Lucida Sans"/>
+                <a:cs typeface="Lucida Sans"/>
+              </a:rPr>
+              <a:t>Meter </a:t>
+            </a:r>
+            <a:r>
+              <a:rPr lang="en-US" dirty="0" err="1" smtClean="0">
+                <a:solidFill>
+                  <a:srgbClr val="5587BB"/>
+                </a:solidFill>
+                <a:latin typeface="Lucida Sans"/>
+                <a:cs typeface="Lucida Sans"/>
+              </a:rPr>
+              <a:t>subClassOf</a:t>
+            </a:r>
+            <a:r>
+              <a:rPr lang="en-US" dirty="0" smtClean="0">
+                <a:solidFill>
+                  <a:srgbClr val="5587BB"/>
+                </a:solidFill>
+                <a:latin typeface="Lucida Sans"/>
+                <a:cs typeface="Lucida Sans"/>
+              </a:rPr>
+              <a:t> </a:t>
+            </a:r>
+            <a:r>
+              <a:rPr lang="en-US" dirty="0" err="1" smtClean="0">
+                <a:latin typeface="Lucida Sans"/>
+                <a:cs typeface="Lucida Sans"/>
+              </a:rPr>
               <a:t>BaseUnit</a:t>
             </a:r>
             <a:r>
-              <a:rPr lang="en-US" dirty="0" smtClean="0"/>
-              <a:t>, </a:t>
-            </a:r>
-            <a:r>
-              <a:rPr lang="en-US" dirty="0" err="1" smtClean="0"/>
-              <a:t>DerivedUnit</a:t>
-            </a:r>
-            <a:r>
-              <a:rPr lang="en-US" dirty="0" smtClean="0"/>
-              <a:t>, </a:t>
-            </a:r>
-            <a:r>
-              <a:rPr lang="en-US" dirty="0" err="1" smtClean="0"/>
-              <a:t>CompositeUnit</a:t>
-            </a:r>
-            <a:r>
-              <a:rPr lang="en-US" dirty="0" smtClean="0"/>
-              <a:t>, </a:t>
-            </a:r>
-            <a:r>
-              <a:rPr lang="en-US" dirty="0" err="1" smtClean="0"/>
-              <a:t>UnitConversion</a:t>
-            </a:r>
-            <a:endParaRPr lang="en-US" dirty="0" smtClean="0"/>
-          </a:p>
-          <a:p>
-            <a:pPr lvl="1">
-              <a:buNone/>
-            </a:pPr>
-            <a:r>
-              <a:rPr lang="en-US" i="1" u="sng" dirty="0" smtClean="0"/>
-              <a:t>oboe-unit</a:t>
-            </a:r>
-            <a:r>
-              <a:rPr lang="en-US" dirty="0" smtClean="0"/>
-              <a:t>  …  common units &amp; characteristics</a:t>
-            </a:r>
-          </a:p>
-          <a:p>
-            <a:pPr lvl="2"/>
-            <a:r>
-              <a:rPr lang="en-US" dirty="0" smtClean="0"/>
-              <a:t>Physical characteristics (dimensions), conversions, etc.</a:t>
-            </a:r>
+              <a:rPr lang="en-US" dirty="0" smtClean="0">
+                <a:latin typeface="Lucida Sans"/>
+                <a:cs typeface="Lucida Sans"/>
+              </a:rPr>
+              <a:t> </a:t>
+            </a:r>
+          </a:p>
+          <a:p>
+            <a:r>
+              <a:rPr lang="en-US" dirty="0" smtClean="0">
+                <a:latin typeface="Lucida Sans"/>
+                <a:cs typeface="Lucida Sans"/>
+              </a:rPr>
+              <a:t>      </a:t>
+            </a:r>
+            <a:r>
+              <a:rPr lang="en-US" dirty="0" smtClean="0">
+                <a:solidFill>
+                  <a:srgbClr val="4EB7B9"/>
+                </a:solidFill>
+                <a:latin typeface="Lucida Sans"/>
+                <a:cs typeface="Lucida Sans"/>
+              </a:rPr>
+              <a:t>and </a:t>
+            </a:r>
+            <a:r>
+              <a:rPr lang="en-US" dirty="0" err="1" smtClean="0">
+                <a:latin typeface="Lucida Sans"/>
+                <a:cs typeface="Lucida Sans"/>
+              </a:rPr>
+              <a:t>standardFor</a:t>
+            </a:r>
+            <a:r>
+              <a:rPr lang="en-US" dirty="0" smtClean="0">
+                <a:latin typeface="Lucida Sans"/>
+                <a:cs typeface="Lucida Sans"/>
+              </a:rPr>
+              <a:t> </a:t>
+            </a:r>
+            <a:r>
+              <a:rPr lang="en-US" dirty="0" smtClean="0">
+                <a:solidFill>
+                  <a:srgbClr val="9F23AC"/>
+                </a:solidFill>
+                <a:latin typeface="Lucida Sans"/>
+                <a:cs typeface="Lucida Sans"/>
+              </a:rPr>
+              <a:t>only</a:t>
+            </a:r>
+          </a:p>
+          <a:p>
+            <a:r>
+              <a:rPr lang="en-US" dirty="0" smtClean="0">
+                <a:latin typeface="Lucida Sans"/>
+                <a:cs typeface="Lucida Sans"/>
+              </a:rPr>
+              <a:t>         (Measurement </a:t>
+            </a:r>
+          </a:p>
+          <a:p>
+            <a:r>
+              <a:rPr lang="en-US" dirty="0" smtClean="0">
+                <a:latin typeface="Lucida Sans"/>
+                <a:cs typeface="Lucida Sans"/>
+              </a:rPr>
+              <a:t>            </a:t>
+            </a:r>
+            <a:r>
+              <a:rPr lang="en-US" dirty="0" smtClean="0">
+                <a:solidFill>
+                  <a:srgbClr val="4EB7B9"/>
+                </a:solidFill>
+                <a:latin typeface="Lucida Sans"/>
+                <a:cs typeface="Lucida Sans"/>
+              </a:rPr>
+              <a:t>and</a:t>
+            </a:r>
+            <a:r>
+              <a:rPr lang="en-US" dirty="0" smtClean="0">
+                <a:latin typeface="Lucida Sans"/>
+                <a:cs typeface="Lucida Sans"/>
+              </a:rPr>
+              <a:t> </a:t>
+            </a:r>
+            <a:r>
+              <a:rPr lang="en-US" dirty="0" err="1" smtClean="0">
+                <a:latin typeface="Lucida Sans"/>
+                <a:cs typeface="Lucida Sans"/>
+              </a:rPr>
+              <a:t>ofCharacteristic</a:t>
+            </a:r>
+            <a:r>
+              <a:rPr lang="en-US" dirty="0" smtClean="0">
+                <a:latin typeface="Lucida Sans"/>
+                <a:cs typeface="Lucida Sans"/>
+              </a:rPr>
+              <a:t> </a:t>
+            </a:r>
+            <a:r>
+              <a:rPr lang="en-US" dirty="0" smtClean="0">
+                <a:solidFill>
+                  <a:srgbClr val="9F23AC"/>
+                </a:solidFill>
+                <a:latin typeface="Lucida Sans"/>
+                <a:cs typeface="Lucida Sans"/>
+              </a:rPr>
+              <a:t>only</a:t>
+            </a:r>
+            <a:r>
+              <a:rPr lang="en-US" dirty="0" smtClean="0">
+                <a:latin typeface="Lucida Sans"/>
+                <a:cs typeface="Lucida Sans"/>
+              </a:rPr>
+              <a:t> Length)</a:t>
+            </a:r>
+            <a:endParaRPr lang="en-US" dirty="0">
+              <a:latin typeface="Lucida Sans"/>
+              <a:cs typeface="Lucida Sans"/>
+            </a:endParaRPr>
           </a:p>
         </p:txBody>
       </p:sp>
@@ -5115,389 +6823,316 @@
   <p:timing>
     <p:tnLst>
       <p:par>
-        <p:cTn id="1" dur="indefinite" restart="never" nodeType="tmRoot">
-          <p:childTnLst>
-            <p:seq concurrent="1" nextAc="seek">
-              <p:cTn id="2" dur="indefinite" nodeType="mainSeq">
-                <p:childTnLst>
-                  <p:par>
-                    <p:cTn id="3" fill="hold">
-                      <p:stCondLst>
-                        <p:cond delay="indefinite"/>
-                        <p:cond evt="onBegin" delay="0">
-                          <p:tn val="2"/>
-                        </p:cond>
-                      </p:stCondLst>
-                      <p:childTnLst>
-                        <p:par>
-                          <p:cTn id="4" fill="hold">
-                            <p:stCondLst>
-                              <p:cond delay="0"/>
-                            </p:stCondLst>
-                            <p:childTnLst>
-                              <p:par>
-                                <p:cTn id="5" presetID="1" presetClass="entr" presetSubtype="0" fill="hold" grpId="0" nodeType="withEffect">
-                                  <p:stCondLst>
-                                    <p:cond delay="0"/>
-                                  </p:stCondLst>
-                                  <p:childTnLst>
-                                    <p:set>
-                                      <p:cBhvr>
-                                        <p:cTn id="6" dur="1" fill="hold">
-                                          <p:stCondLst>
-                                            <p:cond delay="0"/>
-                                          </p:stCondLst>
-                                        </p:cTn>
-                                        <p:tgtEl>
-                                          <p:spTgt spid="3">
-                                            <p:txEl>
-                                              <p:pRg st="0" end="0"/>
-                                            </p:txEl>
-                                          </p:spTgt>
-                                        </p:tgtEl>
-                                        <p:attrNameLst>
-                                          <p:attrName>style.visibility</p:attrName>
-                                        </p:attrNameLst>
-                                      </p:cBhvr>
-                                      <p:to>
-                                        <p:strVal val="visible"/>
-                                      </p:to>
-                                    </p:set>
-                                  </p:childTnLst>
-                                </p:cTn>
-                              </p:par>
-                            </p:childTnLst>
-                          </p:cTn>
-                        </p:par>
-                      </p:childTnLst>
-                    </p:cTn>
-                  </p:par>
-                  <p:par>
-                    <p:cTn id="7" fill="hold">
-                      <p:stCondLst>
-                        <p:cond delay="indefinite"/>
-                      </p:stCondLst>
-                      <p:childTnLst>
-                        <p:par>
-                          <p:cTn id="8" fill="hold">
-                            <p:stCondLst>
-                              <p:cond delay="0"/>
-                            </p:stCondLst>
-                            <p:childTnLst>
-                              <p:par>
-                                <p:cTn id="9" presetID="1" presetClass="entr" presetSubtype="0" fill="hold" grpId="0" nodeType="clickEffect">
-                                  <p:stCondLst>
-                                    <p:cond delay="0"/>
-                                  </p:stCondLst>
-                                  <p:childTnLst>
-                                    <p:set>
-                                      <p:cBhvr>
-                                        <p:cTn id="10" dur="1" fill="hold">
-                                          <p:stCondLst>
-                                            <p:cond delay="0"/>
-                                          </p:stCondLst>
-                                        </p:cTn>
-                                        <p:tgtEl>
-                                          <p:spTgt spid="3">
-                                            <p:txEl>
-                                              <p:pRg st="1" end="1"/>
-                                            </p:txEl>
-                                          </p:spTgt>
-                                        </p:tgtEl>
-                                        <p:attrNameLst>
-                                          <p:attrName>style.visibility</p:attrName>
-                                        </p:attrNameLst>
-                                      </p:cBhvr>
-                                      <p:to>
-                                        <p:strVal val="visible"/>
-                                      </p:to>
-                                    </p:set>
-                                  </p:childTnLst>
-                                </p:cTn>
-                              </p:par>
-                              <p:par>
-                                <p:cTn id="11" presetID="1" presetClass="entr" presetSubtype="0" fill="hold" grpId="0" nodeType="withEffect">
-                                  <p:stCondLst>
-                                    <p:cond delay="0"/>
-                                  </p:stCondLst>
-                                  <p:childTnLst>
-                                    <p:set>
-                                      <p:cBhvr>
-                                        <p:cTn id="12" dur="1" fill="hold">
-                                          <p:stCondLst>
-                                            <p:cond delay="0"/>
-                                          </p:stCondLst>
-                                        </p:cTn>
-                                        <p:tgtEl>
-                                          <p:spTgt spid="3">
-                                            <p:txEl>
-                                              <p:pRg st="2" end="2"/>
-                                            </p:txEl>
-                                          </p:spTgt>
-                                        </p:tgtEl>
-                                        <p:attrNameLst>
-                                          <p:attrName>style.visibility</p:attrName>
-                                        </p:attrNameLst>
-                                      </p:cBhvr>
-                                      <p:to>
-                                        <p:strVal val="visible"/>
-                                      </p:to>
-                                    </p:set>
-                                  </p:childTnLst>
-                                </p:cTn>
-                              </p:par>
-                            </p:childTnLst>
-                          </p:cTn>
-                        </p:par>
-                      </p:childTnLst>
-                    </p:cTn>
-                  </p:par>
-                  <p:par>
-                    <p:cTn id="13" fill="hold">
-                      <p:stCondLst>
-                        <p:cond delay="indefinite"/>
-                      </p:stCondLst>
-                      <p:childTnLst>
-                        <p:par>
-                          <p:cTn id="14" fill="hold">
-                            <p:stCondLst>
-                              <p:cond delay="0"/>
-                            </p:stCondLst>
-                            <p:childTnLst>
-                              <p:par>
-                                <p:cTn id="15" presetID="1" presetClass="entr" presetSubtype="0" fill="hold" grpId="0" nodeType="clickEffect">
-                                  <p:stCondLst>
-                                    <p:cond delay="0"/>
-                                  </p:stCondLst>
-                                  <p:childTnLst>
-                                    <p:set>
-                                      <p:cBhvr>
-                                        <p:cTn id="16" dur="1" fill="hold">
-                                          <p:stCondLst>
-                                            <p:cond delay="0"/>
-                                          </p:stCondLst>
-                                        </p:cTn>
-                                        <p:tgtEl>
-                                          <p:spTgt spid="3">
-                                            <p:txEl>
-                                              <p:pRg st="3" end="3"/>
-                                            </p:txEl>
-                                          </p:spTgt>
-                                        </p:tgtEl>
-                                        <p:attrNameLst>
-                                          <p:attrName>style.visibility</p:attrName>
-                                        </p:attrNameLst>
-                                      </p:cBhvr>
-                                      <p:to>
-                                        <p:strVal val="visible"/>
-                                      </p:to>
-                                    </p:set>
-                                  </p:childTnLst>
-                                </p:cTn>
-                              </p:par>
-                              <p:par>
-                                <p:cTn id="17" presetID="1" presetClass="entr" presetSubtype="0" fill="hold" grpId="0" nodeType="withEffect">
-                                  <p:stCondLst>
-                                    <p:cond delay="0"/>
-                                  </p:stCondLst>
-                                  <p:childTnLst>
-                                    <p:set>
-                                      <p:cBhvr>
-                                        <p:cTn id="18" dur="1" fill="hold">
-                                          <p:stCondLst>
-                                            <p:cond delay="0"/>
-                                          </p:stCondLst>
-                                        </p:cTn>
-                                        <p:tgtEl>
-                                          <p:spTgt spid="3">
-                                            <p:txEl>
-                                              <p:pRg st="4" end="4"/>
-                                            </p:txEl>
-                                          </p:spTgt>
-                                        </p:tgtEl>
-                                        <p:attrNameLst>
-                                          <p:attrName>style.visibility</p:attrName>
-                                        </p:attrNameLst>
-                                      </p:cBhvr>
-                                      <p:to>
-                                        <p:strVal val="visible"/>
-                                      </p:to>
-                                    </p:set>
-                                  </p:childTnLst>
-                                </p:cTn>
-                              </p:par>
-                              <p:par>
-                                <p:cTn id="19" presetID="1" presetClass="entr" presetSubtype="0" fill="hold" grpId="0" nodeType="withEffect">
-                                  <p:stCondLst>
-                                    <p:cond delay="0"/>
-                                  </p:stCondLst>
-                                  <p:childTnLst>
-                                    <p:set>
-                                      <p:cBhvr>
-                                        <p:cTn id="20" dur="1" fill="hold">
-                                          <p:stCondLst>
-                                            <p:cond delay="0"/>
-                                          </p:stCondLst>
-                                        </p:cTn>
-                                        <p:tgtEl>
-                                          <p:spTgt spid="3">
-                                            <p:txEl>
-                                              <p:pRg st="5" end="5"/>
-                                            </p:txEl>
-                                          </p:spTgt>
-                                        </p:tgtEl>
-                                        <p:attrNameLst>
-                                          <p:attrName>style.visibility</p:attrName>
-                                        </p:attrNameLst>
-                                      </p:cBhvr>
-                                      <p:to>
-                                        <p:strVal val="visible"/>
-                                      </p:to>
-                                    </p:set>
-                                  </p:childTnLst>
-                                </p:cTn>
-                              </p:par>
-                              <p:par>
-                                <p:cTn id="21" presetID="1" presetClass="entr" presetSubtype="0" fill="hold" grpId="0" nodeType="withEffect">
-                                  <p:stCondLst>
-                                    <p:cond delay="0"/>
-                                  </p:stCondLst>
-                                  <p:childTnLst>
-                                    <p:set>
-                                      <p:cBhvr>
-                                        <p:cTn id="22" dur="1" fill="hold">
-                                          <p:stCondLst>
-                                            <p:cond delay="0"/>
-                                          </p:stCondLst>
-                                        </p:cTn>
-                                        <p:tgtEl>
-                                          <p:spTgt spid="3">
-                                            <p:txEl>
-                                              <p:pRg st="6" end="6"/>
-                                            </p:txEl>
-                                          </p:spTgt>
-                                        </p:tgtEl>
-                                        <p:attrNameLst>
-                                          <p:attrName>style.visibility</p:attrName>
-                                        </p:attrNameLst>
-                                      </p:cBhvr>
-                                      <p:to>
-                                        <p:strVal val="visible"/>
-                                      </p:to>
-                                    </p:set>
-                                  </p:childTnLst>
-                                </p:cTn>
-                              </p:par>
-                            </p:childTnLst>
-                          </p:cTn>
-                        </p:par>
-                      </p:childTnLst>
-                    </p:cTn>
-                  </p:par>
-                  <p:par>
-                    <p:cTn id="23" fill="hold">
-                      <p:stCondLst>
-                        <p:cond delay="indefinite"/>
-                      </p:stCondLst>
-                      <p:childTnLst>
-                        <p:par>
-                          <p:cTn id="24" fill="hold">
-                            <p:stCondLst>
-                              <p:cond delay="0"/>
-                            </p:stCondLst>
-                            <p:childTnLst>
-                              <p:par>
-                                <p:cTn id="25" presetID="1" presetClass="entr" presetSubtype="0" fill="hold" grpId="0" nodeType="clickEffect">
-                                  <p:stCondLst>
-                                    <p:cond delay="0"/>
-                                  </p:stCondLst>
-                                  <p:childTnLst>
-                                    <p:set>
-                                      <p:cBhvr>
-                                        <p:cTn id="26" dur="1" fill="hold">
-                                          <p:stCondLst>
-                                            <p:cond delay="0"/>
-                                          </p:stCondLst>
-                                        </p:cTn>
-                                        <p:tgtEl>
-                                          <p:spTgt spid="3">
-                                            <p:txEl>
-                                              <p:pRg st="7" end="7"/>
-                                            </p:txEl>
-                                          </p:spTgt>
-                                        </p:tgtEl>
-                                        <p:attrNameLst>
-                                          <p:attrName>style.visibility</p:attrName>
-                                        </p:attrNameLst>
-                                      </p:cBhvr>
-                                      <p:to>
-                                        <p:strVal val="visible"/>
-                                      </p:to>
-                                    </p:set>
-                                  </p:childTnLst>
-                                </p:cTn>
-                              </p:par>
-                              <p:par>
-                                <p:cTn id="27" presetID="1" presetClass="entr" presetSubtype="0" fill="hold" grpId="0" nodeType="withEffect">
-                                  <p:stCondLst>
-                                    <p:cond delay="0"/>
-                                  </p:stCondLst>
-                                  <p:childTnLst>
-                                    <p:set>
-                                      <p:cBhvr>
-                                        <p:cTn id="28" dur="1" fill="hold">
-                                          <p:stCondLst>
-                                            <p:cond delay="0"/>
-                                          </p:stCondLst>
-                                        </p:cTn>
-                                        <p:tgtEl>
-                                          <p:spTgt spid="3">
-                                            <p:txEl>
-                                              <p:pRg st="8" end="8"/>
-                                            </p:txEl>
-                                          </p:spTgt>
-                                        </p:tgtEl>
-                                        <p:attrNameLst>
-                                          <p:attrName>style.visibility</p:attrName>
-                                        </p:attrNameLst>
-                                      </p:cBhvr>
-                                      <p:to>
-                                        <p:strVal val="visible"/>
-                                      </p:to>
-                                    </p:set>
-                                  </p:childTnLst>
-                                </p:cTn>
-                              </p:par>
-                            </p:childTnLst>
-                          </p:cTn>
-                        </p:par>
-                      </p:childTnLst>
-                    </p:cTn>
-                  </p:par>
-                </p:childTnLst>
-              </p:cTn>
-              <p:prevCondLst>
-                <p:cond evt="onPrev" delay="0">
-                  <p:tgtEl>
-                    <p:sldTgt/>
-                  </p:tgtEl>
-                </p:cond>
-              </p:prevCondLst>
-              <p:nextCondLst>
-                <p:cond evt="onNext" delay="0">
-                  <p:tgtEl>
-                    <p:sldTgt/>
-                  </p:tgtEl>
-                </p:cond>
-              </p:nextCondLst>
-            </p:seq>
-          </p:childTnLst>
-        </p:cTn>
+        <p:cTn id="1" dur="indefinite" restart="never" nodeType="tmRoot"/>
       </p:par>
     </p:tnLst>
-    <p:bldLst>
-      <p:bldP spid="3" grpId="0" build="p"/>
-    </p:bldLst>
+  </p:timing>
+</p:sld>
+</file>
+
+<file path=ppt/slides/slide16.xml><?xml version="1.0" encoding="utf-8"?>
+<p:sld xmlns:a="http://schemas.openxmlformats.org/drawingml/2006/main" xmlns:r="http://schemas.openxmlformats.org/officeDocument/2006/relationships" xmlns:mc="http://schemas.openxmlformats.org/markup-compatibility/2006" xmlns:mv="urn:schemas-microsoft-com:mac:vml" xmlns:p="http://schemas.openxmlformats.org/presentationml/2006/main" mc:Ignorable="mv" mc:PreserveAttributes="mv:*">
+  <p:cSld>
+    <p:spTree>
+      <p:nvGrpSpPr>
+        <p:cNvPr id="1" name=""/>
+        <p:cNvGrpSpPr/>
+        <p:nvPr/>
+      </p:nvGrpSpPr>
+      <p:grpSpPr>
+        <a:xfrm>
+          <a:off x="0" y="0"/>
+          <a:ext cx="0" cy="0"/>
+          <a:chOff x="0" y="0"/>
+          <a:chExt cx="0" cy="0"/>
+        </a:xfrm>
+      </p:grpSpPr>
+      <p:sp>
+        <p:nvSpPr>
+          <p:cNvPr id="2" name="Title 1"/>
+          <p:cNvSpPr>
+            <a:spLocks noGrp="1"/>
+          </p:cNvSpPr>
+          <p:nvPr>
+            <p:ph type="title"/>
+          </p:nvPr>
+        </p:nvSpPr>
+        <p:spPr/>
+        <p:txBody>
+          <a:bodyPr/>
+          <a:lstStyle/>
+          <a:p>
+            <a:r>
+              <a:rPr lang="en-US" dirty="0" smtClean="0"/>
+              <a:t>4. Measurement standards and units</a:t>
+            </a:r>
+            <a:endParaRPr lang="en-US" dirty="0"/>
+          </a:p>
+        </p:txBody>
+      </p:sp>
+      <p:sp>
+        <p:nvSpPr>
+          <p:cNvPr id="3" name="Content Placeholder 2"/>
+          <p:cNvSpPr>
+            <a:spLocks noGrp="1"/>
+          </p:cNvSpPr>
+          <p:nvPr>
+            <p:ph idx="1"/>
+          </p:nvPr>
+        </p:nvSpPr>
+        <p:spPr/>
+        <p:txBody>
+          <a:bodyPr>
+            <a:normAutofit/>
+          </a:bodyPr>
+          <a:lstStyle/>
+          <a:p>
+            <a:pPr>
+              <a:spcAft>
+                <a:spcPts val="1200"/>
+              </a:spcAft>
+              <a:buNone/>
+            </a:pPr>
+            <a:r>
+              <a:rPr lang="en-US" dirty="0" smtClean="0">
+                <a:solidFill>
+                  <a:srgbClr val="800000"/>
+                </a:solidFill>
+              </a:rPr>
+              <a:t>The </a:t>
+            </a:r>
+            <a:r>
+              <a:rPr lang="en-US" i="1" u="sng" dirty="0" smtClean="0">
+                <a:solidFill>
+                  <a:srgbClr val="800000"/>
+                </a:solidFill>
+              </a:rPr>
+              <a:t>oboe-units</a:t>
+            </a:r>
+            <a:r>
+              <a:rPr lang="en-US" dirty="0" smtClean="0">
+                <a:solidFill>
+                  <a:srgbClr val="800000"/>
+                </a:solidFill>
+              </a:rPr>
+              <a:t> ontology</a:t>
+            </a:r>
+          </a:p>
+          <a:p>
+            <a:pPr>
+              <a:spcAft>
+                <a:spcPts val="1200"/>
+              </a:spcAft>
+            </a:pPr>
+            <a:r>
+              <a:rPr lang="en-US" dirty="0" smtClean="0"/>
+              <a:t>Defines many common units and characteristics</a:t>
+            </a:r>
+          </a:p>
+          <a:p>
+            <a:pPr>
+              <a:spcAft>
+                <a:spcPts val="1200"/>
+              </a:spcAft>
+            </a:pPr>
+            <a:r>
+              <a:rPr lang="en-US" dirty="0" smtClean="0"/>
+              <a:t>Drawn from LTER unit database (among other sources)</a:t>
+            </a:r>
+          </a:p>
+          <a:p>
+            <a:pPr>
+              <a:spcAft>
+                <a:spcPts val="1200"/>
+              </a:spcAft>
+            </a:pPr>
+            <a:r>
+              <a:rPr lang="en-US" dirty="0" smtClean="0"/>
+              <a:t>Also includes some indexes</a:t>
+            </a:r>
+          </a:p>
+          <a:p>
+            <a:pPr>
+              <a:spcAft>
+                <a:spcPts val="1200"/>
+              </a:spcAft>
+            </a:pPr>
+            <a:r>
+              <a:rPr lang="en-US" dirty="0" smtClean="0"/>
+              <a:t>Includes tricky examples such as Acre</a:t>
+            </a:r>
+          </a:p>
+          <a:p>
+            <a:pPr>
+              <a:spcAft>
+                <a:spcPts val="1200"/>
+              </a:spcAft>
+            </a:pPr>
+            <a:r>
+              <a:rPr lang="en-US" dirty="0" smtClean="0"/>
+              <a:t>Defines unit conversions (via the </a:t>
+            </a:r>
+            <a:r>
+              <a:rPr lang="en-US" dirty="0" err="1" smtClean="0"/>
+              <a:t>UnitConversion</a:t>
+            </a:r>
+            <a:r>
+              <a:rPr lang="en-US" dirty="0" smtClean="0"/>
+              <a:t> class)</a:t>
+            </a:r>
+          </a:p>
+          <a:p>
+            <a:pPr lvl="1">
+              <a:spcAft>
+                <a:spcPts val="1200"/>
+              </a:spcAft>
+            </a:pPr>
+            <a:r>
+              <a:rPr lang="en-US" dirty="0" smtClean="0"/>
+              <a:t>Source unit to target unit</a:t>
+            </a:r>
+          </a:p>
+          <a:p>
+            <a:pPr lvl="1">
+              <a:spcAft>
+                <a:spcPts val="1200"/>
+              </a:spcAft>
+            </a:pPr>
+            <a:r>
+              <a:rPr lang="en-US" dirty="0" smtClean="0"/>
+              <a:t>With offset and multiplier values</a:t>
+            </a:r>
+          </a:p>
+        </p:txBody>
+      </p:sp>
+    </p:spTree>
+  </p:cSld>
+  <p:clrMapOvr>
+    <a:masterClrMapping/>
+  </p:clrMapOvr>
+  <p:timing>
+    <p:tnLst>
+      <p:par>
+        <p:cTn id="1" dur="indefinite" restart="never" nodeType="tmRoot"/>
+      </p:par>
+    </p:tnLst>
+  </p:timing>
+</p:sld>
+</file>
+
+<file path=ppt/slides/slide17.xml><?xml version="1.0" encoding="utf-8"?>
+<p:sld xmlns:a="http://schemas.openxmlformats.org/drawingml/2006/main" xmlns:r="http://schemas.openxmlformats.org/officeDocument/2006/relationships" xmlns:mc="http://schemas.openxmlformats.org/markup-compatibility/2006" xmlns:mv="urn:schemas-microsoft-com:mac:vml" xmlns:p="http://schemas.openxmlformats.org/presentationml/2006/main" mc:Ignorable="mv" mc:PreserveAttributes="mv:*">
+  <p:cSld>
+    <p:spTree>
+      <p:nvGrpSpPr>
+        <p:cNvPr id="1" name=""/>
+        <p:cNvGrpSpPr/>
+        <p:nvPr/>
+      </p:nvGrpSpPr>
+      <p:grpSpPr>
+        <a:xfrm>
+          <a:off x="0" y="0"/>
+          <a:ext cx="0" cy="0"/>
+          <a:chOff x="0" y="0"/>
+          <a:chExt cx="0" cy="0"/>
+        </a:xfrm>
+      </p:grpSpPr>
+      <p:sp>
+        <p:nvSpPr>
+          <p:cNvPr id="2" name="Title 1"/>
+          <p:cNvSpPr>
+            <a:spLocks noGrp="1"/>
+          </p:cNvSpPr>
+          <p:nvPr>
+            <p:ph type="title"/>
+          </p:nvPr>
+        </p:nvSpPr>
+        <p:spPr/>
+        <p:txBody>
+          <a:bodyPr/>
+          <a:lstStyle/>
+          <a:p>
+            <a:r>
+              <a:rPr lang="en-US" dirty="0" smtClean="0"/>
+              <a:t>5. Measurement types</a:t>
+            </a:r>
+            <a:endParaRPr lang="en-US" dirty="0"/>
+          </a:p>
+        </p:txBody>
+      </p:sp>
+      <p:sp>
+        <p:nvSpPr>
+          <p:cNvPr id="3" name="Content Placeholder 2"/>
+          <p:cNvSpPr>
+            <a:spLocks noGrp="1"/>
+          </p:cNvSpPr>
+          <p:nvPr>
+            <p:ph idx="1"/>
+          </p:nvPr>
+        </p:nvSpPr>
+        <p:spPr/>
+        <p:txBody>
+          <a:bodyPr>
+            <a:normAutofit/>
+          </a:bodyPr>
+          <a:lstStyle/>
+          <a:p>
+            <a:pPr>
+              <a:spcAft>
+                <a:spcPts val="1200"/>
+              </a:spcAft>
+              <a:buNone/>
+            </a:pPr>
+            <a:r>
+              <a:rPr lang="en-US" dirty="0" smtClean="0">
+                <a:solidFill>
+                  <a:srgbClr val="800000"/>
+                </a:solidFill>
+              </a:rPr>
+              <a:t>A </a:t>
+            </a:r>
+            <a:r>
+              <a:rPr lang="en-US" i="1" u="sng" dirty="0" smtClean="0">
+                <a:solidFill>
+                  <a:srgbClr val="800000"/>
+                </a:solidFill>
+              </a:rPr>
+              <a:t>measurement type</a:t>
+            </a:r>
+            <a:r>
+              <a:rPr lang="en-US" dirty="0" smtClean="0">
+                <a:solidFill>
+                  <a:srgbClr val="800000"/>
+                </a:solidFill>
+              </a:rPr>
+              <a:t> …</a:t>
+            </a:r>
+          </a:p>
+          <a:p>
+            <a:pPr>
+              <a:spcAft>
+                <a:spcPts val="1200"/>
+              </a:spcAft>
+            </a:pPr>
+            <a:r>
+              <a:rPr lang="en-US" smtClean="0"/>
+              <a:t>…</a:t>
+            </a:r>
+            <a:endParaRPr lang="en-US" dirty="0" smtClean="0"/>
+          </a:p>
+        </p:txBody>
+      </p:sp>
+    </p:spTree>
+  </p:cSld>
+  <p:clrMapOvr>
+    <a:masterClrMapping/>
+  </p:clrMapOvr>
+  <p:timing>
+    <p:tnLst>
+      <p:par>
+        <p:cTn id="1" dur="indefinite" restart="never" nodeType="tmRoot"/>
+      </p:par>
+    </p:tnLst>
   </p:timing>
 </p:sld>
 </file>
@@ -5636,6 +7271,7 @@
               <a:rPr lang="en-US" dirty="0" smtClean="0"/>
               <a:t>Context relationships</a:t>
             </a:r>
+            <a:endParaRPr lang="en-US" dirty="0" smtClean="0"/>
           </a:p>
           <a:p>
             <a:pPr marL="514350" indent="-514350">
@@ -5647,8 +7283,9 @@
             </a:pPr>
             <a:r>
               <a:rPr lang="en-US" dirty="0" smtClean="0"/>
-              <a:t>Individuals</a:t>
-            </a:r>
+              <a:t>More patterns</a:t>
+            </a:r>
+            <a:endParaRPr lang="en-US" dirty="0" smtClean="0"/>
           </a:p>
           <a:p>
             <a:pPr marL="514350" indent="-514350">
@@ -7921,6 +9558,40 @@
           </a:p>
         </p:txBody>
       </p:sp>
+      <p:sp>
+        <p:nvSpPr>
+          <p:cNvPr id="45" name="TextBox 44"/>
+          <p:cNvSpPr txBox="1"/>
+          <p:nvPr/>
+        </p:nvSpPr>
+        <p:spPr>
+          <a:xfrm>
+            <a:off x="4267200" y="1066800"/>
+            <a:ext cx="3265963" cy="369332"/>
+          </a:xfrm>
+          <a:prstGeom prst="rect">
+            <a:avLst/>
+          </a:prstGeom>
+          <a:noFill/>
+        </p:spPr>
+        <p:txBody>
+          <a:bodyPr wrap="none" rtlCol="0">
+            <a:spAutoFit/>
+          </a:bodyPr>
+          <a:lstStyle/>
+          <a:p>
+            <a:r>
+              <a:rPr lang="en-US" i="1" dirty="0" smtClean="0"/>
+              <a:t>Note: Add </a:t>
+            </a:r>
+            <a:r>
+              <a:rPr lang="en-US" i="1" dirty="0" err="1" smtClean="0"/>
+              <a:t>ObservationCollection</a:t>
+            </a:r>
+            <a:endParaRPr lang="en-US" i="1" dirty="0"/>
+          </a:p>
+        </p:txBody>
+      </p:sp>
     </p:spTree>
   </p:cSld>
   <p:clrMapOvr>
@@ -7970,7 +9641,7 @@
           <a:p>
             <a:r>
               <a:rPr lang="en-US" dirty="0" smtClean="0"/>
-              <a:t>2. Basic Conventions</a:t>
+              <a:t>1. OBOE Basic Structure (oboe-core)</a:t>
             </a:r>
             <a:endParaRPr lang="en-US" dirty="0"/>
           </a:p>
@@ -7991,175 +9662,10 @@
           <a:bodyPr/>
           <a:lstStyle/>
           <a:p>
-            <a:pPr>
-              <a:spcAft>
-                <a:spcPts val="1800"/>
-              </a:spcAft>
-              <a:buNone/>
-            </a:pPr>
             <a:r>
               <a:rPr lang="en-US" dirty="0" smtClean="0"/>
-              <a:t>Conventions used by core </a:t>
-            </a:r>
-            <a:r>
-              <a:rPr lang="en-US" dirty="0" smtClean="0"/>
-              <a:t>oboe </a:t>
-            </a:r>
-            <a:r>
-              <a:rPr lang="en-US" dirty="0" err="1" smtClean="0"/>
-              <a:t>ontologies</a:t>
-            </a:r>
-            <a:r>
-              <a:rPr lang="en-US" dirty="0" smtClean="0"/>
-              <a:t> (</a:t>
-            </a:r>
-            <a:r>
-              <a:rPr lang="en-US" dirty="0" smtClean="0"/>
-              <a:t>suggested </a:t>
-            </a:r>
-            <a:r>
-              <a:rPr lang="en-US" dirty="0" smtClean="0"/>
-              <a:t>for compatible </a:t>
-            </a:r>
-            <a:r>
-              <a:rPr lang="en-US" dirty="0" err="1" smtClean="0"/>
-              <a:t>ontologies</a:t>
-            </a:r>
-            <a:r>
-              <a:rPr lang="en-US" dirty="0" smtClean="0"/>
-              <a:t>)</a:t>
-            </a:r>
-          </a:p>
-          <a:p>
-            <a:pPr lvl="1">
-              <a:spcAft>
-                <a:spcPts val="1800"/>
-              </a:spcAft>
-            </a:pPr>
-            <a:r>
-              <a:rPr lang="en-US" dirty="0" smtClean="0"/>
-              <a:t>Class names </a:t>
-            </a:r>
-            <a:r>
-              <a:rPr lang="en-US" dirty="0" smtClean="0"/>
-              <a:t>are c</a:t>
-            </a:r>
-            <a:r>
-              <a:rPr lang="en-US" dirty="0" smtClean="0"/>
-              <a:t>apitalized (</a:t>
-            </a:r>
-            <a:r>
-              <a:rPr lang="en-US" dirty="0" smtClean="0"/>
-              <a:t>e.g., Plant, Height)</a:t>
-            </a:r>
-            <a:endParaRPr lang="en-US" dirty="0" smtClean="0"/>
-          </a:p>
-          <a:p>
-            <a:pPr lvl="1">
-              <a:spcAft>
-                <a:spcPts val="1800"/>
-              </a:spcAft>
-            </a:pPr>
-            <a:r>
-              <a:rPr lang="en-US" dirty="0" smtClean="0"/>
-              <a:t>Terms in names are capitalized (</a:t>
-            </a:r>
-            <a:r>
-              <a:rPr lang="en-US" dirty="0" smtClean="0"/>
-              <a:t>e.g., </a:t>
-            </a:r>
-            <a:r>
-              <a:rPr lang="en-US" dirty="0" err="1" smtClean="0"/>
-              <a:t>CarbonContent</a:t>
-            </a:r>
-            <a:r>
-              <a:rPr lang="en-US" dirty="0" smtClean="0"/>
-              <a:t>)</a:t>
-            </a:r>
-            <a:endParaRPr lang="en-US" dirty="0" smtClean="0"/>
-          </a:p>
-          <a:p>
-            <a:pPr lvl="1">
-              <a:spcAft>
-                <a:spcPts val="1800"/>
-              </a:spcAft>
-            </a:pPr>
-            <a:r>
-              <a:rPr lang="en-US" dirty="0" smtClean="0"/>
-              <a:t>Classes have comments (using </a:t>
-            </a:r>
-            <a:r>
-              <a:rPr lang="en-US" dirty="0" err="1" smtClean="0">
-                <a:latin typeface="Courier"/>
-                <a:cs typeface="Courier"/>
-              </a:rPr>
-              <a:t>rdfs:comment</a:t>
-            </a:r>
-            <a:r>
-              <a:rPr lang="en-US" dirty="0" smtClean="0"/>
-              <a:t>) </a:t>
-            </a:r>
-          </a:p>
-          <a:p>
-            <a:pPr lvl="1">
-              <a:spcAft>
-                <a:spcPts val="1800"/>
-              </a:spcAft>
-            </a:pPr>
-            <a:r>
-              <a:rPr lang="en-US" dirty="0" err="1" smtClean="0"/>
-              <a:t>Ontologies</a:t>
-            </a:r>
-            <a:r>
-              <a:rPr lang="en-US" dirty="0" smtClean="0"/>
-              <a:t> have a single </a:t>
-            </a:r>
-            <a:r>
-              <a:rPr lang="en-US" dirty="0" err="1" smtClean="0"/>
-              <a:t>rdfs:label</a:t>
-            </a:r>
-            <a:r>
-              <a:rPr lang="en-US" dirty="0" smtClean="0"/>
-              <a:t> (</a:t>
-            </a:r>
-            <a:r>
-              <a:rPr lang="en-US" dirty="0" smtClean="0"/>
-              <a:t>e.g., “oboe-units”)</a:t>
-            </a:r>
-            <a:endParaRPr lang="en-US" dirty="0" smtClean="0"/>
-          </a:p>
-          <a:p>
-            <a:pPr lvl="1">
-              <a:spcAft>
-                <a:spcPts val="1800"/>
-              </a:spcAft>
-            </a:pPr>
-            <a:r>
-              <a:rPr lang="en-US" dirty="0" err="1" smtClean="0"/>
-              <a:t>Ontologies</a:t>
-            </a:r>
-            <a:r>
-              <a:rPr lang="en-US" dirty="0" smtClean="0"/>
-              <a:t> have a comment (using </a:t>
-            </a:r>
-            <a:r>
-              <a:rPr lang="en-US" dirty="0" err="1" smtClean="0">
-                <a:latin typeface="Courier"/>
-                <a:cs typeface="Courier"/>
-              </a:rPr>
-              <a:t>rdfs:comment</a:t>
-            </a:r>
-            <a:r>
-              <a:rPr lang="en-US" dirty="0" smtClean="0"/>
-              <a:t>)</a:t>
-            </a:r>
-          </a:p>
-          <a:p>
-            <a:pPr lvl="1">
-              <a:spcAft>
-                <a:spcPts val="1800"/>
-              </a:spcAft>
-            </a:pPr>
+              <a:t>State the basics here …</a:t>
+            </a:r>
             <a:endParaRPr lang="en-US" dirty="0"/>
           </a:p>
         </p:txBody>
@@ -8169,13 +9675,6 @@
   <p:clrMapOvr>
     <a:masterClrMapping/>
   </p:clrMapOvr>
-  <p:timing>
-    <p:tnLst>
-      <p:par>
-        <p:cTn id="1" dur="indefinite" restart="never" nodeType="tmRoot"/>
-      </p:par>
-    </p:tnLst>
-  </p:timing>
 </p:sld>
 </file>
 
@@ -8235,62 +9734,206 @@
           <a:lstStyle/>
           <a:p>
             <a:pPr>
+              <a:spcAft>
+                <a:spcPts val="1800"/>
+              </a:spcAft>
               <a:buNone/>
             </a:pPr>
             <a:r>
+              <a:rPr lang="en-US" dirty="0" smtClean="0">
+                <a:solidFill>
+                  <a:srgbClr val="800000"/>
+                </a:solidFill>
+              </a:rPr>
+              <a:t>Conventions used by core </a:t>
+            </a:r>
+            <a:r>
+              <a:rPr lang="en-US" dirty="0" smtClean="0">
+                <a:solidFill>
+                  <a:srgbClr val="800000"/>
+                </a:solidFill>
+              </a:rPr>
+              <a:t>oboe </a:t>
+            </a:r>
+            <a:r>
+              <a:rPr lang="en-US" dirty="0" err="1" smtClean="0">
+                <a:solidFill>
+                  <a:srgbClr val="800000"/>
+                </a:solidFill>
+              </a:rPr>
+              <a:t>ontologies</a:t>
+            </a:r>
+            <a:r>
+              <a:rPr lang="en-US" dirty="0" smtClean="0">
+                <a:solidFill>
+                  <a:srgbClr val="800000"/>
+                </a:solidFill>
+              </a:rPr>
+              <a:t> (</a:t>
+            </a:r>
+            <a:r>
+              <a:rPr lang="en-US" dirty="0" smtClean="0">
+                <a:solidFill>
+                  <a:srgbClr val="800000"/>
+                </a:solidFill>
+              </a:rPr>
+              <a:t>suggested </a:t>
+            </a:r>
+            <a:r>
+              <a:rPr lang="en-US" dirty="0" smtClean="0">
+                <a:solidFill>
+                  <a:srgbClr val="800000"/>
+                </a:solidFill>
+              </a:rPr>
+              <a:t>for compatible </a:t>
+            </a:r>
+            <a:r>
+              <a:rPr lang="en-US" dirty="0" err="1" smtClean="0">
+                <a:solidFill>
+                  <a:srgbClr val="800000"/>
+                </a:solidFill>
+              </a:rPr>
+              <a:t>ontologies</a:t>
+            </a:r>
+            <a:r>
+              <a:rPr lang="en-US" dirty="0" smtClean="0">
+                <a:solidFill>
+                  <a:srgbClr val="800000"/>
+                </a:solidFill>
+              </a:rPr>
+              <a:t>)</a:t>
+            </a:r>
+          </a:p>
+          <a:p>
+            <a:pPr lvl="1">
+              <a:spcAft>
+                <a:spcPts val="1800"/>
+              </a:spcAft>
+            </a:pPr>
+            <a:r>
               <a:rPr lang="en-US" dirty="0" smtClean="0"/>
-              <a:t>When naming entities, characteristics, and standards it is suggested they make sense in the following sentence … </a:t>
+              <a:t>Class names </a:t>
+            </a:r>
+            <a:r>
+              <a:rPr lang="en-US" dirty="0" smtClean="0"/>
+              <a:t>are c</a:t>
+            </a:r>
+            <a:r>
+              <a:rPr lang="en-US" dirty="0" smtClean="0"/>
+              <a:t>apitalized (</a:t>
+            </a:r>
+            <a:r>
+              <a:rPr lang="en-US" dirty="0" smtClean="0"/>
+              <a:t>e.g., Plant, Height)</a:t>
             </a:r>
             <a:endParaRPr lang="en-US" dirty="0" smtClean="0"/>
           </a:p>
           <a:p>
-            <a:pPr lvl="1"/>
+            <a:pPr lvl="1">
+              <a:spcAft>
+                <a:spcPts val="1800"/>
+              </a:spcAft>
+            </a:pPr>
+            <a:r>
+              <a:rPr lang="en-US" dirty="0" smtClean="0"/>
+              <a:t>Terms in names are capitalized (</a:t>
+            </a:r>
+            <a:r>
+              <a:rPr lang="en-US" dirty="0" smtClean="0"/>
+              <a:t>e.g., </a:t>
+            </a:r>
+            <a:r>
+              <a:rPr lang="en-US" dirty="0" err="1" smtClean="0"/>
+              <a:t>CarbonContent</a:t>
+            </a:r>
+            <a:r>
+              <a:rPr lang="en-US" dirty="0" smtClean="0"/>
+              <a:t>)</a:t>
+            </a:r>
             <a:endParaRPr lang="en-US" dirty="0" smtClean="0"/>
           </a:p>
           <a:p>
-            <a:pPr lvl="1"/>
+            <a:pPr lvl="1">
+              <a:spcAft>
+                <a:spcPts val="1800"/>
+              </a:spcAft>
+            </a:pPr>
             <a:r>
               <a:rPr lang="en-US" dirty="0" smtClean="0"/>
-              <a:t>The </a:t>
+              <a:t>Classes have comments (using </a:t>
+            </a:r>
+            <a:r>
+              <a:rPr lang="en-US" dirty="0" err="1" smtClean="0">
+                <a:latin typeface="Courier"/>
+                <a:cs typeface="Courier"/>
+              </a:rPr>
+              <a:t>rdfs:comment</a:t>
             </a:r>
             <a:r>
               <a:rPr lang="en-US" dirty="0" smtClean="0"/>
-              <a:t>&lt;characteristic&gt; of an &lt;entity&gt; was</a:t>
+              <a:t>) </a:t>
+            </a:r>
+          </a:p>
+          <a:p>
+            <a:pPr lvl="1">
+              <a:spcAft>
+                <a:spcPts val="1800"/>
+              </a:spcAft>
+            </a:pPr>
+            <a:r>
+              <a:rPr lang="en-US" dirty="0" err="1" smtClean="0"/>
+              <a:t>Ontologies</a:t>
             </a:r>
             <a:r>
               <a:rPr lang="en-US" dirty="0" smtClean="0"/>
-              <a:t> recorded using the &lt;standard&gt; and the &lt;protocol&gt;</a:t>
-            </a:r>
-          </a:p>
-          <a:p>
-            <a:pPr lvl="1"/>
+              <a:t> have a single </a:t>
+            </a:r>
+            <a:r>
+              <a:rPr lang="en-US" dirty="0" err="1" smtClean="0"/>
+              <a:t>rdfs:label</a:t>
+            </a:r>
+            <a:r>
+              <a:rPr lang="en-US" dirty="0" smtClean="0"/>
+              <a:t> (</a:t>
+            </a:r>
+            <a:r>
+              <a:rPr lang="en-US" dirty="0" smtClean="0"/>
+              <a:t>e.g., “oboe-units”)</a:t>
+            </a:r>
             <a:endParaRPr lang="en-US" dirty="0" smtClean="0"/>
           </a:p>
           <a:p>
-            <a:pPr lvl="1"/>
+            <a:pPr lvl="1">
+              <a:spcAft>
+                <a:spcPts val="1800"/>
+              </a:spcAft>
+            </a:pPr>
+            <a:r>
+              <a:rPr lang="en-US" dirty="0" err="1" smtClean="0"/>
+              <a:t>Ontologies</a:t>
+            </a:r>
             <a:r>
               <a:rPr lang="en-US" dirty="0" smtClean="0"/>
-              <a:t>The &lt;entity&gt; was recorded &lt;characteristic&gt; the &lt;entity&gt;</a:t>
-            </a:r>
-          </a:p>
-          <a:p>
-            <a:pPr lvl="1"/>
-            <a:endParaRPr lang="en-US" dirty="0" smtClean="0"/>
-          </a:p>
-          <a:p>
-            <a:pPr lvl="1"/>
+              <a:t> have a comment (using </a:t>
+            </a:r>
+            <a:r>
+              <a:rPr lang="en-US" dirty="0" err="1" smtClean="0">
+                <a:latin typeface="Courier"/>
+                <a:cs typeface="Courier"/>
+              </a:rPr>
+              <a:t>rdfs:comment</a:t>
+            </a:r>
             <a:r>
               <a:rPr lang="en-US" dirty="0" smtClean="0"/>
-              <a:t>For </a:t>
-            </a:r>
-            <a:r>
-              <a:rPr lang="en-US" dirty="0" smtClean="0"/>
-              <a:t>example: …</a:t>
-            </a:r>
-            <a:endParaRPr lang="en-US" dirty="0" smtClean="0"/>
-          </a:p>
-          <a:p>
-            <a:pPr lvl="1"/>
+              <a:t>)</a:t>
+            </a:r>
+          </a:p>
+          <a:p>
+            <a:pPr lvl="1">
+              <a:spcAft>
+                <a:spcPts val="1800"/>
+              </a:spcAft>
+            </a:pPr>
             <a:endParaRPr lang="en-US" dirty="0"/>
           </a:p>
         </p:txBody>
@@ -8300,6 +9943,13 @@
   <p:clrMapOvr>
     <a:masterClrMapping/>
   </p:clrMapOvr>
+  <p:timing>
+    <p:tnLst>
+      <p:par>
+        <p:cTn id="1" dur="indefinite" restart="never" nodeType="tmRoot"/>
+      </p:par>
+    </p:tnLst>
+  </p:timing>
 </p:sld>
 </file>
 
@@ -8337,7 +9987,7 @@
           <a:p>
             <a:r>
               <a:rPr lang="en-US" dirty="0" smtClean="0"/>
-              <a:t>3. Entities and Characteristics</a:t>
+              <a:t>2. Basic Conventions</a:t>
             </a:r>
             <a:endParaRPr lang="en-US" dirty="0"/>
           </a:p>
@@ -8355,119 +10005,91 @@
         </p:nvSpPr>
         <p:spPr/>
         <p:txBody>
-          <a:bodyPr>
-            <a:normAutofit/>
-          </a:bodyPr>
+          <a:bodyPr/>
           <a:lstStyle/>
           <a:p>
             <a:pPr>
-              <a:spcAft>
-                <a:spcPts val="1200"/>
-              </a:spcAft>
               <a:buNone/>
             </a:pPr>
             <a:r>
+              <a:rPr lang="en-US" dirty="0" smtClean="0">
+                <a:solidFill>
+                  <a:srgbClr val="800000"/>
+                </a:solidFill>
+              </a:rPr>
+              <a:t>When naming entities, characteristics, and standards it is suggested they make sense in the following </a:t>
+            </a:r>
+            <a:r>
+              <a:rPr lang="en-US" dirty="0" smtClean="0">
+                <a:solidFill>
+                  <a:srgbClr val="800000"/>
+                </a:solidFill>
+              </a:rPr>
+              <a:t>sentences </a:t>
+            </a:r>
+            <a:r>
+              <a:rPr lang="en-US" dirty="0" smtClean="0">
+                <a:solidFill>
+                  <a:srgbClr val="800000"/>
+                </a:solidFill>
+              </a:rPr>
+              <a:t>… </a:t>
+            </a:r>
+            <a:endParaRPr lang="en-US" dirty="0" smtClean="0">
+              <a:solidFill>
+                <a:srgbClr val="800000"/>
+              </a:solidFill>
+            </a:endParaRPr>
+          </a:p>
+          <a:p>
+            <a:pPr lvl="1"/>
+            <a:endParaRPr lang="en-US" dirty="0" smtClean="0"/>
+          </a:p>
+          <a:p>
+            <a:pPr lvl="1"/>
+            <a:r>
               <a:rPr lang="en-US" dirty="0" smtClean="0"/>
-              <a:t>Entities represent distinct physical or conceptual </a:t>
-            </a:r>
-            <a:r>
-              <a:rPr lang="en-US" i="1" u="sng" dirty="0" smtClean="0"/>
-              <a:t>objects</a:t>
-            </a:r>
-          </a:p>
-          <a:p>
-            <a:pPr lvl="1">
-              <a:spcAft>
-                <a:spcPts val="1200"/>
-              </a:spcAft>
-            </a:pPr>
+              <a:t>The </a:t>
+            </a:r>
             <a:r>
               <a:rPr lang="en-US" dirty="0" smtClean="0"/>
-              <a:t>Examples include trees, plants, air, water, soil</a:t>
-            </a:r>
-          </a:p>
-          <a:p>
-            <a:pPr lvl="1">
-              <a:spcAft>
-                <a:spcPts val="1200"/>
-              </a:spcAft>
-            </a:pPr>
+              <a:t>&lt;characteristic&gt; of an &lt;entity&gt; was</a:t>
+            </a:r>
             <a:r>
               <a:rPr lang="en-US" dirty="0" smtClean="0"/>
-              <a:t>Entities are organized into entity classes</a:t>
-            </a:r>
-          </a:p>
-          <a:p>
-            <a:pPr lvl="1">
-              <a:spcAft>
-                <a:spcPts val="2400"/>
-              </a:spcAft>
-            </a:pPr>
+              <a:t> recorded using the &lt;standard&gt; and the &lt;protocol&gt;</a:t>
+            </a:r>
+          </a:p>
+          <a:p>
+            <a:pPr lvl="1"/>
+            <a:endParaRPr lang="en-US" dirty="0" smtClean="0"/>
+          </a:p>
+          <a:p>
+            <a:pPr lvl="1"/>
             <a:r>
               <a:rPr lang="en-US" dirty="0" smtClean="0"/>
-              <a:t>A class denotes a set of entities (that conform to the class) </a:t>
-            </a:r>
-          </a:p>
-          <a:p>
-            <a:pPr>
-              <a:spcAft>
-                <a:spcPts val="1200"/>
-              </a:spcAft>
-              <a:buNone/>
-            </a:pPr>
+              <a:t>The &lt;entity&gt; was recorded &lt;characteristic&gt; the &lt;entity&gt;</a:t>
+            </a:r>
+          </a:p>
+          <a:p>
+            <a:pPr lvl="1"/>
+            <a:endParaRPr lang="en-US" dirty="0" smtClean="0"/>
+          </a:p>
+          <a:p>
+            <a:pPr lvl="1"/>
             <a:r>
               <a:rPr lang="en-US" dirty="0" smtClean="0"/>
-              <a:t>Each observation has</a:t>
-            </a:r>
-          </a:p>
-          <a:p>
-            <a:pPr lvl="1">
-              <a:spcAft>
-                <a:spcPts val="1200"/>
-              </a:spcAft>
-            </a:pPr>
+              <a:t>For </a:t>
+            </a:r>
             <a:r>
               <a:rPr lang="en-US" dirty="0" smtClean="0"/>
-              <a:t>An observed entity</a:t>
-            </a:r>
-          </a:p>
-          <a:p>
-            <a:pPr>
-              <a:spcAft>
-                <a:spcPts val="1200"/>
-              </a:spcAft>
-              <a:buNone/>
-            </a:pPr>
-            <a:r>
-              <a:rPr lang="en-US" dirty="0" smtClean="0"/>
-              <a:t>	Together with zero or more </a:t>
-            </a:r>
-          </a:p>
-          <a:p>
-            <a:pPr lvl="1">
-              <a:spcAft>
-                <a:spcPts val="1200"/>
-              </a:spcAft>
-            </a:pPr>
-            <a:r>
-              <a:rPr lang="en-US" dirty="0" smtClean="0"/>
-              <a:t>M</a:t>
-            </a:r>
-            <a:r>
-              <a:rPr lang="en-US" dirty="0" smtClean="0"/>
-              <a:t>easurements of the entity and</a:t>
-            </a:r>
-          </a:p>
-          <a:p>
-            <a:pPr lvl="1">
-              <a:spcAft>
-                <a:spcPts val="1200"/>
-              </a:spcAft>
-            </a:pPr>
-            <a:r>
-              <a:rPr lang="en-US" dirty="0" smtClean="0"/>
-              <a:t>Contexts represented through other observations </a:t>
-            </a:r>
+              <a:t>example: …</a:t>
+            </a:r>
+            <a:endParaRPr lang="en-US" dirty="0" smtClean="0"/>
+          </a:p>
+          <a:p>
+            <a:pPr lvl="1"/>
+            <a:endParaRPr lang="en-US" dirty="0"/>
           </a:p>
         </p:txBody>
       </p:sp>
@@ -8476,6 +10098,13 @@
   <p:clrMapOvr>
     <a:masterClrMapping/>
   </p:clrMapOvr>
+  <p:timing>
+    <p:tnLst>
+      <p:par>
+        <p:cTn id="1" dur="indefinite" restart="never" nodeType="tmRoot"/>
+      </p:par>
+    </p:tnLst>
+  </p:timing>
 </p:sld>
 </file>
 
@@ -8531,7 +10160,9 @@
         </p:nvSpPr>
         <p:spPr/>
         <p:txBody>
-          <a:bodyPr/>
+          <a:bodyPr>
+            <a:normAutofit/>
+          </a:bodyPr>
           <a:lstStyle/>
           <a:p>
             <a:pPr>
@@ -8541,16 +10172,20 @@
               <a:buNone/>
             </a:pPr>
             <a:r>
-              <a:rPr lang="en-US" dirty="0" smtClean="0"/>
-              <a:t>Characteristics represent </a:t>
-            </a:r>
-            <a:r>
-              <a:rPr lang="en-US" i="1" u="sng" dirty="0" smtClean="0"/>
-              <a:t>properties</a:t>
-            </a:r>
-            <a:r>
-              <a:rPr lang="en-US" dirty="0" smtClean="0"/>
-              <a:t> of entities</a:t>
+              <a:rPr lang="en-US" dirty="0" smtClean="0">
+                <a:solidFill>
+                  <a:srgbClr val="800000"/>
+                </a:solidFill>
+              </a:rPr>
+              <a:t>Entities represent distinct physical or conceptual </a:t>
+            </a:r>
+            <a:r>
+              <a:rPr lang="en-US" i="1" u="sng" dirty="0" smtClean="0">
+                <a:solidFill>
+                  <a:srgbClr val="800000"/>
+                </a:solidFill>
+              </a:rPr>
+              <a:t>objects</a:t>
             </a:r>
           </a:p>
           <a:p>
@@ -8561,7 +10196,7 @@
             </a:pPr>
             <a:r>
               <a:rPr lang="en-US" dirty="0" smtClean="0"/>
-              <a:t>Examples include height, mass, speed, volume, etc.</a:t>
+              <a:t>Examples include trees, plants, air, water, soil</a:t>
             </a:r>
           </a:p>
           <a:p>
@@ -8572,18 +10207,7 @@
             </a:pPr>
             <a:r>
               <a:rPr lang="en-US" dirty="0" smtClean="0"/>
-              <a:t>Characteristics are also organized into classes</a:t>
-            </a:r>
-          </a:p>
-          <a:p>
-            <a:pPr lvl="1">
-              <a:spcAft>
-                <a:spcPts val="1200"/>
-              </a:spcAft>
-            </a:pPr>
-            <a:r>
-              <a:rPr lang="en-US" dirty="0" smtClean="0"/>
-              <a:t>A characteristic is a particular occurrence of the characteristic type defined by the class</a:t>
+              <a:t>Entities are organized into entity classes</a:t>
             </a:r>
           </a:p>
           <a:p>
@@ -8594,7 +10218,7 @@
             </a:pPr>
             <a:r>
               <a:rPr lang="en-US" dirty="0" smtClean="0"/>
-              <a:t>For instance, a particular occurrence of the height characteristic (tied to some entity)</a:t>
+              <a:t>A class denotes a set of entities (that conform to the class) </a:t>
             </a:r>
           </a:p>
           <a:p>
@@ -8605,8 +10229,12 @@
               <a:buNone/>
             </a:pPr>
             <a:r>
-              <a:rPr lang="en-US" dirty="0" smtClean="0"/>
-              <a:t>A measurements assigns a value to a characteristic</a:t>
+              <a:rPr lang="en-US" dirty="0" smtClean="0">
+                <a:solidFill>
+                  <a:srgbClr val="800000"/>
+                </a:solidFill>
+              </a:rPr>
+              <a:t>Each observation has …</a:t>
             </a:r>
           </a:p>
           <a:p>
@@ -8617,9 +10245,50 @@
             </a:pPr>
             <a:r>
               <a:rPr lang="en-US" dirty="0" smtClean="0"/>
-              <a:t>The recorded value of the characteristic for the observed entity</a:t>
-            </a:r>
-            <a:endParaRPr lang="en-US" dirty="0"/>
+              <a:t>An observed entity</a:t>
+            </a:r>
+          </a:p>
+          <a:p>
+            <a:pPr>
+              <a:spcAft>
+                <a:spcPts val="1200"/>
+              </a:spcAft>
+              <a:buNone/>
+            </a:pPr>
+            <a:r>
+              <a:rPr lang="en-US" dirty="0" smtClean="0">
+                <a:solidFill>
+                  <a:srgbClr val="800000"/>
+                </a:solidFill>
+              </a:rPr>
+              <a:t>Together with zero or more  …</a:t>
+            </a:r>
+          </a:p>
+          <a:p>
+            <a:pPr lvl="1">
+              <a:spcAft>
+                <a:spcPts val="1200"/>
+              </a:spcAft>
+            </a:pPr>
+            <a:r>
+              <a:rPr lang="en-US" dirty="0" smtClean="0"/>
+              <a:t>M</a:t>
+            </a:r>
+            <a:r>
+              <a:rPr lang="en-US" dirty="0" smtClean="0"/>
+              <a:t>easurements of the entity; and</a:t>
+            </a:r>
+          </a:p>
+          <a:p>
+            <a:pPr lvl="1">
+              <a:spcAft>
+                <a:spcPts val="1200"/>
+              </a:spcAft>
+            </a:pPr>
+            <a:r>
+              <a:rPr lang="en-US" dirty="0" smtClean="0"/>
+              <a:t>Contexts represented through other observations </a:t>
+            </a:r>
           </a:p>
         </p:txBody>
       </p:sp>
@@ -8690,10 +10359,31 @@
               <a:spcAft>
                 <a:spcPts val="1200"/>
               </a:spcAft>
+              <a:buNone/>
             </a:pPr>
             <a:r>
-              <a:rPr lang="en-US" dirty="0" smtClean="0"/>
-              <a:t>Distinguishing between entities and characteristics</a:t>
+              <a:rPr lang="en-US" dirty="0" smtClean="0">
+                <a:solidFill>
+                  <a:srgbClr val="800000"/>
+                </a:solidFill>
+              </a:rPr>
+              <a:t>Characteristics represent </a:t>
+            </a:r>
+            <a:r>
+              <a:rPr lang="en-US" i="1" u="sng" dirty="0" smtClean="0">
+                <a:solidFill>
+                  <a:srgbClr val="800000"/>
+                </a:solidFill>
+              </a:rPr>
+              <a:t>properties</a:t>
+            </a:r>
+            <a:r>
+              <a:rPr lang="en-US" dirty="0" smtClean="0">
+                <a:solidFill>
+                  <a:srgbClr val="800000"/>
+                </a:solidFill>
+              </a:rPr>
+              <a:t> of entities</a:t>
             </a:r>
           </a:p>
           <a:p>
@@ -8704,7 +10394,7 @@
             </a:pPr>
             <a:r>
               <a:rPr lang="en-US" dirty="0" smtClean="0"/>
-              <a:t>Characteristics are dependent on entities … </a:t>
+              <a:t>Examples include height, mass, speed, volume, etc.</a:t>
             </a:r>
           </a:p>
           <a:p>
@@ -8715,7 +10405,83 @@
             </a:pPr>
             <a:r>
               <a:rPr lang="en-US" dirty="0" smtClean="0"/>
-              <a:t>A characteristic must always be combined with an entity (the object possessing the characteristic) and a value</a:t>
+              <a:t>Characteristics are also organized into classes</a:t>
+            </a:r>
+          </a:p>
+          <a:p>
+            <a:pPr lvl="1">
+              <a:spcAft>
+                <a:spcPts val="1200"/>
+              </a:spcAft>
+            </a:pPr>
+            <a:r>
+              <a:rPr lang="en-US" dirty="0" smtClean="0"/>
+              <a:t>A characteristic is a particular occurrence of the property</a:t>
+            </a:r>
+          </a:p>
+          <a:p>
+            <a:pPr lvl="1">
+              <a:spcAft>
+                <a:spcPts val="1200"/>
+              </a:spcAft>
+            </a:pPr>
+            <a:r>
+              <a:rPr lang="en-US" dirty="0" smtClean="0"/>
+              <a:t>For instance, a particular occurrence of the height characteristic (tied to some entity)</a:t>
+            </a:r>
+          </a:p>
+          <a:p>
+            <a:pPr lvl="1">
+              <a:spcAft>
+                <a:spcPts val="2400"/>
+              </a:spcAft>
+            </a:pPr>
+            <a:r>
+              <a:rPr lang="en-US" dirty="0" smtClean="0"/>
+              <a:t>Each characteristic of an entity has a value </a:t>
+            </a:r>
+          </a:p>
+          <a:p>
+            <a:pPr>
+              <a:spcAft>
+                <a:spcPts val="1200"/>
+              </a:spcAft>
+              <a:buNone/>
+            </a:pPr>
+            <a:r>
+              <a:rPr lang="en-US" dirty="0" smtClean="0">
+                <a:solidFill>
+                  <a:srgbClr val="800000"/>
+                </a:solidFill>
+              </a:rPr>
+              <a:t>A measurement asserts </a:t>
+            </a:r>
+            <a:r>
+              <a:rPr lang="en-US" i="1" u="sng" dirty="0" smtClean="0">
+                <a:solidFill>
+                  <a:srgbClr val="800000"/>
+                </a:solidFill>
+              </a:rPr>
+              <a:t>a value</a:t>
+            </a:r>
+            <a:r>
+              <a:rPr lang="en-US" dirty="0" smtClean="0">
+                <a:solidFill>
+                  <a:srgbClr val="800000"/>
+                </a:solidFill>
+              </a:rPr>
+              <a:t> for a characteristic</a:t>
+            </a:r>
+          </a:p>
+          <a:p>
+            <a:pPr lvl="1">
+              <a:spcAft>
+                <a:spcPts val="1200"/>
+              </a:spcAft>
+            </a:pPr>
+            <a:r>
+              <a:rPr lang="en-US" dirty="0" smtClean="0"/>
+              <a:t>A recorded value of the characteristic for the observed entity</a:t>
             </a:r>
             <a:endParaRPr lang="en-US" dirty="0"/>
           </a:p>
@@ -8784,50 +10550,130 @@
           <a:bodyPr/>
           <a:lstStyle/>
           <a:p>
+            <a:pPr>
+              <a:spcAft>
+                <a:spcPts val="1200"/>
+              </a:spcAft>
+              <a:buNone/>
+            </a:pPr>
+            <a:r>
+              <a:rPr lang="en-US" dirty="0" smtClean="0">
+                <a:solidFill>
+                  <a:srgbClr val="800000"/>
+                </a:solidFill>
+              </a:rPr>
+              <a:t>Entities vs. characteristics</a:t>
+            </a:r>
+          </a:p>
+          <a:p>
+            <a:pPr lvl="1">
+              <a:spcAft>
+                <a:spcPts val="1200"/>
+              </a:spcAft>
+            </a:pPr>
             <a:r>
               <a:rPr lang="en-US" dirty="0" smtClean="0"/>
-              <a:t>Special types of entities</a:t>
-            </a:r>
-          </a:p>
-          <a:p>
-            <a:pPr lvl="1"/>
+              <a:t>Characteristics are dependent on entities … </a:t>
+            </a:r>
+          </a:p>
+          <a:p>
+            <a:pPr lvl="1">
+              <a:spcAft>
+                <a:spcPts val="1200"/>
+              </a:spcAft>
+            </a:pPr>
             <a:r>
               <a:rPr lang="en-US" dirty="0" smtClean="0"/>
-              <a:t>Primitive values</a:t>
-            </a:r>
-          </a:p>
-          <a:p>
+              <a:t>They must be combined with an entity (the object possessing the characteristic) </a:t>
+            </a:r>
+          </a:p>
+          <a:p>
+            <a:pPr lvl="1">
+              <a:spcAft>
+                <a:spcPts val="1200"/>
+              </a:spcAft>
+            </a:pPr>
             <a:r>
               <a:rPr lang="en-US" dirty="0" smtClean="0"/>
-              <a:t>Special types of characteristics</a:t>
-            </a:r>
-          </a:p>
-          <a:p>
-            <a:pPr lvl="1"/>
+              <a:t>They always have a value</a:t>
+            </a:r>
+          </a:p>
+          <a:p>
+            <a:pPr lvl="1">
+              <a:spcAft>
+                <a:spcPts val="1200"/>
+              </a:spcAft>
+            </a:pPr>
+            <a:endParaRPr lang="en-US" dirty="0" smtClean="0"/>
+          </a:p>
+          <a:p>
+            <a:pPr lvl="1">
+              <a:spcAft>
+                <a:spcPts val="1200"/>
+              </a:spcAft>
+              <a:buNone/>
+            </a:pPr>
             <a:r>
               <a:rPr lang="en-US" dirty="0" smtClean="0"/>
-              <a:t>Physical characteristic</a:t>
-            </a:r>
-          </a:p>
-          <a:p>
-            <a:pPr lvl="1"/>
+              <a:t>Depending on the type of characteristic …</a:t>
+            </a:r>
+          </a:p>
+          <a:p>
+            <a:pPr lvl="1">
+              <a:spcAft>
+                <a:spcPts val="1200"/>
+              </a:spcAft>
+            </a:pPr>
             <a:r>
               <a:rPr lang="en-US" dirty="0" smtClean="0"/>
-              <a:t>Qualifier</a:t>
-            </a:r>
-          </a:p>
-          <a:p>
-            <a:pPr lvl="1"/>
+              <a:t>The value can be of a primitive (like a string or numeric value)</a:t>
+            </a:r>
+          </a:p>
+          <a:p>
+            <a:pPr lvl="1">
+              <a:spcAft>
+                <a:spcPts val="1200"/>
+              </a:spcAft>
+            </a:pPr>
             <a:r>
               <a:rPr lang="en-US" dirty="0" smtClean="0"/>
-              <a:t>Name</a:t>
-            </a:r>
-          </a:p>
-          <a:p>
-            <a:pPr lvl="1"/>
+              <a:t>Or another entity (e.g., </a:t>
+            </a:r>
+            <a:r>
+              <a:rPr lang="en-US" sz="2000" dirty="0" smtClean="0">
+                <a:latin typeface="Courier"/>
+                <a:cs typeface="Courier"/>
+              </a:rPr>
+              <a:t>tree1 </a:t>
+            </a:r>
+            <a:r>
+              <a:rPr lang="en-US" sz="2000" dirty="0" err="1" smtClean="0">
+                <a:latin typeface="Courier"/>
+                <a:cs typeface="Courier"/>
+              </a:rPr>
+              <a:t>nextTo</a:t>
+            </a:r>
+            <a:r>
+              <a:rPr lang="en-US" sz="2000" dirty="0" smtClean="0">
+                <a:latin typeface="Courier"/>
+                <a:cs typeface="Courier"/>
+              </a:rPr>
+              <a:t> tree2</a:t>
+            </a:r>
             <a:r>
               <a:rPr lang="en-US" dirty="0" smtClean="0"/>
-              <a:t>Type</a:t>
+              <a:t>, </a:t>
+            </a:r>
+            <a:r>
+              <a:rPr lang="en-US" sz="2000" dirty="0" smtClean="0">
+                <a:latin typeface="Courier"/>
+                <a:cs typeface="Courier"/>
+              </a:rPr>
+              <a:t>hawk1 ate vole1</a:t>
+            </a:r>
+            <a:r>
+              <a:rPr lang="en-US" dirty="0" smtClean="0"/>
+              <a:t>)</a:t>
             </a:r>
             <a:endParaRPr lang="en-US" dirty="0"/>
           </a:p>
